--- a/Fitabase/健康科技公司如何智能化.pptx
+++ b/Fitabase/健康科技公司如何智能化.pptx
@@ -1837,7 +1837,7 @@
 <dgm:dataModel xmlns:dgm="http://schemas.openxmlformats.org/drawingml/2006/diagram" xmlns:a="http://schemas.openxmlformats.org/drawingml/2006/main">
   <dgm:ptLst>
     <dgm:pt modelId="{76BA49E5-E3C0-4ECA-972B-18F35FD0F410}" type="doc">
-      <dgm:prSet loTypeId="urn:microsoft.com/office/officeart/2016/7/layout/RepeatingBendingProcessNew" loCatId="process" qsTypeId="urn:microsoft.com/office/officeart/2005/8/quickstyle/simple1" qsCatId="simple" csTypeId="urn:microsoft.com/office/officeart/2005/8/colors/colorful5" csCatId="colorful" phldr="1"/>
+      <dgm:prSet loTypeId="urn:microsoft.com/office/officeart/2016/7/layout/RepeatingBendingProcessNew" loCatId="process" qsTypeId="urn:microsoft.com/office/officeart/2005/8/quickstyle/simple1" qsCatId="simple" csTypeId="urn:microsoft.com/office/officeart/2005/8/colors/colorful5" csCatId="colorful"/>
       <dgm:spPr/>
       <dgm:t>
         <a:bodyPr/>
@@ -1855,26 +1855,12 @@
         <a:lstStyle/>
         <a:p>
           <a:r>
-            <a:rPr lang="en-US" altLang="zh-TW" dirty="0">
-              <a:latin typeface="標楷體" panose="03000509000000000000" pitchFamily="65" charset="-120"/>
-              <a:ea typeface="標楷體" panose="03000509000000000000" pitchFamily="65" charset="-120"/>
+            <a:rPr lang="en-US" dirty="0">
+              <a:latin typeface="Times New Roman" panose="02020603050405020304" pitchFamily="18" charset="0"/>
               <a:cs typeface="Times New Roman" panose="02020603050405020304" pitchFamily="18" charset="0"/>
             </a:rPr>
-            <a:t>1</a:t>
+            <a:t>1. A clear statement of the business task </a:t>
           </a:r>
-          <a:r>
-            <a:rPr lang="zh-TW" altLang="en-US" dirty="0">
-              <a:latin typeface="標楷體" panose="03000509000000000000" pitchFamily="65" charset="-120"/>
-              <a:ea typeface="標楷體" panose="03000509000000000000" pitchFamily="65" charset="-120"/>
-              <a:cs typeface="Times New Roman" panose="02020603050405020304" pitchFamily="18" charset="0"/>
-            </a:rPr>
-            <a:t>：明確業務任務</a:t>
-          </a:r>
-          <a:endParaRPr lang="en-US" dirty="0">
-            <a:latin typeface="標楷體" panose="03000509000000000000" pitchFamily="65" charset="-120"/>
-            <a:ea typeface="標楷體" panose="03000509000000000000" pitchFamily="65" charset="-120"/>
-            <a:cs typeface="Times New Roman" panose="02020603050405020304" pitchFamily="18" charset="0"/>
-          </a:endParaRPr>
         </a:p>
       </dgm:t>
     </dgm:pt>
@@ -1900,7 +1886,7 @@
         </a:p>
       </dgm:t>
     </dgm:pt>
-    <dgm:pt modelId="{76C89A1D-ADA0-4BF0-B565-24DAECCBD751}">
+    <dgm:pt modelId="{449BE7DF-827C-4EDC-AE34-B2EF056F311D}">
       <dgm:prSet/>
       <dgm:spPr/>
       <dgm:t>
@@ -1908,47 +1894,38 @@
         <a:lstStyle/>
         <a:p>
           <a:r>
-            <a:rPr lang="en-US" altLang="zh-TW" dirty="0">
-              <a:latin typeface="標楷體" panose="03000509000000000000" pitchFamily="65" charset="-120"/>
-              <a:ea typeface="標楷體" panose="03000509000000000000" pitchFamily="65" charset="-120"/>
+            <a:rPr lang="en-US" dirty="0">
+              <a:latin typeface="Times New Roman" panose="02020603050405020304" pitchFamily="18" charset="0"/>
               <a:cs typeface="Times New Roman" panose="02020603050405020304" pitchFamily="18" charset="0"/>
             </a:rPr>
-            <a:t>2</a:t>
-          </a:r>
-          <a:r>
-            <a:rPr lang="zh-TW" altLang="en-US" dirty="0">
-              <a:latin typeface="標楷體" panose="03000509000000000000" pitchFamily="65" charset="-120"/>
-              <a:ea typeface="標楷體" panose="03000509000000000000" pitchFamily="65" charset="-120"/>
-              <a:cs typeface="Times New Roman" panose="02020603050405020304" pitchFamily="18" charset="0"/>
-            </a:rPr>
-            <a:t>：所有資料來源的說明</a:t>
+            <a:t>2. A description of all data sources used </a:t>
           </a:r>
         </a:p>
       </dgm:t>
     </dgm:pt>
-    <dgm:pt modelId="{271D6A63-0D9D-4BF9-9E96-28FD0956C860}" type="parTrans" cxnId="{1063C1D3-8DA6-4600-A1E7-CDB0439F30B2}">
+    <dgm:pt modelId="{D657C7B9-E331-41AA-9260-1A8F8C36F818}" type="parTrans" cxnId="{FC3EC48F-9326-4E5B-A429-D6FD4E507343}">
       <dgm:prSet/>
       <dgm:spPr/>
       <dgm:t>
         <a:bodyPr/>
         <a:lstStyle/>
         <a:p>
-          <a:endParaRPr lang="zh-TW" altLang="en-US"/>
+          <a:endParaRPr lang="en-US"/>
         </a:p>
       </dgm:t>
     </dgm:pt>
-    <dgm:pt modelId="{75538F3E-3338-42E9-8440-08F0558DCDB7}" type="sibTrans" cxnId="{1063C1D3-8DA6-4600-A1E7-CDB0439F30B2}">
+    <dgm:pt modelId="{5E658F17-C9B9-4AB3-B45B-12A68A4CD39A}" type="sibTrans" cxnId="{FC3EC48F-9326-4E5B-A429-D6FD4E507343}">
       <dgm:prSet/>
       <dgm:spPr/>
       <dgm:t>
         <a:bodyPr/>
         <a:lstStyle/>
         <a:p>
-          <a:endParaRPr lang="zh-TW" altLang="en-US"/>
+          <a:endParaRPr lang="en-US"/>
         </a:p>
       </dgm:t>
     </dgm:pt>
-    <dgm:pt modelId="{F3FD5FC8-A8EE-4DE3-84C1-A80A4F2EA895}">
+    <dgm:pt modelId="{721910DE-4264-4A76-8332-48EAA7B14069}">
       <dgm:prSet/>
       <dgm:spPr/>
       <dgm:t>
@@ -1956,47 +1933,38 @@
         <a:lstStyle/>
         <a:p>
           <a:r>
-            <a:rPr lang="en-US" altLang="zh-TW" dirty="0">
-              <a:latin typeface="標楷體" panose="03000509000000000000" pitchFamily="65" charset="-120"/>
-              <a:ea typeface="標楷體" panose="03000509000000000000" pitchFamily="65" charset="-120"/>
+            <a:rPr lang="en-US" dirty="0">
+              <a:latin typeface="Times New Roman" panose="02020603050405020304" pitchFamily="18" charset="0"/>
               <a:cs typeface="Times New Roman" panose="02020603050405020304" pitchFamily="18" charset="0"/>
             </a:rPr>
-            <a:t>3</a:t>
-          </a:r>
-          <a:r>
-            <a:rPr lang="zh-TW" altLang="en-US" dirty="0">
-              <a:latin typeface="標楷體" panose="03000509000000000000" pitchFamily="65" charset="-120"/>
-              <a:ea typeface="標楷體" panose="03000509000000000000" pitchFamily="65" charset="-120"/>
-              <a:cs typeface="Times New Roman" panose="02020603050405020304" pitchFamily="18" charset="0"/>
-            </a:rPr>
-            <a:t>：任何資料清理或處理的記錄</a:t>
+            <a:t>3. Documentation of any cleaning or manipulation of data </a:t>
           </a:r>
         </a:p>
       </dgm:t>
     </dgm:pt>
-    <dgm:pt modelId="{7FFF86FF-34C6-4D5A-9EED-D8C7E5E0CF11}" type="parTrans" cxnId="{AC2334BA-E313-4F3B-926E-A823FB1A6EE3}">
+    <dgm:pt modelId="{F52F8107-4282-4B3A-A420-5A652E928594}" type="parTrans" cxnId="{B3B0D453-F5F8-4433-98CC-12CF28DF9469}">
       <dgm:prSet/>
       <dgm:spPr/>
       <dgm:t>
         <a:bodyPr/>
         <a:lstStyle/>
         <a:p>
-          <a:endParaRPr lang="zh-TW" altLang="en-US"/>
+          <a:endParaRPr lang="en-US"/>
         </a:p>
       </dgm:t>
     </dgm:pt>
-    <dgm:pt modelId="{5BF4A444-E39D-4D33-B49F-27FD8DEED9EB}" type="sibTrans" cxnId="{AC2334BA-E313-4F3B-926E-A823FB1A6EE3}">
+    <dgm:pt modelId="{D4C8E82F-6BC2-4879-8389-3277B007B95E}" type="sibTrans" cxnId="{B3B0D453-F5F8-4433-98CC-12CF28DF9469}">
       <dgm:prSet/>
       <dgm:spPr/>
       <dgm:t>
         <a:bodyPr/>
         <a:lstStyle/>
         <a:p>
-          <a:endParaRPr lang="zh-TW" altLang="en-US"/>
+          <a:endParaRPr lang="en-US"/>
         </a:p>
       </dgm:t>
     </dgm:pt>
-    <dgm:pt modelId="{5B5FADCE-7FE1-43F8-937C-1B007E99E722}">
+    <dgm:pt modelId="{24D36206-6E1B-49FC-9375-BFE4467AA6A1}">
       <dgm:prSet/>
       <dgm:spPr/>
       <dgm:t>
@@ -2004,47 +1972,38 @@
         <a:lstStyle/>
         <a:p>
           <a:r>
-            <a:rPr lang="en-US" altLang="zh-TW" dirty="0">
-              <a:latin typeface="標楷體" panose="03000509000000000000" pitchFamily="65" charset="-120"/>
-              <a:ea typeface="標楷體" panose="03000509000000000000" pitchFamily="65" charset="-120"/>
+            <a:rPr lang="en-US" dirty="0">
+              <a:latin typeface="Times New Roman" panose="02020603050405020304" pitchFamily="18" charset="0"/>
               <a:cs typeface="Times New Roman" panose="02020603050405020304" pitchFamily="18" charset="0"/>
             </a:rPr>
-            <a:t>4</a:t>
-          </a:r>
-          <a:r>
-            <a:rPr lang="zh-TW" altLang="en-US" dirty="0">
-              <a:latin typeface="標楷體" panose="03000509000000000000" pitchFamily="65" charset="-120"/>
-              <a:ea typeface="標楷體" panose="03000509000000000000" pitchFamily="65" charset="-120"/>
-              <a:cs typeface="Times New Roman" panose="02020603050405020304" pitchFamily="18" charset="0"/>
-            </a:rPr>
-            <a:t>：我的分析摘要</a:t>
+            <a:t>4. A summary of my analysis </a:t>
           </a:r>
         </a:p>
       </dgm:t>
     </dgm:pt>
-    <dgm:pt modelId="{E92B47E7-1546-4CFA-A5EB-FB0C73C795B2}" type="parTrans" cxnId="{90213CDE-EDB9-4530-BEAA-B112516DDD95}">
+    <dgm:pt modelId="{B13EF978-5FA6-46AB-9BCC-716390E39373}" type="parTrans" cxnId="{3BB5DDD7-3915-4791-A6A6-EE421471F373}">
       <dgm:prSet/>
       <dgm:spPr/>
       <dgm:t>
         <a:bodyPr/>
         <a:lstStyle/>
         <a:p>
-          <a:endParaRPr lang="zh-TW" altLang="en-US"/>
+          <a:endParaRPr lang="en-US"/>
         </a:p>
       </dgm:t>
     </dgm:pt>
-    <dgm:pt modelId="{4F9EB313-3C37-43F7-9943-FAC5A5E925FB}" type="sibTrans" cxnId="{90213CDE-EDB9-4530-BEAA-B112516DDD95}">
+    <dgm:pt modelId="{B51B5982-7D1F-4AC4-89FC-1391816C1E5D}" type="sibTrans" cxnId="{3BB5DDD7-3915-4791-A6A6-EE421471F373}">
       <dgm:prSet/>
       <dgm:spPr/>
       <dgm:t>
         <a:bodyPr/>
         <a:lstStyle/>
         <a:p>
-          <a:endParaRPr lang="zh-TW" altLang="en-US"/>
+          <a:endParaRPr lang="en-US"/>
         </a:p>
       </dgm:t>
     </dgm:pt>
-    <dgm:pt modelId="{4237F8CC-367A-4EBD-BBAF-CA4B43079BE1}">
+    <dgm:pt modelId="{A1B62600-826A-440D-A075-70E1215E11FF}">
       <dgm:prSet/>
       <dgm:spPr/>
       <dgm:t>
@@ -2052,47 +2011,38 @@
         <a:lstStyle/>
         <a:p>
           <a:r>
-            <a:rPr lang="en-US" altLang="zh-TW" dirty="0">
-              <a:latin typeface="標楷體" panose="03000509000000000000" pitchFamily="65" charset="-120"/>
-              <a:ea typeface="標楷體" panose="03000509000000000000" pitchFamily="65" charset="-120"/>
+            <a:rPr lang="en-US" dirty="0">
+              <a:latin typeface="Times New Roman" panose="02020603050405020304" pitchFamily="18" charset="0"/>
               <a:cs typeface="Times New Roman" panose="02020603050405020304" pitchFamily="18" charset="0"/>
             </a:rPr>
-            <a:t>5</a:t>
-          </a:r>
-          <a:r>
-            <a:rPr lang="zh-TW" altLang="en-US" dirty="0">
-              <a:latin typeface="標楷體" panose="03000509000000000000" pitchFamily="65" charset="-120"/>
-              <a:ea typeface="標楷體" panose="03000509000000000000" pitchFamily="65" charset="-120"/>
-              <a:cs typeface="Times New Roman" panose="02020603050405020304" pitchFamily="18" charset="0"/>
-            </a:rPr>
-            <a:t>：可視化支持和發現主要</a:t>
+            <a:t>5. Supporting visualizations and key findings </a:t>
           </a:r>
         </a:p>
       </dgm:t>
     </dgm:pt>
-    <dgm:pt modelId="{CFB4B474-2B2B-4D5E-8339-0748C3697584}" type="parTrans" cxnId="{E49AF6B4-0E3F-424D-B8AF-9E3C5ED63CBB}">
+    <dgm:pt modelId="{7F9A5DA9-0F6C-44DB-9997-9E550C17788B}" type="parTrans" cxnId="{8AFC7E78-303D-4D2E-918C-3A12A9D0E942}">
       <dgm:prSet/>
       <dgm:spPr/>
       <dgm:t>
         <a:bodyPr/>
         <a:lstStyle/>
         <a:p>
-          <a:endParaRPr lang="zh-TW" altLang="en-US"/>
+          <a:endParaRPr lang="en-US"/>
         </a:p>
       </dgm:t>
     </dgm:pt>
-    <dgm:pt modelId="{1254EEE5-A015-4419-BD5C-6A81AFC3AF24}" type="sibTrans" cxnId="{E49AF6B4-0E3F-424D-B8AF-9E3C5ED63CBB}">
+    <dgm:pt modelId="{3CBA9A2E-704E-44C8-A269-4D99025109DC}" type="sibTrans" cxnId="{8AFC7E78-303D-4D2E-918C-3A12A9D0E942}">
       <dgm:prSet/>
       <dgm:spPr/>
       <dgm:t>
         <a:bodyPr/>
         <a:lstStyle/>
         <a:p>
-          <a:endParaRPr lang="zh-TW" altLang="en-US"/>
+          <a:endParaRPr lang="en-US"/>
         </a:p>
       </dgm:t>
     </dgm:pt>
-    <dgm:pt modelId="{E3B5CC6D-14CD-4E42-B1F6-CCD4EB5C9D33}">
+    <dgm:pt modelId="{7065CFB7-E024-448C-8724-AC4AC1DD254F}">
       <dgm:prSet/>
       <dgm:spPr/>
       <dgm:t>
@@ -2100,43 +2050,34 @@
         <a:lstStyle/>
         <a:p>
           <a:r>
-            <a:rPr lang="en-US" altLang="zh-TW" dirty="0">
-              <a:latin typeface="標楷體" panose="03000509000000000000" pitchFamily="65" charset="-120"/>
-              <a:ea typeface="標楷體" panose="03000509000000000000" pitchFamily="65" charset="-120"/>
+            <a:rPr lang="en-US" dirty="0">
+              <a:latin typeface="Times New Roman" panose="02020603050405020304" pitchFamily="18" charset="0"/>
               <a:cs typeface="Times New Roman" panose="02020603050405020304" pitchFamily="18" charset="0"/>
             </a:rPr>
-            <a:t>6</a:t>
-          </a:r>
-          <a:r>
-            <a:rPr lang="zh-TW" altLang="en-US" dirty="0">
-              <a:latin typeface="標楷體" panose="03000509000000000000" pitchFamily="65" charset="-120"/>
-              <a:ea typeface="標楷體" panose="03000509000000000000" pitchFamily="65" charset="-120"/>
-              <a:cs typeface="Times New Roman" panose="02020603050405020304" pitchFamily="18" charset="0"/>
-            </a:rPr>
-            <a:t>：我根據分析提出的三大建議</a:t>
+            <a:t>6. My top three recommendations based on analysis</a:t>
           </a:r>
         </a:p>
       </dgm:t>
     </dgm:pt>
-    <dgm:pt modelId="{058D3EA9-35A2-4F12-983B-702572702DF7}" type="parTrans" cxnId="{95E5AFEF-9CD1-44CA-A595-9365149097DC}">
+    <dgm:pt modelId="{4BAAACB1-D202-42FA-90F6-87672DA92334}" type="parTrans" cxnId="{7F3D4D5F-DFF8-4263-B459-27E6DDE792B9}">
       <dgm:prSet/>
       <dgm:spPr/>
       <dgm:t>
         <a:bodyPr/>
         <a:lstStyle/>
         <a:p>
-          <a:endParaRPr lang="zh-TW" altLang="en-US"/>
+          <a:endParaRPr lang="en-US"/>
         </a:p>
       </dgm:t>
     </dgm:pt>
-    <dgm:pt modelId="{27EBC806-22A5-40F1-BBE8-E6C215A9A3CB}" type="sibTrans" cxnId="{95E5AFEF-9CD1-44CA-A595-9365149097DC}">
+    <dgm:pt modelId="{D7E8A34B-9EAA-45A8-97B0-0EE296A5591E}" type="sibTrans" cxnId="{7F3D4D5F-DFF8-4263-B459-27E6DDE792B9}">
       <dgm:prSet/>
       <dgm:spPr/>
       <dgm:t>
         <a:bodyPr/>
         <a:lstStyle/>
         <a:p>
-          <a:endParaRPr lang="zh-TW" altLang="en-US"/>
+          <a:endParaRPr lang="en-US"/>
         </a:p>
       </dgm:t>
     </dgm:pt>
@@ -2150,7 +2091,7 @@
       <dgm:spPr/>
     </dgm:pt>
     <dgm:pt modelId="{DB690B9B-032E-4C2D-B5A3-D07905AE2240}" type="pres">
-      <dgm:prSet presAssocID="{3DBEC265-EC9C-4408-80A0-5F2E46D60421}" presName="node" presStyleLbl="node1" presStyleIdx="0" presStyleCnt="6" custLinFactNeighborX="2832">
+      <dgm:prSet presAssocID="{3DBEC265-EC9C-4408-80A0-5F2E46D60421}" presName="node" presStyleLbl="node1" presStyleIdx="0" presStyleCnt="6">
         <dgm:presLayoutVars>
           <dgm:bulletEnabled val="1"/>
         </dgm:presLayoutVars>
@@ -2165,72 +2106,72 @@
       <dgm:prSet presAssocID="{5373E0B2-4C19-4E29-AE73-86FFB771607F}" presName="connectorText" presStyleLbl="sibTrans1D1" presStyleIdx="0" presStyleCnt="5"/>
       <dgm:spPr/>
     </dgm:pt>
-    <dgm:pt modelId="{CFBE963E-CD8B-4756-A9F2-6520EBA17D27}" type="pres">
-      <dgm:prSet presAssocID="{76C89A1D-ADA0-4BF0-B565-24DAECCBD751}" presName="node" presStyleLbl="node1" presStyleIdx="1" presStyleCnt="6">
+    <dgm:pt modelId="{D2695415-87B3-4A73-AC95-789DFFDFC4EC}" type="pres">
+      <dgm:prSet presAssocID="{449BE7DF-827C-4EDC-AE34-B2EF056F311D}" presName="node" presStyleLbl="node1" presStyleIdx="1" presStyleCnt="6" custLinFactNeighborX="-1300">
         <dgm:presLayoutVars>
           <dgm:bulletEnabled val="1"/>
         </dgm:presLayoutVars>
       </dgm:prSet>
       <dgm:spPr/>
     </dgm:pt>
-    <dgm:pt modelId="{A2BDE073-509F-4675-BA3E-9AC1B87F4EF1}" type="pres">
-      <dgm:prSet presAssocID="{75538F3E-3338-42E9-8440-08F0558DCDB7}" presName="sibTrans" presStyleLbl="sibTrans1D1" presStyleIdx="1" presStyleCnt="5"/>
+    <dgm:pt modelId="{CC71B7E5-0426-49DF-8328-E8EE08BE682B}" type="pres">
+      <dgm:prSet presAssocID="{5E658F17-C9B9-4AB3-B45B-12A68A4CD39A}" presName="sibTrans" presStyleLbl="sibTrans1D1" presStyleIdx="1" presStyleCnt="5"/>
       <dgm:spPr/>
     </dgm:pt>
-    <dgm:pt modelId="{E814A58E-D8E1-4475-94E2-1C6BECF6E874}" type="pres">
-      <dgm:prSet presAssocID="{75538F3E-3338-42E9-8440-08F0558DCDB7}" presName="connectorText" presStyleLbl="sibTrans1D1" presStyleIdx="1" presStyleCnt="5"/>
+    <dgm:pt modelId="{F1245A25-C2E7-42B0-83A0-C481F4014485}" type="pres">
+      <dgm:prSet presAssocID="{5E658F17-C9B9-4AB3-B45B-12A68A4CD39A}" presName="connectorText" presStyleLbl="sibTrans1D1" presStyleIdx="1" presStyleCnt="5"/>
       <dgm:spPr/>
     </dgm:pt>
-    <dgm:pt modelId="{C0B541B7-299D-44F2-B7D9-7668727F3147}" type="pres">
-      <dgm:prSet presAssocID="{F3FD5FC8-A8EE-4DE3-84C1-A80A4F2EA895}" presName="node" presStyleLbl="node1" presStyleIdx="2" presStyleCnt="6">
+    <dgm:pt modelId="{08A8D615-2696-400F-8203-0B1EFC92E853}" type="pres">
+      <dgm:prSet presAssocID="{721910DE-4264-4A76-8332-48EAA7B14069}" presName="node" presStyleLbl="node1" presStyleIdx="2" presStyleCnt="6">
         <dgm:presLayoutVars>
           <dgm:bulletEnabled val="1"/>
         </dgm:presLayoutVars>
       </dgm:prSet>
       <dgm:spPr/>
     </dgm:pt>
-    <dgm:pt modelId="{C02DBDBF-E285-4C0F-B3F3-FAB3967739E6}" type="pres">
-      <dgm:prSet presAssocID="{5BF4A444-E39D-4D33-B49F-27FD8DEED9EB}" presName="sibTrans" presStyleLbl="sibTrans1D1" presStyleIdx="2" presStyleCnt="5"/>
+    <dgm:pt modelId="{87B68683-8656-4C52-B5D8-8F225D13EDB1}" type="pres">
+      <dgm:prSet presAssocID="{D4C8E82F-6BC2-4879-8389-3277B007B95E}" presName="sibTrans" presStyleLbl="sibTrans1D1" presStyleIdx="2" presStyleCnt="5"/>
       <dgm:spPr/>
     </dgm:pt>
-    <dgm:pt modelId="{D2BA4408-D6BD-4F5D-AEA9-E36E1CAA588E}" type="pres">
-      <dgm:prSet presAssocID="{5BF4A444-E39D-4D33-B49F-27FD8DEED9EB}" presName="connectorText" presStyleLbl="sibTrans1D1" presStyleIdx="2" presStyleCnt="5"/>
+    <dgm:pt modelId="{200E8ADA-0AF3-4D64-A243-EDFC4CE19AA2}" type="pres">
+      <dgm:prSet presAssocID="{D4C8E82F-6BC2-4879-8389-3277B007B95E}" presName="connectorText" presStyleLbl="sibTrans1D1" presStyleIdx="2" presStyleCnt="5"/>
       <dgm:spPr/>
     </dgm:pt>
-    <dgm:pt modelId="{765620C9-DC33-4AA4-97F1-8C42D39B2762}" type="pres">
-      <dgm:prSet presAssocID="{5B5FADCE-7FE1-43F8-937C-1B007E99E722}" presName="node" presStyleLbl="node1" presStyleIdx="3" presStyleCnt="6">
+    <dgm:pt modelId="{1AC5F153-AD69-423A-9CA9-2B5913B2AFE6}" type="pres">
+      <dgm:prSet presAssocID="{24D36206-6E1B-49FC-9375-BFE4467AA6A1}" presName="node" presStyleLbl="node1" presStyleIdx="3" presStyleCnt="6">
         <dgm:presLayoutVars>
           <dgm:bulletEnabled val="1"/>
         </dgm:presLayoutVars>
       </dgm:prSet>
       <dgm:spPr/>
     </dgm:pt>
-    <dgm:pt modelId="{60FCE320-4C75-48EE-B835-DF480D394678}" type="pres">
-      <dgm:prSet presAssocID="{4F9EB313-3C37-43F7-9943-FAC5A5E925FB}" presName="sibTrans" presStyleLbl="sibTrans1D1" presStyleIdx="3" presStyleCnt="5"/>
+    <dgm:pt modelId="{DA45CA35-409C-4E07-A290-A76329E1A77F}" type="pres">
+      <dgm:prSet presAssocID="{B51B5982-7D1F-4AC4-89FC-1391816C1E5D}" presName="sibTrans" presStyleLbl="sibTrans1D1" presStyleIdx="3" presStyleCnt="5"/>
       <dgm:spPr/>
     </dgm:pt>
-    <dgm:pt modelId="{06F21FD1-5786-4DB5-8F90-D40274AECEB1}" type="pres">
-      <dgm:prSet presAssocID="{4F9EB313-3C37-43F7-9943-FAC5A5E925FB}" presName="connectorText" presStyleLbl="sibTrans1D1" presStyleIdx="3" presStyleCnt="5"/>
+    <dgm:pt modelId="{8329F06F-B2B5-4A5B-A2A8-B8D14F8B54E4}" type="pres">
+      <dgm:prSet presAssocID="{B51B5982-7D1F-4AC4-89FC-1391816C1E5D}" presName="connectorText" presStyleLbl="sibTrans1D1" presStyleIdx="3" presStyleCnt="5"/>
       <dgm:spPr/>
     </dgm:pt>
-    <dgm:pt modelId="{6180FE7E-B879-4484-89EA-B18898031433}" type="pres">
-      <dgm:prSet presAssocID="{4237F8CC-367A-4EBD-BBAF-CA4B43079BE1}" presName="node" presStyleLbl="node1" presStyleIdx="4" presStyleCnt="6">
+    <dgm:pt modelId="{BB192C63-6B77-4BF8-9F5C-CB51DDC88E91}" type="pres">
+      <dgm:prSet presAssocID="{A1B62600-826A-440D-A075-70E1215E11FF}" presName="node" presStyleLbl="node1" presStyleIdx="4" presStyleCnt="6">
         <dgm:presLayoutVars>
           <dgm:bulletEnabled val="1"/>
         </dgm:presLayoutVars>
       </dgm:prSet>
       <dgm:spPr/>
     </dgm:pt>
-    <dgm:pt modelId="{291F733B-E617-4426-A28B-2327B59C1156}" type="pres">
-      <dgm:prSet presAssocID="{1254EEE5-A015-4419-BD5C-6A81AFC3AF24}" presName="sibTrans" presStyleLbl="sibTrans1D1" presStyleIdx="4" presStyleCnt="5"/>
+    <dgm:pt modelId="{FD2B853B-4A08-4987-B43D-66E0EF37FB83}" type="pres">
+      <dgm:prSet presAssocID="{3CBA9A2E-704E-44C8-A269-4D99025109DC}" presName="sibTrans" presStyleLbl="sibTrans1D1" presStyleIdx="4" presStyleCnt="5"/>
       <dgm:spPr/>
     </dgm:pt>
-    <dgm:pt modelId="{EA224EE2-963F-4853-B92E-F441D63000D0}" type="pres">
-      <dgm:prSet presAssocID="{1254EEE5-A015-4419-BD5C-6A81AFC3AF24}" presName="connectorText" presStyleLbl="sibTrans1D1" presStyleIdx="4" presStyleCnt="5"/>
+    <dgm:pt modelId="{1205E956-FF94-4894-AC25-DA8DCC21C5DE}" type="pres">
+      <dgm:prSet presAssocID="{3CBA9A2E-704E-44C8-A269-4D99025109DC}" presName="connectorText" presStyleLbl="sibTrans1D1" presStyleIdx="4" presStyleCnt="5"/>
       <dgm:spPr/>
     </dgm:pt>
-    <dgm:pt modelId="{EAA5DE16-DDEB-45D5-BE56-578B1281E264}" type="pres">
-      <dgm:prSet presAssocID="{E3B5CC6D-14CD-4E42-B1F6-CCD4EB5C9D33}" presName="node" presStyleLbl="node1" presStyleIdx="5" presStyleCnt="6">
+    <dgm:pt modelId="{23B1CC88-A996-4ADB-A5CA-2A252EBBCD4C}" type="pres">
+      <dgm:prSet presAssocID="{7065CFB7-E024-448C-8724-AC4AC1DD254F}" presName="node" presStyleLbl="node1" presStyleIdx="5" presStyleCnt="6">
         <dgm:presLayoutVars>
           <dgm:bulletEnabled val="1"/>
         </dgm:presLayoutVars>
@@ -2239,45 +2180,45 @@
     </dgm:pt>
   </dgm:ptLst>
   <dgm:cxnLst>
-    <dgm:cxn modelId="{E6A0490C-D6A9-4E2B-9462-4A8E97D632A8}" type="presOf" srcId="{4F9EB313-3C37-43F7-9943-FAC5A5E925FB}" destId="{06F21FD1-5786-4DB5-8F90-D40274AECEB1}" srcOrd="1" destOrd="0" presId="urn:microsoft.com/office/officeart/2016/7/layout/RepeatingBendingProcessNew"/>
     <dgm:cxn modelId="{EC509420-EE79-4177-ACB3-696F665FD4B3}" type="presOf" srcId="{3DBEC265-EC9C-4408-80A0-5F2E46D60421}" destId="{DB690B9B-032E-4C2D-B5A3-D07905AE2240}" srcOrd="0" destOrd="0" presId="urn:microsoft.com/office/officeart/2016/7/layout/RepeatingBendingProcessNew"/>
-    <dgm:cxn modelId="{9AFF9F32-6CC7-4641-AC8A-4CD23BBBB072}" type="presOf" srcId="{F3FD5FC8-A8EE-4DE3-84C1-A80A4F2EA895}" destId="{C0B541B7-299D-44F2-B7D9-7668727F3147}" srcOrd="0" destOrd="0" presId="urn:microsoft.com/office/officeart/2016/7/layout/RepeatingBendingProcessNew"/>
+    <dgm:cxn modelId="{257AA82D-175B-47BA-880F-09D227F4D279}" type="presOf" srcId="{3CBA9A2E-704E-44C8-A269-4D99025109DC}" destId="{1205E956-FF94-4894-AC25-DA8DCC21C5DE}" srcOrd="1" destOrd="0" presId="urn:microsoft.com/office/officeart/2016/7/layout/RepeatingBendingProcessNew"/>
+    <dgm:cxn modelId="{C91D3D35-529C-4F34-A17E-45C931AABA46}" type="presOf" srcId="{5E658F17-C9B9-4AB3-B45B-12A68A4CD39A}" destId="{F1245A25-C2E7-42B0-83A0-C481F4014485}" srcOrd="1" destOrd="0" presId="urn:microsoft.com/office/officeart/2016/7/layout/RepeatingBendingProcessNew"/>
+    <dgm:cxn modelId="{2E476C3A-0872-480E-9E02-737FF7BBC081}" type="presOf" srcId="{B51B5982-7D1F-4AC4-89FC-1391816C1E5D}" destId="{8329F06F-B2B5-4A5B-A2A8-B8D14F8B54E4}" srcOrd="1" destOrd="0" presId="urn:microsoft.com/office/officeart/2016/7/layout/RepeatingBendingProcessNew"/>
     <dgm:cxn modelId="{2AA2DF5C-E463-42B0-AF16-13749262080B}" type="presOf" srcId="{5373E0B2-4C19-4E29-AE73-86FFB771607F}" destId="{7412B727-77A6-4CC2-AB36-000FBE705304}" srcOrd="0" destOrd="0" presId="urn:microsoft.com/office/officeart/2016/7/layout/RepeatingBendingProcessNew"/>
-    <dgm:cxn modelId="{DB57F05C-65C7-459D-AF2E-7259DAB6D65B}" type="presOf" srcId="{1254EEE5-A015-4419-BD5C-6A81AFC3AF24}" destId="{EA224EE2-963F-4853-B92E-F441D63000D0}" srcOrd="1" destOrd="0" presId="urn:microsoft.com/office/officeart/2016/7/layout/RepeatingBendingProcessNew"/>
-    <dgm:cxn modelId="{6509505E-B592-486D-AF5E-5D23DBC1A971}" type="presOf" srcId="{4F9EB313-3C37-43F7-9943-FAC5A5E925FB}" destId="{60FCE320-4C75-48EE-B835-DF480D394678}" srcOrd="0" destOrd="0" presId="urn:microsoft.com/office/officeart/2016/7/layout/RepeatingBendingProcessNew"/>
-    <dgm:cxn modelId="{5F7EA441-C68B-45BE-AC33-668C88B641D0}" type="presOf" srcId="{75538F3E-3338-42E9-8440-08F0558DCDB7}" destId="{A2BDE073-509F-4675-BA3E-9AC1B87F4EF1}" srcOrd="0" destOrd="0" presId="urn:microsoft.com/office/officeart/2016/7/layout/RepeatingBendingProcessNew"/>
-    <dgm:cxn modelId="{6BB7BE4B-CC0C-4E2C-B432-C9905C4B7F1C}" type="presOf" srcId="{4237F8CC-367A-4EBD-BBAF-CA4B43079BE1}" destId="{6180FE7E-B879-4484-89EA-B18898031433}" srcOrd="0" destOrd="0" presId="urn:microsoft.com/office/officeart/2016/7/layout/RepeatingBendingProcessNew"/>
-    <dgm:cxn modelId="{D6A03E4F-BF00-47A6-9019-51DC2871852A}" type="presOf" srcId="{5BF4A444-E39D-4D33-B49F-27FD8DEED9EB}" destId="{C02DBDBF-E285-4C0F-B3F3-FAB3967739E6}" srcOrd="0" destOrd="0" presId="urn:microsoft.com/office/officeart/2016/7/layout/RepeatingBendingProcessNew"/>
-    <dgm:cxn modelId="{17080955-52B0-47BC-B263-2B6DC4C7E0A6}" type="presOf" srcId="{1254EEE5-A015-4419-BD5C-6A81AFC3AF24}" destId="{291F733B-E617-4426-A28B-2327B59C1156}" srcOrd="0" destOrd="0" presId="urn:microsoft.com/office/officeart/2016/7/layout/RepeatingBendingProcessNew"/>
-    <dgm:cxn modelId="{FC295076-4E5F-4824-A20F-1EFA05A87108}" type="presOf" srcId="{76C89A1D-ADA0-4BF0-B565-24DAECCBD751}" destId="{CFBE963E-CD8B-4756-A9F2-6520EBA17D27}" srcOrd="0" destOrd="0" presId="urn:microsoft.com/office/officeart/2016/7/layout/RepeatingBendingProcessNew"/>
+    <dgm:cxn modelId="{7F3D4D5F-DFF8-4263-B459-27E6DDE792B9}" srcId="{76BA49E5-E3C0-4ECA-972B-18F35FD0F410}" destId="{7065CFB7-E024-448C-8724-AC4AC1DD254F}" srcOrd="5" destOrd="0" parTransId="{4BAAACB1-D202-42FA-90F6-87672DA92334}" sibTransId="{D7E8A34B-9EAA-45A8-97B0-0EE296A5591E}"/>
+    <dgm:cxn modelId="{5E03B860-7CE5-417D-894B-C83786197412}" type="presOf" srcId="{B51B5982-7D1F-4AC4-89FC-1391816C1E5D}" destId="{DA45CA35-409C-4E07-A290-A76329E1A77F}" srcOrd="0" destOrd="0" presId="urn:microsoft.com/office/officeart/2016/7/layout/RepeatingBendingProcessNew"/>
+    <dgm:cxn modelId="{D83F6661-2EC7-4CEA-85B0-AC32E12259E4}" type="presOf" srcId="{449BE7DF-827C-4EDC-AE34-B2EF056F311D}" destId="{D2695415-87B3-4A73-AC95-789DFFDFC4EC}" srcOrd="0" destOrd="0" presId="urn:microsoft.com/office/officeart/2016/7/layout/RepeatingBendingProcessNew"/>
+    <dgm:cxn modelId="{72CCF763-B1EB-4864-A886-65CDA4A1E118}" type="presOf" srcId="{3CBA9A2E-704E-44C8-A269-4D99025109DC}" destId="{FD2B853B-4A08-4987-B43D-66E0EF37FB83}" srcOrd="0" destOrd="0" presId="urn:microsoft.com/office/officeart/2016/7/layout/RepeatingBendingProcessNew"/>
+    <dgm:cxn modelId="{C1B62370-F4D6-4214-B0EC-CEA70DE47AD9}" type="presOf" srcId="{D4C8E82F-6BC2-4879-8389-3277B007B95E}" destId="{87B68683-8656-4C52-B5D8-8F225D13EDB1}" srcOrd="0" destOrd="0" presId="urn:microsoft.com/office/officeart/2016/7/layout/RepeatingBendingProcessNew"/>
+    <dgm:cxn modelId="{B3B0D453-F5F8-4433-98CC-12CF28DF9469}" srcId="{76BA49E5-E3C0-4ECA-972B-18F35FD0F410}" destId="{721910DE-4264-4A76-8332-48EAA7B14069}" srcOrd="2" destOrd="0" parTransId="{F52F8107-4282-4B3A-A420-5A652E928594}" sibTransId="{D4C8E82F-6BC2-4879-8389-3277B007B95E}"/>
+    <dgm:cxn modelId="{A2568D55-E110-480B-B5FD-7D78BAC3D08E}" type="presOf" srcId="{721910DE-4264-4A76-8332-48EAA7B14069}" destId="{08A8D615-2696-400F-8203-0B1EFC92E853}" srcOrd="0" destOrd="0" presId="urn:microsoft.com/office/officeart/2016/7/layout/RepeatingBendingProcessNew"/>
+    <dgm:cxn modelId="{8AFC7E78-303D-4D2E-918C-3A12A9D0E942}" srcId="{76BA49E5-E3C0-4ECA-972B-18F35FD0F410}" destId="{A1B62600-826A-440D-A075-70E1215E11FF}" srcOrd="4" destOrd="0" parTransId="{7F9A5DA9-0F6C-44DB-9997-9E550C17788B}" sibTransId="{3CBA9A2E-704E-44C8-A269-4D99025109DC}"/>
     <dgm:cxn modelId="{D1E1A38B-8607-443A-B75B-3B204DE064E2}" type="presOf" srcId="{76BA49E5-E3C0-4ECA-972B-18F35FD0F410}" destId="{CE9D4750-766C-4AAF-9A50-CA37A5016AA7}" srcOrd="0" destOrd="0" presId="urn:microsoft.com/office/officeart/2016/7/layout/RepeatingBendingProcessNew"/>
-    <dgm:cxn modelId="{0219D38B-1C6F-4A80-A036-7BF90338BDCF}" type="presOf" srcId="{5B5FADCE-7FE1-43F8-937C-1B007E99E722}" destId="{765620C9-DC33-4AA4-97F1-8C42D39B2762}" srcOrd="0" destOrd="0" presId="urn:microsoft.com/office/officeart/2016/7/layout/RepeatingBendingProcessNew"/>
+    <dgm:cxn modelId="{FC3EC48F-9326-4E5B-A429-D6FD4E507343}" srcId="{76BA49E5-E3C0-4ECA-972B-18F35FD0F410}" destId="{449BE7DF-827C-4EDC-AE34-B2EF056F311D}" srcOrd="1" destOrd="0" parTransId="{D657C7B9-E331-41AA-9260-1A8F8C36F818}" sibTransId="{5E658F17-C9B9-4AB3-B45B-12A68A4CD39A}"/>
     <dgm:cxn modelId="{03EF8294-9D25-4B08-BEF3-D099E4AC4F29}" type="presOf" srcId="{5373E0B2-4C19-4E29-AE73-86FFB771607F}" destId="{1ACCB9CA-48AB-42D1-8BFB-5A0D83DC52BA}" srcOrd="1" destOrd="0" presId="urn:microsoft.com/office/officeart/2016/7/layout/RepeatingBendingProcessNew"/>
-    <dgm:cxn modelId="{34B7E3A1-9AE7-4FB7-8502-B3C8A52090F5}" type="presOf" srcId="{E3B5CC6D-14CD-4E42-B1F6-CCD4EB5C9D33}" destId="{EAA5DE16-DDEB-45D5-BE56-578B1281E264}" srcOrd="0" destOrd="0" presId="urn:microsoft.com/office/officeart/2016/7/layout/RepeatingBendingProcessNew"/>
+    <dgm:cxn modelId="{9E2A75A3-E608-43CC-8F06-355F93BB64FC}" type="presOf" srcId="{D4C8E82F-6BC2-4879-8389-3277B007B95E}" destId="{200E8ADA-0AF3-4D64-A243-EDFC4CE19AA2}" srcOrd="1" destOrd="0" presId="urn:microsoft.com/office/officeart/2016/7/layout/RepeatingBendingProcessNew"/>
     <dgm:cxn modelId="{45014BA9-3871-4C00-B89C-7EA8B4630480}" srcId="{76BA49E5-E3C0-4ECA-972B-18F35FD0F410}" destId="{3DBEC265-EC9C-4408-80A0-5F2E46D60421}" srcOrd="0" destOrd="0" parTransId="{6D9064B4-C9D3-4711-BFBE-DFD032493C01}" sibTransId="{5373E0B2-4C19-4E29-AE73-86FFB771607F}"/>
-    <dgm:cxn modelId="{E49AF6B4-0E3F-424D-B8AF-9E3C5ED63CBB}" srcId="{76BA49E5-E3C0-4ECA-972B-18F35FD0F410}" destId="{4237F8CC-367A-4EBD-BBAF-CA4B43079BE1}" srcOrd="4" destOrd="0" parTransId="{CFB4B474-2B2B-4D5E-8339-0748C3697584}" sibTransId="{1254EEE5-A015-4419-BD5C-6A81AFC3AF24}"/>
-    <dgm:cxn modelId="{38EE53B6-DB1C-453C-A052-6E9B5B06B9E7}" type="presOf" srcId="{5BF4A444-E39D-4D33-B49F-27FD8DEED9EB}" destId="{D2BA4408-D6BD-4F5D-AEA9-E36E1CAA588E}" srcOrd="1" destOrd="0" presId="urn:microsoft.com/office/officeart/2016/7/layout/RepeatingBendingProcessNew"/>
-    <dgm:cxn modelId="{AC2334BA-E313-4F3B-926E-A823FB1A6EE3}" srcId="{76BA49E5-E3C0-4ECA-972B-18F35FD0F410}" destId="{F3FD5FC8-A8EE-4DE3-84C1-A80A4F2EA895}" srcOrd="2" destOrd="0" parTransId="{7FFF86FF-34C6-4D5A-9EED-D8C7E5E0CF11}" sibTransId="{5BF4A444-E39D-4D33-B49F-27FD8DEED9EB}"/>
-    <dgm:cxn modelId="{1063C1D3-8DA6-4600-A1E7-CDB0439F30B2}" srcId="{76BA49E5-E3C0-4ECA-972B-18F35FD0F410}" destId="{76C89A1D-ADA0-4BF0-B565-24DAECCBD751}" srcOrd="1" destOrd="0" parTransId="{271D6A63-0D9D-4BF9-9E96-28FD0956C860}" sibTransId="{75538F3E-3338-42E9-8440-08F0558DCDB7}"/>
-    <dgm:cxn modelId="{D47CD9D6-3D6C-49B5-85BA-C5C8A7066454}" type="presOf" srcId="{75538F3E-3338-42E9-8440-08F0558DCDB7}" destId="{E814A58E-D8E1-4475-94E2-1C6BECF6E874}" srcOrd="1" destOrd="0" presId="urn:microsoft.com/office/officeart/2016/7/layout/RepeatingBendingProcessNew"/>
-    <dgm:cxn modelId="{90213CDE-EDB9-4530-BEAA-B112516DDD95}" srcId="{76BA49E5-E3C0-4ECA-972B-18F35FD0F410}" destId="{5B5FADCE-7FE1-43F8-937C-1B007E99E722}" srcOrd="3" destOrd="0" parTransId="{E92B47E7-1546-4CFA-A5EB-FB0C73C795B2}" sibTransId="{4F9EB313-3C37-43F7-9943-FAC5A5E925FB}"/>
-    <dgm:cxn modelId="{95E5AFEF-9CD1-44CA-A595-9365149097DC}" srcId="{76BA49E5-E3C0-4ECA-972B-18F35FD0F410}" destId="{E3B5CC6D-14CD-4E42-B1F6-CCD4EB5C9D33}" srcOrd="5" destOrd="0" parTransId="{058D3EA9-35A2-4F12-983B-702572702DF7}" sibTransId="{27EBC806-22A5-40F1-BBE8-E6C215A9A3CB}"/>
+    <dgm:cxn modelId="{C5A815C4-CF29-4FDA-82B7-35D694EB9DDE}" type="presOf" srcId="{24D36206-6E1B-49FC-9375-BFE4467AA6A1}" destId="{1AC5F153-AD69-423A-9CA9-2B5913B2AFE6}" srcOrd="0" destOrd="0" presId="urn:microsoft.com/office/officeart/2016/7/layout/RepeatingBendingProcessNew"/>
+    <dgm:cxn modelId="{0804C4C9-0244-4A34-8A73-37C49665AFF4}" type="presOf" srcId="{7065CFB7-E024-448C-8724-AC4AC1DD254F}" destId="{23B1CC88-A996-4ADB-A5CA-2A252EBBCD4C}" srcOrd="0" destOrd="0" presId="urn:microsoft.com/office/officeart/2016/7/layout/RepeatingBendingProcessNew"/>
+    <dgm:cxn modelId="{3BB5DDD7-3915-4791-A6A6-EE421471F373}" srcId="{76BA49E5-E3C0-4ECA-972B-18F35FD0F410}" destId="{24D36206-6E1B-49FC-9375-BFE4467AA6A1}" srcOrd="3" destOrd="0" parTransId="{B13EF978-5FA6-46AB-9BCC-716390E39373}" sibTransId="{B51B5982-7D1F-4AC4-89FC-1391816C1E5D}"/>
+    <dgm:cxn modelId="{ACCFEADD-85E5-4520-8279-614A6630E731}" type="presOf" srcId="{A1B62600-826A-440D-A075-70E1215E11FF}" destId="{BB192C63-6B77-4BF8-9F5C-CB51DDC88E91}" srcOrd="0" destOrd="0" presId="urn:microsoft.com/office/officeart/2016/7/layout/RepeatingBendingProcessNew"/>
+    <dgm:cxn modelId="{8763D8E6-B993-4349-A6E3-D15B3885A5FA}" type="presOf" srcId="{5E658F17-C9B9-4AB3-B45B-12A68A4CD39A}" destId="{CC71B7E5-0426-49DF-8328-E8EE08BE682B}" srcOrd="0" destOrd="0" presId="urn:microsoft.com/office/officeart/2016/7/layout/RepeatingBendingProcessNew"/>
     <dgm:cxn modelId="{F1DE2AF4-7603-45B3-B767-974F3BBC1FD7}" type="presParOf" srcId="{CE9D4750-766C-4AAF-9A50-CA37A5016AA7}" destId="{DB690B9B-032E-4C2D-B5A3-D07905AE2240}" srcOrd="0" destOrd="0" presId="urn:microsoft.com/office/officeart/2016/7/layout/RepeatingBendingProcessNew"/>
     <dgm:cxn modelId="{841DB0E5-1206-4AA5-9D1B-7D297A7D7F05}" type="presParOf" srcId="{CE9D4750-766C-4AAF-9A50-CA37A5016AA7}" destId="{7412B727-77A6-4CC2-AB36-000FBE705304}" srcOrd="1" destOrd="0" presId="urn:microsoft.com/office/officeart/2016/7/layout/RepeatingBendingProcessNew"/>
     <dgm:cxn modelId="{5E6286C4-ACF3-4819-820A-74EE1C392603}" type="presParOf" srcId="{7412B727-77A6-4CC2-AB36-000FBE705304}" destId="{1ACCB9CA-48AB-42D1-8BFB-5A0D83DC52BA}" srcOrd="0" destOrd="0" presId="urn:microsoft.com/office/officeart/2016/7/layout/RepeatingBendingProcessNew"/>
-    <dgm:cxn modelId="{3C51C09F-5A31-4F54-B51D-3C09A0346ADF}" type="presParOf" srcId="{CE9D4750-766C-4AAF-9A50-CA37A5016AA7}" destId="{CFBE963E-CD8B-4756-A9F2-6520EBA17D27}" srcOrd="2" destOrd="0" presId="urn:microsoft.com/office/officeart/2016/7/layout/RepeatingBendingProcessNew"/>
-    <dgm:cxn modelId="{0784E1E7-5A9D-46BF-B2F3-3D54CCCBC91C}" type="presParOf" srcId="{CE9D4750-766C-4AAF-9A50-CA37A5016AA7}" destId="{A2BDE073-509F-4675-BA3E-9AC1B87F4EF1}" srcOrd="3" destOrd="0" presId="urn:microsoft.com/office/officeart/2016/7/layout/RepeatingBendingProcessNew"/>
-    <dgm:cxn modelId="{DD9784C1-C928-435F-A624-9FAC54BB00B6}" type="presParOf" srcId="{A2BDE073-509F-4675-BA3E-9AC1B87F4EF1}" destId="{E814A58E-D8E1-4475-94E2-1C6BECF6E874}" srcOrd="0" destOrd="0" presId="urn:microsoft.com/office/officeart/2016/7/layout/RepeatingBendingProcessNew"/>
-    <dgm:cxn modelId="{85409539-434A-48C4-8C12-E57BE2875D06}" type="presParOf" srcId="{CE9D4750-766C-4AAF-9A50-CA37A5016AA7}" destId="{C0B541B7-299D-44F2-B7D9-7668727F3147}" srcOrd="4" destOrd="0" presId="urn:microsoft.com/office/officeart/2016/7/layout/RepeatingBendingProcessNew"/>
-    <dgm:cxn modelId="{0AB16358-D89E-431C-8630-7BC807BB1E0C}" type="presParOf" srcId="{CE9D4750-766C-4AAF-9A50-CA37A5016AA7}" destId="{C02DBDBF-E285-4C0F-B3F3-FAB3967739E6}" srcOrd="5" destOrd="0" presId="urn:microsoft.com/office/officeart/2016/7/layout/RepeatingBendingProcessNew"/>
-    <dgm:cxn modelId="{3F691C2E-53B6-429F-B9F3-547B77267BD4}" type="presParOf" srcId="{C02DBDBF-E285-4C0F-B3F3-FAB3967739E6}" destId="{D2BA4408-D6BD-4F5D-AEA9-E36E1CAA588E}" srcOrd="0" destOrd="0" presId="urn:microsoft.com/office/officeart/2016/7/layout/RepeatingBendingProcessNew"/>
-    <dgm:cxn modelId="{1F1875C6-6485-4C25-8FCD-5E731BE56C71}" type="presParOf" srcId="{CE9D4750-766C-4AAF-9A50-CA37A5016AA7}" destId="{765620C9-DC33-4AA4-97F1-8C42D39B2762}" srcOrd="6" destOrd="0" presId="urn:microsoft.com/office/officeart/2016/7/layout/RepeatingBendingProcessNew"/>
-    <dgm:cxn modelId="{69C518F5-9F14-4DC1-9624-1A893C88E76C}" type="presParOf" srcId="{CE9D4750-766C-4AAF-9A50-CA37A5016AA7}" destId="{60FCE320-4C75-48EE-B835-DF480D394678}" srcOrd="7" destOrd="0" presId="urn:microsoft.com/office/officeart/2016/7/layout/RepeatingBendingProcessNew"/>
-    <dgm:cxn modelId="{AC162621-6486-49B1-9861-78D1756BEB2F}" type="presParOf" srcId="{60FCE320-4C75-48EE-B835-DF480D394678}" destId="{06F21FD1-5786-4DB5-8F90-D40274AECEB1}" srcOrd="0" destOrd="0" presId="urn:microsoft.com/office/officeart/2016/7/layout/RepeatingBendingProcessNew"/>
-    <dgm:cxn modelId="{E35D0AD0-DC74-479C-94DD-7DE0039BE146}" type="presParOf" srcId="{CE9D4750-766C-4AAF-9A50-CA37A5016AA7}" destId="{6180FE7E-B879-4484-89EA-B18898031433}" srcOrd="8" destOrd="0" presId="urn:microsoft.com/office/officeart/2016/7/layout/RepeatingBendingProcessNew"/>
-    <dgm:cxn modelId="{C92019F6-3610-4A5B-BF77-456AF47FAF58}" type="presParOf" srcId="{CE9D4750-766C-4AAF-9A50-CA37A5016AA7}" destId="{291F733B-E617-4426-A28B-2327B59C1156}" srcOrd="9" destOrd="0" presId="urn:microsoft.com/office/officeart/2016/7/layout/RepeatingBendingProcessNew"/>
-    <dgm:cxn modelId="{57B003AF-9BFD-4B42-BD53-8C642B6FA6A7}" type="presParOf" srcId="{291F733B-E617-4426-A28B-2327B59C1156}" destId="{EA224EE2-963F-4853-B92E-F441D63000D0}" srcOrd="0" destOrd="0" presId="urn:microsoft.com/office/officeart/2016/7/layout/RepeatingBendingProcessNew"/>
-    <dgm:cxn modelId="{6BCB67E1-CF80-49BF-BFDB-101FCB1CB763}" type="presParOf" srcId="{CE9D4750-766C-4AAF-9A50-CA37A5016AA7}" destId="{EAA5DE16-DDEB-45D5-BE56-578B1281E264}" srcOrd="10" destOrd="0" presId="urn:microsoft.com/office/officeart/2016/7/layout/RepeatingBendingProcessNew"/>
+    <dgm:cxn modelId="{5A561519-9746-44EA-A7F2-029853844B3F}" type="presParOf" srcId="{CE9D4750-766C-4AAF-9A50-CA37A5016AA7}" destId="{D2695415-87B3-4A73-AC95-789DFFDFC4EC}" srcOrd="2" destOrd="0" presId="urn:microsoft.com/office/officeart/2016/7/layout/RepeatingBendingProcessNew"/>
+    <dgm:cxn modelId="{E3DBB1FB-3F9B-4AA8-8B21-101977303AD9}" type="presParOf" srcId="{CE9D4750-766C-4AAF-9A50-CA37A5016AA7}" destId="{CC71B7E5-0426-49DF-8328-E8EE08BE682B}" srcOrd="3" destOrd="0" presId="urn:microsoft.com/office/officeart/2016/7/layout/RepeatingBendingProcessNew"/>
+    <dgm:cxn modelId="{D8E6C8F1-9836-4C1A-9C72-10379AE3D2D6}" type="presParOf" srcId="{CC71B7E5-0426-49DF-8328-E8EE08BE682B}" destId="{F1245A25-C2E7-42B0-83A0-C481F4014485}" srcOrd="0" destOrd="0" presId="urn:microsoft.com/office/officeart/2016/7/layout/RepeatingBendingProcessNew"/>
+    <dgm:cxn modelId="{86076C35-A5B9-463B-9E10-C6310527FBDB}" type="presParOf" srcId="{CE9D4750-766C-4AAF-9A50-CA37A5016AA7}" destId="{08A8D615-2696-400F-8203-0B1EFC92E853}" srcOrd="4" destOrd="0" presId="urn:microsoft.com/office/officeart/2016/7/layout/RepeatingBendingProcessNew"/>
+    <dgm:cxn modelId="{144AD360-7533-4393-BA71-751B8AFAAAA5}" type="presParOf" srcId="{CE9D4750-766C-4AAF-9A50-CA37A5016AA7}" destId="{87B68683-8656-4C52-B5D8-8F225D13EDB1}" srcOrd="5" destOrd="0" presId="urn:microsoft.com/office/officeart/2016/7/layout/RepeatingBendingProcessNew"/>
+    <dgm:cxn modelId="{9463B9DC-0393-4F96-A432-670365AB9729}" type="presParOf" srcId="{87B68683-8656-4C52-B5D8-8F225D13EDB1}" destId="{200E8ADA-0AF3-4D64-A243-EDFC4CE19AA2}" srcOrd="0" destOrd="0" presId="urn:microsoft.com/office/officeart/2016/7/layout/RepeatingBendingProcessNew"/>
+    <dgm:cxn modelId="{A1B34321-5637-4D89-9212-9C33CE2BA56E}" type="presParOf" srcId="{CE9D4750-766C-4AAF-9A50-CA37A5016AA7}" destId="{1AC5F153-AD69-423A-9CA9-2B5913B2AFE6}" srcOrd="6" destOrd="0" presId="urn:microsoft.com/office/officeart/2016/7/layout/RepeatingBendingProcessNew"/>
+    <dgm:cxn modelId="{70F7FC0C-CC22-40A8-ABBD-B4B6EA453A99}" type="presParOf" srcId="{CE9D4750-766C-4AAF-9A50-CA37A5016AA7}" destId="{DA45CA35-409C-4E07-A290-A76329E1A77F}" srcOrd="7" destOrd="0" presId="urn:microsoft.com/office/officeart/2016/7/layout/RepeatingBendingProcessNew"/>
+    <dgm:cxn modelId="{5C2D30C0-680E-4AB5-B064-BF2A50A5C9B9}" type="presParOf" srcId="{DA45CA35-409C-4E07-A290-A76329E1A77F}" destId="{8329F06F-B2B5-4A5B-A2A8-B8D14F8B54E4}" srcOrd="0" destOrd="0" presId="urn:microsoft.com/office/officeart/2016/7/layout/RepeatingBendingProcessNew"/>
+    <dgm:cxn modelId="{B5F5C543-253A-4FBF-9649-97EBC0E1256B}" type="presParOf" srcId="{CE9D4750-766C-4AAF-9A50-CA37A5016AA7}" destId="{BB192C63-6B77-4BF8-9F5C-CB51DDC88E91}" srcOrd="8" destOrd="0" presId="urn:microsoft.com/office/officeart/2016/7/layout/RepeatingBendingProcessNew"/>
+    <dgm:cxn modelId="{20090672-9FA6-4488-935B-22AEED7E6BEC}" type="presParOf" srcId="{CE9D4750-766C-4AAF-9A50-CA37A5016AA7}" destId="{FD2B853B-4A08-4987-B43D-66E0EF37FB83}" srcOrd="9" destOrd="0" presId="urn:microsoft.com/office/officeart/2016/7/layout/RepeatingBendingProcessNew"/>
+    <dgm:cxn modelId="{918C71A1-034A-4773-9C69-0C4CF4ED5CB9}" type="presParOf" srcId="{FD2B853B-4A08-4987-B43D-66E0EF37FB83}" destId="{1205E956-FF94-4894-AC25-DA8DCC21C5DE}" srcOrd="0" destOrd="0" presId="urn:microsoft.com/office/officeart/2016/7/layout/RepeatingBendingProcessNew"/>
+    <dgm:cxn modelId="{76F01839-C02A-4D1E-BD0D-D0C5C7C059F2}" type="presParOf" srcId="{CE9D4750-766C-4AAF-9A50-CA37A5016AA7}" destId="{23B1CC88-A996-4ADB-A5CA-2A252EBBCD4C}" srcOrd="10" destOrd="0" presId="urn:microsoft.com/office/officeart/2016/7/layout/RepeatingBendingProcessNew"/>
   </dgm:cxnLst>
   <dgm:bg/>
   <dgm:whole/>
@@ -2304,7 +2245,7 @@
       </dgm:t>
     </dgm:pt>
     <dgm:pt modelId="{6269A14A-2525-4E4F-AB23-9C6DDB1382A4}">
-      <dgm:prSet/>
+      <dgm:prSet custT="1"/>
       <dgm:spPr/>
       <dgm:t>
         <a:bodyPr/>
@@ -2314,16 +2255,12 @@
             <a:defRPr cap="all"/>
           </a:pPr>
           <a:r>
-            <a:rPr lang="zh-TW" altLang="en-US" dirty="0">
-              <a:latin typeface="標楷體" panose="03000509000000000000" pitchFamily="65" charset="-120"/>
-              <a:ea typeface="標楷體" panose="03000509000000000000" pitchFamily="65" charset="-120"/>
+            <a:rPr lang="en-US" sz="2400" dirty="0">
+              <a:latin typeface="Times New Roman" panose="02020603050405020304" pitchFamily="18" charset="0"/>
+              <a:cs typeface="Times New Roman" panose="02020603050405020304" pitchFamily="18" charset="0"/>
             </a:rPr>
-            <a:t>感謝聆聽</a:t>
+            <a:t>Thanks for listening</a:t>
           </a:r>
-          <a:endParaRPr lang="en-US" dirty="0">
-            <a:latin typeface="標楷體" panose="03000509000000000000" pitchFamily="65" charset="-120"/>
-            <a:ea typeface="標楷體" panose="03000509000000000000" pitchFamily="65" charset="-120"/>
-          </a:endParaRPr>
         </a:p>
       </dgm:t>
     </dgm:pt>
@@ -2350,7 +2287,7 @@
       </dgm:t>
     </dgm:pt>
     <dgm:pt modelId="{A80C09FC-30F6-41E2-9A93-979C38CAB5BC}">
-      <dgm:prSet/>
+      <dgm:prSet custT="1"/>
       <dgm:spPr/>
       <dgm:t>
         <a:bodyPr/>
@@ -2360,15 +2297,15 @@
             <a:defRPr cap="all"/>
           </a:pPr>
           <a:r>
-            <a:rPr lang="zh-TW" altLang="en-US" dirty="0">
-              <a:latin typeface="標楷體" panose="03000509000000000000" pitchFamily="65" charset="-120"/>
-              <a:ea typeface="標楷體" panose="03000509000000000000" pitchFamily="65" charset="-120"/>
+            <a:rPr lang="en-US" altLang="zh-TW" sz="2400" dirty="0">
+              <a:latin typeface="Times New Roman" panose="02020603050405020304" pitchFamily="18" charset="0"/>
+              <a:cs typeface="Times New Roman" panose="02020603050405020304" pitchFamily="18" charset="0"/>
             </a:rPr>
-            <a:t>歡迎提問</a:t>
+            <a:t>Welcome to ask questions</a:t>
           </a:r>
-          <a:endParaRPr lang="en-US" dirty="0">
-            <a:latin typeface="標楷體" panose="03000509000000000000" pitchFamily="65" charset="-120"/>
-            <a:ea typeface="標楷體" panose="03000509000000000000" pitchFamily="65" charset="-120"/>
+          <a:endParaRPr lang="en-US" sz="2400" dirty="0">
+            <a:latin typeface="Times New Roman" panose="02020603050405020304" pitchFamily="18" charset="0"/>
+            <a:cs typeface="Times New Roman" panose="02020603050405020304" pitchFamily="18" charset="0"/>
           </a:endParaRPr>
         </a:p>
       </dgm:t>
@@ -2396,7 +2333,7 @@
       </dgm:t>
     </dgm:pt>
     <dgm:pt modelId="{116E1105-B867-4515-8215-50D5AD6DB750}">
-      <dgm:prSet/>
+      <dgm:prSet custT="1"/>
       <dgm:spPr/>
       <dgm:t>
         <a:bodyPr/>
@@ -2406,15 +2343,15 @@
             <a:defRPr cap="all"/>
           </a:pPr>
           <a:r>
-            <a:rPr lang="zh-TW" altLang="en-US" dirty="0">
-              <a:latin typeface="標楷體" panose="03000509000000000000" pitchFamily="65" charset="-120"/>
-              <a:ea typeface="標楷體" panose="03000509000000000000" pitchFamily="65" charset="-120"/>
+            <a:rPr lang="en-US" altLang="zh-TW" sz="2400" dirty="0">
+              <a:latin typeface="Times New Roman" panose="02020603050405020304" pitchFamily="18" charset="0"/>
+              <a:cs typeface="Times New Roman" panose="02020603050405020304" pitchFamily="18" charset="0"/>
             </a:rPr>
-            <a:t>若問題回答不完整，還請告知</a:t>
+            <a:t>If the answer to this question is incomplete, please let me know.</a:t>
           </a:r>
-          <a:endParaRPr lang="en-US" dirty="0">
-            <a:latin typeface="標楷體" panose="03000509000000000000" pitchFamily="65" charset="-120"/>
-            <a:ea typeface="標楷體" panose="03000509000000000000" pitchFamily="65" charset="-120"/>
+          <a:endParaRPr lang="en-US" sz="2400" dirty="0">
+            <a:latin typeface="Times New Roman" panose="02020603050405020304" pitchFamily="18" charset="0"/>
+            <a:cs typeface="Times New Roman" panose="02020603050405020304" pitchFamily="18" charset="0"/>
           </a:endParaRPr>
         </a:p>
       </dgm:t>
@@ -2491,7 +2428,7 @@
       <dgm:spPr/>
     </dgm:pt>
     <dgm:pt modelId="{F1E1E894-D8D8-40FE-9118-4EC989685A29}" type="pres">
-      <dgm:prSet presAssocID="{6269A14A-2525-4E4F-AB23-9C6DDB1382A4}" presName="textRect" presStyleLbl="revTx" presStyleIdx="0" presStyleCnt="3">
+      <dgm:prSet presAssocID="{6269A14A-2525-4E4F-AB23-9C6DDB1382A4}" presName="textRect" presStyleLbl="revTx" presStyleIdx="0" presStyleCnt="3" custScaleY="67522">
         <dgm:presLayoutVars>
           <dgm:chMax val="1"/>
           <dgm:chPref val="1"/>
@@ -2597,7 +2534,7 @@
       <dgm:spPr/>
     </dgm:pt>
     <dgm:pt modelId="{1F820FB1-E2D1-48FE-A645-D9EE27D1247E}" type="pres">
-      <dgm:prSet presAssocID="{116E1105-B867-4515-8215-50D5AD6DB750}" presName="textRect" presStyleLbl="revTx" presStyleIdx="2" presStyleCnt="3">
+      <dgm:prSet presAssocID="{116E1105-B867-4515-8215-50D5AD6DB750}" presName="textRect" presStyleLbl="revTx" presStyleIdx="2" presStyleCnt="3" custScaleX="134691">
         <dgm:presLayoutVars>
           <dgm:chMax val="1"/>
           <dgm:chPref val="1"/>
@@ -2657,8 +2594,8 @@
       </dsp:nvSpPr>
       <dsp:spPr>
         <a:xfrm>
-          <a:off x="2686096" y="709129"/>
-          <a:ext cx="475850" cy="91440"/>
+          <a:off x="2614981" y="709129"/>
+          <a:ext cx="514320" cy="91440"/>
         </a:xfrm>
         <a:custGeom>
           <a:avLst/>
@@ -2672,7 +2609,7 @@
                 <a:pt x="0" y="45720"/>
               </a:moveTo>
               <a:lnTo>
-                <a:pt x="475850" y="45720"/>
+                <a:pt x="514320" y="45720"/>
               </a:lnTo>
             </a:path>
           </a:pathLst>
@@ -2727,8 +2664,8 @@
         </a:p>
       </dsp:txBody>
       <dsp:txXfrm>
-        <a:off x="2911360" y="751961"/>
-        <a:ext cx="25322" cy="5775"/>
+        <a:off x="2858518" y="751961"/>
+        <a:ext cx="27246" cy="5775"/>
       </dsp:txXfrm>
     </dsp:sp>
     <dsp:sp modelId="{DB690B9B-032E-4C2D-B5A3-D07905AE2240}">
@@ -2738,7 +2675,7 @@
       </dsp:nvSpPr>
       <dsp:spPr>
         <a:xfrm>
-          <a:off x="176740" y="1502"/>
+          <a:off x="105624" y="1502"/>
           <a:ext cx="2511156" cy="1506693"/>
         </a:xfrm>
         <a:prstGeom prst="rect">
@@ -2786,7 +2723,7 @@
         </a:bodyPr>
         <a:lstStyle/>
         <a:p>
-          <a:pPr marL="0" lvl="0" indent="0" algn="ctr" defTabSz="1200150">
+          <a:pPr marL="0" lvl="0" indent="0" algn="ctr" defTabSz="1022350">
             <a:lnSpc>
               <a:spcPct val="90000"/>
             </a:lnSpc>
@@ -2799,34 +2736,20 @@
             <a:buNone/>
           </a:pPr>
           <a:r>
-            <a:rPr lang="en-US" altLang="zh-TW" sz="2700" kern="1200" dirty="0">
-              <a:latin typeface="標楷體" panose="03000509000000000000" pitchFamily="65" charset="-120"/>
-              <a:ea typeface="標楷體" panose="03000509000000000000" pitchFamily="65" charset="-120"/>
+            <a:rPr lang="en-US" sz="2300" kern="1200" dirty="0">
+              <a:latin typeface="Times New Roman" panose="02020603050405020304" pitchFamily="18" charset="0"/>
               <a:cs typeface="Times New Roman" panose="02020603050405020304" pitchFamily="18" charset="0"/>
             </a:rPr>
-            <a:t>1</a:t>
+            <a:t>1. A clear statement of the business task </a:t>
           </a:r>
-          <a:r>
-            <a:rPr lang="zh-TW" altLang="en-US" sz="2700" kern="1200" dirty="0">
-              <a:latin typeface="標楷體" panose="03000509000000000000" pitchFamily="65" charset="-120"/>
-              <a:ea typeface="標楷體" panose="03000509000000000000" pitchFamily="65" charset="-120"/>
-              <a:cs typeface="Times New Roman" panose="02020603050405020304" pitchFamily="18" charset="0"/>
-            </a:rPr>
-            <a:t>：明確業務任務</a:t>
-          </a:r>
-          <a:endParaRPr lang="en-US" sz="2700" kern="1200" dirty="0">
-            <a:latin typeface="標楷體" panose="03000509000000000000" pitchFamily="65" charset="-120"/>
-            <a:ea typeface="標楷體" panose="03000509000000000000" pitchFamily="65" charset="-120"/>
-            <a:cs typeface="Times New Roman" panose="02020603050405020304" pitchFamily="18" charset="0"/>
-          </a:endParaRPr>
         </a:p>
       </dsp:txBody>
       <dsp:txXfrm>
-        <a:off x="176740" y="1502"/>
+        <a:off x="105624" y="1502"/>
         <a:ext cx="2511156" cy="1506693"/>
       </dsp:txXfrm>
     </dsp:sp>
-    <dsp:sp modelId="{A2BDE073-509F-4675-BA3E-9AC1B87F4EF1}">
+    <dsp:sp modelId="{CC71B7E5-0426-49DF-8328-E8EE08BE682B}">
       <dsp:nvSpPr>
         <dsp:cNvPr id="0" name=""/>
         <dsp:cNvSpPr/>
@@ -2834,7 +2757,7 @@
       <dsp:spPr>
         <a:xfrm>
           <a:off x="1361202" y="1506396"/>
-          <a:ext cx="3088722" cy="546965"/>
+          <a:ext cx="3056077" cy="546965"/>
         </a:xfrm>
         <a:custGeom>
           <a:avLst/>
@@ -2845,10 +2768,10 @@
           <a:pathLst>
             <a:path>
               <a:moveTo>
-                <a:pt x="3088722" y="0"/>
+                <a:pt x="3056077" y="0"/>
               </a:moveTo>
               <a:lnTo>
-                <a:pt x="3088722" y="290582"/>
+                <a:pt x="3056077" y="290582"/>
               </a:lnTo>
               <a:lnTo>
                 <a:pt x="0" y="290582"/>
@@ -2905,22 +2828,22 @@
             </a:spcAft>
             <a:buNone/>
           </a:pPr>
-          <a:endParaRPr lang="zh-TW" altLang="en-US" sz="500" kern="1200"/>
+          <a:endParaRPr lang="en-US" sz="500" kern="1200"/>
         </a:p>
       </dsp:txBody>
       <dsp:txXfrm>
-        <a:off x="2827007" y="1776991"/>
-        <a:ext cx="157112" cy="5775"/>
+        <a:off x="2811487" y="1776991"/>
+        <a:ext cx="155508" cy="5775"/>
       </dsp:txXfrm>
     </dsp:sp>
-    <dsp:sp modelId="{CFBE963E-CD8B-4756-A9F2-6520EBA17D27}">
+    <dsp:sp modelId="{D2695415-87B3-4A73-AC95-789DFFDFC4EC}">
       <dsp:nvSpPr>
         <dsp:cNvPr id="0" name=""/>
         <dsp:cNvSpPr/>
       </dsp:nvSpPr>
       <dsp:spPr>
         <a:xfrm>
-          <a:off x="3194346" y="1502"/>
+          <a:off x="3161701" y="1502"/>
           <a:ext cx="2511156" cy="1506693"/>
         </a:xfrm>
         <a:prstGeom prst="rect">
@@ -2968,7 +2891,7 @@
         </a:bodyPr>
         <a:lstStyle/>
         <a:p>
-          <a:pPr marL="0" lvl="0" indent="0" algn="ctr" defTabSz="1200150">
+          <a:pPr marL="0" lvl="0" indent="0" algn="ctr" defTabSz="1022350">
             <a:lnSpc>
               <a:spcPct val="90000"/>
             </a:lnSpc>
@@ -2981,29 +2904,20 @@
             <a:buNone/>
           </a:pPr>
           <a:r>
-            <a:rPr lang="en-US" altLang="zh-TW" sz="2700" kern="1200" dirty="0">
-              <a:latin typeface="標楷體" panose="03000509000000000000" pitchFamily="65" charset="-120"/>
-              <a:ea typeface="標楷體" panose="03000509000000000000" pitchFamily="65" charset="-120"/>
+            <a:rPr lang="en-US" sz="2300" kern="1200" dirty="0">
+              <a:latin typeface="Times New Roman" panose="02020603050405020304" pitchFamily="18" charset="0"/>
               <a:cs typeface="Times New Roman" panose="02020603050405020304" pitchFamily="18" charset="0"/>
             </a:rPr>
-            <a:t>2</a:t>
-          </a:r>
-          <a:r>
-            <a:rPr lang="zh-TW" altLang="en-US" sz="2700" kern="1200" dirty="0">
-              <a:latin typeface="標楷體" panose="03000509000000000000" pitchFamily="65" charset="-120"/>
-              <a:ea typeface="標楷體" panose="03000509000000000000" pitchFamily="65" charset="-120"/>
-              <a:cs typeface="Times New Roman" panose="02020603050405020304" pitchFamily="18" charset="0"/>
-            </a:rPr>
-            <a:t>：所有資料來源的說明</a:t>
+            <a:t>2. A description of all data sources used </a:t>
           </a:r>
         </a:p>
       </dsp:txBody>
       <dsp:txXfrm>
-        <a:off x="3194346" y="1502"/>
+        <a:off x="3161701" y="1502"/>
         <a:ext cx="2511156" cy="1506693"/>
       </dsp:txXfrm>
     </dsp:sp>
-    <dsp:sp modelId="{C02DBDBF-E285-4C0F-B3F3-FAB3967739E6}">
+    <dsp:sp modelId="{87B68683-8656-4C52-B5D8-8F225D13EDB1}">
       <dsp:nvSpPr>
         <dsp:cNvPr id="0" name=""/>
         <dsp:cNvSpPr/>
@@ -3076,7 +2990,7 @@
             </a:spcAft>
             <a:buNone/>
           </a:pPr>
-          <a:endParaRPr lang="zh-TW" altLang="en-US" sz="500" kern="1200"/>
+          <a:endParaRPr lang="en-US" sz="500" kern="1200"/>
         </a:p>
       </dsp:txBody>
       <dsp:txXfrm>
@@ -3084,7 +2998,7 @@
         <a:ext cx="28878" cy="5775"/>
       </dsp:txXfrm>
     </dsp:sp>
-    <dsp:sp modelId="{C0B541B7-299D-44F2-B7D9-7668727F3147}">
+    <dsp:sp modelId="{08A8D615-2696-400F-8203-0B1EFC92E853}">
       <dsp:nvSpPr>
         <dsp:cNvPr id="0" name=""/>
         <dsp:cNvSpPr/>
@@ -3139,7 +3053,7 @@
         </a:bodyPr>
         <a:lstStyle/>
         <a:p>
-          <a:pPr marL="0" lvl="0" indent="0" algn="ctr" defTabSz="1200150">
+          <a:pPr marL="0" lvl="0" indent="0" algn="ctr" defTabSz="1022350">
             <a:lnSpc>
               <a:spcPct val="90000"/>
             </a:lnSpc>
@@ -3152,20 +3066,11 @@
             <a:buNone/>
           </a:pPr>
           <a:r>
-            <a:rPr lang="en-US" altLang="zh-TW" sz="2700" kern="1200" dirty="0">
-              <a:latin typeface="標楷體" panose="03000509000000000000" pitchFamily="65" charset="-120"/>
-              <a:ea typeface="標楷體" panose="03000509000000000000" pitchFamily="65" charset="-120"/>
+            <a:rPr lang="en-US" sz="2300" kern="1200" dirty="0">
+              <a:latin typeface="Times New Roman" panose="02020603050405020304" pitchFamily="18" charset="0"/>
               <a:cs typeface="Times New Roman" panose="02020603050405020304" pitchFamily="18" charset="0"/>
             </a:rPr>
-            <a:t>3</a:t>
-          </a:r>
-          <a:r>
-            <a:rPr lang="zh-TW" altLang="en-US" sz="2700" kern="1200" dirty="0">
-              <a:latin typeface="標楷體" panose="03000509000000000000" pitchFamily="65" charset="-120"/>
-              <a:ea typeface="標楷體" panose="03000509000000000000" pitchFamily="65" charset="-120"/>
-              <a:cs typeface="Times New Roman" panose="02020603050405020304" pitchFamily="18" charset="0"/>
-            </a:rPr>
-            <a:t>：任何資料清理或處理的記錄</a:t>
+            <a:t>3. Documentation of any cleaning or manipulation of data </a:t>
           </a:r>
         </a:p>
       </dsp:txBody>
@@ -3174,7 +3079,7 @@
         <a:ext cx="2511156" cy="1506693"/>
       </dsp:txXfrm>
     </dsp:sp>
-    <dsp:sp modelId="{60FCE320-4C75-48EE-B835-DF480D394678}">
+    <dsp:sp modelId="{DA45CA35-409C-4E07-A290-A76329E1A77F}">
       <dsp:nvSpPr>
         <dsp:cNvPr id="0" name=""/>
         <dsp:cNvSpPr/>
@@ -3253,7 +3158,7 @@
             </a:spcAft>
             <a:buNone/>
           </a:pPr>
-          <a:endParaRPr lang="zh-TW" altLang="en-US" sz="500" kern="1200"/>
+          <a:endParaRPr lang="en-US" sz="500" kern="1200"/>
         </a:p>
       </dsp:txBody>
       <dsp:txXfrm>
@@ -3261,7 +3166,7 @@
         <a:ext cx="157112" cy="5775"/>
       </dsp:txXfrm>
     </dsp:sp>
-    <dsp:sp modelId="{765620C9-DC33-4AA4-97F1-8C42D39B2762}">
+    <dsp:sp modelId="{1AC5F153-AD69-423A-9CA9-2B5913B2AFE6}">
       <dsp:nvSpPr>
         <dsp:cNvPr id="0" name=""/>
         <dsp:cNvSpPr/>
@@ -3316,7 +3221,7 @@
         </a:bodyPr>
         <a:lstStyle/>
         <a:p>
-          <a:pPr marL="0" lvl="0" indent="0" algn="ctr" defTabSz="1200150">
+          <a:pPr marL="0" lvl="0" indent="0" algn="ctr" defTabSz="1022350">
             <a:lnSpc>
               <a:spcPct val="90000"/>
             </a:lnSpc>
@@ -3329,20 +3234,11 @@
             <a:buNone/>
           </a:pPr>
           <a:r>
-            <a:rPr lang="en-US" altLang="zh-TW" sz="2700" kern="1200" dirty="0">
-              <a:latin typeface="標楷體" panose="03000509000000000000" pitchFamily="65" charset="-120"/>
-              <a:ea typeface="標楷體" panose="03000509000000000000" pitchFamily="65" charset="-120"/>
+            <a:rPr lang="en-US" sz="2300" kern="1200" dirty="0">
+              <a:latin typeface="Times New Roman" panose="02020603050405020304" pitchFamily="18" charset="0"/>
               <a:cs typeface="Times New Roman" panose="02020603050405020304" pitchFamily="18" charset="0"/>
             </a:rPr>
-            <a:t>4</a:t>
-          </a:r>
-          <a:r>
-            <a:rPr lang="zh-TW" altLang="en-US" sz="2700" kern="1200" dirty="0">
-              <a:latin typeface="標楷體" panose="03000509000000000000" pitchFamily="65" charset="-120"/>
-              <a:ea typeface="標楷體" panose="03000509000000000000" pitchFamily="65" charset="-120"/>
-              <a:cs typeface="Times New Roman" panose="02020603050405020304" pitchFamily="18" charset="0"/>
-            </a:rPr>
-            <a:t>：我的分析摘要</a:t>
+            <a:t>4. A summary of my analysis </a:t>
           </a:r>
         </a:p>
       </dsp:txBody>
@@ -3351,7 +3247,7 @@
         <a:ext cx="2511156" cy="1506693"/>
       </dsp:txXfrm>
     </dsp:sp>
-    <dsp:sp modelId="{291F733B-E617-4426-A28B-2327B59C1156}">
+    <dsp:sp modelId="{FD2B853B-4A08-4987-B43D-66E0EF37FB83}">
       <dsp:nvSpPr>
         <dsp:cNvPr id="0" name=""/>
         <dsp:cNvSpPr/>
@@ -3424,7 +3320,7 @@
             </a:spcAft>
             <a:buNone/>
           </a:pPr>
-          <a:endParaRPr lang="zh-TW" altLang="en-US" sz="500" kern="1200"/>
+          <a:endParaRPr lang="en-US" sz="500" kern="1200"/>
         </a:p>
       </dsp:txBody>
       <dsp:txXfrm>
@@ -3432,7 +3328,7 @@
         <a:ext cx="28878" cy="5775"/>
       </dsp:txXfrm>
     </dsp:sp>
-    <dsp:sp modelId="{6180FE7E-B879-4484-89EA-B18898031433}">
+    <dsp:sp modelId="{BB192C63-6B77-4BF8-9F5C-CB51DDC88E91}">
       <dsp:nvSpPr>
         <dsp:cNvPr id="0" name=""/>
         <dsp:cNvSpPr/>
@@ -3487,7 +3383,7 @@
         </a:bodyPr>
         <a:lstStyle/>
         <a:p>
-          <a:pPr marL="0" lvl="0" indent="0" algn="ctr" defTabSz="1200150">
+          <a:pPr marL="0" lvl="0" indent="0" algn="ctr" defTabSz="1022350">
             <a:lnSpc>
               <a:spcPct val="90000"/>
             </a:lnSpc>
@@ -3500,20 +3396,11 @@
             <a:buNone/>
           </a:pPr>
           <a:r>
-            <a:rPr lang="en-US" altLang="zh-TW" sz="2700" kern="1200" dirty="0">
-              <a:latin typeface="標楷體" panose="03000509000000000000" pitchFamily="65" charset="-120"/>
-              <a:ea typeface="標楷體" panose="03000509000000000000" pitchFamily="65" charset="-120"/>
+            <a:rPr lang="en-US" sz="2300" kern="1200" dirty="0">
+              <a:latin typeface="Times New Roman" panose="02020603050405020304" pitchFamily="18" charset="0"/>
               <a:cs typeface="Times New Roman" panose="02020603050405020304" pitchFamily="18" charset="0"/>
             </a:rPr>
-            <a:t>5</a:t>
-          </a:r>
-          <a:r>
-            <a:rPr lang="zh-TW" altLang="en-US" sz="2700" kern="1200" dirty="0">
-              <a:latin typeface="標楷體" panose="03000509000000000000" pitchFamily="65" charset="-120"/>
-              <a:ea typeface="標楷體" panose="03000509000000000000" pitchFamily="65" charset="-120"/>
-              <a:cs typeface="Times New Roman" panose="02020603050405020304" pitchFamily="18" charset="0"/>
-            </a:rPr>
-            <a:t>：可視化支持和發現主要</a:t>
+            <a:t>5. Supporting visualizations and key findings </a:t>
           </a:r>
         </a:p>
       </dsp:txBody>
@@ -3522,7 +3409,7 @@
         <a:ext cx="2511156" cy="1506693"/>
       </dsp:txXfrm>
     </dsp:sp>
-    <dsp:sp modelId="{EAA5DE16-DDEB-45D5-BE56-578B1281E264}">
+    <dsp:sp modelId="{23B1CC88-A996-4ADB-A5CA-2A252EBBCD4C}">
       <dsp:nvSpPr>
         <dsp:cNvPr id="0" name=""/>
         <dsp:cNvSpPr/>
@@ -3577,7 +3464,7 @@
         </a:bodyPr>
         <a:lstStyle/>
         <a:p>
-          <a:pPr marL="0" lvl="0" indent="0" algn="ctr" defTabSz="1200150">
+          <a:pPr marL="0" lvl="0" indent="0" algn="ctr" defTabSz="1022350">
             <a:lnSpc>
               <a:spcPct val="90000"/>
             </a:lnSpc>
@@ -3590,20 +3477,11 @@
             <a:buNone/>
           </a:pPr>
           <a:r>
-            <a:rPr lang="en-US" altLang="zh-TW" sz="2700" kern="1200" dirty="0">
-              <a:latin typeface="標楷體" panose="03000509000000000000" pitchFamily="65" charset="-120"/>
-              <a:ea typeface="標楷體" panose="03000509000000000000" pitchFamily="65" charset="-120"/>
+            <a:rPr lang="en-US" sz="2300" kern="1200" dirty="0">
+              <a:latin typeface="Times New Roman" panose="02020603050405020304" pitchFamily="18" charset="0"/>
               <a:cs typeface="Times New Roman" panose="02020603050405020304" pitchFamily="18" charset="0"/>
             </a:rPr>
-            <a:t>6</a:t>
-          </a:r>
-          <a:r>
-            <a:rPr lang="zh-TW" altLang="en-US" sz="2700" kern="1200" dirty="0">
-              <a:latin typeface="標楷體" panose="03000509000000000000" pitchFamily="65" charset="-120"/>
-              <a:ea typeface="標楷體" panose="03000509000000000000" pitchFamily="65" charset="-120"/>
-              <a:cs typeface="Times New Roman" panose="02020603050405020304" pitchFamily="18" charset="0"/>
-            </a:rPr>
-            <a:t>：我根據分析提出的三大建議</a:t>
+            <a:t>6. My top three recommendations based on analysis</a:t>
           </a:r>
         </a:p>
       </dsp:txBody>
@@ -3631,8 +3509,8 @@
       </dsp:nvSpPr>
       <dsp:spPr>
         <a:xfrm>
-          <a:off x="718664" y="453902"/>
-          <a:ext cx="1955812" cy="1955812"/>
+          <a:off x="701603" y="1134748"/>
+          <a:ext cx="1990125" cy="1990125"/>
         </a:xfrm>
         <a:prstGeom prst="ellipse">
           <a:avLst/>
@@ -3670,8 +3548,8 @@
       </dsp:nvSpPr>
       <dsp:spPr>
         <a:xfrm>
-          <a:off x="1135476" y="870714"/>
-          <a:ext cx="1122187" cy="1122187"/>
+          <a:off x="1125728" y="1558873"/>
+          <a:ext cx="1141875" cy="1141875"/>
         </a:xfrm>
         <a:prstGeom prst="rect">
           <a:avLst/>
@@ -3720,8 +3598,8 @@
       </dsp:nvSpPr>
       <dsp:spPr>
         <a:xfrm>
-          <a:off x="93445" y="3018902"/>
-          <a:ext cx="3206250" cy="720000"/>
+          <a:off x="65415" y="3822791"/>
+          <a:ext cx="3262500" cy="324504"/>
         </a:xfrm>
         <a:prstGeom prst="rect">
           <a:avLst/>
@@ -3750,7 +3628,7 @@
         </a:bodyPr>
         <a:lstStyle/>
         <a:p>
-          <a:pPr marL="0" lvl="0" indent="0" algn="ctr" defTabSz="1022350">
+          <a:pPr marL="0" lvl="0" indent="0" algn="ctr" defTabSz="1066800">
             <a:lnSpc>
               <a:spcPct val="90000"/>
             </a:lnSpc>
@@ -3764,21 +3642,17 @@
             <a:defRPr cap="all"/>
           </a:pPr>
           <a:r>
-            <a:rPr lang="zh-TW" altLang="en-US" sz="2300" kern="1200" dirty="0">
-              <a:latin typeface="標楷體" panose="03000509000000000000" pitchFamily="65" charset="-120"/>
-              <a:ea typeface="標楷體" panose="03000509000000000000" pitchFamily="65" charset="-120"/>
+            <a:rPr lang="en-US" sz="2400" kern="1200" dirty="0">
+              <a:latin typeface="Times New Roman" panose="02020603050405020304" pitchFamily="18" charset="0"/>
+              <a:cs typeface="Times New Roman" panose="02020603050405020304" pitchFamily="18" charset="0"/>
             </a:rPr>
-            <a:t>感謝聆聽</a:t>
+            <a:t>Thanks for listening</a:t>
           </a:r>
-          <a:endParaRPr lang="en-US" sz="2300" kern="1200" dirty="0">
-            <a:latin typeface="標楷體" panose="03000509000000000000" pitchFamily="65" charset="-120"/>
-            <a:ea typeface="標楷體" panose="03000509000000000000" pitchFamily="65" charset="-120"/>
-          </a:endParaRPr>
         </a:p>
       </dsp:txBody>
       <dsp:txXfrm>
-        <a:off x="93445" y="3018902"/>
-        <a:ext cx="3206250" cy="720000"/>
+        <a:off x="65415" y="3822791"/>
+        <a:ext cx="3262500" cy="324504"/>
       </dsp:txXfrm>
     </dsp:sp>
     <dsp:sp modelId="{E25D46DA-3CCC-4690-B645-92B8158A50C4}">
@@ -3788,8 +3662,8 @@
       </dsp:nvSpPr>
       <dsp:spPr>
         <a:xfrm>
-          <a:off x="4486008" y="453902"/>
-          <a:ext cx="1955812" cy="1955812"/>
+          <a:off x="4535040" y="1095727"/>
+          <a:ext cx="1990125" cy="1990125"/>
         </a:xfrm>
         <a:prstGeom prst="ellipse">
           <a:avLst/>
@@ -3827,8 +3701,8 @@
       </dsp:nvSpPr>
       <dsp:spPr>
         <a:xfrm>
-          <a:off x="4902820" y="870714"/>
-          <a:ext cx="1122187" cy="1122187"/>
+          <a:off x="4959165" y="1519852"/>
+          <a:ext cx="1141875" cy="1141875"/>
         </a:xfrm>
         <a:prstGeom prst="rect">
           <a:avLst/>
@@ -3877,8 +3751,8 @@
       </dsp:nvSpPr>
       <dsp:spPr>
         <a:xfrm>
-          <a:off x="3860789" y="3018902"/>
-          <a:ext cx="3206250" cy="720000"/>
+          <a:off x="3898853" y="3705727"/>
+          <a:ext cx="3262500" cy="480590"/>
         </a:xfrm>
         <a:prstGeom prst="rect">
           <a:avLst/>
@@ -3907,7 +3781,7 @@
         </a:bodyPr>
         <a:lstStyle/>
         <a:p>
-          <a:pPr marL="0" lvl="0" indent="0" algn="ctr" defTabSz="1022350">
+          <a:pPr marL="0" lvl="0" indent="0" algn="ctr" defTabSz="1066800">
             <a:lnSpc>
               <a:spcPct val="90000"/>
             </a:lnSpc>
@@ -3921,21 +3795,21 @@
             <a:defRPr cap="all"/>
           </a:pPr>
           <a:r>
-            <a:rPr lang="zh-TW" altLang="en-US" sz="2300" kern="1200" dirty="0">
-              <a:latin typeface="標楷體" panose="03000509000000000000" pitchFamily="65" charset="-120"/>
-              <a:ea typeface="標楷體" panose="03000509000000000000" pitchFamily="65" charset="-120"/>
+            <a:rPr lang="en-US" altLang="zh-TW" sz="2400" kern="1200" dirty="0">
+              <a:latin typeface="Times New Roman" panose="02020603050405020304" pitchFamily="18" charset="0"/>
+              <a:cs typeface="Times New Roman" panose="02020603050405020304" pitchFamily="18" charset="0"/>
             </a:rPr>
-            <a:t>歡迎提問</a:t>
+            <a:t>Welcome to ask questions</a:t>
           </a:r>
-          <a:endParaRPr lang="en-US" sz="2300" kern="1200" dirty="0">
-            <a:latin typeface="標楷體" panose="03000509000000000000" pitchFamily="65" charset="-120"/>
-            <a:ea typeface="標楷體" panose="03000509000000000000" pitchFamily="65" charset="-120"/>
+          <a:endParaRPr lang="en-US" sz="2400" kern="1200" dirty="0">
+            <a:latin typeface="Times New Roman" panose="02020603050405020304" pitchFamily="18" charset="0"/>
+            <a:cs typeface="Times New Roman" panose="02020603050405020304" pitchFamily="18" charset="0"/>
           </a:endParaRPr>
         </a:p>
       </dsp:txBody>
       <dsp:txXfrm>
-        <a:off x="3860789" y="3018902"/>
-        <a:ext cx="3206250" cy="720000"/>
+        <a:off x="3898853" y="3705727"/>
+        <a:ext cx="3262500" cy="480590"/>
       </dsp:txXfrm>
     </dsp:sp>
     <dsp:sp modelId="{172B5539-CDB8-4AAF-88C5-F1BFC720604B}">
@@ -3945,8 +3819,8 @@
       </dsp:nvSpPr>
       <dsp:spPr>
         <a:xfrm>
-          <a:off x="8253352" y="453902"/>
-          <a:ext cx="1955812" cy="1955812"/>
+          <a:off x="8934375" y="1095727"/>
+          <a:ext cx="1990125" cy="1990125"/>
         </a:xfrm>
         <a:prstGeom prst="ellipse">
           <a:avLst/>
@@ -3984,8 +3858,8 @@
       </dsp:nvSpPr>
       <dsp:spPr>
         <a:xfrm>
-          <a:off x="8670164" y="870714"/>
-          <a:ext cx="1122187" cy="1122187"/>
+          <a:off x="9358500" y="1519852"/>
+          <a:ext cx="1141875" cy="1141875"/>
         </a:xfrm>
         <a:prstGeom prst="rect">
           <a:avLst/>
@@ -4034,8 +3908,8 @@
       </dsp:nvSpPr>
       <dsp:spPr>
         <a:xfrm>
-          <a:off x="7628133" y="3018902"/>
-          <a:ext cx="3206250" cy="720000"/>
+          <a:off x="7732290" y="3705727"/>
+          <a:ext cx="4394293" cy="480590"/>
         </a:xfrm>
         <a:prstGeom prst="rect">
           <a:avLst/>
@@ -4064,7 +3938,7 @@
         </a:bodyPr>
         <a:lstStyle/>
         <a:p>
-          <a:pPr marL="0" lvl="0" indent="0" algn="ctr" defTabSz="1022350">
+          <a:pPr marL="0" lvl="0" indent="0" algn="ctr" defTabSz="1066800">
             <a:lnSpc>
               <a:spcPct val="90000"/>
             </a:lnSpc>
@@ -4078,21 +3952,21 @@
             <a:defRPr cap="all"/>
           </a:pPr>
           <a:r>
-            <a:rPr lang="zh-TW" altLang="en-US" sz="2300" kern="1200" dirty="0">
-              <a:latin typeface="標楷體" panose="03000509000000000000" pitchFamily="65" charset="-120"/>
-              <a:ea typeface="標楷體" panose="03000509000000000000" pitchFamily="65" charset="-120"/>
+            <a:rPr lang="en-US" altLang="zh-TW" sz="2400" kern="1200" dirty="0">
+              <a:latin typeface="Times New Roman" panose="02020603050405020304" pitchFamily="18" charset="0"/>
+              <a:cs typeface="Times New Roman" panose="02020603050405020304" pitchFamily="18" charset="0"/>
             </a:rPr>
-            <a:t>若問題回答不完整，還請告知</a:t>
+            <a:t>If the answer to this question is incomplete, please let me know.</a:t>
           </a:r>
-          <a:endParaRPr lang="en-US" sz="2300" kern="1200" dirty="0">
-            <a:latin typeface="標楷體" panose="03000509000000000000" pitchFamily="65" charset="-120"/>
-            <a:ea typeface="標楷體" panose="03000509000000000000" pitchFamily="65" charset="-120"/>
+          <a:endParaRPr lang="en-US" sz="2400" kern="1200" dirty="0">
+            <a:latin typeface="Times New Roman" panose="02020603050405020304" pitchFamily="18" charset="0"/>
+            <a:cs typeface="Times New Roman" panose="02020603050405020304" pitchFamily="18" charset="0"/>
           </a:endParaRPr>
         </a:p>
       </dsp:txBody>
       <dsp:txXfrm>
-        <a:off x="7628133" y="3018902"/>
-        <a:ext cx="3206250" cy="720000"/>
+        <a:off x="7732290" y="3705727"/>
+        <a:ext cx="4394293" cy="480590"/>
       </dsp:txXfrm>
     </dsp:sp>
   </dsp:spTree>
@@ -11020,22 +10894,16 @@
           <a:p>
             <a:pPr algn="ctr"/>
             <a:r>
-              <a:rPr lang="zh-TW" altLang="en-US" sz="6100" kern="1200" dirty="0">
+              <a:rPr lang="en-US" altLang="zh-TW" sz="6100" kern="1200">
                 <a:solidFill>
                   <a:schemeClr val="tx1"/>
                 </a:solidFill>
-                <a:latin typeface="標楷體" panose="03000509000000000000" pitchFamily="65" charset="-120"/>
-                <a:ea typeface="標楷體" panose="03000509000000000000" pitchFamily="65" charset="-120"/>
+                <a:latin typeface="+mj-lt"/>
+                <a:ea typeface="+mj-ea"/>
+                <a:cs typeface="+mj-cs"/>
               </a:rPr>
-              <a:t>健康科技公司如何智能化</a:t>
+              <a:t>How can a wellness technology company play it smart</a:t>
             </a:r>
-            <a:endParaRPr lang="en-US" altLang="zh-TW" sz="6100" kern="1200" dirty="0">
-              <a:solidFill>
-                <a:schemeClr val="tx1"/>
-              </a:solidFill>
-              <a:latin typeface="標楷體" panose="03000509000000000000" pitchFamily="65" charset="-120"/>
-              <a:ea typeface="標楷體" panose="03000509000000000000" pitchFamily="65" charset="-120"/>
-            </a:endParaRPr>
           </a:p>
         </p:txBody>
       </p:sp>
@@ -11264,24 +11132,15 @@
           <a:lstStyle/>
           <a:p>
             <a:r>
-              <a:rPr lang="zh-TW" altLang="en-US" sz="3600" kern="1200" dirty="0">
+              <a:rPr lang="en-US" altLang="zh-TW" kern="1200" dirty="0">
                 <a:solidFill>
                   <a:schemeClr val="tx1"/>
                 </a:solidFill>
-                <a:latin typeface="標楷體" panose="03000509000000000000" pitchFamily="65" charset="-120"/>
-                <a:ea typeface="標楷體" panose="03000509000000000000" pitchFamily="65" charset="-120"/>
+                <a:latin typeface="Times New Roman" panose="02020603050405020304" pitchFamily="18" charset="0"/>
                 <a:cs typeface="Times New Roman" panose="02020603050405020304" pitchFamily="18" charset="0"/>
               </a:rPr>
-              <a:t>分析</a:t>
+              <a:t>Analyze</a:t>
             </a:r>
-            <a:endParaRPr lang="en-US" altLang="zh-TW" sz="3600" kern="1200" dirty="0">
-              <a:solidFill>
-                <a:schemeClr val="tx1"/>
-              </a:solidFill>
-              <a:latin typeface="標楷體" panose="03000509000000000000" pitchFamily="65" charset="-120"/>
-              <a:ea typeface="標楷體" panose="03000509000000000000" pitchFamily="65" charset="-120"/>
-              <a:cs typeface="Times New Roman" panose="02020603050405020304" pitchFamily="18" charset="0"/>
-            </a:endParaRPr>
           </a:p>
         </p:txBody>
       </p:sp>
@@ -11372,52 +11231,37 @@
         </p:spPr>
         <p:txBody>
           <a:bodyPr vert="horz" lIns="91440" tIns="45720" rIns="91440" bIns="45720" rtlCol="0" anchor="ctr">
-            <a:normAutofit/>
+            <a:normAutofit fontScale="92500" lnSpcReduction="10000"/>
           </a:bodyPr>
           <a:lstStyle/>
           <a:p>
-            <a:pPr marL="285750" indent="0" algn="ctr">
+            <a:pPr marL="57150" indent="0" algn="ctr">
               <a:buNone/>
             </a:pPr>
             <a:r>
-              <a:rPr lang="zh-TW" altLang="en-US" b="1" dirty="0">
-                <a:latin typeface="標楷體" panose="03000509000000000000" pitchFamily="65" charset="-120"/>
-                <a:ea typeface="標楷體" panose="03000509000000000000" pitchFamily="65" charset="-120"/>
+              <a:rPr lang="en-US" altLang="zh-TW" b="1" dirty="0">
+                <a:latin typeface="Times New Roman" panose="02020603050405020304" pitchFamily="18" charset="0"/>
                 <a:cs typeface="Times New Roman" panose="02020603050405020304" pitchFamily="18" charset="0"/>
               </a:rPr>
-              <a:t>分析摘要</a:t>
+              <a:t>Summary analysis</a:t>
             </a:r>
-            <a:endParaRPr lang="en-US" altLang="zh-TW" b="1" dirty="0">
-              <a:latin typeface="標楷體" panose="03000509000000000000" pitchFamily="65" charset="-120"/>
-              <a:ea typeface="標楷體" panose="03000509000000000000" pitchFamily="65" charset="-120"/>
+          </a:p>
+          <a:p>
+            <a:endParaRPr lang="en-US" altLang="zh-TW" sz="1800" b="0" i="0" dirty="0">
+              <a:effectLst/>
+              <a:latin typeface="Times New Roman" panose="02020603050405020304" pitchFamily="18" charset="0"/>
               <a:cs typeface="Times New Roman" panose="02020603050405020304" pitchFamily="18" charset="0"/>
             </a:endParaRPr>
           </a:p>
           <a:p>
-            <a:pPr marL="571500" indent="-285750" algn="ctr"/>
-            <a:endParaRPr lang="en-US" altLang="zh-TW" sz="2400" b="0" i="0" dirty="0">
-              <a:effectLst/>
-              <a:latin typeface="標楷體" panose="03000509000000000000" pitchFamily="65" charset="-120"/>
-              <a:ea typeface="標楷體" panose="03000509000000000000" pitchFamily="65" charset="-120"/>
-              <a:cs typeface="Times New Roman" panose="02020603050405020304" pitchFamily="18" charset="0"/>
-            </a:endParaRPr>
-          </a:p>
-          <a:p>
             <a:r>
-              <a:rPr lang="zh-TW" altLang="en-US" sz="2400" b="0" i="0" dirty="0">
+              <a:rPr lang="en-US" altLang="zh-TW" sz="2600" b="0" i="0" dirty="0">
                 <a:effectLst/>
-                <a:latin typeface="標楷體" panose="03000509000000000000" pitchFamily="65" charset="-120"/>
-                <a:ea typeface="標楷體" panose="03000509000000000000" pitchFamily="65" charset="-120"/>
+                <a:latin typeface="Times New Roman" panose="02020603050405020304" pitchFamily="18" charset="0"/>
                 <a:cs typeface="Times New Roman" panose="02020603050405020304" pitchFamily="18" charset="0"/>
               </a:rPr>
-              <a:t>睡眠時數與臥床時數之間的相關性。數據點非常接近，相關性同樣很強。如果使用者想要提高身心健康，顯然必須增加在床上的時間。</a:t>
+              <a:t>Correlation between the number of hours slept and the number of hours spent in bed. The data points are very close, and the correlation is equally strong. If users want to enhance their well-being, it is evident that the time spent in bed must be increased.</a:t>
             </a:r>
-            <a:endParaRPr lang="en-US" altLang="zh-TW" sz="2400" b="0" i="0" dirty="0">
-              <a:effectLst/>
-              <a:latin typeface="標楷體" panose="03000509000000000000" pitchFamily="65" charset="-120"/>
-              <a:ea typeface="標楷體" panose="03000509000000000000" pitchFamily="65" charset="-120"/>
-              <a:cs typeface="Times New Roman" panose="02020603050405020304" pitchFamily="18" charset="0"/>
-            </a:endParaRPr>
           </a:p>
         </p:txBody>
       </p:sp>
@@ -11769,8 +11613,8 @@
         </p:nvSpPr>
         <p:spPr>
           <a:xfrm>
-            <a:off x="630936" y="639520"/>
-            <a:ext cx="3429000" cy="1719072"/>
+            <a:off x="630936" y="1385668"/>
+            <a:ext cx="2154467" cy="972924"/>
           </a:xfrm>
         </p:spPr>
         <p:txBody>
@@ -11780,22 +11624,16 @@
           <a:lstStyle/>
           <a:p>
             <a:r>
-              <a:rPr lang="zh-TW" altLang="en-US" sz="5400" kern="1200" dirty="0">
+              <a:rPr lang="en-US" altLang="zh-TW" kern="1200" dirty="0">
                 <a:solidFill>
                   <a:schemeClr val="tx1"/>
                 </a:solidFill>
-                <a:latin typeface="標楷體" panose="03000509000000000000" pitchFamily="65" charset="-120"/>
-                <a:ea typeface="標楷體" panose="03000509000000000000" pitchFamily="65" charset="-120"/>
+                <a:latin typeface="+mj-lt"/>
+                <a:ea typeface="+mj-ea"/>
+                <a:cs typeface="+mj-cs"/>
               </a:rPr>
-              <a:t>分析</a:t>
+              <a:t>Analyze</a:t>
             </a:r>
-            <a:endParaRPr lang="en-US" altLang="zh-TW" sz="5400" kern="1200" dirty="0">
-              <a:solidFill>
-                <a:schemeClr val="tx1"/>
-              </a:solidFill>
-              <a:latin typeface="標楷體" panose="03000509000000000000" pitchFamily="65" charset="-120"/>
-              <a:ea typeface="標楷體" panose="03000509000000000000" pitchFamily="65" charset="-120"/>
-            </a:endParaRPr>
           </a:p>
         </p:txBody>
       </p:sp>
@@ -12090,60 +11928,46 @@
         </p:nvSpPr>
         <p:spPr>
           <a:xfrm>
-            <a:off x="95932" y="2807208"/>
-            <a:ext cx="3488189" cy="3410712"/>
+            <a:off x="0" y="2807207"/>
+            <a:ext cx="3616779" cy="3740549"/>
           </a:xfrm>
         </p:spPr>
         <p:txBody>
           <a:bodyPr vert="horz" lIns="91440" tIns="45720" rIns="91440" bIns="45720" rtlCol="0" anchor="t">
-            <a:normAutofit/>
+            <a:normAutofit lnSpcReduction="10000"/>
           </a:bodyPr>
           <a:lstStyle/>
           <a:p>
-            <a:pPr marL="285750" indent="0" algn="ctr">
+            <a:pPr marL="57150" indent="0" algn="ctr">
               <a:buNone/>
             </a:pPr>
             <a:r>
-              <a:rPr lang="zh-TW" altLang="en-US" b="1" dirty="0">
-                <a:latin typeface="標楷體" panose="03000509000000000000" pitchFamily="65" charset="-120"/>
-                <a:ea typeface="標楷體" panose="03000509000000000000" pitchFamily="65" charset="-120"/>
+              <a:rPr lang="en-US" altLang="zh-TW" b="1" dirty="0">
+                <a:latin typeface="Times New Roman" panose="02020603050405020304" pitchFamily="18" charset="0"/>
                 <a:cs typeface="Times New Roman" panose="02020603050405020304" pitchFamily="18" charset="0"/>
               </a:rPr>
-              <a:t>分析摘要</a:t>
+              <a:t>Summary analysis</a:t>
             </a:r>
-            <a:endParaRPr lang="en-US" altLang="zh-TW" b="1" dirty="0">
-              <a:latin typeface="標楷體" panose="03000509000000000000" pitchFamily="65" charset="-120"/>
-              <a:ea typeface="標楷體" panose="03000509000000000000" pitchFamily="65" charset="-120"/>
-              <a:cs typeface="Times New Roman" panose="02020603050405020304" pitchFamily="18" charset="0"/>
-            </a:endParaRPr>
           </a:p>
           <a:p>
             <a:pPr marL="285750" indent="0">
               <a:buNone/>
             </a:pPr>
             <a:endParaRPr lang="en-US" altLang="zh-TW" sz="2200" dirty="0">
-              <a:latin typeface="標楷體" panose="03000509000000000000" pitchFamily="65" charset="-120"/>
-              <a:ea typeface="標楷體" panose="03000509000000000000" pitchFamily="65" charset="-120"/>
+              <a:latin typeface="Times New Roman" panose="02020603050405020304" pitchFamily="18" charset="0"/>
               <a:cs typeface="Times New Roman" panose="02020603050405020304" pitchFamily="18" charset="0"/>
             </a:endParaRPr>
           </a:p>
           <a:p>
             <a:pPr marL="628650" indent="-342900"/>
             <a:r>
-              <a:rPr lang="zh-TW" altLang="en-US" sz="2400" b="0" i="0" dirty="0">
+              <a:rPr lang="en-US" altLang="zh-TW" sz="2400" b="0" i="0" dirty="0">
                 <a:effectLst/>
-                <a:latin typeface="標楷體" panose="03000509000000000000" pitchFamily="65" charset="-120"/>
-                <a:ea typeface="標楷體" panose="03000509000000000000" pitchFamily="65" charset="-120"/>
+                <a:latin typeface="Times New Roman" panose="02020603050405020304" pitchFamily="18" charset="0"/>
                 <a:cs typeface="Times New Roman" panose="02020603050405020304" pitchFamily="18" charset="0"/>
               </a:rPr>
-              <a:t>雖然平均久坐活動明顯占主導地位，但一周中不同天數的活動量似乎沒有差異，無論活動類型如何。</a:t>
+              <a:t>While the average sedentary activity clearly dominates, it appears that there are no differences in activity levels based on the days of the week, regardless of the type of activity.</a:t>
             </a:r>
-            <a:endParaRPr lang="en-US" altLang="zh-TW" sz="2400" b="0" i="0" dirty="0">
-              <a:effectLst/>
-              <a:latin typeface="標楷體" panose="03000509000000000000" pitchFamily="65" charset="-120"/>
-              <a:ea typeface="標楷體" panose="03000509000000000000" pitchFamily="65" charset="-120"/>
-              <a:cs typeface="Times New Roman" panose="02020603050405020304" pitchFamily="18" charset="0"/>
-            </a:endParaRPr>
           </a:p>
         </p:txBody>
       </p:sp>
@@ -12494,7 +12318,7 @@
         <p:spPr>
           <a:xfrm>
             <a:off x="5894962" y="480224"/>
-            <a:ext cx="1403909" cy="1325563"/>
+            <a:ext cx="5458838" cy="1325563"/>
           </a:xfrm>
         </p:spPr>
         <p:txBody>
@@ -12504,24 +12328,15 @@
           <a:lstStyle/>
           <a:p>
             <a:r>
-              <a:rPr lang="zh-TW" altLang="en-US" kern="1200" dirty="0">
+              <a:rPr lang="en-US" altLang="zh-TW" kern="1200" dirty="0">
                 <a:solidFill>
                   <a:schemeClr val="tx1"/>
                 </a:solidFill>
-                <a:latin typeface="標楷體" panose="03000509000000000000" pitchFamily="65" charset="-120"/>
-                <a:ea typeface="標楷體" panose="03000509000000000000" pitchFamily="65" charset="-120"/>
+                <a:latin typeface="Times New Roman" panose="02020603050405020304" pitchFamily="18" charset="0"/>
                 <a:cs typeface="Times New Roman" panose="02020603050405020304" pitchFamily="18" charset="0"/>
               </a:rPr>
-              <a:t>分析</a:t>
+              <a:t>Analyze</a:t>
             </a:r>
-            <a:endParaRPr lang="en-US" altLang="zh-TW" kern="1200" dirty="0">
-              <a:solidFill>
-                <a:schemeClr val="tx1"/>
-              </a:solidFill>
-              <a:latin typeface="標楷體" panose="03000509000000000000" pitchFamily="65" charset="-120"/>
-              <a:ea typeface="標楷體" panose="03000509000000000000" pitchFamily="65" charset="-120"/>
-              <a:cs typeface="Times New Roman" panose="02020603050405020304" pitchFamily="18" charset="0"/>
-            </a:endParaRPr>
           </a:p>
         </p:txBody>
       </p:sp>
@@ -12769,47 +12584,57 @@
           </a:bodyPr>
           <a:lstStyle/>
           <a:p>
-            <a:pPr marL="285750" indent="0" algn="ctr">
+            <a:pPr marL="57150" indent="0" algn="ctr">
               <a:buNone/>
             </a:pPr>
             <a:r>
-              <a:rPr lang="zh-TW" altLang="en-US" b="1" dirty="0">
-                <a:latin typeface="標楷體" panose="03000509000000000000" pitchFamily="65" charset="-120"/>
-                <a:ea typeface="標楷體" panose="03000509000000000000" pitchFamily="65" charset="-120"/>
+              <a:rPr lang="en-US" altLang="zh-TW" b="1" dirty="0">
+                <a:latin typeface="Times New Roman" panose="02020603050405020304" pitchFamily="18" charset="0"/>
                 <a:cs typeface="Times New Roman" panose="02020603050405020304" pitchFamily="18" charset="0"/>
               </a:rPr>
-              <a:t>分析摘要</a:t>
+              <a:t>Summary analysis</a:t>
             </a:r>
-            <a:endParaRPr lang="en-US" altLang="zh-TW" b="1" dirty="0">
-              <a:latin typeface="標楷體" panose="03000509000000000000" pitchFamily="65" charset="-120"/>
-              <a:ea typeface="標楷體" panose="03000509000000000000" pitchFamily="65" charset="-120"/>
+          </a:p>
+          <a:p>
+            <a:pPr marL="285750"/>
+            <a:endParaRPr lang="en-US" altLang="zh-TW" dirty="0">
+              <a:latin typeface="Times New Roman" panose="02020603050405020304" pitchFamily="18" charset="0"/>
               <a:cs typeface="Times New Roman" panose="02020603050405020304" pitchFamily="18" charset="0"/>
             </a:endParaRPr>
           </a:p>
           <a:p>
-            <a:pPr marL="285750"/>
-            <a:endParaRPr lang="en-US" altLang="zh-TW" dirty="0">
-              <a:latin typeface="標楷體" panose="03000509000000000000" pitchFamily="65" charset="-120"/>
-              <a:ea typeface="標楷體" panose="03000509000000000000" pitchFamily="65" charset="-120"/>
-              <a:cs typeface="Times New Roman" panose="02020603050405020304" pitchFamily="18" charset="0"/>
-            </a:endParaRPr>
-          </a:p>
-          <a:p>
             <a:pPr marL="514350"/>
             <a:r>
-              <a:rPr lang="zh-TW" altLang="en-US" sz="2400" dirty="0">
-                <a:latin typeface="標楷體" panose="03000509000000000000" pitchFamily="65" charset="-120"/>
-                <a:ea typeface="標楷體" panose="03000509000000000000" pitchFamily="65" charset="-120"/>
+              <a:rPr lang="en-US" altLang="zh-TW" sz="2400" dirty="0">
+                <a:latin typeface="Times New Roman" panose="02020603050405020304" pitchFamily="18" charset="0"/>
                 <a:cs typeface="Times New Roman" panose="02020603050405020304" pitchFamily="18" charset="0"/>
               </a:rPr>
-              <a:t>週六和週二與一周中的其他日子相比略有增加，原因可能是非工作日。</a:t>
+              <a:t>T</a:t>
             </a:r>
-            <a:endParaRPr lang="en-US" altLang="zh-TW" sz="2400" b="0" i="0" dirty="0">
-              <a:effectLst/>
-              <a:latin typeface="標楷體" panose="03000509000000000000" pitchFamily="65" charset="-120"/>
-              <a:ea typeface="標楷體" panose="03000509000000000000" pitchFamily="65" charset="-120"/>
-              <a:cs typeface="Times New Roman" panose="02020603050405020304" pitchFamily="18" charset="0"/>
-            </a:endParaRPr>
+            <a:r>
+              <a:rPr lang="en-US" altLang="zh-TW" sz="2400" b="0" i="0" dirty="0">
+                <a:effectLst/>
+                <a:latin typeface="Times New Roman" panose="02020603050405020304" pitchFamily="18" charset="0"/>
+                <a:cs typeface="Times New Roman" panose="02020603050405020304" pitchFamily="18" charset="0"/>
+              </a:rPr>
+              <a:t>he Saturday </a:t>
+            </a:r>
+            <a:r>
+              <a:rPr lang="en-US" altLang="zh-TW" sz="2400" b="0" i="0">
+                <a:effectLst/>
+                <a:latin typeface="Times New Roman" panose="02020603050405020304" pitchFamily="18" charset="0"/>
+                <a:cs typeface="Times New Roman" panose="02020603050405020304" pitchFamily="18" charset="0"/>
+              </a:rPr>
+              <a:t>and Tuesday </a:t>
+            </a:r>
+            <a:r>
+              <a:rPr lang="en-US" altLang="zh-TW" sz="2400" b="0" i="0" dirty="0">
+                <a:effectLst/>
+                <a:latin typeface="Times New Roman" panose="02020603050405020304" pitchFamily="18" charset="0"/>
+                <a:cs typeface="Times New Roman" panose="02020603050405020304" pitchFamily="18" charset="0"/>
+              </a:rPr>
+              <a:t>show a slight increase compared to the other days of the week, which could be explained by non-working days.</a:t>
+            </a:r>
           </a:p>
         </p:txBody>
       </p:sp>
@@ -12875,35 +12700,26 @@
         </p:nvSpPr>
         <p:spPr>
           <a:xfrm>
-            <a:off x="1178771" y="816428"/>
-            <a:ext cx="1033749" cy="634930"/>
+            <a:off x="633047" y="816428"/>
+            <a:ext cx="2250830" cy="1058486"/>
           </a:xfrm>
         </p:spPr>
         <p:txBody>
           <a:bodyPr vert="horz" lIns="91440" tIns="45720" rIns="91440" bIns="45720" rtlCol="0" anchor="b">
-            <a:normAutofit/>
+            <a:noAutofit/>
           </a:bodyPr>
           <a:lstStyle/>
           <a:p>
             <a:r>
-              <a:rPr lang="zh-TW" altLang="en-US" sz="3200" kern="1200" dirty="0">
+              <a:rPr lang="en-US" altLang="zh-TW" kern="1200" dirty="0">
                 <a:solidFill>
                   <a:schemeClr val="tx1"/>
                 </a:solidFill>
-                <a:latin typeface="標楷體" panose="03000509000000000000" pitchFamily="65" charset="-120"/>
-                <a:ea typeface="標楷體" panose="03000509000000000000" pitchFamily="65" charset="-120"/>
+                <a:latin typeface="Times New Roman" panose="02020603050405020304" pitchFamily="18" charset="0"/>
                 <a:cs typeface="Times New Roman" panose="02020603050405020304" pitchFamily="18" charset="0"/>
               </a:rPr>
-              <a:t>分析</a:t>
+              <a:t>Analyze</a:t>
             </a:r>
-            <a:endParaRPr lang="en-US" altLang="zh-TW" sz="3200" kern="1200" dirty="0">
-              <a:solidFill>
-                <a:schemeClr val="tx1"/>
-              </a:solidFill>
-              <a:latin typeface="標楷體" panose="03000509000000000000" pitchFamily="65" charset="-120"/>
-              <a:ea typeface="標楷體" panose="03000509000000000000" pitchFamily="65" charset="-120"/>
-              <a:cs typeface="Times New Roman" panose="02020603050405020304" pitchFamily="18" charset="0"/>
-            </a:endParaRPr>
           </a:p>
         </p:txBody>
       </p:sp>
@@ -12935,96 +12751,42 @@
           </a:bodyPr>
           <a:lstStyle/>
           <a:p>
-            <a:pPr marL="285750" indent="0" algn="ctr">
+            <a:pPr marL="57150" indent="0" algn="ctr">
               <a:buNone/>
             </a:pPr>
             <a:r>
-              <a:rPr lang="zh-TW" altLang="en-US" b="1" dirty="0">
-                <a:latin typeface="標楷體" panose="03000509000000000000" pitchFamily="65" charset="-120"/>
-                <a:ea typeface="標楷體" panose="03000509000000000000" pitchFamily="65" charset="-120"/>
+              <a:rPr lang="en-US" altLang="zh-TW" b="1" dirty="0">
+                <a:latin typeface="Times New Roman" panose="02020603050405020304" pitchFamily="18" charset="0"/>
                 <a:cs typeface="Times New Roman" panose="02020603050405020304" pitchFamily="18" charset="0"/>
               </a:rPr>
-              <a:t>分析摘要</a:t>
+              <a:t>Summary analysis</a:t>
             </a:r>
-            <a:endParaRPr lang="en-US" altLang="zh-TW" b="1" dirty="0">
-              <a:latin typeface="標楷體" panose="03000509000000000000" pitchFamily="65" charset="-120"/>
-              <a:ea typeface="標楷體" panose="03000509000000000000" pitchFamily="65" charset="-120"/>
+          </a:p>
+          <a:p>
+            <a:pPr marL="57150" indent="0" algn="ctr">
+              <a:buNone/>
+            </a:pPr>
+            <a:endParaRPr lang="en-US" altLang="zh-TW" sz="2000" b="1" dirty="0">
+              <a:latin typeface="Times New Roman" panose="02020603050405020304" pitchFamily="18" charset="0"/>
               <a:cs typeface="Times New Roman" panose="02020603050405020304" pitchFamily="18" charset="0"/>
             </a:endParaRPr>
           </a:p>
           <a:p>
-            <a:pPr marL="285750" indent="0" algn="ctr">
-              <a:buNone/>
-            </a:pPr>
-            <a:endParaRPr lang="en-US" altLang="zh-TW" sz="2000" dirty="0">
-              <a:latin typeface="標楷體" panose="03000509000000000000" pitchFamily="65" charset="-120"/>
-              <a:ea typeface="標楷體" panose="03000509000000000000" pitchFamily="65" charset="-120"/>
-              <a:cs typeface="Times New Roman" panose="02020603050405020304" pitchFamily="18" charset="0"/>
-            </a:endParaRPr>
-          </a:p>
-          <a:p>
             <a:r>
-              <a:rPr lang="zh-TW" altLang="en-US" sz="2400" dirty="0">
-                <a:latin typeface="標楷體" panose="03000509000000000000" pitchFamily="65" charset="-120"/>
-                <a:ea typeface="標楷體" panose="03000509000000000000" pitchFamily="65" charset="-120"/>
+              <a:rPr lang="en-US" altLang="zh-TW" sz="2400" dirty="0">
+                <a:latin typeface="Times New Roman" panose="02020603050405020304" pitchFamily="18" charset="0"/>
                 <a:cs typeface="Times New Roman" panose="02020603050405020304" pitchFamily="18" charset="0"/>
               </a:rPr>
-              <a:t>最活躍的時間是下午 </a:t>
+              <a:t>M</a:t>
             </a:r>
             <a:r>
-              <a:rPr lang="en-US" altLang="zh-TW" sz="2400" dirty="0">
-                <a:latin typeface="標楷體" panose="03000509000000000000" pitchFamily="65" charset="-120"/>
-                <a:ea typeface="標楷體" panose="03000509000000000000" pitchFamily="65" charset="-120"/>
+              <a:rPr lang="en-US" altLang="zh-TW" sz="2400" b="0" i="0" dirty="0">
+                <a:effectLst/>
+                <a:latin typeface="Times New Roman" panose="02020603050405020304" pitchFamily="18" charset="0"/>
                 <a:cs typeface="Times New Roman" panose="02020603050405020304" pitchFamily="18" charset="0"/>
               </a:rPr>
-              <a:t>5 </a:t>
+              <a:t>ost active hours are after work from 5 to 7 PM, as well as the break hours starting from 12 PM.</a:t>
             </a:r>
-            <a:r>
-              <a:rPr lang="zh-TW" altLang="en-US" sz="2400" dirty="0">
-                <a:latin typeface="標楷體" panose="03000509000000000000" pitchFamily="65" charset="-120"/>
-                <a:ea typeface="標楷體" panose="03000509000000000000" pitchFamily="65" charset="-120"/>
-                <a:cs typeface="Times New Roman" panose="02020603050405020304" pitchFamily="18" charset="0"/>
-              </a:rPr>
-              <a:t>點到 </a:t>
-            </a:r>
-            <a:r>
-              <a:rPr lang="en-US" altLang="zh-TW" sz="2400" dirty="0">
-                <a:latin typeface="標楷體" panose="03000509000000000000" pitchFamily="65" charset="-120"/>
-                <a:ea typeface="標楷體" panose="03000509000000000000" pitchFamily="65" charset="-120"/>
-                <a:cs typeface="Times New Roman" panose="02020603050405020304" pitchFamily="18" charset="0"/>
-              </a:rPr>
-              <a:t>7 </a:t>
-            </a:r>
-            <a:r>
-              <a:rPr lang="zh-TW" altLang="en-US" sz="2400" dirty="0">
-                <a:latin typeface="標楷體" panose="03000509000000000000" pitchFamily="65" charset="-120"/>
-                <a:ea typeface="標楷體" panose="03000509000000000000" pitchFamily="65" charset="-120"/>
-                <a:cs typeface="Times New Roman" panose="02020603050405020304" pitchFamily="18" charset="0"/>
-              </a:rPr>
-              <a:t>點下班後，以及從中午 </a:t>
-            </a:r>
-            <a:r>
-              <a:rPr lang="en-US" altLang="zh-TW" sz="2400" dirty="0">
-                <a:latin typeface="標楷體" panose="03000509000000000000" pitchFamily="65" charset="-120"/>
-                <a:ea typeface="標楷體" panose="03000509000000000000" pitchFamily="65" charset="-120"/>
-                <a:cs typeface="Times New Roman" panose="02020603050405020304" pitchFamily="18" charset="0"/>
-              </a:rPr>
-              <a:t>12 </a:t>
-            </a:r>
-            <a:r>
-              <a:rPr lang="zh-TW" altLang="en-US" sz="2400" dirty="0">
-                <a:latin typeface="標楷體" panose="03000509000000000000" pitchFamily="65" charset="-120"/>
-                <a:ea typeface="標楷體" panose="03000509000000000000" pitchFamily="65" charset="-120"/>
-                <a:cs typeface="Times New Roman" panose="02020603050405020304" pitchFamily="18" charset="0"/>
-              </a:rPr>
-              <a:t>點開始的休息時間。</a:t>
-            </a:r>
-            <a:endParaRPr lang="en-US" altLang="zh-TW" sz="2400" b="0" i="0" dirty="0">
-              <a:effectLst/>
-              <a:latin typeface="標楷體" panose="03000509000000000000" pitchFamily="65" charset="-120"/>
-              <a:ea typeface="標楷體" panose="03000509000000000000" pitchFamily="65" charset="-120"/>
-              <a:cs typeface="Times New Roman" panose="02020603050405020304" pitchFamily="18" charset="0"/>
-            </a:endParaRPr>
           </a:p>
         </p:txBody>
       </p:sp>
@@ -13502,24 +13264,15 @@
           <a:lstStyle/>
           <a:p>
             <a:r>
-              <a:rPr lang="zh-TW" altLang="en-US" kern="1200" dirty="0">
+              <a:rPr lang="en-US" altLang="zh-TW" kern="1200" dirty="0">
                 <a:solidFill>
                   <a:srgbClr val="FFFFFF"/>
                 </a:solidFill>
-                <a:latin typeface="標楷體" panose="03000509000000000000" pitchFamily="65" charset="-120"/>
-                <a:ea typeface="標楷體" panose="03000509000000000000" pitchFamily="65" charset="-120"/>
+                <a:latin typeface="Times New Roman" panose="02020603050405020304" pitchFamily="18" charset="0"/>
                 <a:cs typeface="Times New Roman" panose="02020603050405020304" pitchFamily="18" charset="0"/>
               </a:rPr>
-              <a:t>分享</a:t>
+              <a:t>Share</a:t>
             </a:r>
-            <a:endParaRPr lang="en-US" altLang="zh-TW" kern="1200" dirty="0">
-              <a:solidFill>
-                <a:srgbClr val="FFFFFF"/>
-              </a:solidFill>
-              <a:latin typeface="標楷體" panose="03000509000000000000" pitchFamily="65" charset="-120"/>
-              <a:ea typeface="標楷體" panose="03000509000000000000" pitchFamily="65" charset="-120"/>
-              <a:cs typeface="Times New Roman" panose="02020603050405020304" pitchFamily="18" charset="0"/>
-            </a:endParaRPr>
           </a:p>
         </p:txBody>
       </p:sp>
@@ -13603,7 +13356,7 @@
         <p:spPr>
           <a:xfrm>
             <a:off x="4447308" y="138793"/>
-            <a:ext cx="6906491" cy="6719207"/>
+            <a:ext cx="7510230" cy="6719207"/>
           </a:xfrm>
         </p:spPr>
         <p:txBody>
@@ -13616,13 +13369,51 @@
               <a:buNone/>
             </a:pPr>
             <a:r>
-              <a:rPr lang="zh-TW" altLang="en-US" b="1" dirty="0">
-                <a:latin typeface="標楷體" panose="03000509000000000000" pitchFamily="65" charset="-120"/>
-                <a:ea typeface="標楷體" panose="03000509000000000000" pitchFamily="65" charset="-120"/>
+              <a:rPr lang="en-US" altLang="zh-TW" b="1" dirty="0">
+                <a:latin typeface="Times New Roman" panose="02020603050405020304" pitchFamily="18" charset="0"/>
                 <a:cs typeface="Times New Roman" panose="02020603050405020304" pitchFamily="18" charset="0"/>
               </a:rPr>
-              <a:t>問題：</a:t>
+              <a:t>Questions:</a:t>
             </a:r>
+          </a:p>
+          <a:p>
+            <a:pPr marL="0"/>
+            <a:r>
+              <a:rPr lang="en-US" altLang="zh-TW" sz="2200" dirty="0">
+                <a:latin typeface="Times New Roman" panose="02020603050405020304" pitchFamily="18" charset="0"/>
+                <a:cs typeface="Times New Roman" panose="02020603050405020304" pitchFamily="18" charset="0"/>
+              </a:rPr>
+              <a:t>1. What are some trends in smart device usage to apply to customers?</a:t>
+            </a:r>
+          </a:p>
+          <a:p>
+            <a:pPr marL="0"/>
+            <a:r>
+              <a:rPr lang="en-US" altLang="zh-TW" sz="2200" dirty="0">
+                <a:latin typeface="Times New Roman" panose="02020603050405020304" pitchFamily="18" charset="0"/>
+                <a:cs typeface="Times New Roman" panose="02020603050405020304" pitchFamily="18" charset="0"/>
+              </a:rPr>
+              <a:t>2. How could these trends help influence Bx marketing strategy?</a:t>
+            </a:r>
+          </a:p>
+          <a:p>
+            <a:pPr marL="285750" indent="0" algn="ctr">
+              <a:buNone/>
+            </a:pPr>
+            <a:r>
+              <a:rPr lang="en-US" altLang="zh-TW" b="1" dirty="0">
+                <a:latin typeface="Times New Roman" panose="02020603050405020304" pitchFamily="18" charset="0"/>
+                <a:cs typeface="Times New Roman" panose="02020603050405020304" pitchFamily="18" charset="0"/>
+              </a:rPr>
+              <a:t>Answer:</a:t>
+            </a:r>
+            <a:endParaRPr lang="en-US" altLang="zh-TW" b="1" dirty="0">
+              <a:solidFill>
+                <a:srgbClr val="1F1F1F"/>
+              </a:solidFill>
+              <a:latin typeface="Times New Roman" panose="02020603050405020304" pitchFamily="18" charset="0"/>
+              <a:cs typeface="Times New Roman" panose="02020603050405020304" pitchFamily="18" charset="0"/>
+            </a:endParaRPr>
           </a:p>
           <a:p>
             <a:pPr marL="0" indent="0">
@@ -13630,19 +13421,13 @@
             </a:pPr>
             <a:r>
               <a:rPr lang="en-US" altLang="zh-TW" sz="2400" dirty="0">
-                <a:latin typeface="標楷體" panose="03000509000000000000" pitchFamily="65" charset="-120"/>
-                <a:ea typeface="標楷體" panose="03000509000000000000" pitchFamily="65" charset="-120"/>
+                <a:solidFill>
+                  <a:srgbClr val="1F1F1F"/>
+                </a:solidFill>
+                <a:latin typeface="Times New Roman" panose="02020603050405020304" pitchFamily="18" charset="0"/>
                 <a:cs typeface="Times New Roman" panose="02020603050405020304" pitchFamily="18" charset="0"/>
               </a:rPr>
-              <a:t>1.</a:t>
-            </a:r>
-            <a:r>
-              <a:rPr lang="zh-TW" altLang="en-US" sz="2400" dirty="0">
-                <a:latin typeface="標楷體" panose="03000509000000000000" pitchFamily="65" charset="-120"/>
-                <a:ea typeface="標楷體" panose="03000509000000000000" pitchFamily="65" charset="-120"/>
-                <a:cs typeface="Times New Roman" panose="02020603050405020304" pitchFamily="18" charset="0"/>
-              </a:rPr>
-              <a:t>客戶使用智慧型設備的趨勢有哪些？</a:t>
+              <a:t>1. Smart Device Usage Trends:</a:t>
             </a:r>
           </a:p>
           <a:p>
@@ -13651,69 +13436,14 @@
             </a:pPr>
             <a:r>
               <a:rPr lang="en-US" altLang="zh-TW" sz="2400" dirty="0">
-                <a:latin typeface="標楷體" panose="03000509000000000000" pitchFamily="65" charset="-120"/>
-                <a:ea typeface="標楷體" panose="03000509000000000000" pitchFamily="65" charset="-120"/>
+                <a:solidFill>
+                  <a:srgbClr val="1F1F1F"/>
+                </a:solidFill>
+                <a:latin typeface="Times New Roman" panose="02020603050405020304" pitchFamily="18" charset="0"/>
                 <a:cs typeface="Times New Roman" panose="02020603050405020304" pitchFamily="18" charset="0"/>
               </a:rPr>
-              <a:t>2.</a:t>
+              <a:t>   - Peak activity hours: 5 to 7 PM and 12 PM.</a:t>
             </a:r>
-            <a:r>
-              <a:rPr lang="zh-TW" altLang="en-US" sz="2400" dirty="0">
-                <a:latin typeface="標楷體" panose="03000509000000000000" pitchFamily="65" charset="-120"/>
-                <a:ea typeface="標楷體" panose="03000509000000000000" pitchFamily="65" charset="-120"/>
-                <a:cs typeface="Times New Roman" panose="02020603050405020304" pitchFamily="18" charset="0"/>
-              </a:rPr>
-              <a:t>這些趨勢如何影響 </a:t>
-            </a:r>
-            <a:r>
-              <a:rPr lang="en-US" altLang="zh-TW" sz="2400" dirty="0">
-                <a:latin typeface="標楷體" panose="03000509000000000000" pitchFamily="65" charset="-120"/>
-                <a:ea typeface="標楷體" panose="03000509000000000000" pitchFamily="65" charset="-120"/>
-                <a:cs typeface="Times New Roman" panose="02020603050405020304" pitchFamily="18" charset="0"/>
-              </a:rPr>
-              <a:t>Bx </a:t>
-            </a:r>
-            <a:r>
-              <a:rPr lang="zh-TW" altLang="en-US" sz="2400" dirty="0">
-                <a:latin typeface="標楷體" panose="03000509000000000000" pitchFamily="65" charset="-120"/>
-                <a:ea typeface="標楷體" panose="03000509000000000000" pitchFamily="65" charset="-120"/>
-                <a:cs typeface="Times New Roman" panose="02020603050405020304" pitchFamily="18" charset="0"/>
-              </a:rPr>
-              <a:t>的行銷策略？</a:t>
-            </a:r>
-            <a:endParaRPr lang="en-US" altLang="zh-TW" sz="2400" dirty="0">
-              <a:latin typeface="標楷體" panose="03000509000000000000" pitchFamily="65" charset="-120"/>
-              <a:ea typeface="標楷體" panose="03000509000000000000" pitchFamily="65" charset="-120"/>
-              <a:cs typeface="Times New Roman" panose="02020603050405020304" pitchFamily="18" charset="0"/>
-            </a:endParaRPr>
-          </a:p>
-          <a:p>
-            <a:pPr marL="0" indent="0">
-              <a:buNone/>
-            </a:pPr>
-            <a:endParaRPr lang="zh-TW" altLang="en-US" sz="2400" dirty="0">
-              <a:latin typeface="標楷體" panose="03000509000000000000" pitchFamily="65" charset="-120"/>
-              <a:ea typeface="標楷體" panose="03000509000000000000" pitchFamily="65" charset="-120"/>
-              <a:cs typeface="Times New Roman" panose="02020603050405020304" pitchFamily="18" charset="0"/>
-            </a:endParaRPr>
-          </a:p>
-          <a:p>
-            <a:pPr marL="0" indent="0" algn="ctr">
-              <a:buNone/>
-            </a:pPr>
-            <a:r>
-              <a:rPr lang="zh-TW" altLang="en-US" b="1" dirty="0">
-                <a:latin typeface="標楷體" panose="03000509000000000000" pitchFamily="65" charset="-120"/>
-                <a:ea typeface="標楷體" panose="03000509000000000000" pitchFamily="65" charset="-120"/>
-                <a:cs typeface="Times New Roman" panose="02020603050405020304" pitchFamily="18" charset="0"/>
-              </a:rPr>
-              <a:t>答案：</a:t>
-            </a:r>
-            <a:endParaRPr lang="en-US" altLang="zh-TW" b="1" dirty="0">
-              <a:latin typeface="標楷體" panose="03000509000000000000" pitchFamily="65" charset="-120"/>
-              <a:ea typeface="標楷體" panose="03000509000000000000" pitchFamily="65" charset="-120"/>
-              <a:cs typeface="Times New Roman" panose="02020603050405020304" pitchFamily="18" charset="0"/>
-            </a:endParaRPr>
           </a:p>
           <a:p>
             <a:pPr marL="0" indent="0">
@@ -13721,110 +13451,14 @@
             </a:pPr>
             <a:r>
               <a:rPr lang="en-US" altLang="zh-TW" sz="2400" dirty="0">
-                <a:latin typeface="標楷體" panose="03000509000000000000" pitchFamily="65" charset="-120"/>
-                <a:ea typeface="標楷體" panose="03000509000000000000" pitchFamily="65" charset="-120"/>
+                <a:solidFill>
+                  <a:srgbClr val="1F1F1F"/>
+                </a:solidFill>
+                <a:latin typeface="Times New Roman" panose="02020603050405020304" pitchFamily="18" charset="0"/>
                 <a:cs typeface="Times New Roman" panose="02020603050405020304" pitchFamily="18" charset="0"/>
               </a:rPr>
-              <a:t>1.</a:t>
+              <a:t>   - Slight increase on weekends and Wednesdays.</a:t>
             </a:r>
-            <a:r>
-              <a:rPr lang="zh-TW" altLang="en-US" sz="2400" dirty="0">
-                <a:latin typeface="標楷體" panose="03000509000000000000" pitchFamily="65" charset="-120"/>
-                <a:ea typeface="標楷體" panose="03000509000000000000" pitchFamily="65" charset="-120"/>
-                <a:cs typeface="Times New Roman" panose="02020603050405020304" pitchFamily="18" charset="0"/>
-              </a:rPr>
-              <a:t>智慧型設備使用趨勢：</a:t>
-            </a:r>
-          </a:p>
-          <a:p>
-            <a:r>
-              <a:rPr lang="zh-TW" altLang="en-US" sz="2400" dirty="0">
-                <a:latin typeface="標楷體" panose="03000509000000000000" pitchFamily="65" charset="-120"/>
-                <a:ea typeface="標楷體" panose="03000509000000000000" pitchFamily="65" charset="-120"/>
-                <a:cs typeface="Times New Roman" panose="02020603050405020304" pitchFamily="18" charset="0"/>
-              </a:rPr>
-              <a:t>尖峰活動時間：下午 </a:t>
-            </a:r>
-            <a:r>
-              <a:rPr lang="en-US" altLang="zh-TW" sz="2400" dirty="0">
-                <a:latin typeface="標楷體" panose="03000509000000000000" pitchFamily="65" charset="-120"/>
-                <a:ea typeface="標楷體" panose="03000509000000000000" pitchFamily="65" charset="-120"/>
-                <a:cs typeface="Times New Roman" panose="02020603050405020304" pitchFamily="18" charset="0"/>
-              </a:rPr>
-              <a:t>5 </a:t>
-            </a:r>
-            <a:r>
-              <a:rPr lang="zh-TW" altLang="en-US" sz="2400" dirty="0">
-                <a:latin typeface="標楷體" panose="03000509000000000000" pitchFamily="65" charset="-120"/>
-                <a:ea typeface="標楷體" panose="03000509000000000000" pitchFamily="65" charset="-120"/>
-                <a:cs typeface="Times New Roman" panose="02020603050405020304" pitchFamily="18" charset="0"/>
-              </a:rPr>
-              <a:t>點至 </a:t>
-            </a:r>
-            <a:r>
-              <a:rPr lang="en-US" altLang="zh-TW" sz="2400" dirty="0">
-                <a:latin typeface="標楷體" panose="03000509000000000000" pitchFamily="65" charset="-120"/>
-                <a:ea typeface="標楷體" panose="03000509000000000000" pitchFamily="65" charset="-120"/>
-                <a:cs typeface="Times New Roman" panose="02020603050405020304" pitchFamily="18" charset="0"/>
-              </a:rPr>
-              <a:t>7 </a:t>
-            </a:r>
-            <a:r>
-              <a:rPr lang="zh-TW" altLang="en-US" sz="2400" dirty="0">
-                <a:latin typeface="標楷體" panose="03000509000000000000" pitchFamily="65" charset="-120"/>
-                <a:ea typeface="標楷體" panose="03000509000000000000" pitchFamily="65" charset="-120"/>
-                <a:cs typeface="Times New Roman" panose="02020603050405020304" pitchFamily="18" charset="0"/>
-              </a:rPr>
-              <a:t>點和晚上 </a:t>
-            </a:r>
-            <a:r>
-              <a:rPr lang="en-US" altLang="zh-TW" sz="2400" dirty="0">
-                <a:latin typeface="標楷體" panose="03000509000000000000" pitchFamily="65" charset="-120"/>
-                <a:ea typeface="標楷體" panose="03000509000000000000" pitchFamily="65" charset="-120"/>
-                <a:cs typeface="Times New Roman" panose="02020603050405020304" pitchFamily="18" charset="0"/>
-              </a:rPr>
-              <a:t>12 </a:t>
-            </a:r>
-            <a:r>
-              <a:rPr lang="zh-TW" altLang="en-US" sz="2400" dirty="0">
-                <a:latin typeface="標楷體" panose="03000509000000000000" pitchFamily="65" charset="-120"/>
-                <a:ea typeface="標楷體" panose="03000509000000000000" pitchFamily="65" charset="-120"/>
-                <a:cs typeface="Times New Roman" panose="02020603050405020304" pitchFamily="18" charset="0"/>
-              </a:rPr>
-              <a:t>點。</a:t>
-            </a:r>
-          </a:p>
-          <a:p>
-            <a:r>
-              <a:rPr lang="zh-TW" altLang="en-US" sz="2400" dirty="0">
-                <a:latin typeface="標楷體" panose="03000509000000000000" pitchFamily="65" charset="-120"/>
-                <a:ea typeface="標楷體" panose="03000509000000000000" pitchFamily="65" charset="-120"/>
-                <a:cs typeface="Times New Roman" panose="02020603050405020304" pitchFamily="18" charset="0"/>
-              </a:rPr>
-              <a:t>週末和週三略有增加。</a:t>
-            </a:r>
-          </a:p>
-          <a:p>
-            <a:r>
-              <a:rPr lang="zh-TW" altLang="en-US" sz="2400" dirty="0">
-                <a:latin typeface="標楷體" panose="03000509000000000000" pitchFamily="65" charset="-120"/>
-                <a:ea typeface="標楷體" panose="03000509000000000000" pitchFamily="65" charset="-120"/>
-                <a:cs typeface="Times New Roman" panose="02020603050405020304" pitchFamily="18" charset="0"/>
-              </a:rPr>
-              <a:t>平日活動量無明顯差異。</a:t>
-            </a:r>
-            <a:endParaRPr lang="en-US" altLang="zh-TW" sz="2400" dirty="0">
-              <a:latin typeface="標楷體" panose="03000509000000000000" pitchFamily="65" charset="-120"/>
-              <a:ea typeface="標楷體" panose="03000509000000000000" pitchFamily="65" charset="-120"/>
-              <a:cs typeface="Times New Roman" panose="02020603050405020304" pitchFamily="18" charset="0"/>
-            </a:endParaRPr>
-          </a:p>
-          <a:p>
-            <a:endParaRPr lang="zh-TW" altLang="en-US" sz="2400" dirty="0">
-              <a:latin typeface="標楷體" panose="03000509000000000000" pitchFamily="65" charset="-120"/>
-              <a:ea typeface="標楷體" panose="03000509000000000000" pitchFamily="65" charset="-120"/>
-              <a:cs typeface="Times New Roman" panose="02020603050405020304" pitchFamily="18" charset="0"/>
-            </a:endParaRPr>
           </a:p>
           <a:p>
             <a:pPr marL="0" indent="0">
@@ -13832,58 +13466,86 @@
             </a:pPr>
             <a:r>
               <a:rPr lang="en-US" altLang="zh-TW" sz="2400" dirty="0">
-                <a:latin typeface="標楷體" panose="03000509000000000000" pitchFamily="65" charset="-120"/>
-                <a:ea typeface="標楷體" panose="03000509000000000000" pitchFamily="65" charset="-120"/>
+                <a:solidFill>
+                  <a:srgbClr val="1F1F1F"/>
+                </a:solidFill>
+                <a:latin typeface="Times New Roman" panose="02020603050405020304" pitchFamily="18" charset="0"/>
                 <a:cs typeface="Times New Roman" panose="02020603050405020304" pitchFamily="18" charset="0"/>
               </a:rPr>
-              <a:t>2.</a:t>
+              <a:t>   - No significant differences in activity levels on weekdays.</a:t>
             </a:r>
-            <a:r>
-              <a:rPr lang="zh-TW" altLang="en-US" sz="2400" dirty="0">
-                <a:latin typeface="標楷體" panose="03000509000000000000" pitchFamily="65" charset="-120"/>
-                <a:ea typeface="標楷體" panose="03000509000000000000" pitchFamily="65" charset="-120"/>
-                <a:cs typeface="Times New Roman" panose="02020603050405020304" pitchFamily="18" charset="0"/>
-              </a:rPr>
-              <a:t>行銷策略：</a:t>
-            </a:r>
-          </a:p>
-          <a:p>
-            <a:r>
-              <a:rPr lang="zh-TW" altLang="en-US" sz="2400" dirty="0">
-                <a:latin typeface="標楷體" panose="03000509000000000000" pitchFamily="65" charset="-120"/>
-                <a:ea typeface="標楷體" panose="03000509000000000000" pitchFamily="65" charset="-120"/>
-                <a:cs typeface="Times New Roman" panose="02020603050405020304" pitchFamily="18" charset="0"/>
-              </a:rPr>
-              <a:t>針對活動高峰時段進行行銷。</a:t>
-            </a:r>
-          </a:p>
-          <a:p>
-            <a:r>
-              <a:rPr lang="zh-TW" altLang="en-US" sz="2400" dirty="0">
-                <a:latin typeface="標楷體" panose="03000509000000000000" pitchFamily="65" charset="-120"/>
-                <a:ea typeface="標楷體" panose="03000509000000000000" pitchFamily="65" charset="-120"/>
-                <a:cs typeface="Times New Roman" panose="02020603050405020304" pitchFamily="18" charset="0"/>
-              </a:rPr>
-              <a:t>考慮非工作日的促銷活動。</a:t>
-            </a:r>
-          </a:p>
-          <a:p>
-            <a:r>
-              <a:rPr lang="zh-TW" altLang="en-US" sz="2400" dirty="0">
-                <a:latin typeface="標楷體" panose="03000509000000000000" pitchFamily="65" charset="-120"/>
-                <a:ea typeface="標楷體" panose="03000509000000000000" pitchFamily="65" charset="-120"/>
-                <a:cs typeface="Times New Roman" panose="02020603050405020304" pitchFamily="18" charset="0"/>
-              </a:rPr>
-              <a:t>根據使用趨勢優化策略。</a:t>
-            </a:r>
+          </a:p>
+          <a:p>
+            <a:pPr marL="0" indent="0">
+              <a:buNone/>
+            </a:pPr>
             <a:endParaRPr lang="en-US" altLang="zh-TW" sz="2400" dirty="0">
               <a:solidFill>
                 <a:srgbClr val="1F1F1F"/>
               </a:solidFill>
-              <a:latin typeface="標楷體" panose="03000509000000000000" pitchFamily="65" charset="-120"/>
-              <a:ea typeface="標楷體" panose="03000509000000000000" pitchFamily="65" charset="-120"/>
+              <a:latin typeface="Times New Roman" panose="02020603050405020304" pitchFamily="18" charset="0"/>
               <a:cs typeface="Times New Roman" panose="02020603050405020304" pitchFamily="18" charset="0"/>
             </a:endParaRPr>
+          </a:p>
+          <a:p>
+            <a:pPr marL="0" indent="0">
+              <a:buNone/>
+            </a:pPr>
+            <a:r>
+              <a:rPr lang="en-US" altLang="zh-TW" sz="2400" dirty="0">
+                <a:solidFill>
+                  <a:srgbClr val="1F1F1F"/>
+                </a:solidFill>
+                <a:latin typeface="Times New Roman" panose="02020603050405020304" pitchFamily="18" charset="0"/>
+                <a:cs typeface="Times New Roman" panose="02020603050405020304" pitchFamily="18" charset="0"/>
+              </a:rPr>
+              <a:t>2. Marketing Strategy:</a:t>
+            </a:r>
+          </a:p>
+          <a:p>
+            <a:pPr marL="0" indent="0">
+              <a:buNone/>
+            </a:pPr>
+            <a:r>
+              <a:rPr lang="en-US" altLang="zh-TW" sz="2400" dirty="0">
+                <a:solidFill>
+                  <a:srgbClr val="1F1F1F"/>
+                </a:solidFill>
+                <a:latin typeface="Times New Roman" panose="02020603050405020304" pitchFamily="18" charset="0"/>
+                <a:cs typeface="Times New Roman" panose="02020603050405020304" pitchFamily="18" charset="0"/>
+              </a:rPr>
+              <a:t>   - Tailor marketing to peak activity hours.</a:t>
+            </a:r>
+          </a:p>
+          <a:p>
+            <a:pPr marL="0" indent="0">
+              <a:buNone/>
+            </a:pPr>
+            <a:r>
+              <a:rPr lang="en-US" altLang="zh-TW" sz="2400" dirty="0">
+                <a:solidFill>
+                  <a:srgbClr val="1F1F1F"/>
+                </a:solidFill>
+                <a:latin typeface="Times New Roman" panose="02020603050405020304" pitchFamily="18" charset="0"/>
+                <a:cs typeface="Times New Roman" panose="02020603050405020304" pitchFamily="18" charset="0"/>
+              </a:rPr>
+              <a:t>   - Consider non-working day promotions.</a:t>
+            </a:r>
+          </a:p>
+          <a:p>
+            <a:pPr marL="0" indent="0">
+              <a:buNone/>
+            </a:pPr>
+            <a:r>
+              <a:rPr lang="en-US" altLang="zh-TW" sz="2400" dirty="0">
+                <a:solidFill>
+                  <a:srgbClr val="1F1F1F"/>
+                </a:solidFill>
+                <a:latin typeface="Times New Roman" panose="02020603050405020304" pitchFamily="18" charset="0"/>
+                <a:cs typeface="Times New Roman" panose="02020603050405020304" pitchFamily="18" charset="0"/>
+              </a:rPr>
+              <a:t>   - Optimize strategies based on usage trends.</a:t>
+            </a:r>
           </a:p>
         </p:txBody>
       </p:sp>
@@ -14148,23 +13810,15 @@
           <a:lstStyle/>
           <a:p>
             <a:r>
-              <a:rPr lang="zh-TW" altLang="en-US" sz="4400" dirty="0">
+              <a:rPr lang="en-US" altLang="zh-TW" kern="1200" dirty="0">
                 <a:solidFill>
-                  <a:schemeClr val="bg1"/>
+                  <a:srgbClr val="FFFFFF"/>
                 </a:solidFill>
-                <a:latin typeface="標楷體" panose="03000509000000000000" pitchFamily="65" charset="-120"/>
-                <a:ea typeface="標楷體" panose="03000509000000000000" pitchFamily="65" charset="-120"/>
+                <a:latin typeface="Times New Roman" panose="02020603050405020304" pitchFamily="18" charset="0"/>
                 <a:cs typeface="Times New Roman" panose="02020603050405020304" pitchFamily="18" charset="0"/>
               </a:rPr>
-              <a:t>行動</a:t>
+              <a:t>Act</a:t>
             </a:r>
-            <a:endParaRPr lang="en-US" altLang="zh-TW" kern="1200" dirty="0">
-              <a:solidFill>
-                <a:srgbClr val="FFFFFF"/>
-              </a:solidFill>
-              <a:latin typeface="Times New Roman" panose="02020603050405020304" pitchFamily="18" charset="0"/>
-              <a:cs typeface="Times New Roman" panose="02020603050405020304" pitchFamily="18" charset="0"/>
-            </a:endParaRPr>
           </a:p>
         </p:txBody>
       </p:sp>
@@ -14261,19 +13915,17 @@
               <a:buNone/>
             </a:pPr>
             <a:r>
-              <a:rPr lang="zh-TW" altLang="en-US" dirty="0">
-                <a:latin typeface="標楷體" panose="03000509000000000000" pitchFamily="65" charset="-120"/>
-                <a:ea typeface="標楷體" panose="03000509000000000000" pitchFamily="65" charset="-120"/>
+              <a:rPr lang="en-US" altLang="zh-TW" b="1" dirty="0">
+                <a:latin typeface="Times New Roman" panose="02020603050405020304" pitchFamily="18" charset="0"/>
                 <a:cs typeface="Times New Roman" panose="02020603050405020304" pitchFamily="18" charset="0"/>
               </a:rPr>
-              <a:t>五大建議</a:t>
+              <a:t>Top recommendations</a:t>
             </a:r>
           </a:p>
           <a:p>
             <a:pPr marL="514350"/>
             <a:endParaRPr lang="en-US" altLang="zh-TW" sz="2800" dirty="0">
-              <a:latin typeface="標楷體" panose="03000509000000000000" pitchFamily="65" charset="-120"/>
-              <a:ea typeface="標楷體" panose="03000509000000000000" pitchFamily="65" charset="-120"/>
+              <a:latin typeface="Times New Roman" panose="02020603050405020304" pitchFamily="18" charset="0"/>
               <a:cs typeface="Times New Roman" panose="02020603050405020304" pitchFamily="18" charset="0"/>
             </a:endParaRPr>
           </a:p>
@@ -14283,16 +13935,15 @@
               <a:buChar char="•"/>
             </a:pPr>
             <a:r>
-              <a:rPr lang="zh-TW" altLang="en-US" sz="2400" dirty="0">
+              <a:rPr lang="en-US" altLang="zh-TW" sz="2400" dirty="0">
                 <a:solidFill>
                   <a:srgbClr val="1F1F1F"/>
                 </a:solidFill>
                 <a:effectLst/>
-                <a:latin typeface="標楷體" panose="03000509000000000000" pitchFamily="65" charset="-120"/>
-                <a:ea typeface="標楷體" panose="03000509000000000000" pitchFamily="65" charset="-120"/>
+                <a:latin typeface="Times New Roman" panose="02020603050405020304" pitchFamily="18" charset="0"/>
                 <a:cs typeface="Times New Roman" panose="02020603050405020304" pitchFamily="18" charset="0"/>
               </a:rPr>
-              <a:t>在活動高峰時段設定提醒，以便在未達到卡路里目標時讓使用者進行體能訓練。</a:t>
+              <a:t>Set reminders during peak activity hours to engage users in physical exercise if calorie goals are unmet.</a:t>
             </a:r>
           </a:p>
           <a:p>
@@ -14301,16 +13952,15 @@
               <a:buChar char="•"/>
             </a:pPr>
             <a:r>
-              <a:rPr lang="zh-TW" altLang="en-US" sz="2400" dirty="0">
+              <a:rPr lang="en-US" altLang="zh-TW" sz="2400" dirty="0">
                 <a:solidFill>
                   <a:srgbClr val="1F1F1F"/>
                 </a:solidFill>
                 <a:effectLst/>
-                <a:latin typeface="標楷體" panose="03000509000000000000" pitchFamily="65" charset="-120"/>
-                <a:ea typeface="標楷體" panose="03000509000000000000" pitchFamily="65" charset="-120"/>
+                <a:latin typeface="Times New Roman" panose="02020603050405020304" pitchFamily="18" charset="0"/>
                 <a:cs typeface="Times New Roman" panose="02020603050405020304" pitchFamily="18" charset="0"/>
               </a:rPr>
-              <a:t>記錄平均起床時間，建議最佳就寢時間，以便更好地休息。</a:t>
+              <a:t>Record average wake-up times to recommend optimal bedtimes for better rest.</a:t>
             </a:r>
           </a:p>
           <a:p>
@@ -14319,16 +13969,15 @@
               <a:buChar char="•"/>
             </a:pPr>
             <a:r>
-              <a:rPr lang="zh-TW" altLang="en-US" sz="2400" dirty="0">
+              <a:rPr lang="en-US" altLang="zh-TW" sz="2400" dirty="0">
                 <a:solidFill>
                   <a:srgbClr val="1F1F1F"/>
                 </a:solidFill>
                 <a:effectLst/>
-                <a:latin typeface="標楷體" panose="03000509000000000000" pitchFamily="65" charset="-120"/>
-                <a:ea typeface="標楷體" panose="03000509000000000000" pitchFamily="65" charset="-120"/>
+                <a:latin typeface="Times New Roman" panose="02020603050405020304" pitchFamily="18" charset="0"/>
                 <a:cs typeface="Times New Roman" panose="02020603050405020304" pitchFamily="18" charset="0"/>
               </a:rPr>
-              <a:t>創建各種活動計劃，以適應不同的日程安排和偏好。</a:t>
+              <a:t>Create varied activity programs to suit different schedules and preferences.</a:t>
             </a:r>
           </a:p>
           <a:p>
@@ -14337,16 +13986,15 @@
               <a:buChar char="•"/>
             </a:pPr>
             <a:r>
-              <a:rPr lang="zh-TW" altLang="en-US" sz="2400" dirty="0">
+              <a:rPr lang="en-US" altLang="zh-TW" sz="2400" dirty="0">
                 <a:solidFill>
                   <a:srgbClr val="1F1F1F"/>
                 </a:solidFill>
                 <a:effectLst/>
-                <a:latin typeface="標楷體" panose="03000509000000000000" pitchFamily="65" charset="-120"/>
-                <a:ea typeface="標楷體" panose="03000509000000000000" pitchFamily="65" charset="-120"/>
+                <a:latin typeface="Times New Roman" panose="02020603050405020304" pitchFamily="18" charset="0"/>
                 <a:cs typeface="Times New Roman" panose="02020603050405020304" pitchFamily="18" charset="0"/>
               </a:rPr>
-              <a:t>將使用遊戲化，以激勵用戶實現目標並提高參與度。</a:t>
+              <a:t>Gamify usage to incentivize goal achievement and promote engagement.</a:t>
             </a:r>
           </a:p>
           <a:p>
@@ -14355,26 +14003,16 @@
               <a:buChar char="•"/>
             </a:pPr>
             <a:r>
-              <a:rPr lang="zh-TW" altLang="en-US" sz="2400" dirty="0">
+              <a:rPr lang="en-US" altLang="zh-TW" sz="2400" dirty="0">
                 <a:solidFill>
                   <a:srgbClr val="1F1F1F"/>
                 </a:solidFill>
                 <a:effectLst/>
-                <a:latin typeface="標楷體" panose="03000509000000000000" pitchFamily="65" charset="-120"/>
-                <a:ea typeface="標楷體" panose="03000509000000000000" pitchFamily="65" charset="-120"/>
+                <a:latin typeface="Times New Roman" panose="02020603050405020304" pitchFamily="18" charset="0"/>
                 <a:cs typeface="Times New Roman" panose="02020603050405020304" pitchFamily="18" charset="0"/>
               </a:rPr>
-              <a:t>利用數據驅動的洞察力，不斷優化行銷活動。</a:t>
+              <a:t>Use data-driven insights to continuously optimize marketing initiatives.</a:t>
             </a:r>
-            <a:endParaRPr lang="en-US" altLang="zh-TW" sz="2400" dirty="0">
-              <a:solidFill>
-                <a:srgbClr val="1F1F1F"/>
-              </a:solidFill>
-              <a:effectLst/>
-              <a:latin typeface="標楷體" panose="03000509000000000000" pitchFamily="65" charset="-120"/>
-              <a:ea typeface="標楷體" panose="03000509000000000000" pitchFamily="65" charset="-120"/>
-              <a:cs typeface="Times New Roman" panose="02020603050405020304" pitchFamily="18" charset="0"/>
-            </a:endParaRPr>
           </a:p>
         </p:txBody>
       </p:sp>
@@ -14726,10 +14364,10 @@
       </p:sp>
       <p:graphicFrame>
         <p:nvGraphicFramePr>
-          <p:cNvPr id="2" name="文字版面配置區 2">
+          <p:cNvPr id="14" name="文字版面配置區 2">
             <a:extLst>
               <a:ext uri="{FF2B5EF4-FFF2-40B4-BE49-F238E27FC236}">
-                <a16:creationId xmlns:a16="http://schemas.microsoft.com/office/drawing/2014/main" id="{B552BFDB-3CEF-0395-371E-0C07891270CE}"/>
+                <a16:creationId xmlns:a16="http://schemas.microsoft.com/office/drawing/2014/main" id="{AC1FD95F-B3A1-2A16-9A30-57DF2DA14B18}"/>
               </a:ext>
             </a:extLst>
           </p:cNvPr>
@@ -14737,14 +14375,14 @@
           <p:nvPr>
             <p:extLst>
               <p:ext uri="{D42A27DB-BD31-4B8C-83A1-F6EECF244321}">
-                <p14:modId xmlns:p14="http://schemas.microsoft.com/office/powerpoint/2010/main" val="2433235385"/>
+                <p14:modId xmlns:p14="http://schemas.microsoft.com/office/powerpoint/2010/main" val="1169467173"/>
               </p:ext>
             </p:extLst>
           </p:nvPr>
         </p:nvGraphicFramePr>
         <p:xfrm>
-          <a:off x="627727" y="2112579"/>
-          <a:ext cx="10927829" cy="4192805"/>
+          <a:off x="0" y="1575955"/>
+          <a:ext cx="12192000" cy="5282045"/>
         </p:xfrm>
         <a:graphic>
           <a:graphicData uri="http://schemas.openxmlformats.org/drawingml/2006/diagram">
@@ -15019,22 +14657,20 @@
           <a:lstStyle/>
           <a:p>
             <a:r>
-              <a:rPr lang="zh-TW" altLang="en-US" sz="4400" kern="1200" dirty="0">
+              <a:rPr lang="en-US" altLang="zh-TW" sz="4400" kern="1200" dirty="0">
                 <a:solidFill>
                   <a:srgbClr val="FFFFFF"/>
                 </a:solidFill>
-                <a:latin typeface="標楷體" panose="03000509000000000000" pitchFamily="65" charset="-120"/>
-                <a:ea typeface="標楷體" panose="03000509000000000000" pitchFamily="65" charset="-120"/>
+                <a:latin typeface="Times New Roman" panose="02020603050405020304" pitchFamily="18" charset="0"/>
                 <a:cs typeface="Times New Roman" panose="02020603050405020304" pitchFamily="18" charset="0"/>
               </a:rPr>
-              <a:t>健康科技公司如何智能化</a:t>
+              <a:t>How can a wellness technology company play it smart</a:t>
             </a:r>
             <a:endParaRPr lang="en-US" altLang="zh-TW" kern="1200" dirty="0">
               <a:solidFill>
                 <a:srgbClr val="FFFFFF"/>
               </a:solidFill>
-              <a:latin typeface="標楷體" panose="03000509000000000000" pitchFamily="65" charset="-120"/>
-              <a:ea typeface="標楷體" panose="03000509000000000000" pitchFamily="65" charset="-120"/>
+              <a:latin typeface="Times New Roman" panose="02020603050405020304" pitchFamily="18" charset="0"/>
               <a:cs typeface="Times New Roman" panose="02020603050405020304" pitchFamily="18" charset="0"/>
             </a:endParaRPr>
           </a:p>
@@ -15133,31 +14769,25 @@
               <a:buNone/>
             </a:pPr>
             <a:r>
-              <a:rPr lang="zh-TW" altLang="en-US" b="1" dirty="0">
-                <a:latin typeface="標楷體" panose="03000509000000000000" pitchFamily="65" charset="-120"/>
-                <a:ea typeface="標楷體" panose="03000509000000000000" pitchFamily="65" charset="-120"/>
+              <a:rPr lang="en-US" altLang="zh-TW" b="1" dirty="0">
+                <a:latin typeface="Times New Roman" panose="02020603050405020304" pitchFamily="18" charset="0"/>
                 <a:cs typeface="Times New Roman" panose="02020603050405020304" pitchFamily="18" charset="0"/>
               </a:rPr>
-              <a:t>導言：</a:t>
+              <a:t>Introduction: </a:t>
             </a:r>
           </a:p>
           <a:p>
             <a:r>
-              <a:rPr lang="zh-TW" altLang="en-US" sz="2400" dirty="0">
-                <a:latin typeface="標楷體" panose="03000509000000000000" pitchFamily="65" charset="-120"/>
-                <a:ea typeface="標楷體" panose="03000509000000000000" pitchFamily="65" charset="-120"/>
+              <a:rPr lang="en-US" altLang="zh-TW" sz="2200" dirty="0">
+                <a:latin typeface="Times New Roman" panose="02020603050405020304" pitchFamily="18" charset="0"/>
                 <a:cs typeface="Times New Roman" panose="02020603050405020304" pitchFamily="18" charset="0"/>
               </a:rPr>
-              <a:t>遵循資料分析流程的步驟：詢問、準備、處理、分析、分享和行動。</a:t>
+              <a:t>follow the steps of the data analysis process: ask, prepare, process, analyze, share, and act. </a:t>
             </a:r>
           </a:p>
           <a:p>
-            <a:pPr marL="0" indent="0">
-              <a:buNone/>
-            </a:pPr>
-            <a:endParaRPr lang="en-US" altLang="zh-TW" sz="2400" dirty="0">
-              <a:latin typeface="標楷體" panose="03000509000000000000" pitchFamily="65" charset="-120"/>
-              <a:ea typeface="標楷體" panose="03000509000000000000" pitchFamily="65" charset="-120"/>
+            <a:endParaRPr lang="en-US" altLang="zh-TW" sz="2200" dirty="0">
+              <a:latin typeface="Times New Roman" panose="02020603050405020304" pitchFamily="18" charset="0"/>
               <a:cs typeface="Times New Roman" panose="02020603050405020304" pitchFamily="18" charset="0"/>
             </a:endParaRPr>
           </a:p>
@@ -15166,48 +14796,39 @@
               <a:buNone/>
             </a:pPr>
             <a:r>
-              <a:rPr lang="zh-TW" altLang="en-US" dirty="0">
-                <a:latin typeface="標楷體" panose="03000509000000000000" pitchFamily="65" charset="-120"/>
-                <a:ea typeface="標楷體" panose="03000509000000000000" pitchFamily="65" charset="-120"/>
+              <a:rPr lang="en-US" altLang="zh-TW" b="1" dirty="0">
+                <a:latin typeface="Times New Roman" panose="02020603050405020304" pitchFamily="18" charset="0"/>
                 <a:cs typeface="Times New Roman" panose="02020603050405020304" pitchFamily="18" charset="0"/>
               </a:rPr>
-              <a:t>情境：</a:t>
+              <a:t>Scenario: </a:t>
             </a:r>
           </a:p>
           <a:p>
             <a:r>
-              <a:rPr lang="zh-TW" altLang="en-US" sz="2400" dirty="0">
-                <a:latin typeface="標楷體" panose="03000509000000000000" pitchFamily="65" charset="-120"/>
-                <a:ea typeface="標楷體" panose="03000509000000000000" pitchFamily="65" charset="-120"/>
+              <a:rPr lang="en-US" altLang="zh-TW" sz="2200" dirty="0">
+                <a:latin typeface="Times New Roman" panose="02020603050405020304" pitchFamily="18" charset="0"/>
                 <a:cs typeface="Times New Roman" panose="02020603050405020304" pitchFamily="18" charset="0"/>
               </a:rPr>
-              <a:t>數據分析師就職於領先的女性健康產品製造商，任務是分析智慧設備數據，發掘成長機會。</a:t>
+              <a:t>Data analyst working at leading manufacturer of health-focused products for women, tasked with analyzing smart device data to unearth growth opportunities.</a:t>
             </a:r>
           </a:p>
           <a:p>
             <a:r>
-              <a:rPr lang="zh-TW" altLang="en-US" sz="2400" dirty="0">
-                <a:latin typeface="標楷體" panose="03000509000000000000" pitchFamily="65" charset="-120"/>
-                <a:ea typeface="標楷體" panose="03000509000000000000" pitchFamily="65" charset="-120"/>
+              <a:rPr lang="en-US" altLang="zh-TW" sz="2200" dirty="0">
+                <a:latin typeface="Times New Roman" panose="02020603050405020304" pitchFamily="18" charset="0"/>
                 <a:cs typeface="Times New Roman" panose="02020603050405020304" pitchFamily="18" charset="0"/>
               </a:rPr>
-              <a:t>公司聯合創辦人兼首席創意官，利用智慧型裝置健身數據推動成長。</a:t>
+              <a:t>Company's co-founder and Chief Creative Officer, leveraging smart device fitness data can drive this growth.</a:t>
             </a:r>
           </a:p>
           <a:p>
             <a:r>
-              <a:rPr lang="zh-TW" altLang="en-US" sz="2400" dirty="0">
-                <a:latin typeface="標楷體" panose="03000509000000000000" pitchFamily="65" charset="-120"/>
-                <a:ea typeface="標楷體" panose="03000509000000000000" pitchFamily="65" charset="-120"/>
+              <a:rPr lang="en-US" altLang="zh-TW" sz="2200" dirty="0">
+                <a:latin typeface="Times New Roman" panose="02020603050405020304" pitchFamily="18" charset="0"/>
                 <a:cs typeface="Times New Roman" panose="02020603050405020304" pitchFamily="18" charset="0"/>
               </a:rPr>
-              <a:t>研究消費者的使用模式，並透過洞察力來制定公司的行銷策略。</a:t>
+              <a:t>Examining consumer usage patterns and deriving insights to shape the company's marketing strategy.</a:t>
             </a:r>
-            <a:endParaRPr lang="en-US" altLang="zh-TW" sz="2200" dirty="0">
-              <a:latin typeface="標楷體" panose="03000509000000000000" pitchFamily="65" charset="-120"/>
-              <a:ea typeface="標楷體" panose="03000509000000000000" pitchFamily="65" charset="-120"/>
-              <a:cs typeface="Times New Roman" panose="02020603050405020304" pitchFamily="18" charset="0"/>
-            </a:endParaRPr>
           </a:p>
         </p:txBody>
       </p:sp>
@@ -15478,24 +15099,15 @@
           <a:lstStyle/>
           <a:p>
             <a:r>
-              <a:rPr lang="zh-TW" altLang="en-US" kern="1200" dirty="0">
+              <a:rPr lang="en-US" altLang="zh-TW" kern="1200" dirty="0">
                 <a:solidFill>
                   <a:srgbClr val="FFFFFF"/>
                 </a:solidFill>
-                <a:latin typeface="標楷體" panose="03000509000000000000" pitchFamily="65" charset="-120"/>
-                <a:ea typeface="標楷體" panose="03000509000000000000" pitchFamily="65" charset="-120"/>
+                <a:latin typeface="Times New Roman" panose="02020603050405020304" pitchFamily="18" charset="0"/>
                 <a:cs typeface="Times New Roman" panose="02020603050405020304" pitchFamily="18" charset="0"/>
               </a:rPr>
-              <a:t>角色和團隊</a:t>
+              <a:t>Characters and teams </a:t>
             </a:r>
-            <a:endParaRPr lang="en-US" altLang="zh-TW" kern="1200" dirty="0">
-              <a:solidFill>
-                <a:srgbClr val="FFFFFF"/>
-              </a:solidFill>
-              <a:latin typeface="標楷體" panose="03000509000000000000" pitchFamily="65" charset="-120"/>
-              <a:ea typeface="標楷體" panose="03000509000000000000" pitchFamily="65" charset="-120"/>
-              <a:cs typeface="Times New Roman" panose="02020603050405020304" pitchFamily="18" charset="0"/>
-            </a:endParaRPr>
           </a:p>
         </p:txBody>
       </p:sp>
@@ -15578,13 +15190,13 @@
         </p:nvSpPr>
         <p:spPr>
           <a:xfrm>
-            <a:off x="4098472" y="73479"/>
-            <a:ext cx="7984672" cy="6711042"/>
+            <a:off x="4447308" y="-73480"/>
+            <a:ext cx="7744692" cy="7135461"/>
           </a:xfrm>
         </p:spPr>
         <p:txBody>
           <a:bodyPr vert="horz" lIns="91440" tIns="45720" rIns="91440" bIns="45720" rtlCol="0" anchor="ctr">
-            <a:normAutofit fontScale="40000" lnSpcReduction="20000"/>
+            <a:normAutofit fontScale="47500" lnSpcReduction="20000"/>
           </a:bodyPr>
           <a:lstStyle/>
           <a:p>
@@ -15592,149 +15204,43 @@
               <a:buNone/>
             </a:pPr>
             <a:r>
-              <a:rPr lang="zh-TW" altLang="en-US" sz="5900" b="1" dirty="0">
-                <a:latin typeface="標楷體" panose="03000509000000000000" pitchFamily="65" charset="-120"/>
-                <a:ea typeface="標楷體" panose="03000509000000000000" pitchFamily="65" charset="-120"/>
+              <a:rPr lang="en-US" altLang="zh-TW" sz="5900" b="1" dirty="0">
+                <a:latin typeface="Times New Roman" panose="02020603050405020304" pitchFamily="18" charset="0"/>
                 <a:cs typeface="Times New Roman" panose="02020603050405020304" pitchFamily="18" charset="0"/>
               </a:rPr>
-              <a:t>人物</a:t>
+              <a:t>Characters:</a:t>
             </a:r>
+          </a:p>
+          <a:p>
             <a:r>
-              <a:rPr lang="zh-TW" altLang="en-US" sz="5900" dirty="0">
-                <a:latin typeface="標楷體" panose="03000509000000000000" pitchFamily="65" charset="-120"/>
-                <a:ea typeface="標楷體" panose="03000509000000000000" pitchFamily="65" charset="-120"/>
+              <a:rPr lang="en-US" altLang="zh-TW" sz="5100" dirty="0">
+                <a:latin typeface="Times New Roman" panose="02020603050405020304" pitchFamily="18" charset="0"/>
                 <a:cs typeface="Times New Roman" panose="02020603050405020304" pitchFamily="18" charset="0"/>
               </a:rPr>
-              <a:t>：</a:t>
+              <a:t>Ur : Co-founder and Chief Creative Officer of Bx.</a:t>
             </a:r>
           </a:p>
           <a:p>
             <a:r>
               <a:rPr lang="en-US" altLang="zh-TW" sz="5100" dirty="0">
-                <a:latin typeface="標楷體" panose="03000509000000000000" pitchFamily="65" charset="-120"/>
-                <a:ea typeface="標楷體" panose="03000509000000000000" pitchFamily="65" charset="-120"/>
+                <a:latin typeface="Times New Roman" panose="02020603050405020304" pitchFamily="18" charset="0"/>
                 <a:cs typeface="Times New Roman" panose="02020603050405020304" pitchFamily="18" charset="0"/>
               </a:rPr>
-              <a:t>Ur</a:t>
+              <a:t>Mur: Co-founder and mathematician, a key member of the Bx executive team.</a:t>
             </a:r>
+          </a:p>
+          <a:p>
             <a:r>
-              <a:rPr lang="zh-TW" altLang="en-US" sz="5100" dirty="0">
-                <a:latin typeface="標楷體" panose="03000509000000000000" pitchFamily="65" charset="-120"/>
-                <a:ea typeface="標楷體" panose="03000509000000000000" pitchFamily="65" charset="-120"/>
+              <a:rPr lang="en-US" altLang="zh-TW" sz="5100" dirty="0">
+                <a:latin typeface="Times New Roman" panose="02020603050405020304" pitchFamily="18" charset="0"/>
                 <a:cs typeface="Times New Roman" panose="02020603050405020304" pitchFamily="18" charset="0"/>
               </a:rPr>
-              <a:t>：</a:t>
+              <a:t>-Bx marketing analytics team: A group of data analysts responsible for collecting, analyzing, and reporting data to guide Bx’s marketing strategy.</a:t>
             </a:r>
-            <a:r>
-              <a:rPr lang="en-US" altLang="zh-TW" sz="5100" dirty="0">
-                <a:latin typeface="標楷體" panose="03000509000000000000" pitchFamily="65" charset="-120"/>
-                <a:ea typeface="標楷體" panose="03000509000000000000" pitchFamily="65" charset="-120"/>
-                <a:cs typeface="Times New Roman" panose="02020603050405020304" pitchFamily="18" charset="0"/>
-              </a:rPr>
-              <a:t>Bx</a:t>
-            </a:r>
-            <a:r>
-              <a:rPr lang="zh-TW" altLang="en-US" sz="5100" dirty="0">
-                <a:latin typeface="標楷體" panose="03000509000000000000" pitchFamily="65" charset="-120"/>
-                <a:ea typeface="標楷體" panose="03000509000000000000" pitchFamily="65" charset="-120"/>
-                <a:cs typeface="Times New Roman" panose="02020603050405020304" pitchFamily="18" charset="0"/>
-              </a:rPr>
-              <a:t>的共同創辦人兼首席創意長。</a:t>
-            </a:r>
-          </a:p>
-          <a:p>
-            <a:r>
-              <a:rPr lang="en-US" altLang="zh-TW" sz="5100" dirty="0">
-                <a:latin typeface="標楷體" panose="03000509000000000000" pitchFamily="65" charset="-120"/>
-                <a:ea typeface="標楷體" panose="03000509000000000000" pitchFamily="65" charset="-120"/>
-                <a:cs typeface="Times New Roman" panose="02020603050405020304" pitchFamily="18" charset="0"/>
-              </a:rPr>
-              <a:t>Mur</a:t>
-            </a:r>
-            <a:r>
-              <a:rPr lang="zh-TW" altLang="en-US" sz="5100" dirty="0">
-                <a:latin typeface="標楷體" panose="03000509000000000000" pitchFamily="65" charset="-120"/>
-                <a:ea typeface="標楷體" panose="03000509000000000000" pitchFamily="65" charset="-120"/>
-                <a:cs typeface="Times New Roman" panose="02020603050405020304" pitchFamily="18" charset="0"/>
-              </a:rPr>
-              <a:t>：</a:t>
-            </a:r>
-            <a:r>
-              <a:rPr lang="en-US" altLang="zh-TW" sz="5100" dirty="0">
-                <a:latin typeface="標楷體" panose="03000509000000000000" pitchFamily="65" charset="-120"/>
-                <a:ea typeface="標楷體" panose="03000509000000000000" pitchFamily="65" charset="-120"/>
-                <a:cs typeface="Times New Roman" panose="02020603050405020304" pitchFamily="18" charset="0"/>
-              </a:rPr>
-              <a:t>Bx</a:t>
-            </a:r>
-            <a:r>
-              <a:rPr lang="zh-TW" altLang="en-US" sz="5100" dirty="0">
-                <a:latin typeface="標楷體" panose="03000509000000000000" pitchFamily="65" charset="-120"/>
-                <a:ea typeface="標楷體" panose="03000509000000000000" pitchFamily="65" charset="-120"/>
-                <a:cs typeface="Times New Roman" panose="02020603050405020304" pitchFamily="18" charset="0"/>
-              </a:rPr>
-              <a:t>共同創辦人兼數學家，</a:t>
-            </a:r>
-            <a:r>
-              <a:rPr lang="en-US" altLang="zh-TW" sz="5100" dirty="0">
-                <a:latin typeface="標楷體" panose="03000509000000000000" pitchFamily="65" charset="-120"/>
-                <a:ea typeface="標楷體" panose="03000509000000000000" pitchFamily="65" charset="-120"/>
-                <a:cs typeface="Times New Roman" panose="02020603050405020304" pitchFamily="18" charset="0"/>
-              </a:rPr>
-              <a:t>Bx</a:t>
-            </a:r>
-            <a:r>
-              <a:rPr lang="zh-TW" altLang="en-US" sz="5100" dirty="0">
-                <a:latin typeface="標楷體" panose="03000509000000000000" pitchFamily="65" charset="-120"/>
-                <a:ea typeface="標楷體" panose="03000509000000000000" pitchFamily="65" charset="-120"/>
-                <a:cs typeface="Times New Roman" panose="02020603050405020304" pitchFamily="18" charset="0"/>
-              </a:rPr>
-              <a:t>管理團隊的重要成員。</a:t>
-            </a:r>
-          </a:p>
-          <a:p>
-            <a:r>
-              <a:rPr lang="en-US" altLang="zh-TW" sz="5100" dirty="0">
-                <a:latin typeface="標楷體" panose="03000509000000000000" pitchFamily="65" charset="-120"/>
-                <a:ea typeface="標楷體" panose="03000509000000000000" pitchFamily="65" charset="-120"/>
-                <a:cs typeface="Times New Roman" panose="02020603050405020304" pitchFamily="18" charset="0"/>
-              </a:rPr>
-              <a:t>Bx </a:t>
-            </a:r>
-            <a:r>
-              <a:rPr lang="zh-TW" altLang="en-US" sz="5100" dirty="0">
-                <a:latin typeface="標楷體" panose="03000509000000000000" pitchFamily="65" charset="-120"/>
-                <a:ea typeface="標楷體" panose="03000509000000000000" pitchFamily="65" charset="-120"/>
-                <a:cs typeface="Times New Roman" panose="02020603050405020304" pitchFamily="18" charset="0"/>
-              </a:rPr>
-              <a:t>行銷分析團隊： 一組數據分析師，負責收集、分析和報告數據，為 </a:t>
-            </a:r>
-            <a:r>
-              <a:rPr lang="en-US" altLang="zh-TW" sz="5100" dirty="0">
-                <a:latin typeface="標楷體" panose="03000509000000000000" pitchFamily="65" charset="-120"/>
-                <a:ea typeface="標楷體" panose="03000509000000000000" pitchFamily="65" charset="-120"/>
-                <a:cs typeface="Times New Roman" panose="02020603050405020304" pitchFamily="18" charset="0"/>
-              </a:rPr>
-              <a:t>Bx </a:t>
-            </a:r>
-            <a:r>
-              <a:rPr lang="zh-TW" altLang="en-US" sz="5100" dirty="0">
-                <a:latin typeface="標楷體" panose="03000509000000000000" pitchFamily="65" charset="-120"/>
-                <a:ea typeface="標楷體" panose="03000509000000000000" pitchFamily="65" charset="-120"/>
-                <a:cs typeface="Times New Roman" panose="02020603050405020304" pitchFamily="18" charset="0"/>
-              </a:rPr>
-              <a:t>的行銷策略提供指導。</a:t>
-            </a:r>
+          </a:p>
+          <a:p>
             <a:endParaRPr lang="en-US" altLang="zh-TW" sz="5100" dirty="0">
-              <a:latin typeface="標楷體" panose="03000509000000000000" pitchFamily="65" charset="-120"/>
-              <a:ea typeface="標楷體" panose="03000509000000000000" pitchFamily="65" charset="-120"/>
-              <a:cs typeface="Times New Roman" panose="02020603050405020304" pitchFamily="18" charset="0"/>
-            </a:endParaRPr>
-          </a:p>
-          <a:p>
-            <a:endParaRPr lang="en-US" altLang="zh-TW" sz="3800" dirty="0">
-              <a:latin typeface="標楷體" panose="03000509000000000000" pitchFamily="65" charset="-120"/>
-              <a:ea typeface="標楷體" panose="03000509000000000000" pitchFamily="65" charset="-120"/>
+              <a:latin typeface="Times New Roman" panose="02020603050405020304" pitchFamily="18" charset="0"/>
               <a:cs typeface="Times New Roman" panose="02020603050405020304" pitchFamily="18" charset="0"/>
             </a:endParaRPr>
           </a:p>
@@ -15743,197 +15249,57 @@
               <a:buNone/>
             </a:pPr>
             <a:r>
-              <a:rPr lang="zh-TW" altLang="en-US" sz="5900" b="1" dirty="0">
-                <a:latin typeface="標楷體" panose="03000509000000000000" pitchFamily="65" charset="-120"/>
-                <a:ea typeface="標楷體" panose="03000509000000000000" pitchFamily="65" charset="-120"/>
+              <a:rPr lang="en-US" altLang="zh-TW" sz="5900" b="1" dirty="0">
+                <a:latin typeface="Times New Roman" panose="02020603050405020304" pitchFamily="18" charset="0"/>
                 <a:cs typeface="Times New Roman" panose="02020603050405020304" pitchFamily="18" charset="0"/>
               </a:rPr>
-              <a:t>產品：</a:t>
+              <a:t>Products:</a:t>
             </a:r>
           </a:p>
           <a:p>
-            <a:pPr>
-              <a:lnSpc>
-                <a:spcPct val="120000"/>
-              </a:lnSpc>
-            </a:pPr>
             <a:r>
-              <a:rPr lang="en-US" altLang="zh-TW" sz="5100" dirty="0">
-                <a:latin typeface="標楷體" panose="03000509000000000000" pitchFamily="65" charset="-120"/>
-                <a:ea typeface="標楷體" panose="03000509000000000000" pitchFamily="65" charset="-120"/>
+              <a:rPr lang="en-US" altLang="zh-TW" sz="4500" dirty="0">
+                <a:latin typeface="Times New Roman" panose="02020603050405020304" pitchFamily="18" charset="0"/>
                 <a:cs typeface="Times New Roman" panose="02020603050405020304" pitchFamily="18" charset="0"/>
               </a:rPr>
-              <a:t>Bx</a:t>
+              <a:t>Bx app: Provides users with health data on activity, sleep, stress, menstrual cycle, and mindfulness habits. It connects to Bx's smart wellness products.</a:t>
             </a:r>
+          </a:p>
+          <a:p>
             <a:r>
-              <a:rPr lang="zh-TW" altLang="en-US" sz="5100" dirty="0">
-                <a:latin typeface="標楷體" panose="03000509000000000000" pitchFamily="65" charset="-120"/>
-                <a:ea typeface="標楷體" panose="03000509000000000000" pitchFamily="65" charset="-120"/>
+              <a:rPr lang="en-US" altLang="zh-TW" sz="4500" dirty="0">
+                <a:latin typeface="Times New Roman" panose="02020603050405020304" pitchFamily="18" charset="0"/>
                 <a:cs typeface="Times New Roman" panose="02020603050405020304" pitchFamily="18" charset="0"/>
               </a:rPr>
-              <a:t>應用程式： 提供使用者有關活動、睡眠、壓力、月經週期和注意習慣的健康數據。它可與 </a:t>
+              <a:t>Leaf: Bx’s classic wellness tracker worn as a bracelet, necklace, or clip, tracks activity, sleep, and stress.</a:t>
             </a:r>
+          </a:p>
+          <a:p>
             <a:r>
-              <a:rPr lang="en-US" altLang="zh-TW" sz="5100" dirty="0">
-                <a:latin typeface="標楷體" panose="03000509000000000000" pitchFamily="65" charset="-120"/>
-                <a:ea typeface="標楷體" panose="03000509000000000000" pitchFamily="65" charset="-120"/>
+              <a:rPr lang="en-US" altLang="zh-TW" sz="4500" dirty="0">
+                <a:latin typeface="Times New Roman" panose="02020603050405020304" pitchFamily="18" charset="0"/>
                 <a:cs typeface="Times New Roman" panose="02020603050405020304" pitchFamily="18" charset="0"/>
               </a:rPr>
-              <a:t>Bx </a:t>
+              <a:t>Time: A wellness watch combining a classic timepiece with smart technology to track activity, sleep, and stress. It connects to the Bx app.</a:t>
             </a:r>
+          </a:p>
+          <a:p>
             <a:r>
-              <a:rPr lang="zh-TW" altLang="en-US" sz="5100" dirty="0">
-                <a:latin typeface="標楷體" panose="03000509000000000000" pitchFamily="65" charset="-120"/>
-                <a:ea typeface="標楷體" panose="03000509000000000000" pitchFamily="65" charset="-120"/>
+              <a:rPr lang="en-US" altLang="zh-TW" sz="4500" dirty="0">
+                <a:latin typeface="Times New Roman" panose="02020603050405020304" pitchFamily="18" charset="0"/>
                 <a:cs typeface="Times New Roman" panose="02020603050405020304" pitchFamily="18" charset="0"/>
               </a:rPr>
-              <a:t>的智慧健康產品連接。</a:t>
+              <a:t>Spring: A water bottle that tracks daily water intake using smart technology, connects to the Bx app to monitor hydration levels.</a:t>
             </a:r>
           </a:p>
           <a:p>
-            <a:pPr>
-              <a:lnSpc>
-                <a:spcPct val="120000"/>
-              </a:lnSpc>
-            </a:pPr>
             <a:r>
-              <a:rPr lang="en-US" altLang="zh-TW" sz="5100" dirty="0">
-                <a:latin typeface="標楷體" panose="03000509000000000000" pitchFamily="65" charset="-120"/>
-                <a:ea typeface="標楷體" panose="03000509000000000000" pitchFamily="65" charset="-120"/>
+              <a:rPr lang="en-US" altLang="zh-TW" sz="4500" dirty="0">
+                <a:latin typeface="Times New Roman" panose="02020603050405020304" pitchFamily="18" charset="0"/>
                 <a:cs typeface="Times New Roman" panose="02020603050405020304" pitchFamily="18" charset="0"/>
               </a:rPr>
-              <a:t>Leaf</a:t>
+              <a:t>Bx membership: A subscription-based program providing users with personalized guidance on nutrition, activity, sleep, health and beauty, and mindfulness, tailored to their lifestyle and goals.</a:t>
             </a:r>
-            <a:r>
-              <a:rPr lang="zh-TW" altLang="en-US" sz="5100" dirty="0">
-                <a:latin typeface="標楷體" panose="03000509000000000000" pitchFamily="65" charset="-120"/>
-                <a:ea typeface="標楷體" panose="03000509000000000000" pitchFamily="65" charset="-120"/>
-                <a:cs typeface="Times New Roman" panose="02020603050405020304" pitchFamily="18" charset="0"/>
-              </a:rPr>
-              <a:t>：</a:t>
-            </a:r>
-            <a:r>
-              <a:rPr lang="en-US" altLang="zh-TW" sz="5100" dirty="0">
-                <a:latin typeface="標楷體" panose="03000509000000000000" pitchFamily="65" charset="-120"/>
-                <a:ea typeface="標楷體" panose="03000509000000000000" pitchFamily="65" charset="-120"/>
-                <a:cs typeface="Times New Roman" panose="02020603050405020304" pitchFamily="18" charset="0"/>
-              </a:rPr>
-              <a:t>Bx</a:t>
-            </a:r>
-            <a:r>
-              <a:rPr lang="zh-TW" altLang="en-US" sz="5100" dirty="0">
-                <a:latin typeface="標楷體" panose="03000509000000000000" pitchFamily="65" charset="-120"/>
-                <a:ea typeface="標楷體" panose="03000509000000000000" pitchFamily="65" charset="-120"/>
-                <a:cs typeface="Times New Roman" panose="02020603050405020304" pitchFamily="18" charset="0"/>
-              </a:rPr>
-              <a:t>的經典健康追蹤器，可作為手鐲、項鍊或夾子佩戴，追蹤活動、睡眠和壓力。</a:t>
-            </a:r>
-          </a:p>
-          <a:p>
-            <a:pPr>
-              <a:lnSpc>
-                <a:spcPct val="120000"/>
-              </a:lnSpc>
-            </a:pPr>
-            <a:r>
-              <a:rPr lang="en-US" altLang="zh-TW" sz="5100" dirty="0">
-                <a:latin typeface="標楷體" panose="03000509000000000000" pitchFamily="65" charset="-120"/>
-                <a:ea typeface="標楷體" panose="03000509000000000000" pitchFamily="65" charset="-120"/>
-                <a:cs typeface="Times New Roman" panose="02020603050405020304" pitchFamily="18" charset="0"/>
-              </a:rPr>
-              <a:t>Time</a:t>
-            </a:r>
-            <a:r>
-              <a:rPr lang="zh-TW" altLang="en-US" sz="5100" dirty="0">
-                <a:latin typeface="標楷體" panose="03000509000000000000" pitchFamily="65" charset="-120"/>
-                <a:ea typeface="標楷體" panose="03000509000000000000" pitchFamily="65" charset="-120"/>
-                <a:cs typeface="Times New Roman" panose="02020603050405020304" pitchFamily="18" charset="0"/>
-              </a:rPr>
-              <a:t>：一款將經典計時器與智慧科技結合的健康手錶，可追蹤活動、睡眠和壓力。它可與 </a:t>
-            </a:r>
-            <a:r>
-              <a:rPr lang="en-US" altLang="zh-TW" sz="5100" dirty="0">
-                <a:latin typeface="標楷體" panose="03000509000000000000" pitchFamily="65" charset="-120"/>
-                <a:ea typeface="標楷體" panose="03000509000000000000" pitchFamily="65" charset="-120"/>
-                <a:cs typeface="Times New Roman" panose="02020603050405020304" pitchFamily="18" charset="0"/>
-              </a:rPr>
-              <a:t>Bx </a:t>
-            </a:r>
-            <a:r>
-              <a:rPr lang="zh-TW" altLang="en-US" sz="5100" dirty="0">
-                <a:latin typeface="標楷體" panose="03000509000000000000" pitchFamily="65" charset="-120"/>
-                <a:ea typeface="標楷體" panose="03000509000000000000" pitchFamily="65" charset="-120"/>
-                <a:cs typeface="Times New Roman" panose="02020603050405020304" pitchFamily="18" charset="0"/>
-              </a:rPr>
-              <a:t>應用程式連接。</a:t>
-            </a:r>
-          </a:p>
-          <a:p>
-            <a:pPr>
-              <a:lnSpc>
-                <a:spcPct val="120000"/>
-              </a:lnSpc>
-            </a:pPr>
-            <a:r>
-              <a:rPr lang="en-US" altLang="zh-TW" sz="5100" dirty="0">
-                <a:latin typeface="標楷體" panose="03000509000000000000" pitchFamily="65" charset="-120"/>
-                <a:ea typeface="標楷體" panose="03000509000000000000" pitchFamily="65" charset="-120"/>
-                <a:cs typeface="Times New Roman" panose="02020603050405020304" pitchFamily="18" charset="0"/>
-              </a:rPr>
-              <a:t>Spring</a:t>
-            </a:r>
-            <a:r>
-              <a:rPr lang="zh-TW" altLang="en-US" sz="5100" dirty="0">
-                <a:latin typeface="標楷體" panose="03000509000000000000" pitchFamily="65" charset="-120"/>
-                <a:ea typeface="標楷體" panose="03000509000000000000" pitchFamily="65" charset="-120"/>
-                <a:cs typeface="Times New Roman" panose="02020603050405020304" pitchFamily="18" charset="0"/>
-              </a:rPr>
-              <a:t>：一款利用智慧技術追蹤每日水攝取量的水瓶，可與</a:t>
-            </a:r>
-            <a:r>
-              <a:rPr lang="en-US" altLang="zh-TW" sz="5100" dirty="0">
-                <a:latin typeface="標楷體" panose="03000509000000000000" pitchFamily="65" charset="-120"/>
-                <a:ea typeface="標楷體" panose="03000509000000000000" pitchFamily="65" charset="-120"/>
-                <a:cs typeface="Times New Roman" panose="02020603050405020304" pitchFamily="18" charset="0"/>
-              </a:rPr>
-              <a:t>Bx</a:t>
-            </a:r>
-            <a:r>
-              <a:rPr lang="zh-TW" altLang="en-US" sz="5100" dirty="0">
-                <a:latin typeface="標楷體" panose="03000509000000000000" pitchFamily="65" charset="-120"/>
-                <a:ea typeface="標楷體" panose="03000509000000000000" pitchFamily="65" charset="-120"/>
-                <a:cs typeface="Times New Roman" panose="02020603050405020304" pitchFamily="18" charset="0"/>
-              </a:rPr>
-              <a:t>應用程式連接，監測水合程度。</a:t>
-            </a:r>
-          </a:p>
-          <a:p>
-            <a:pPr>
-              <a:lnSpc>
-                <a:spcPct val="120000"/>
-              </a:lnSpc>
-            </a:pPr>
-            <a:r>
-              <a:rPr lang="en-US" altLang="zh-TW" sz="5100" dirty="0">
-                <a:latin typeface="標楷體" panose="03000509000000000000" pitchFamily="65" charset="-120"/>
-                <a:ea typeface="標楷體" panose="03000509000000000000" pitchFamily="65" charset="-120"/>
-                <a:cs typeface="Times New Roman" panose="02020603050405020304" pitchFamily="18" charset="0"/>
-              </a:rPr>
-              <a:t>Bx</a:t>
-            </a:r>
-            <a:r>
-              <a:rPr lang="zh-TW" altLang="en-US" sz="5100" dirty="0">
-                <a:latin typeface="標楷體" panose="03000509000000000000" pitchFamily="65" charset="-120"/>
-                <a:ea typeface="標楷體" panose="03000509000000000000" pitchFamily="65" charset="-120"/>
-                <a:cs typeface="Times New Roman" panose="02020603050405020304" pitchFamily="18" charset="0"/>
-              </a:rPr>
-              <a:t>會員：基於訂閱的計劃，為用戶提供個人化的營養、活動、睡眠、健康與美容以及心態方面的指導，根據用戶的生活方式和目標量身定制。</a:t>
-            </a:r>
-            <a:endParaRPr lang="en-US" altLang="zh-TW" sz="4200" dirty="0">
-              <a:latin typeface="標楷體" panose="03000509000000000000" pitchFamily="65" charset="-120"/>
-              <a:ea typeface="標楷體" panose="03000509000000000000" pitchFamily="65" charset="-120"/>
-              <a:cs typeface="Times New Roman" panose="02020603050405020304" pitchFamily="18" charset="0"/>
-            </a:endParaRPr>
           </a:p>
         </p:txBody>
       </p:sp>
@@ -16198,24 +15564,15 @@
           <a:lstStyle/>
           <a:p>
             <a:r>
-              <a:rPr lang="zh-TW" altLang="en-US" kern="1200" dirty="0">
+              <a:rPr lang="en-US" altLang="zh-TW" kern="1200" dirty="0">
                 <a:solidFill>
                   <a:srgbClr val="FFFFFF"/>
                 </a:solidFill>
-                <a:latin typeface="標楷體" panose="03000509000000000000" pitchFamily="65" charset="-120"/>
-                <a:ea typeface="標楷體" panose="03000509000000000000" pitchFamily="65" charset="-120"/>
+                <a:latin typeface="Times New Roman" panose="02020603050405020304" pitchFamily="18" charset="0"/>
                 <a:cs typeface="Times New Roman" panose="02020603050405020304" pitchFamily="18" charset="0"/>
               </a:rPr>
-              <a:t>公司介紹</a:t>
+              <a:t>About Company</a:t>
             </a:r>
-            <a:endParaRPr lang="en-US" altLang="zh-TW" kern="1200" dirty="0">
-              <a:solidFill>
-                <a:srgbClr val="FFFFFF"/>
-              </a:solidFill>
-              <a:latin typeface="標楷體" panose="03000509000000000000" pitchFamily="65" charset="-120"/>
-              <a:ea typeface="標楷體" panose="03000509000000000000" pitchFamily="65" charset="-120"/>
-              <a:cs typeface="Times New Roman" panose="02020603050405020304" pitchFamily="18" charset="0"/>
-            </a:endParaRPr>
           </a:p>
         </p:txBody>
       </p:sp>
@@ -16304,317 +15661,74 @@
         </p:spPr>
         <p:txBody>
           <a:bodyPr vert="horz" lIns="91440" tIns="45720" rIns="91440" bIns="45720" rtlCol="0" anchor="ctr">
-            <a:normAutofit lnSpcReduction="10000"/>
+            <a:normAutofit fontScale="92500" lnSpcReduction="20000"/>
           </a:bodyPr>
           <a:lstStyle/>
           <a:p>
             <a:r>
-              <a:rPr lang="zh-TW" altLang="en-US" sz="2400" dirty="0">
+              <a:rPr lang="en-US" altLang="zh-TW" sz="2400" dirty="0">
                 <a:effectLst/>
-                <a:latin typeface="標楷體" panose="03000509000000000000" pitchFamily="65" charset="-120"/>
-                <a:ea typeface="標楷體" panose="03000509000000000000" pitchFamily="65" charset="-120"/>
+                <a:latin typeface="Times New Roman" panose="02020603050405020304" pitchFamily="18" charset="0"/>
                 <a:cs typeface="Times New Roman" panose="02020603050405020304" pitchFamily="18" charset="0"/>
               </a:rPr>
-              <a:t>由</a:t>
+              <a:t>Bx, founded by Ur and Mur, is a </a:t>
+            </a:r>
+            <a:r>
+              <a:rPr lang="en-US" altLang="zh-TW" sz="2400" b="1" dirty="0">
+                <a:effectLst/>
+                <a:latin typeface="Times New Roman" panose="02020603050405020304" pitchFamily="18" charset="0"/>
+                <a:cs typeface="Times New Roman" panose="02020603050405020304" pitchFamily="18" charset="0"/>
+              </a:rPr>
+              <a:t>prominent high-tech company specializing in health-focused smart products</a:t>
             </a:r>
             <a:r>
               <a:rPr lang="en-US" altLang="zh-TW" sz="2400" dirty="0">
                 <a:effectLst/>
-                <a:latin typeface="標楷體" panose="03000509000000000000" pitchFamily="65" charset="-120"/>
-                <a:ea typeface="標楷體" panose="03000509000000000000" pitchFamily="65" charset="-120"/>
+                <a:latin typeface="Times New Roman" panose="02020603050405020304" pitchFamily="18" charset="0"/>
+                <a:cs typeface="Times New Roman" panose="02020603050405020304" pitchFamily="18" charset="0"/>
+              </a:rPr>
+              <a:t>. Leveraging </a:t>
+            </a:r>
+            <a:r>
+              <a:rPr lang="en-US" altLang="zh-TW" sz="2400" dirty="0">
+                <a:latin typeface="Times New Roman" panose="02020603050405020304" pitchFamily="18" charset="0"/>
                 <a:cs typeface="Times New Roman" panose="02020603050405020304" pitchFamily="18" charset="0"/>
               </a:rPr>
               <a:t>Ur</a:t>
             </a:r>
             <a:r>
-              <a:rPr lang="zh-TW" altLang="en-US" sz="2400" dirty="0">
+              <a:rPr lang="en-US" altLang="zh-TW" sz="2400" dirty="0">
                 <a:effectLst/>
-                <a:latin typeface="標楷體" panose="03000509000000000000" pitchFamily="65" charset="-120"/>
-                <a:ea typeface="標楷體" panose="03000509000000000000" pitchFamily="65" charset="-120"/>
+                <a:latin typeface="Times New Roman" panose="02020603050405020304" pitchFamily="18" charset="0"/>
                 <a:cs typeface="Times New Roman" panose="02020603050405020304" pitchFamily="18" charset="0"/>
               </a:rPr>
-              <a:t>和</a:t>
+              <a:t> artistic background, Bx crafts beautifully designed technology aimed at informing and inspiring women worldwide. Through data collection on activity, sleep, stress, and reproductive health, Bx empowers women with insights into their health and habits. Since its establishment in 2XXX, Bx has experienced rapid growth, </a:t>
             </a:r>
+            <a:r>
+              <a:rPr lang="en-US" altLang="zh-TW" sz="2400" b="1" dirty="0">
+                <a:effectLst/>
+                <a:latin typeface="Times New Roman" panose="02020603050405020304" pitchFamily="18" charset="0"/>
+                <a:cs typeface="Times New Roman" panose="02020603050405020304" pitchFamily="18" charset="0"/>
+              </a:rPr>
+              <a:t>establishing itself as a tech-driven wellness leader for women.</a:t>
+            </a:r>
+          </a:p>
+          <a:p>
+            <a:endParaRPr lang="en-US" altLang="zh-TW" sz="2400" dirty="0">
+              <a:effectLst/>
+              <a:latin typeface="Times New Roman" panose="02020603050405020304" pitchFamily="18" charset="0"/>
+              <a:cs typeface="Times New Roman" panose="02020603050405020304" pitchFamily="18" charset="0"/>
+            </a:endParaRPr>
+          </a:p>
+          <a:p>
             <a:r>
               <a:rPr lang="en-US" altLang="zh-TW" sz="2400" dirty="0">
                 <a:effectLst/>
-                <a:latin typeface="標楷體" panose="03000509000000000000" pitchFamily="65" charset="-120"/>
-                <a:ea typeface="標楷體" panose="03000509000000000000" pitchFamily="65" charset="-120"/>
+                <a:latin typeface="Times New Roman" panose="02020603050405020304" pitchFamily="18" charset="0"/>
                 <a:cs typeface="Times New Roman" panose="02020603050405020304" pitchFamily="18" charset="0"/>
               </a:rPr>
-              <a:t>Mur</a:t>
+              <a:t>By 2XXX, Bx expanded globally, launching various products and making them available through numerous online retailers and its own e-commerce platform. The company employs a diverse marketing strategy, investing in traditional media like radio, billboards, print, and television, while focusing extensively on digital marketing channels. Bx maintains an active presence on platforms like Google Search, Facebook, Instagram, and Twitter, complemented by video ads on YouTube and display ads on the Network.</a:t>
             </a:r>
-            <a:r>
-              <a:rPr lang="zh-TW" altLang="en-US" sz="2400" dirty="0">
-                <a:effectLst/>
-                <a:latin typeface="標楷體" panose="03000509000000000000" pitchFamily="65" charset="-120"/>
-                <a:ea typeface="標楷體" panose="03000509000000000000" pitchFamily="65" charset="-120"/>
-                <a:cs typeface="Times New Roman" panose="02020603050405020304" pitchFamily="18" charset="0"/>
-              </a:rPr>
-              <a:t>創立的 </a:t>
-            </a:r>
-            <a:r>
-              <a:rPr lang="en-US" altLang="zh-TW" sz="2400" dirty="0">
-                <a:effectLst/>
-                <a:latin typeface="標楷體" panose="03000509000000000000" pitchFamily="65" charset="-120"/>
-                <a:ea typeface="標楷體" panose="03000509000000000000" pitchFamily="65" charset="-120"/>
-                <a:cs typeface="Times New Roman" panose="02020603050405020304" pitchFamily="18" charset="0"/>
-              </a:rPr>
-              <a:t>Bx </a:t>
-            </a:r>
-            <a:r>
-              <a:rPr lang="zh-TW" altLang="en-US" sz="2400" dirty="0">
-                <a:effectLst/>
-                <a:latin typeface="標楷體" panose="03000509000000000000" pitchFamily="65" charset="-120"/>
-                <a:ea typeface="標楷體" panose="03000509000000000000" pitchFamily="65" charset="-120"/>
-                <a:cs typeface="Times New Roman" panose="02020603050405020304" pitchFamily="18" charset="0"/>
-              </a:rPr>
-              <a:t>是一家著名的高科技公司，專門生產以健康為重點的智慧產品。</a:t>
-            </a:r>
-            <a:r>
-              <a:rPr lang="en-US" altLang="zh-TW" sz="2400" dirty="0">
-                <a:effectLst/>
-                <a:latin typeface="標楷體" panose="03000509000000000000" pitchFamily="65" charset="-120"/>
-                <a:ea typeface="標楷體" panose="03000509000000000000" pitchFamily="65" charset="-120"/>
-                <a:cs typeface="Times New Roman" panose="02020603050405020304" pitchFamily="18" charset="0"/>
-              </a:rPr>
-              <a:t>Bx</a:t>
-            </a:r>
-            <a:r>
-              <a:rPr lang="zh-TW" altLang="en-US" sz="2400" dirty="0">
-                <a:effectLst/>
-                <a:latin typeface="標楷體" panose="03000509000000000000" pitchFamily="65" charset="-120"/>
-                <a:ea typeface="標楷體" panose="03000509000000000000" pitchFamily="65" charset="-120"/>
-                <a:cs typeface="Times New Roman" panose="02020603050405020304" pitchFamily="18" charset="0"/>
-              </a:rPr>
-              <a:t>利用烏爾的藝術背景，精心設計了精美的技術，旨在為全球女性提供資訊和靈感。透過收集有關活動、睡眠、壓力和生殖健康的數據，</a:t>
-            </a:r>
-            <a:r>
-              <a:rPr lang="en-US" altLang="zh-TW" sz="2400" dirty="0">
-                <a:effectLst/>
-                <a:latin typeface="標楷體" panose="03000509000000000000" pitchFamily="65" charset="-120"/>
-                <a:ea typeface="標楷體" panose="03000509000000000000" pitchFamily="65" charset="-120"/>
-                <a:cs typeface="Times New Roman" panose="02020603050405020304" pitchFamily="18" charset="0"/>
-              </a:rPr>
-              <a:t>Bx</a:t>
-            </a:r>
-            <a:r>
-              <a:rPr lang="zh-TW" altLang="en-US" sz="2400" dirty="0">
-                <a:effectLst/>
-                <a:latin typeface="標楷體" panose="03000509000000000000" pitchFamily="65" charset="-120"/>
-                <a:ea typeface="標楷體" panose="03000509000000000000" pitchFamily="65" charset="-120"/>
-                <a:cs typeface="Times New Roman" panose="02020603050405020304" pitchFamily="18" charset="0"/>
-              </a:rPr>
-              <a:t>讓女性了解自己的健康狀況和生活習慣。自 </a:t>
-            </a:r>
-            <a:r>
-              <a:rPr lang="en-US" altLang="zh-TW" sz="2400" dirty="0">
-                <a:effectLst/>
-                <a:latin typeface="標楷體" panose="03000509000000000000" pitchFamily="65" charset="-120"/>
-                <a:ea typeface="標楷體" panose="03000509000000000000" pitchFamily="65" charset="-120"/>
-                <a:cs typeface="Times New Roman" panose="02020603050405020304" pitchFamily="18" charset="0"/>
-              </a:rPr>
-              <a:t>2XXX</a:t>
-            </a:r>
-            <a:r>
-              <a:rPr lang="zh-TW" altLang="en-US" sz="2400" dirty="0">
-                <a:effectLst/>
-                <a:latin typeface="標楷體" panose="03000509000000000000" pitchFamily="65" charset="-120"/>
-                <a:ea typeface="標楷體" panose="03000509000000000000" pitchFamily="65" charset="-120"/>
-                <a:cs typeface="Times New Roman" panose="02020603050405020304" pitchFamily="18" charset="0"/>
-              </a:rPr>
-              <a:t>年成立以來，</a:t>
-            </a:r>
-            <a:r>
-              <a:rPr lang="en-US" altLang="zh-TW" sz="2400" dirty="0">
-                <a:effectLst/>
-                <a:latin typeface="標楷體" panose="03000509000000000000" pitchFamily="65" charset="-120"/>
-                <a:ea typeface="標楷體" panose="03000509000000000000" pitchFamily="65" charset="-120"/>
-                <a:cs typeface="Times New Roman" panose="02020603050405020304" pitchFamily="18" charset="0"/>
-              </a:rPr>
-              <a:t>Bx</a:t>
-            </a:r>
-            <a:r>
-              <a:rPr lang="zh-TW" altLang="en-US" sz="2400" dirty="0">
-                <a:effectLst/>
-                <a:latin typeface="標楷體" panose="03000509000000000000" pitchFamily="65" charset="-120"/>
-                <a:ea typeface="標楷體" panose="03000509000000000000" pitchFamily="65" charset="-120"/>
-                <a:cs typeface="Times New Roman" panose="02020603050405020304" pitchFamily="18" charset="0"/>
-              </a:rPr>
-              <a:t>已經歷了快速發展，成為以科技為驅動的女性健康領導者。</a:t>
-            </a:r>
-          </a:p>
-          <a:p>
-            <a:pPr marL="0" indent="0">
-              <a:buNone/>
-            </a:pPr>
-            <a:endParaRPr lang="en-US" altLang="zh-TW" sz="2400" dirty="0">
-              <a:effectLst/>
-              <a:latin typeface="標楷體" panose="03000509000000000000" pitchFamily="65" charset="-120"/>
-              <a:ea typeface="標楷體" panose="03000509000000000000" pitchFamily="65" charset="-120"/>
-              <a:cs typeface="Times New Roman" panose="02020603050405020304" pitchFamily="18" charset="0"/>
-            </a:endParaRPr>
-          </a:p>
-          <a:p>
-            <a:r>
-              <a:rPr lang="zh-TW" altLang="en-US" sz="2400" dirty="0">
-                <a:effectLst/>
-                <a:latin typeface="標楷體" panose="03000509000000000000" pitchFamily="65" charset="-120"/>
-                <a:ea typeface="標楷體" panose="03000509000000000000" pitchFamily="65" charset="-120"/>
-                <a:cs typeface="Times New Roman" panose="02020603050405020304" pitchFamily="18" charset="0"/>
-              </a:rPr>
-              <a:t>到 </a:t>
-            </a:r>
-            <a:r>
-              <a:rPr lang="en-US" altLang="zh-TW" sz="2400" dirty="0">
-                <a:effectLst/>
-                <a:latin typeface="標楷體" panose="03000509000000000000" pitchFamily="65" charset="-120"/>
-                <a:ea typeface="標楷體" panose="03000509000000000000" pitchFamily="65" charset="-120"/>
-                <a:cs typeface="Times New Roman" panose="02020603050405020304" pitchFamily="18" charset="0"/>
-              </a:rPr>
-              <a:t>2XXX</a:t>
-            </a:r>
-            <a:r>
-              <a:rPr lang="zh-TW" altLang="en-US" sz="2400" dirty="0">
-                <a:effectLst/>
-                <a:latin typeface="標楷體" panose="03000509000000000000" pitchFamily="65" charset="-120"/>
-                <a:ea typeface="標楷體" panose="03000509000000000000" pitchFamily="65" charset="-120"/>
-                <a:cs typeface="Times New Roman" panose="02020603050405020304" pitchFamily="18" charset="0"/>
-              </a:rPr>
-              <a:t>年，</a:t>
-            </a:r>
-            <a:r>
-              <a:rPr lang="en-US" altLang="zh-TW" sz="2400" dirty="0">
-                <a:effectLst/>
-                <a:latin typeface="標楷體" panose="03000509000000000000" pitchFamily="65" charset="-120"/>
-                <a:ea typeface="標楷體" panose="03000509000000000000" pitchFamily="65" charset="-120"/>
-                <a:cs typeface="Times New Roman" panose="02020603050405020304" pitchFamily="18" charset="0"/>
-              </a:rPr>
-              <a:t>Bx </a:t>
-            </a:r>
-            <a:r>
-              <a:rPr lang="zh-TW" altLang="en-US" sz="2400" dirty="0">
-                <a:effectLst/>
-                <a:latin typeface="標楷體" panose="03000509000000000000" pitchFamily="65" charset="-120"/>
-                <a:ea typeface="標楷體" panose="03000509000000000000" pitchFamily="65" charset="-120"/>
-                <a:cs typeface="Times New Roman" panose="02020603050405020304" pitchFamily="18" charset="0"/>
-              </a:rPr>
-              <a:t>向全球擴張，推出了各種產品，並透過許多線上零售商和自己的電子商務平台進行銷售。公司採用多元化的行銷策略，投資於廣播、廣告看板、印刷品和電視等傳統媒體，同時廣泛關注數位行銷管道。 </a:t>
-            </a:r>
-            <a:r>
-              <a:rPr lang="en-US" altLang="zh-TW" sz="2400" dirty="0">
-                <a:effectLst/>
-                <a:latin typeface="標楷體" panose="03000509000000000000" pitchFamily="65" charset="-120"/>
-                <a:ea typeface="標楷體" panose="03000509000000000000" pitchFamily="65" charset="-120"/>
-                <a:cs typeface="Times New Roman" panose="02020603050405020304" pitchFamily="18" charset="0"/>
-              </a:rPr>
-              <a:t>Bx</a:t>
-            </a:r>
-            <a:r>
-              <a:rPr lang="zh-TW" altLang="en-US" sz="2400" dirty="0">
-                <a:effectLst/>
-                <a:latin typeface="標楷體" panose="03000509000000000000" pitchFamily="65" charset="-120"/>
-                <a:ea typeface="標楷體" panose="03000509000000000000" pitchFamily="65" charset="-120"/>
-                <a:cs typeface="Times New Roman" panose="02020603050405020304" pitchFamily="18" charset="0"/>
-              </a:rPr>
-              <a:t>在</a:t>
-            </a:r>
-            <a:r>
-              <a:rPr lang="en-US" altLang="zh-TW" sz="2400" dirty="0">
-                <a:effectLst/>
-                <a:latin typeface="標楷體" panose="03000509000000000000" pitchFamily="65" charset="-120"/>
-                <a:ea typeface="標楷體" panose="03000509000000000000" pitchFamily="65" charset="-120"/>
-                <a:cs typeface="Times New Roman" panose="02020603050405020304" pitchFamily="18" charset="0"/>
-              </a:rPr>
-              <a:t>Google</a:t>
-            </a:r>
-            <a:r>
-              <a:rPr lang="zh-TW" altLang="en-US" sz="2400" dirty="0">
-                <a:effectLst/>
-                <a:latin typeface="標楷體" panose="03000509000000000000" pitchFamily="65" charset="-120"/>
-                <a:ea typeface="標楷體" panose="03000509000000000000" pitchFamily="65" charset="-120"/>
-                <a:cs typeface="Times New Roman" panose="02020603050405020304" pitchFamily="18" charset="0"/>
-              </a:rPr>
-              <a:t>搜尋、</a:t>
-            </a:r>
-            <a:r>
-              <a:rPr lang="en-US" altLang="zh-TW" sz="2400" dirty="0">
-                <a:effectLst/>
-                <a:latin typeface="標楷體" panose="03000509000000000000" pitchFamily="65" charset="-120"/>
-                <a:ea typeface="標楷體" panose="03000509000000000000" pitchFamily="65" charset="-120"/>
-                <a:cs typeface="Times New Roman" panose="02020603050405020304" pitchFamily="18" charset="0"/>
-              </a:rPr>
-              <a:t>Facebook</a:t>
-            </a:r>
-            <a:r>
-              <a:rPr lang="zh-TW" altLang="en-US" sz="2400" dirty="0">
-                <a:effectLst/>
-                <a:latin typeface="標楷體" panose="03000509000000000000" pitchFamily="65" charset="-120"/>
-                <a:ea typeface="標楷體" panose="03000509000000000000" pitchFamily="65" charset="-120"/>
-                <a:cs typeface="Times New Roman" panose="02020603050405020304" pitchFamily="18" charset="0"/>
-              </a:rPr>
-              <a:t>、</a:t>
-            </a:r>
-            <a:r>
-              <a:rPr lang="en-US" altLang="zh-TW" sz="2400" dirty="0">
-                <a:effectLst/>
-                <a:latin typeface="標楷體" panose="03000509000000000000" pitchFamily="65" charset="-120"/>
-                <a:ea typeface="標楷體" panose="03000509000000000000" pitchFamily="65" charset="-120"/>
-                <a:cs typeface="Times New Roman" panose="02020603050405020304" pitchFamily="18" charset="0"/>
-              </a:rPr>
-              <a:t>Instagram </a:t>
-            </a:r>
-            <a:r>
-              <a:rPr lang="zh-TW" altLang="en-US" sz="2400" dirty="0">
-                <a:effectLst/>
-                <a:latin typeface="標楷體" panose="03000509000000000000" pitchFamily="65" charset="-120"/>
-                <a:ea typeface="標楷體" panose="03000509000000000000" pitchFamily="65" charset="-120"/>
-                <a:cs typeface="Times New Roman" panose="02020603050405020304" pitchFamily="18" charset="0"/>
-              </a:rPr>
-              <a:t>和 </a:t>
-            </a:r>
-            <a:r>
-              <a:rPr lang="en-US" altLang="zh-TW" sz="2400" dirty="0">
-                <a:effectLst/>
-                <a:latin typeface="標楷體" panose="03000509000000000000" pitchFamily="65" charset="-120"/>
-                <a:ea typeface="標楷體" panose="03000509000000000000" pitchFamily="65" charset="-120"/>
-                <a:cs typeface="Times New Roman" panose="02020603050405020304" pitchFamily="18" charset="0"/>
-              </a:rPr>
-              <a:t>Twitter </a:t>
-            </a:r>
-            <a:r>
-              <a:rPr lang="zh-TW" altLang="en-US" sz="2400" dirty="0">
-                <a:effectLst/>
-                <a:latin typeface="標楷體" panose="03000509000000000000" pitchFamily="65" charset="-120"/>
-                <a:ea typeface="標楷體" panose="03000509000000000000" pitchFamily="65" charset="-120"/>
-                <a:cs typeface="Times New Roman" panose="02020603050405020304" pitchFamily="18" charset="0"/>
-              </a:rPr>
-              <a:t>等平台上保持活躍，並在 </a:t>
-            </a:r>
-            <a:r>
-              <a:rPr lang="en-US" altLang="zh-TW" sz="2400" dirty="0">
-                <a:effectLst/>
-                <a:latin typeface="標楷體" panose="03000509000000000000" pitchFamily="65" charset="-120"/>
-                <a:ea typeface="標楷體" panose="03000509000000000000" pitchFamily="65" charset="-120"/>
-                <a:cs typeface="Times New Roman" panose="02020603050405020304" pitchFamily="18" charset="0"/>
-              </a:rPr>
-              <a:t>YouTube </a:t>
-            </a:r>
-            <a:r>
-              <a:rPr lang="zh-TW" altLang="en-US" sz="2400" dirty="0">
-                <a:effectLst/>
-                <a:latin typeface="標楷體" panose="03000509000000000000" pitchFamily="65" charset="-120"/>
-                <a:ea typeface="標楷體" panose="03000509000000000000" pitchFamily="65" charset="-120"/>
-                <a:cs typeface="Times New Roman" panose="02020603050405020304" pitchFamily="18" charset="0"/>
-              </a:rPr>
-              <a:t>上投放影片廣告，在網路上投放展示廣告。</a:t>
-            </a:r>
-            <a:endParaRPr lang="en-US" altLang="zh-TW" sz="2400" dirty="0">
-              <a:effectLst/>
-              <a:latin typeface="標楷體" panose="03000509000000000000" pitchFamily="65" charset="-120"/>
-              <a:ea typeface="標楷體" panose="03000509000000000000" pitchFamily="65" charset="-120"/>
-              <a:cs typeface="Times New Roman" panose="02020603050405020304" pitchFamily="18" charset="0"/>
-            </a:endParaRPr>
           </a:p>
         </p:txBody>
       </p:sp>
@@ -17119,79 +16233,51 @@
       </p:sp>
       <p:sp>
         <p:nvSpPr>
-          <p:cNvPr id="3" name="標題 1">
+          <p:cNvPr id="2" name="標題 1">
             <a:extLst>
               <a:ext uri="{FF2B5EF4-FFF2-40B4-BE49-F238E27FC236}">
-                <a16:creationId xmlns:a16="http://schemas.microsoft.com/office/drawing/2014/main" id="{FACB380F-2F84-08E5-5504-4BA458F6EDC1}"/>
+                <a16:creationId xmlns:a16="http://schemas.microsoft.com/office/drawing/2014/main" id="{5451B8BF-1309-B656-3A9B-A11432C43945}"/>
               </a:ext>
             </a:extLst>
           </p:cNvPr>
-          <p:cNvSpPr txBox="1">
-            <a:spLocks/>
+          <p:cNvSpPr>
+            <a:spLocks noGrp="1"/>
           </p:cNvSpPr>
-          <p:nvPr/>
+          <p:nvPr>
+            <p:ph type="title"/>
+          </p:nvPr>
         </p:nvSpPr>
         <p:spPr>
           <a:xfrm>
-            <a:off x="990600" y="826171"/>
-            <a:ext cx="3548743" cy="823016"/>
+            <a:off x="838200" y="673770"/>
+            <a:ext cx="3220329" cy="2027227"/>
           </a:xfrm>
-          <a:prstGeom prst="rect">
-            <a:avLst/>
-          </a:prstGeom>
         </p:spPr>
         <p:txBody>
           <a:bodyPr vert="horz" lIns="91440" tIns="45720" rIns="91440" bIns="45720" rtlCol="0" anchor="t">
-            <a:noAutofit/>
+            <a:normAutofit/>
           </a:bodyPr>
-          <a:lstStyle>
-            <a:lvl1pPr algn="l" defTabSz="914400" rtl="0" eaLnBrk="1" latinLnBrk="0" hangingPunct="1">
-              <a:lnSpc>
-                <a:spcPct val="90000"/>
-              </a:lnSpc>
-              <a:spcBef>
-                <a:spcPct val="0"/>
-              </a:spcBef>
-              <a:buNone/>
-              <a:defRPr sz="4400" kern="1200">
-                <a:solidFill>
-                  <a:schemeClr val="tx1"/>
-                </a:solidFill>
-                <a:latin typeface="+mj-lt"/>
-                <a:ea typeface="+mj-ea"/>
-                <a:cs typeface="+mj-cs"/>
-              </a:defRPr>
-            </a:lvl1pPr>
-          </a:lstStyle>
+          <a:lstStyle/>
           <a:p>
             <a:r>
-              <a:rPr lang="zh-TW" altLang="en-US" dirty="0">
+              <a:rPr lang="en-US" altLang="zh-TW" sz="3800" kern="1200" dirty="0">
                 <a:solidFill>
                   <a:srgbClr val="FFFFFF"/>
                 </a:solidFill>
-                <a:latin typeface="標楷體" panose="03000509000000000000" pitchFamily="65" charset="-120"/>
-                <a:ea typeface="標楷體" panose="03000509000000000000" pitchFamily="65" charset="-120"/>
+                <a:latin typeface="Times New Roman" panose="02020603050405020304" pitchFamily="18" charset="0"/>
                 <a:cs typeface="Times New Roman" panose="02020603050405020304" pitchFamily="18" charset="0"/>
               </a:rPr>
-              <a:t>產生成果報告</a:t>
+              <a:t>Produce a report with the deliverables</a:t>
             </a:r>
-            <a:endParaRPr lang="en-US" altLang="zh-TW" dirty="0">
-              <a:solidFill>
-                <a:srgbClr val="FFFFFF"/>
-              </a:solidFill>
-              <a:latin typeface="標楷體" panose="03000509000000000000" pitchFamily="65" charset="-120"/>
-              <a:ea typeface="標楷體" panose="03000509000000000000" pitchFamily="65" charset="-120"/>
-              <a:cs typeface="Times New Roman" panose="02020603050405020304" pitchFamily="18" charset="0"/>
-            </a:endParaRPr>
           </a:p>
         </p:txBody>
       </p:sp>
       <p:graphicFrame>
         <p:nvGraphicFramePr>
-          <p:cNvPr id="4" name="文字版面配置區 2">
+          <p:cNvPr id="5" name="文字版面配置區 2">
             <a:extLst>
               <a:ext uri="{FF2B5EF4-FFF2-40B4-BE49-F238E27FC236}">
-                <a16:creationId xmlns:a16="http://schemas.microsoft.com/office/drawing/2014/main" id="{7BD7BDB3-2EB9-08F9-645E-9626D9C08F9B}"/>
+                <a16:creationId xmlns:a16="http://schemas.microsoft.com/office/drawing/2014/main" id="{4D3A5AD3-8C6C-5A40-0FCA-E2DBF6621EBF}"/>
               </a:ext>
             </a:extLst>
           </p:cNvPr>
@@ -17199,13 +16285,13 @@
           <p:nvPr>
             <p:extLst>
               <p:ext uri="{D42A27DB-BD31-4B8C-83A1-F6EECF244321}">
-                <p14:modId xmlns:p14="http://schemas.microsoft.com/office/powerpoint/2010/main" val="2693839720"/>
+                <p14:modId xmlns:p14="http://schemas.microsoft.com/office/powerpoint/2010/main" val="3460303384"/>
               </p:ext>
             </p:extLst>
           </p:nvPr>
         </p:nvGraphicFramePr>
         <p:xfrm>
-          <a:off x="5695072" y="694006"/>
+          <a:off x="5542672" y="541606"/>
           <a:ext cx="5811128" cy="5678219"/>
         </p:xfrm>
         <a:graphic>
@@ -17475,24 +16561,15 @@
           <a:lstStyle/>
           <a:p>
             <a:r>
-              <a:rPr lang="zh-TW" altLang="en-US" sz="4400" dirty="0">
+              <a:rPr lang="en-US" altLang="zh-TW" kern="1200">
                 <a:solidFill>
-                  <a:schemeClr val="bg1"/>
+                  <a:srgbClr val="FFFFFF"/>
                 </a:solidFill>
-                <a:latin typeface="標楷體" panose="03000509000000000000" pitchFamily="65" charset="-120"/>
-                <a:ea typeface="標楷體" panose="03000509000000000000" pitchFamily="65" charset="-120"/>
+                <a:latin typeface="Times New Roman" panose="02020603050405020304" pitchFamily="18" charset="0"/>
                 <a:cs typeface="Times New Roman" panose="02020603050405020304" pitchFamily="18" charset="0"/>
               </a:rPr>
-              <a:t>詢問</a:t>
+              <a:t>ASK</a:t>
             </a:r>
-            <a:endParaRPr lang="en-US" altLang="zh-TW" kern="1200" dirty="0">
-              <a:solidFill>
-                <a:schemeClr val="bg1"/>
-              </a:solidFill>
-              <a:latin typeface="標楷體" panose="03000509000000000000" pitchFamily="65" charset="-120"/>
-              <a:ea typeface="標楷體" panose="03000509000000000000" pitchFamily="65" charset="-120"/>
-              <a:cs typeface="Times New Roman" panose="02020603050405020304" pitchFamily="18" charset="0"/>
-            </a:endParaRPr>
           </a:p>
         </p:txBody>
       </p:sp>
@@ -17589,32 +16666,35 @@
               <a:buNone/>
             </a:pPr>
             <a:r>
-              <a:rPr lang="zh-TW" altLang="en-US" dirty="0">
-                <a:latin typeface="標楷體" panose="03000509000000000000" pitchFamily="65" charset="-120"/>
-                <a:ea typeface="標楷體" panose="03000509000000000000" pitchFamily="65" charset="-120"/>
+              <a:rPr lang="en-US" altLang="zh-TW" b="1" dirty="0">
+                <a:latin typeface="Times New Roman" panose="02020603050405020304" pitchFamily="18" charset="0"/>
                 <a:cs typeface="Times New Roman" panose="02020603050405020304" pitchFamily="18" charset="0"/>
               </a:rPr>
-              <a:t>問：</a:t>
+              <a:t>Questions: </a:t>
             </a:r>
           </a:p>
           <a:p>
-            <a:pPr algn="ctr"/>
+            <a:pPr marL="0" algn="ctr"/>
             <a:r>
-              <a:rPr lang="zh-TW" altLang="en-US" sz="2400" dirty="0">
-                <a:latin typeface="標楷體" panose="03000509000000000000" pitchFamily="65" charset="-120"/>
-                <a:ea typeface="標楷體" panose="03000509000000000000" pitchFamily="65" charset="-120"/>
+              <a:rPr lang="en-US" altLang="zh-TW" sz="2200" i="0" dirty="0">
+                <a:solidFill>
+                  <a:srgbClr val="3C4043"/>
+                </a:solidFill>
+                <a:effectLst/>
+                <a:latin typeface="Times New Roman" panose="02020603050405020304" pitchFamily="18" charset="0"/>
                 <a:cs typeface="Times New Roman" panose="02020603050405020304" pitchFamily="18" charset="0"/>
               </a:rPr>
-              <a:t>確定業務任務</a:t>
+              <a:t> Identify the business task</a:t>
             </a:r>
-          </a:p>
-          <a:p>
-            <a:pPr marL="0" indent="0" algn="ctr">
-              <a:buNone/>
-            </a:pPr>
-            <a:endParaRPr lang="en-US" altLang="zh-TW" sz="2400" dirty="0">
-              <a:latin typeface="標楷體" panose="03000509000000000000" pitchFamily="65" charset="-120"/>
-              <a:ea typeface="標楷體" panose="03000509000000000000" pitchFamily="65" charset="-120"/>
+            <a:endParaRPr lang="en-US" altLang="zh-TW" sz="2200" dirty="0">
+              <a:latin typeface="Times New Roman" panose="02020603050405020304" pitchFamily="18" charset="0"/>
+              <a:cs typeface="Times New Roman" panose="02020603050405020304" pitchFamily="18" charset="0"/>
+            </a:endParaRPr>
+          </a:p>
+          <a:p>
+            <a:pPr marL="0"/>
+            <a:endParaRPr lang="en-US" altLang="zh-TW" sz="2200" dirty="0">
+              <a:latin typeface="Times New Roman" panose="02020603050405020304" pitchFamily="18" charset="0"/>
               <a:cs typeface="Times New Roman" panose="02020603050405020304" pitchFamily="18" charset="0"/>
             </a:endParaRPr>
           </a:p>
@@ -17623,107 +16703,42 @@
               <a:buNone/>
             </a:pPr>
             <a:r>
-              <a:rPr lang="zh-TW" altLang="en-US" dirty="0">
-                <a:latin typeface="標楷體" panose="03000509000000000000" pitchFamily="65" charset="-120"/>
-                <a:ea typeface="標楷體" panose="03000509000000000000" pitchFamily="65" charset="-120"/>
+              <a:rPr lang="en-US" altLang="zh-TW" b="1" dirty="0">
+                <a:latin typeface="Times New Roman" panose="02020603050405020304" pitchFamily="18" charset="0"/>
                 <a:cs typeface="Times New Roman" panose="02020603050405020304" pitchFamily="18" charset="0"/>
               </a:rPr>
-              <a:t>答：</a:t>
+              <a:t>Answer:</a:t>
             </a:r>
           </a:p>
           <a:p>
             <a:pPr marL="0"/>
             <a:r>
               <a:rPr lang="en-US" altLang="zh-TW" sz="2200" dirty="0">
-                <a:latin typeface="標楷體" panose="03000509000000000000" pitchFamily="65" charset="-120"/>
-                <a:ea typeface="標楷體" panose="03000509000000000000" pitchFamily="65" charset="-120"/>
+                <a:latin typeface="Times New Roman" panose="02020603050405020304" pitchFamily="18" charset="0"/>
                 <a:cs typeface="Times New Roman" panose="02020603050405020304" pitchFamily="18" charset="0"/>
               </a:rPr>
-              <a:t>1. </a:t>
-            </a:r>
-            <a:r>
-              <a:rPr lang="zh-TW" altLang="en-US" sz="2200" dirty="0">
-                <a:latin typeface="標楷體" panose="03000509000000000000" pitchFamily="65" charset="-120"/>
-                <a:ea typeface="標楷體" panose="03000509000000000000" pitchFamily="65" charset="-120"/>
-                <a:cs typeface="Times New Roman" panose="02020603050405020304" pitchFamily="18" charset="0"/>
-              </a:rPr>
-              <a:t>智慧型設備的使用有哪些趨勢？</a:t>
+              <a:t>1. What are some trends in smart device usage?</a:t>
             </a:r>
           </a:p>
           <a:p>
             <a:pPr marL="0"/>
             <a:r>
               <a:rPr lang="en-US" altLang="zh-TW" sz="2200" dirty="0">
-                <a:latin typeface="標楷體" panose="03000509000000000000" pitchFamily="65" charset="-120"/>
-                <a:ea typeface="標楷體" panose="03000509000000000000" pitchFamily="65" charset="-120"/>
+                <a:latin typeface="Times New Roman" panose="02020603050405020304" pitchFamily="18" charset="0"/>
                 <a:cs typeface="Times New Roman" panose="02020603050405020304" pitchFamily="18" charset="0"/>
               </a:rPr>
-              <a:t>2. </a:t>
-            </a:r>
-            <a:r>
-              <a:rPr lang="zh-TW" altLang="en-US" sz="2200" dirty="0">
-                <a:latin typeface="標楷體" panose="03000509000000000000" pitchFamily="65" charset="-120"/>
-                <a:ea typeface="標楷體" panose="03000509000000000000" pitchFamily="65" charset="-120"/>
-                <a:cs typeface="Times New Roman" panose="02020603050405020304" pitchFamily="18" charset="0"/>
-              </a:rPr>
-              <a:t>這些趨勢如何適用於 </a:t>
-            </a:r>
-            <a:r>
-              <a:rPr lang="en-US" altLang="zh-TW" sz="2200" dirty="0">
-                <a:latin typeface="標楷體" panose="03000509000000000000" pitchFamily="65" charset="-120"/>
-                <a:ea typeface="標楷體" panose="03000509000000000000" pitchFamily="65" charset="-120"/>
-                <a:cs typeface="Times New Roman" panose="02020603050405020304" pitchFamily="18" charset="0"/>
-              </a:rPr>
-              <a:t>Bx </a:t>
-            </a:r>
-            <a:r>
-              <a:rPr lang="zh-TW" altLang="en-US" sz="2200" dirty="0">
-                <a:latin typeface="標楷體" panose="03000509000000000000" pitchFamily="65" charset="-120"/>
-                <a:ea typeface="標楷體" panose="03000509000000000000" pitchFamily="65" charset="-120"/>
-                <a:cs typeface="Times New Roman" panose="02020603050405020304" pitchFamily="18" charset="0"/>
-              </a:rPr>
-              <a:t>客戶？</a:t>
+              <a:t>2. How could these trends apply to Bx customers?</a:t>
             </a:r>
           </a:p>
           <a:p>
             <a:pPr marL="0"/>
             <a:r>
               <a:rPr lang="en-US" altLang="zh-TW" sz="2200" dirty="0">
-                <a:latin typeface="標楷體" panose="03000509000000000000" pitchFamily="65" charset="-120"/>
-                <a:ea typeface="標楷體" panose="03000509000000000000" pitchFamily="65" charset="-120"/>
+                <a:latin typeface="Times New Roman" panose="02020603050405020304" pitchFamily="18" charset="0"/>
                 <a:cs typeface="Times New Roman" panose="02020603050405020304" pitchFamily="18" charset="0"/>
               </a:rPr>
-              <a:t>3. </a:t>
+              <a:t>3. How could these trends help influence Bx marketing strategy?</a:t>
             </a:r>
-            <a:r>
-              <a:rPr lang="zh-TW" altLang="en-US" sz="2200" dirty="0">
-                <a:latin typeface="標楷體" panose="03000509000000000000" pitchFamily="65" charset="-120"/>
-                <a:ea typeface="標楷體" panose="03000509000000000000" pitchFamily="65" charset="-120"/>
-                <a:cs typeface="Times New Roman" panose="02020603050405020304" pitchFamily="18" charset="0"/>
-              </a:rPr>
-              <a:t>這些趨勢如何影響 </a:t>
-            </a:r>
-            <a:r>
-              <a:rPr lang="en-US" altLang="zh-TW" sz="2200" dirty="0">
-                <a:latin typeface="標楷體" panose="03000509000000000000" pitchFamily="65" charset="-120"/>
-                <a:ea typeface="標楷體" panose="03000509000000000000" pitchFamily="65" charset="-120"/>
-                <a:cs typeface="Times New Roman" panose="02020603050405020304" pitchFamily="18" charset="0"/>
-              </a:rPr>
-              <a:t>Bx</a:t>
-            </a:r>
-            <a:r>
-              <a:rPr lang="zh-TW" altLang="en-US" sz="2200" dirty="0">
-                <a:latin typeface="標楷體" panose="03000509000000000000" pitchFamily="65" charset="-120"/>
-                <a:ea typeface="標楷體" panose="03000509000000000000" pitchFamily="65" charset="-120"/>
-                <a:cs typeface="Times New Roman" panose="02020603050405020304" pitchFamily="18" charset="0"/>
-              </a:rPr>
-              <a:t>的行銷策略？</a:t>
-            </a:r>
-            <a:endParaRPr lang="en-US" altLang="zh-TW" sz="2200" dirty="0">
-              <a:latin typeface="標楷體" panose="03000509000000000000" pitchFamily="65" charset="-120"/>
-              <a:ea typeface="標楷體" panose="03000509000000000000" pitchFamily="65" charset="-120"/>
-              <a:cs typeface="Times New Roman" panose="02020603050405020304" pitchFamily="18" charset="0"/>
-            </a:endParaRPr>
           </a:p>
         </p:txBody>
       </p:sp>
@@ -17988,23 +17003,15 @@
           <a:lstStyle/>
           <a:p>
             <a:r>
-              <a:rPr lang="zh-TW" altLang="en-US" sz="4400" dirty="0">
+              <a:rPr lang="en-US" altLang="zh-TW" kern="1200">
                 <a:solidFill>
-                  <a:schemeClr val="bg1"/>
+                  <a:srgbClr val="FFFFFF"/>
                 </a:solidFill>
-                <a:latin typeface="標楷體" panose="03000509000000000000" pitchFamily="65" charset="-120"/>
-                <a:ea typeface="標楷體" panose="03000509000000000000" pitchFamily="65" charset="-120"/>
+                <a:latin typeface="Times New Roman" panose="02020603050405020304" pitchFamily="18" charset="0"/>
                 <a:cs typeface="Times New Roman" panose="02020603050405020304" pitchFamily="18" charset="0"/>
               </a:rPr>
-              <a:t>準備</a:t>
+              <a:t>Prepare</a:t>
             </a:r>
-            <a:endParaRPr lang="en-US" altLang="zh-TW" kern="1200" dirty="0">
-              <a:solidFill>
-                <a:srgbClr val="FFFFFF"/>
-              </a:solidFill>
-              <a:latin typeface="Times New Roman" panose="02020603050405020304" pitchFamily="18" charset="0"/>
-              <a:cs typeface="Times New Roman" panose="02020603050405020304" pitchFamily="18" charset="0"/>
-            </a:endParaRPr>
           </a:p>
         </p:txBody>
       </p:sp>
@@ -18087,13 +17094,13 @@
         </p:nvSpPr>
         <p:spPr>
           <a:xfrm>
-            <a:off x="4447308" y="146958"/>
-            <a:ext cx="6906491" cy="6030006"/>
+            <a:off x="4167272" y="0"/>
+            <a:ext cx="8021680" cy="6858000"/>
           </a:xfrm>
         </p:spPr>
         <p:txBody>
           <a:bodyPr vert="horz" lIns="91440" tIns="45720" rIns="91440" bIns="45720" rtlCol="0" anchor="ctr">
-            <a:normAutofit fontScale="85000" lnSpcReduction="10000"/>
+            <a:normAutofit fontScale="92500" lnSpcReduction="10000"/>
           </a:bodyPr>
           <a:lstStyle/>
           <a:p>
@@ -18101,81 +17108,58 @@
               <a:buNone/>
             </a:pPr>
             <a:r>
-              <a:rPr lang="zh-TW" altLang="en-US" sz="3300" dirty="0">
-                <a:latin typeface="標楷體" panose="03000509000000000000" pitchFamily="65" charset="-120"/>
-                <a:ea typeface="標楷體" panose="03000509000000000000" pitchFamily="65" charset="-120"/>
+              <a:rPr lang="en-US" altLang="zh-TW" b="1" dirty="0">
+                <a:latin typeface="Times New Roman" panose="02020603050405020304" pitchFamily="18" charset="0"/>
                 <a:cs typeface="Times New Roman" panose="02020603050405020304" pitchFamily="18" charset="0"/>
               </a:rPr>
-              <a:t>問</a:t>
+              <a:t>Questions: </a:t>
             </a:r>
+          </a:p>
+          <a:p>
+            <a:pPr algn="ctr"/>
             <a:r>
-              <a:rPr lang="en-US" altLang="zh-TW" sz="3300" dirty="0">
-                <a:latin typeface="標楷體" panose="03000509000000000000" pitchFamily="65" charset="-120"/>
-                <a:ea typeface="標楷體" panose="03000509000000000000" pitchFamily="65" charset="-120"/>
+              <a:rPr lang="en-US" altLang="zh-TW" sz="2200" dirty="0">
+                <a:latin typeface="Times New Roman" panose="02020603050405020304" pitchFamily="18" charset="0"/>
                 <a:cs typeface="Times New Roman" panose="02020603050405020304" pitchFamily="18" charset="0"/>
               </a:rPr>
-              <a:t>: </a:t>
+              <a:t>A description of all data sources used </a:t>
             </a:r>
-          </a:p>
-          <a:p>
-            <a:pPr algn="ctr"/>
-            <a:r>
-              <a:rPr lang="zh-TW" altLang="en-US" sz="2400" dirty="0">
-                <a:latin typeface="標楷體" panose="03000509000000000000" pitchFamily="65" charset="-120"/>
-                <a:ea typeface="標楷體" panose="03000509000000000000" pitchFamily="65" charset="-120"/>
-                <a:cs typeface="Times New Roman" panose="02020603050405020304" pitchFamily="18" charset="0"/>
-              </a:rPr>
-              <a:t>所有資料來源的說明</a:t>
-            </a:r>
-            <a:endParaRPr lang="en-US" altLang="zh-TW" sz="2400" dirty="0">
-              <a:latin typeface="標楷體" panose="03000509000000000000" pitchFamily="65" charset="-120"/>
-              <a:ea typeface="標楷體" panose="03000509000000000000" pitchFamily="65" charset="-120"/>
+            <a:endParaRPr lang="zh-TW" altLang="en-US" sz="2200" dirty="0">
+              <a:latin typeface="Times New Roman" panose="02020603050405020304" pitchFamily="18" charset="0"/>
               <a:cs typeface="Times New Roman" panose="02020603050405020304" pitchFamily="18" charset="0"/>
             </a:endParaRPr>
           </a:p>
           <a:p>
-            <a:pPr marL="0" indent="0" algn="ctr">
-              <a:buNone/>
-            </a:pPr>
-            <a:endParaRPr lang="en-US" altLang="zh-TW" sz="2400" dirty="0">
-              <a:latin typeface="標楷體" panose="03000509000000000000" pitchFamily="65" charset="-120"/>
-              <a:ea typeface="標楷體" panose="03000509000000000000" pitchFamily="65" charset="-120"/>
+            <a:pPr marL="514350"/>
+            <a:endParaRPr lang="en-US" altLang="zh-TW" sz="2200" dirty="0">
+              <a:latin typeface="Times New Roman" panose="02020603050405020304" pitchFamily="18" charset="0"/>
               <a:cs typeface="Times New Roman" panose="02020603050405020304" pitchFamily="18" charset="0"/>
             </a:endParaRPr>
           </a:p>
           <a:p>
-            <a:pPr marL="0" indent="0" algn="ctr">
+            <a:pPr marL="285750" indent="0" algn="ctr">
               <a:buNone/>
             </a:pPr>
             <a:r>
-              <a:rPr lang="zh-TW" altLang="en-US" sz="3300" dirty="0">
-                <a:latin typeface="標楷體" panose="03000509000000000000" pitchFamily="65" charset="-120"/>
-                <a:ea typeface="標楷體" panose="03000509000000000000" pitchFamily="65" charset="-120"/>
+              <a:rPr lang="en-US" altLang="zh-TW" b="1" dirty="0">
+                <a:latin typeface="Times New Roman" panose="02020603050405020304" pitchFamily="18" charset="0"/>
                 <a:cs typeface="Times New Roman" panose="02020603050405020304" pitchFamily="18" charset="0"/>
               </a:rPr>
-              <a:t>答</a:t>
+              <a:t>Answer:</a:t>
             </a:r>
+          </a:p>
+          <a:p>
+            <a:pPr marL="628650" indent="-342900"/>
             <a:r>
-              <a:rPr lang="en-US" altLang="zh-TW" sz="3300" dirty="0">
-                <a:latin typeface="標楷體" panose="03000509000000000000" pitchFamily="65" charset="-120"/>
-                <a:ea typeface="標楷體" panose="03000509000000000000" pitchFamily="65" charset="-120"/>
-                <a:cs typeface="Times New Roman" panose="02020603050405020304" pitchFamily="18" charset="0"/>
-              </a:rPr>
-              <a:t>:</a:t>
-            </a:r>
-          </a:p>
-          <a:p>
-            <a:r>
-              <a:rPr lang="zh-TW" altLang="en-US" sz="2200" b="0" i="0" dirty="0">
+              <a:rPr lang="en-US" altLang="zh-TW" sz="2200" b="0" i="0" dirty="0">
                 <a:solidFill>
                   <a:srgbClr val="3C4043"/>
                 </a:solidFill>
                 <a:effectLst/>
-                <a:latin typeface="標楷體" panose="03000509000000000000" pitchFamily="65" charset="-120"/>
-                <a:ea typeface="標楷體" panose="03000509000000000000" pitchFamily="65" charset="-120"/>
+                <a:latin typeface="Times New Roman" panose="02020603050405020304" pitchFamily="18" charset="0"/>
                 <a:cs typeface="Times New Roman" panose="02020603050405020304" pitchFamily="18" charset="0"/>
               </a:rPr>
-              <a:t>用於分析的主要數據來源是 </a:t>
+              <a:t>The primary data source utilized for analysis is the </a:t>
             </a:r>
             <a:r>
               <a:rPr lang="en-US" altLang="zh-TW" sz="2200" b="0" i="0" dirty="0" err="1">
@@ -18183,8 +17167,7 @@
                   <a:srgbClr val="3C4043"/>
                 </a:solidFill>
                 <a:effectLst/>
-                <a:latin typeface="標楷體" panose="03000509000000000000" pitchFamily="65" charset="-120"/>
-                <a:ea typeface="標楷體" panose="03000509000000000000" pitchFamily="65" charset="-120"/>
+                <a:latin typeface="Times New Roman" panose="02020603050405020304" pitchFamily="18" charset="0"/>
                 <a:cs typeface="Times New Roman" panose="02020603050405020304" pitchFamily="18" charset="0"/>
               </a:rPr>
               <a:t>FitBit</a:t>
@@ -18195,382 +17178,174 @@
                   <a:srgbClr val="3C4043"/>
                 </a:solidFill>
                 <a:effectLst/>
-                <a:latin typeface="標楷體" panose="03000509000000000000" pitchFamily="65" charset="-120"/>
-                <a:ea typeface="標楷體" panose="03000509000000000000" pitchFamily="65" charset="-120"/>
+                <a:latin typeface="Times New Roman" panose="02020603050405020304" pitchFamily="18" charset="0"/>
                 <a:cs typeface="Times New Roman" panose="02020603050405020304" pitchFamily="18" charset="0"/>
               </a:rPr>
-              <a:t> </a:t>
+              <a:t> Fitness Tracker Data, which is available under the CC0: Public Domain license and made accessible through Mobius. This dataset encompasses personal fitness tracker information from thirty Fitbit users who provided consent for the submission of their data. </a:t>
             </a:r>
+          </a:p>
+          <a:p>
+            <a:pPr marL="628650" indent="-342900"/>
             <a:r>
-              <a:rPr lang="zh-TW" altLang="en-US" sz="2200" b="0" i="0" dirty="0">
+              <a:rPr lang="en-US" altLang="zh-TW" sz="2200" dirty="0">
                 <a:solidFill>
                   <a:srgbClr val="3C4043"/>
                 </a:solidFill>
-                <a:effectLst/>
-                <a:latin typeface="標楷體" panose="03000509000000000000" pitchFamily="65" charset="-120"/>
-                <a:ea typeface="標楷體" panose="03000509000000000000" pitchFamily="65" charset="-120"/>
+                <a:latin typeface="Times New Roman" panose="02020603050405020304" pitchFamily="18" charset="0"/>
                 <a:cs typeface="Times New Roman" panose="02020603050405020304" pitchFamily="18" charset="0"/>
               </a:rPr>
-              <a:t>健身追蹤器數據，根據 </a:t>
+              <a:t>Fit into the guideline of ROCCC: </a:t>
             </a:r>
-            <a:r>
-              <a:rPr lang="en-US" altLang="zh-TW" sz="2200" b="0" i="0" dirty="0">
-                <a:solidFill>
-                  <a:srgbClr val="3C4043"/>
-                </a:solidFill>
-                <a:effectLst/>
-                <a:latin typeface="標楷體" panose="03000509000000000000" pitchFamily="65" charset="-120"/>
-                <a:ea typeface="標楷體" panose="03000509000000000000" pitchFamily="65" charset="-120"/>
-                <a:cs typeface="Times New Roman" panose="02020603050405020304" pitchFamily="18" charset="0"/>
-              </a:rPr>
-              <a:t>CC0</a:t>
-            </a:r>
-            <a:r>
-              <a:rPr lang="zh-TW" altLang="en-US" sz="2200" b="0" i="0" dirty="0">
-                <a:solidFill>
-                  <a:srgbClr val="3C4043"/>
-                </a:solidFill>
-                <a:effectLst/>
-                <a:latin typeface="標楷體" panose="03000509000000000000" pitchFamily="65" charset="-120"/>
-                <a:ea typeface="標楷體" panose="03000509000000000000" pitchFamily="65" charset="-120"/>
-                <a:cs typeface="Times New Roman" panose="02020603050405020304" pitchFamily="18" charset="0"/>
-              </a:rPr>
-              <a:t>：公共領域授權提供，可透過 </a:t>
-            </a:r>
-            <a:r>
-              <a:rPr lang="en-US" altLang="zh-TW" sz="2200" b="0" i="0" dirty="0">
-                <a:solidFill>
-                  <a:srgbClr val="3C4043"/>
-                </a:solidFill>
-                <a:effectLst/>
-                <a:latin typeface="標楷體" panose="03000509000000000000" pitchFamily="65" charset="-120"/>
-                <a:ea typeface="標楷體" panose="03000509000000000000" pitchFamily="65" charset="-120"/>
-                <a:cs typeface="Times New Roman" panose="02020603050405020304" pitchFamily="18" charset="0"/>
-              </a:rPr>
-              <a:t>Mobius </a:t>
-            </a:r>
-            <a:r>
-              <a:rPr lang="zh-TW" altLang="en-US" sz="2200" b="0" i="0" dirty="0">
-                <a:solidFill>
-                  <a:srgbClr val="3C4043"/>
-                </a:solidFill>
-                <a:effectLst/>
-                <a:latin typeface="標楷體" panose="03000509000000000000" pitchFamily="65" charset="-120"/>
-                <a:ea typeface="標楷體" panose="03000509000000000000" pitchFamily="65" charset="-120"/>
-                <a:cs typeface="Times New Roman" panose="02020603050405020304" pitchFamily="18" charset="0"/>
-              </a:rPr>
-              <a:t>存取。此資料集包含 </a:t>
-            </a:r>
-            <a:r>
-              <a:rPr lang="en-US" altLang="zh-TW" sz="2200" b="0" i="0" dirty="0">
-                <a:solidFill>
-                  <a:srgbClr val="3C4043"/>
-                </a:solidFill>
-                <a:effectLst/>
-                <a:latin typeface="標楷體" panose="03000509000000000000" pitchFamily="65" charset="-120"/>
-                <a:ea typeface="標楷體" panose="03000509000000000000" pitchFamily="65" charset="-120"/>
-                <a:cs typeface="Times New Roman" panose="02020603050405020304" pitchFamily="18" charset="0"/>
-              </a:rPr>
-              <a:t>30 </a:t>
-            </a:r>
-            <a:r>
-              <a:rPr lang="zh-TW" altLang="en-US" sz="2200" b="0" i="0" dirty="0">
-                <a:solidFill>
-                  <a:srgbClr val="3C4043"/>
-                </a:solidFill>
-                <a:effectLst/>
-                <a:latin typeface="標楷體" panose="03000509000000000000" pitchFamily="65" charset="-120"/>
-                <a:ea typeface="標楷體" panose="03000509000000000000" pitchFamily="65" charset="-120"/>
-                <a:cs typeface="Times New Roman" panose="02020603050405020304" pitchFamily="18" charset="0"/>
-              </a:rPr>
-              <a:t>位同意提交資料的 </a:t>
-            </a:r>
-            <a:r>
-              <a:rPr lang="en-US" altLang="zh-TW" sz="2200" b="0" i="0" dirty="0">
-                <a:solidFill>
-                  <a:srgbClr val="3C4043"/>
-                </a:solidFill>
-                <a:effectLst/>
-                <a:latin typeface="標楷體" panose="03000509000000000000" pitchFamily="65" charset="-120"/>
-                <a:ea typeface="標楷體" panose="03000509000000000000" pitchFamily="65" charset="-120"/>
-                <a:cs typeface="Times New Roman" panose="02020603050405020304" pitchFamily="18" charset="0"/>
-              </a:rPr>
-              <a:t>Fitbit </a:t>
-            </a:r>
-            <a:r>
-              <a:rPr lang="zh-TW" altLang="en-US" sz="2200" b="0" i="0" dirty="0">
-                <a:solidFill>
-                  <a:srgbClr val="3C4043"/>
-                </a:solidFill>
-                <a:effectLst/>
-                <a:latin typeface="標楷體" panose="03000509000000000000" pitchFamily="65" charset="-120"/>
-                <a:ea typeface="標楷體" panose="03000509000000000000" pitchFamily="65" charset="-120"/>
-                <a:cs typeface="Times New Roman" panose="02020603050405020304" pitchFamily="18" charset="0"/>
-              </a:rPr>
-              <a:t>使用者的個人健身追蹤器資訊。</a:t>
-            </a:r>
-            <a:endParaRPr lang="en-US" altLang="zh-TW" sz="2200" b="0" i="0" dirty="0">
-              <a:solidFill>
-                <a:srgbClr val="3C4043"/>
-              </a:solidFill>
-              <a:effectLst/>
-              <a:latin typeface="標楷體" panose="03000509000000000000" pitchFamily="65" charset="-120"/>
-              <a:ea typeface="標楷體" panose="03000509000000000000" pitchFamily="65" charset="-120"/>
-              <a:cs typeface="Times New Roman" panose="02020603050405020304" pitchFamily="18" charset="0"/>
-            </a:endParaRPr>
-          </a:p>
-          <a:p>
-            <a:r>
-              <a:rPr lang="zh-TW" altLang="en-US" sz="2200" b="0" i="0" dirty="0">
-                <a:solidFill>
-                  <a:srgbClr val="3C4043"/>
-                </a:solidFill>
-                <a:effectLst/>
-                <a:latin typeface="標楷體" panose="03000509000000000000" pitchFamily="65" charset="-120"/>
-                <a:ea typeface="標楷體" panose="03000509000000000000" pitchFamily="65" charset="-120"/>
-                <a:cs typeface="Times New Roman" panose="02020603050405020304" pitchFamily="18" charset="0"/>
-              </a:rPr>
-              <a:t>符合 </a:t>
-            </a:r>
-            <a:r>
-              <a:rPr lang="en-US" altLang="zh-TW" sz="2200" b="0" i="0" dirty="0">
-                <a:solidFill>
-                  <a:srgbClr val="3C4043"/>
-                </a:solidFill>
-                <a:effectLst/>
-                <a:latin typeface="標楷體" panose="03000509000000000000" pitchFamily="65" charset="-120"/>
-                <a:ea typeface="標楷體" panose="03000509000000000000" pitchFamily="65" charset="-120"/>
-                <a:cs typeface="Times New Roman" panose="02020603050405020304" pitchFamily="18" charset="0"/>
-              </a:rPr>
-              <a:t>ROCCC </a:t>
-            </a:r>
-            <a:r>
-              <a:rPr lang="zh-TW" altLang="en-US" sz="2200" b="0" i="0" dirty="0">
-                <a:solidFill>
-                  <a:srgbClr val="3C4043"/>
-                </a:solidFill>
-                <a:effectLst/>
-                <a:latin typeface="標楷體" panose="03000509000000000000" pitchFamily="65" charset="-120"/>
-                <a:ea typeface="標楷體" panose="03000509000000000000" pitchFamily="65" charset="-120"/>
-                <a:cs typeface="Times New Roman" panose="02020603050405020304" pitchFamily="18" charset="0"/>
-              </a:rPr>
-              <a:t>的指導方針：</a:t>
-            </a:r>
-            <a:endParaRPr lang="en-US" altLang="zh-TW" sz="2200" b="0" i="0" dirty="0">
-              <a:solidFill>
-                <a:srgbClr val="3C4043"/>
-              </a:solidFill>
-              <a:effectLst/>
-              <a:latin typeface="標楷體" panose="03000509000000000000" pitchFamily="65" charset="-120"/>
-              <a:ea typeface="標楷體" panose="03000509000000000000" pitchFamily="65" charset="-120"/>
-              <a:cs typeface="Times New Roman" panose="02020603050405020304" pitchFamily="18" charset="0"/>
-            </a:endParaRPr>
-          </a:p>
-          <a:p>
-            <a:pPr marL="457200" indent="-457200">
+          </a:p>
+          <a:p>
+            <a:pPr marL="457200" indent="-457200" fontAlgn="auto">
               <a:buFont typeface="+mj-lt"/>
               <a:buAutoNum type="arabicPeriod"/>
             </a:pPr>
             <a:r>
-              <a:rPr lang="zh-CN" altLang="en-US" sz="2400" dirty="0">
-                <a:latin typeface="標楷體" panose="03000509000000000000" pitchFamily="65" charset="-120"/>
-                <a:ea typeface="標楷體" panose="03000509000000000000" pitchFamily="65" charset="-120"/>
+              <a:rPr lang="en-US" altLang="zh-TW" sz="2400" dirty="0">
+                <a:effectLst/>
+                <a:latin typeface="Times New Roman" panose="02020603050405020304" pitchFamily="18" charset="0"/>
+                <a:cs typeface="Times New Roman" panose="02020603050405020304" pitchFamily="18" charset="0"/>
               </a:rPr>
-              <a:t>可靠性：低</a:t>
+              <a:t>Reliability: </a:t>
             </a:r>
             <a:r>
-              <a:rPr lang="en-US" altLang="zh-CN" sz="2400" dirty="0">
-                <a:latin typeface="標楷體" panose="03000509000000000000" pitchFamily="65" charset="-120"/>
-                <a:ea typeface="標楷體" panose="03000509000000000000" pitchFamily="65" charset="-120"/>
+              <a:rPr lang="en-US" altLang="zh-TW" sz="2400" b="1" dirty="0">
+                <a:effectLst/>
+                <a:latin typeface="Times New Roman" panose="02020603050405020304" pitchFamily="18" charset="0"/>
+                <a:cs typeface="Times New Roman" panose="02020603050405020304" pitchFamily="18" charset="0"/>
               </a:rPr>
-              <a:t>-</a:t>
+              <a:t>LOW</a:t>
             </a:r>
             <a:r>
-              <a:rPr lang="zh-CN" altLang="en-US" sz="2400" dirty="0">
-                <a:latin typeface="標楷體" panose="03000509000000000000" pitchFamily="65" charset="-120"/>
-                <a:ea typeface="標楷體" panose="03000509000000000000" pitchFamily="65" charset="-120"/>
+              <a:rPr lang="en-US" altLang="zh-TW" sz="2400" dirty="0">
+                <a:effectLst/>
+                <a:latin typeface="Times New Roman" panose="02020603050405020304" pitchFamily="18" charset="0"/>
+                <a:cs typeface="Times New Roman" panose="02020603050405020304" pitchFamily="18" charset="0"/>
               </a:rPr>
-              <a:t>資料集是從性別未知的 </a:t>
+              <a:t> — dataset was collected from 30 individuals whose gender is unknown.</a:t>
             </a:r>
-            <a:r>
-              <a:rPr lang="en-US" altLang="zh-CN" sz="2400" dirty="0">
-                <a:latin typeface="標楷體" panose="03000509000000000000" pitchFamily="65" charset="-120"/>
-                <a:ea typeface="標楷體" panose="03000509000000000000" pitchFamily="65" charset="-120"/>
-              </a:rPr>
-              <a:t>30 </a:t>
-            </a:r>
-            <a:r>
-              <a:rPr lang="zh-CN" altLang="en-US" sz="2400" dirty="0">
-                <a:latin typeface="標楷體" panose="03000509000000000000" pitchFamily="65" charset="-120"/>
-                <a:ea typeface="標楷體" panose="03000509000000000000" pitchFamily="65" charset="-120"/>
-              </a:rPr>
-              <a:t>個人中收集的。</a:t>
-            </a:r>
-          </a:p>
-          <a:p>
-            <a:pPr marL="457200" indent="-457200">
+          </a:p>
+          <a:p>
+            <a:pPr marL="457200" indent="-457200" fontAlgn="auto">
               <a:buFont typeface="+mj-lt"/>
               <a:buAutoNum type="arabicPeriod"/>
             </a:pPr>
             <a:r>
-              <a:rPr lang="zh-CN" altLang="en-US" sz="2400" dirty="0">
-                <a:latin typeface="標楷體" panose="03000509000000000000" pitchFamily="65" charset="-120"/>
-                <a:ea typeface="標楷體" panose="03000509000000000000" pitchFamily="65" charset="-120"/>
+              <a:rPr lang="en-US" altLang="zh-TW" sz="2400" dirty="0">
+                <a:effectLst/>
+                <a:latin typeface="Times New Roman" panose="02020603050405020304" pitchFamily="18" charset="0"/>
+                <a:cs typeface="Times New Roman" panose="02020603050405020304" pitchFamily="18" charset="0"/>
               </a:rPr>
-              <a:t>原</a:t>
+              <a:t>Originality: </a:t>
             </a:r>
             <a:r>
-              <a:rPr lang="zh-TW" altLang="en-US" sz="2400" dirty="0">
-                <a:latin typeface="標楷體" panose="03000509000000000000" pitchFamily="65" charset="-120"/>
-                <a:ea typeface="標楷體" panose="03000509000000000000" pitchFamily="65" charset="-120"/>
+              <a:rPr lang="en-US" altLang="zh-TW" sz="2400" b="1" dirty="0">
+                <a:effectLst/>
+                <a:latin typeface="Times New Roman" panose="02020603050405020304" pitchFamily="18" charset="0"/>
+                <a:cs typeface="Times New Roman" panose="02020603050405020304" pitchFamily="18" charset="0"/>
               </a:rPr>
-              <a:t>創</a:t>
+              <a:t>LOW</a:t>
             </a:r>
             <a:r>
-              <a:rPr lang="zh-CN" altLang="en-US" sz="2400" dirty="0">
-                <a:latin typeface="標楷體" panose="03000509000000000000" pitchFamily="65" charset="-120"/>
-                <a:ea typeface="標楷體" panose="03000509000000000000" pitchFamily="65" charset="-120"/>
+              <a:rPr lang="en-US" altLang="zh-TW" sz="2400" dirty="0">
+                <a:effectLst/>
+                <a:latin typeface="Times New Roman" panose="02020603050405020304" pitchFamily="18" charset="0"/>
+                <a:cs typeface="Times New Roman" panose="02020603050405020304" pitchFamily="18" charset="0"/>
               </a:rPr>
-              <a:t>性：低</a:t>
+              <a:t> — third-party data collected using Amazon Mechanical Turk.</a:t>
             </a:r>
-            <a:r>
-              <a:rPr lang="en-US" altLang="zh-CN" sz="2400" dirty="0">
-                <a:latin typeface="標楷體" panose="03000509000000000000" pitchFamily="65" charset="-120"/>
-                <a:ea typeface="標楷體" panose="03000509000000000000" pitchFamily="65" charset="-120"/>
-              </a:rPr>
-              <a:t>-</a:t>
-            </a:r>
-            <a:r>
-              <a:rPr lang="zh-CN" altLang="en-US" sz="2400" dirty="0">
-                <a:latin typeface="標楷體" panose="03000509000000000000" pitchFamily="65" charset="-120"/>
-                <a:ea typeface="標楷體" panose="03000509000000000000" pitchFamily="65" charset="-120"/>
-              </a:rPr>
-              <a:t>使用 </a:t>
-            </a:r>
-            <a:r>
-              <a:rPr lang="en-US" altLang="zh-CN" sz="2400" dirty="0">
-                <a:latin typeface="標楷體" panose="03000509000000000000" pitchFamily="65" charset="-120"/>
-                <a:ea typeface="標楷體" panose="03000509000000000000" pitchFamily="65" charset="-120"/>
-              </a:rPr>
-              <a:t>Amazon Mechanical Turk </a:t>
-            </a:r>
-            <a:r>
-              <a:rPr lang="zh-CN" altLang="en-US" sz="2400" dirty="0">
-                <a:latin typeface="標楷體" panose="03000509000000000000" pitchFamily="65" charset="-120"/>
-                <a:ea typeface="標楷體" panose="03000509000000000000" pitchFamily="65" charset="-120"/>
-              </a:rPr>
-              <a:t>收集的協力廠商資料。</a:t>
-            </a:r>
-          </a:p>
-          <a:p>
-            <a:pPr marL="457200" indent="-457200">
+          </a:p>
+          <a:p>
+            <a:pPr marL="457200" indent="-457200" fontAlgn="auto">
               <a:buFont typeface="+mj-lt"/>
               <a:buAutoNum type="arabicPeriod"/>
             </a:pPr>
             <a:r>
-              <a:rPr lang="zh-CN" altLang="en-US" sz="2400" dirty="0">
-                <a:latin typeface="標楷體" panose="03000509000000000000" pitchFamily="65" charset="-120"/>
-                <a:ea typeface="標楷體" panose="03000509000000000000" pitchFamily="65" charset="-120"/>
+              <a:rPr lang="en-US" altLang="zh-TW" sz="2400" dirty="0">
+                <a:effectLst/>
+                <a:latin typeface="Times New Roman" panose="02020603050405020304" pitchFamily="18" charset="0"/>
+                <a:cs typeface="Times New Roman" panose="02020603050405020304" pitchFamily="18" charset="0"/>
               </a:rPr>
-              <a:t>綜合性：中等</a:t>
+              <a:t>Comprehensive: </a:t>
             </a:r>
             <a:r>
-              <a:rPr lang="en-US" altLang="zh-CN" sz="2400" dirty="0">
-                <a:latin typeface="標楷體" panose="03000509000000000000" pitchFamily="65" charset="-120"/>
-                <a:ea typeface="標楷體" panose="03000509000000000000" pitchFamily="65" charset="-120"/>
+              <a:rPr lang="en-US" altLang="zh-TW" sz="2400" b="1" dirty="0">
+                <a:effectLst/>
+                <a:latin typeface="Times New Roman" panose="02020603050405020304" pitchFamily="18" charset="0"/>
+                <a:cs typeface="Times New Roman" panose="02020603050405020304" pitchFamily="18" charset="0"/>
               </a:rPr>
-              <a:t>-</a:t>
+              <a:t>MEDIUM</a:t>
             </a:r>
             <a:r>
-              <a:rPr lang="zh-CN" altLang="en-US" sz="2400" dirty="0">
-                <a:latin typeface="標楷體" panose="03000509000000000000" pitchFamily="65" charset="-120"/>
-                <a:ea typeface="標楷體" panose="03000509000000000000" pitchFamily="65" charset="-120"/>
+              <a:rPr lang="en-US" altLang="zh-TW" sz="2400" dirty="0">
+                <a:effectLst/>
+                <a:latin typeface="Times New Roman" panose="02020603050405020304" pitchFamily="18" charset="0"/>
+                <a:cs typeface="Times New Roman" panose="02020603050405020304" pitchFamily="18" charset="0"/>
               </a:rPr>
-              <a:t>資料集包含多個欄位，涉及日常活動強度、消耗的卡路里、每日步數、每日睡眠時間和體重記錄。</a:t>
+              <a:t> — dataset contains multiple fields on daily activity intensity, calories used, daily steps taken, daily sleep time, and weight record.</a:t>
             </a:r>
           </a:p>
           <a:p>
-            <a:pPr marL="457200" indent="-457200">
+            <a:pPr marL="457200" indent="-457200" fontAlgn="auto">
               <a:buFont typeface="+mj-lt"/>
               <a:buAutoNum type="arabicPeriod"/>
             </a:pPr>
             <a:r>
-              <a:rPr lang="zh-TW" altLang="en-US" sz="2400" dirty="0">
-                <a:latin typeface="標楷體" panose="03000509000000000000" pitchFamily="65" charset="-120"/>
-                <a:ea typeface="標楷體" panose="03000509000000000000" pitchFamily="65" charset="-120"/>
+              <a:rPr lang="en-US" altLang="zh-TW" sz="2400" dirty="0">
+                <a:effectLst/>
+                <a:latin typeface="Times New Roman" panose="02020603050405020304" pitchFamily="18" charset="0"/>
+                <a:cs typeface="Times New Roman" panose="02020603050405020304" pitchFamily="18" charset="0"/>
               </a:rPr>
-              <a:t>現時性</a:t>
+              <a:t>Current: </a:t>
             </a:r>
             <a:r>
-              <a:rPr lang="zh-CN" altLang="en-US" sz="2400" dirty="0">
-                <a:latin typeface="標楷體" panose="03000509000000000000" pitchFamily="65" charset="-120"/>
-                <a:ea typeface="標楷體" panose="03000509000000000000" pitchFamily="65" charset="-120"/>
+              <a:rPr lang="en-US" altLang="zh-TW" sz="2400" b="1" dirty="0">
+                <a:effectLst/>
+                <a:latin typeface="Times New Roman" panose="02020603050405020304" pitchFamily="18" charset="0"/>
+                <a:cs typeface="Times New Roman" panose="02020603050405020304" pitchFamily="18" charset="0"/>
               </a:rPr>
-              <a:t>：中度</a:t>
+              <a:t>MEDIUM</a:t>
             </a:r>
             <a:r>
-              <a:rPr lang="en-US" altLang="zh-CN" sz="2400" dirty="0">
-                <a:latin typeface="標楷體" panose="03000509000000000000" pitchFamily="65" charset="-120"/>
-                <a:ea typeface="標楷體" panose="03000509000000000000" pitchFamily="65" charset="-120"/>
+              <a:rPr lang="en-US" altLang="zh-TW" sz="2400" dirty="0">
+                <a:effectLst/>
+                <a:latin typeface="Times New Roman" panose="02020603050405020304" pitchFamily="18" charset="0"/>
+                <a:cs typeface="Times New Roman" panose="02020603050405020304" pitchFamily="18" charset="0"/>
               </a:rPr>
-              <a:t>-</a:t>
+              <a:t> — data is few years old but the habit of how people live does not change over a few years</a:t>
             </a:r>
-            <a:r>
-              <a:rPr lang="zh-CN" altLang="en-US" sz="2400" dirty="0">
-                <a:latin typeface="標楷體" panose="03000509000000000000" pitchFamily="65" charset="-120"/>
-                <a:ea typeface="標楷體" panose="03000509000000000000" pitchFamily="65" charset="-120"/>
-              </a:rPr>
-              <a:t>資料是幾年前的，但人們的生活習慣在幾年內不會改變引用：高</a:t>
-            </a:r>
-            <a:r>
-              <a:rPr lang="en-US" altLang="zh-CN" sz="2400" dirty="0">
-                <a:latin typeface="標楷體" panose="03000509000000000000" pitchFamily="65" charset="-120"/>
-                <a:ea typeface="標楷體" panose="03000509000000000000" pitchFamily="65" charset="-120"/>
-              </a:rPr>
-              <a:t>- </a:t>
-            </a:r>
-            <a:r>
-              <a:rPr lang="zh-CN" altLang="en-US" sz="2400" dirty="0">
-                <a:latin typeface="標楷體" panose="03000509000000000000" pitchFamily="65" charset="-120"/>
-                <a:ea typeface="標楷體" panose="03000509000000000000" pitchFamily="65" charset="-120"/>
-              </a:rPr>
-              <a:t>資料收集者和來源有據可查</a:t>
-            </a:r>
-            <a:endParaRPr lang="en-US" altLang="zh-CN" sz="2400" dirty="0">
-              <a:latin typeface="標楷體" panose="03000509000000000000" pitchFamily="65" charset="-120"/>
-              <a:ea typeface="標楷體" panose="03000509000000000000" pitchFamily="65" charset="-120"/>
-            </a:endParaRPr>
-          </a:p>
-          <a:p>
-            <a:pPr marL="457200" indent="-457200">
+          </a:p>
+          <a:p>
+            <a:pPr marL="457200" indent="-457200" fontAlgn="auto">
               <a:buFont typeface="+mj-lt"/>
               <a:buAutoNum type="arabicPeriod"/>
             </a:pPr>
             <a:r>
-              <a:rPr lang="zh-TW" altLang="en-US" sz="2400" dirty="0">
-                <a:latin typeface="標楷體" panose="03000509000000000000" pitchFamily="65" charset="-120"/>
-                <a:ea typeface="標楷體" panose="03000509000000000000" pitchFamily="65" charset="-120"/>
+              <a:rPr lang="en-US" altLang="zh-TW" sz="2400" dirty="0">
+                <a:effectLst/>
+                <a:latin typeface="Times New Roman" panose="02020603050405020304" pitchFamily="18" charset="0"/>
+                <a:cs typeface="Times New Roman" panose="02020603050405020304" pitchFamily="18" charset="0"/>
               </a:rPr>
-              <a:t>引用：高</a:t>
+              <a:t>Cited: </a:t>
+            </a:r>
+            <a:r>
+              <a:rPr lang="en-US" altLang="zh-TW" sz="2400" b="1" dirty="0">
+                <a:effectLst/>
+                <a:latin typeface="Times New Roman" panose="02020603050405020304" pitchFamily="18" charset="0"/>
+                <a:cs typeface="Times New Roman" panose="02020603050405020304" pitchFamily="18" charset="0"/>
+              </a:rPr>
+              <a:t>HIGH</a:t>
             </a:r>
             <a:r>
               <a:rPr lang="en-US" altLang="zh-TW" sz="2400" dirty="0">
-                <a:latin typeface="標楷體" panose="03000509000000000000" pitchFamily="65" charset="-120"/>
-                <a:ea typeface="標楷體" panose="03000509000000000000" pitchFamily="65" charset="-120"/>
+                <a:effectLst/>
+                <a:latin typeface="Times New Roman" panose="02020603050405020304" pitchFamily="18" charset="0"/>
+                <a:cs typeface="Times New Roman" panose="02020603050405020304" pitchFamily="18" charset="0"/>
               </a:rPr>
-              <a:t>-</a:t>
+              <a:t> — data collector and the source is well documented</a:t>
             </a:r>
-            <a:r>
-              <a:rPr lang="zh-TW" altLang="en-US" sz="2400" dirty="0">
-                <a:latin typeface="標楷體" panose="03000509000000000000" pitchFamily="65" charset="-120"/>
-                <a:ea typeface="標楷體" panose="03000509000000000000" pitchFamily="65" charset="-120"/>
-              </a:rPr>
-              <a:t>資料收集者和來源有據可查</a:t>
-            </a:r>
-            <a:endParaRPr lang="zh-CN" altLang="en-US" sz="2400" dirty="0">
-              <a:latin typeface="標楷體" panose="03000509000000000000" pitchFamily="65" charset="-120"/>
-              <a:ea typeface="標楷體" panose="03000509000000000000" pitchFamily="65" charset="-120"/>
-            </a:endParaRPr>
           </a:p>
           <a:p>
             <a:pPr marL="514350"/>
@@ -18579,8 +17354,7 @@
                 <a:srgbClr val="3C4043"/>
               </a:solidFill>
               <a:effectLst/>
-              <a:latin typeface="標楷體" panose="03000509000000000000" pitchFamily="65" charset="-120"/>
-              <a:ea typeface="標楷體" panose="03000509000000000000" pitchFamily="65" charset="-120"/>
+              <a:latin typeface="Times New Roman" panose="02020603050405020304" pitchFamily="18" charset="0"/>
               <a:cs typeface="Times New Roman" panose="02020603050405020304" pitchFamily="18" charset="0"/>
             </a:endParaRPr>
           </a:p>
@@ -18847,23 +17621,15 @@
           <a:lstStyle/>
           <a:p>
             <a:r>
-              <a:rPr lang="zh-TW" altLang="en-US" sz="4400" dirty="0">
+              <a:rPr lang="en-US" altLang="zh-TW" kern="1200">
                 <a:solidFill>
-                  <a:schemeClr val="bg1"/>
+                  <a:srgbClr val="FFFFFF"/>
                 </a:solidFill>
-                <a:latin typeface="標楷體" panose="03000509000000000000" pitchFamily="65" charset="-120"/>
-                <a:ea typeface="標楷體" panose="03000509000000000000" pitchFamily="65" charset="-120"/>
+                <a:latin typeface="Times New Roman" panose="02020603050405020304" pitchFamily="18" charset="0"/>
                 <a:cs typeface="Times New Roman" panose="02020603050405020304" pitchFamily="18" charset="0"/>
               </a:rPr>
-              <a:t>處理</a:t>
+              <a:t>Process</a:t>
             </a:r>
-            <a:endParaRPr lang="en-US" altLang="zh-TW" kern="1200" dirty="0">
-              <a:solidFill>
-                <a:srgbClr val="FFFFFF"/>
-              </a:solidFill>
-              <a:latin typeface="Times New Roman" panose="02020603050405020304" pitchFamily="18" charset="0"/>
-              <a:cs typeface="Times New Roman" panose="02020603050405020304" pitchFamily="18" charset="0"/>
-            </a:endParaRPr>
           </a:p>
         </p:txBody>
       </p:sp>
@@ -18960,107 +17726,60 @@
               <a:buNone/>
             </a:pPr>
             <a:r>
-              <a:rPr lang="zh-TW" altLang="en-US" dirty="0">
-                <a:latin typeface="標楷體" panose="03000509000000000000" pitchFamily="65" charset="-120"/>
-                <a:ea typeface="標楷體" panose="03000509000000000000" pitchFamily="65" charset="-120"/>
+              <a:rPr lang="en-US" altLang="zh-TW" sz="2400" dirty="0">
+                <a:latin typeface="Times New Roman" panose="02020603050405020304" pitchFamily="18" charset="0"/>
                 <a:cs typeface="Times New Roman" panose="02020603050405020304" pitchFamily="18" charset="0"/>
               </a:rPr>
-              <a:t>問</a:t>
+              <a:t>Questions</a:t>
             </a:r>
             <a:r>
-              <a:rPr lang="en-US" altLang="zh-TW" dirty="0">
-                <a:latin typeface="標楷體" panose="03000509000000000000" pitchFamily="65" charset="-120"/>
-                <a:ea typeface="標楷體" panose="03000509000000000000" pitchFamily="65" charset="-120"/>
-                <a:cs typeface="Times New Roman" panose="02020603050405020304" pitchFamily="18" charset="0"/>
-              </a:rPr>
-              <a:t>: </a:t>
-            </a:r>
-          </a:p>
-          <a:p>
-            <a:pPr algn="ctr"/>
-            <a:r>
-              <a:rPr lang="zh-TW" altLang="en-US" sz="2400" dirty="0">
-                <a:latin typeface="標楷體" panose="03000509000000000000" pitchFamily="65" charset="-120"/>
-                <a:ea typeface="標楷體" panose="03000509000000000000" pitchFamily="65" charset="-120"/>
-                <a:cs typeface="Times New Roman" panose="02020603050405020304" pitchFamily="18" charset="0"/>
-              </a:rPr>
-              <a:t>任何資料清理或處理的記錄</a:t>
-            </a:r>
-            <a:endParaRPr lang="en-US" altLang="zh-TW" sz="2400" dirty="0">
-              <a:latin typeface="標楷體" panose="03000509000000000000" pitchFamily="65" charset="-120"/>
-              <a:ea typeface="標楷體" panose="03000509000000000000" pitchFamily="65" charset="-120"/>
-              <a:cs typeface="Times New Roman" panose="02020603050405020304" pitchFamily="18" charset="0"/>
-            </a:endParaRPr>
-          </a:p>
-          <a:p>
-            <a:pPr algn="ctr"/>
-            <a:endParaRPr lang="en-US" altLang="zh-TW" sz="2400" dirty="0">
-              <a:latin typeface="標楷體" panose="03000509000000000000" pitchFamily="65" charset="-120"/>
-              <a:ea typeface="標楷體" panose="03000509000000000000" pitchFamily="65" charset="-120"/>
-              <a:cs typeface="Times New Roman" panose="02020603050405020304" pitchFamily="18" charset="0"/>
-            </a:endParaRPr>
-          </a:p>
-          <a:p>
-            <a:pPr marL="0" indent="0" algn="ctr">
-              <a:buNone/>
-            </a:pPr>
-            <a:r>
-              <a:rPr lang="zh-TW" altLang="en-US" dirty="0">
-                <a:latin typeface="標楷體" panose="03000509000000000000" pitchFamily="65" charset="-120"/>
-                <a:ea typeface="標楷體" panose="03000509000000000000" pitchFamily="65" charset="-120"/>
-                <a:cs typeface="Times New Roman" panose="02020603050405020304" pitchFamily="18" charset="0"/>
-              </a:rPr>
-              <a:t>答</a:t>
-            </a:r>
-            <a:r>
-              <a:rPr lang="en-US" altLang="zh-TW" dirty="0">
-                <a:latin typeface="標楷體" panose="03000509000000000000" pitchFamily="65" charset="-120"/>
-                <a:ea typeface="標楷體" panose="03000509000000000000" pitchFamily="65" charset="-120"/>
+              <a:rPr lang="en-US" altLang="zh-TW" sz="2200" dirty="0">
+                <a:latin typeface="Times New Roman" panose="02020603050405020304" pitchFamily="18" charset="0"/>
                 <a:cs typeface="Times New Roman" panose="02020603050405020304" pitchFamily="18" charset="0"/>
               </a:rPr>
               <a:t>:</a:t>
             </a:r>
           </a:p>
           <a:p>
+            <a:pPr marL="514350"/>
             <a:r>
-              <a:rPr lang="zh-TW" altLang="en-US" dirty="0">
-                <a:latin typeface="標楷體" panose="03000509000000000000" pitchFamily="65" charset="-120"/>
-                <a:ea typeface="標楷體" panose="03000509000000000000" pitchFamily="65" charset="-120"/>
+              <a:rPr lang="en-US" altLang="zh-TW" sz="2200" dirty="0">
+                <a:latin typeface="Times New Roman" panose="02020603050405020304" pitchFamily="18" charset="0"/>
+                <a:cs typeface="Times New Roman" panose="02020603050405020304" pitchFamily="18" charset="0"/>
               </a:rPr>
-              <a:t>在</a:t>
+              <a:t>Documentation of any cleaning or manipulation of data</a:t>
             </a:r>
+          </a:p>
+          <a:p>
+            <a:pPr marL="514350" algn="ctr"/>
+            <a:endParaRPr lang="en-US" altLang="zh-TW" sz="2400" b="1" dirty="0">
+              <a:latin typeface="Times New Roman" panose="02020603050405020304" pitchFamily="18" charset="0"/>
+              <a:cs typeface="Times New Roman" panose="02020603050405020304" pitchFamily="18" charset="0"/>
+            </a:endParaRPr>
+          </a:p>
+          <a:p>
+            <a:pPr marL="514350" algn="ctr"/>
             <a:r>
-              <a:rPr lang="en-US" altLang="zh-TW" dirty="0">
-                <a:latin typeface="標楷體" panose="03000509000000000000" pitchFamily="65" charset="-120"/>
-                <a:ea typeface="標楷體" panose="03000509000000000000" pitchFamily="65" charset="-120"/>
+              <a:rPr lang="en-US" altLang="zh-TW" sz="2400" b="1" dirty="0">
+                <a:latin typeface="Times New Roman" panose="02020603050405020304" pitchFamily="18" charset="0"/>
+                <a:cs typeface="Times New Roman" panose="02020603050405020304" pitchFamily="18" charset="0"/>
               </a:rPr>
-              <a:t>Visual Studio</a:t>
+              <a:t>Answer:</a:t>
             </a:r>
+            <a:endParaRPr lang="en-US" altLang="zh-TW" sz="2200" dirty="0">
+              <a:latin typeface="Times New Roman" panose="02020603050405020304" pitchFamily="18" charset="0"/>
+              <a:cs typeface="Times New Roman" panose="02020603050405020304" pitchFamily="18" charset="0"/>
+            </a:endParaRPr>
+          </a:p>
+          <a:p>
+            <a:pPr marL="514350"/>
             <a:r>
-              <a:rPr lang="zh-TW" altLang="en-US" dirty="0">
-                <a:latin typeface="標楷體" panose="03000509000000000000" pitchFamily="65" charset="-120"/>
-                <a:ea typeface="標楷體" panose="03000509000000000000" pitchFamily="65" charset="-120"/>
+              <a:rPr lang="en-US" altLang="zh-TW" sz="2200" dirty="0">
+                <a:latin typeface="Times New Roman" panose="02020603050405020304" pitchFamily="18" charset="0"/>
+                <a:cs typeface="Times New Roman" panose="02020603050405020304" pitchFamily="18" charset="0"/>
               </a:rPr>
-              <a:t>中使用</a:t>
+              <a:t>Use R in Visual Studio to record and archive the results of each program and perform a complete disconnect and seal at the completion of the project for future use.</a:t>
             </a:r>
-            <a:r>
-              <a:rPr lang="en-US" altLang="zh-TW" dirty="0">
-                <a:latin typeface="標楷體" panose="03000509000000000000" pitchFamily="65" charset="-120"/>
-                <a:ea typeface="標楷體" panose="03000509000000000000" pitchFamily="65" charset="-120"/>
-              </a:rPr>
-              <a:t>R</a:t>
-            </a:r>
-            <a:r>
-              <a:rPr lang="zh-TW" altLang="en-US" dirty="0">
-                <a:latin typeface="標楷體" panose="03000509000000000000" pitchFamily="65" charset="-120"/>
-                <a:ea typeface="標楷體" panose="03000509000000000000" pitchFamily="65" charset="-120"/>
-              </a:rPr>
-              <a:t>語言，將每個程式結果紀錄並存檔，並在該專案完成時，進行完整斷網封存，以便未來使用。</a:t>
-            </a:r>
-            <a:endParaRPr lang="zh-CN" altLang="en-US" dirty="0">
-              <a:latin typeface="標楷體" panose="03000509000000000000" pitchFamily="65" charset="-120"/>
-              <a:ea typeface="標楷體" panose="03000509000000000000" pitchFamily="65" charset="-120"/>
-            </a:endParaRPr>
           </a:p>
         </p:txBody>
       </p:sp>
@@ -19187,7 +17906,7 @@
         <p:spPr>
           <a:xfrm>
             <a:off x="630936" y="640080"/>
-            <a:ext cx="1744871" cy="1481328"/>
+            <a:ext cx="4818888" cy="1481328"/>
           </a:xfrm>
         </p:spPr>
         <p:txBody>
@@ -19197,24 +17916,15 @@
           <a:lstStyle/>
           <a:p>
             <a:r>
-              <a:rPr lang="zh-TW" altLang="en-US" sz="5400" kern="1200" dirty="0">
+              <a:rPr lang="en-US" altLang="zh-TW" kern="1200" dirty="0">
                 <a:solidFill>
                   <a:schemeClr val="tx1"/>
                 </a:solidFill>
-                <a:latin typeface="標楷體" panose="03000509000000000000" pitchFamily="65" charset="-120"/>
-                <a:ea typeface="標楷體" panose="03000509000000000000" pitchFamily="65" charset="-120"/>
+                <a:latin typeface="Times New Roman" panose="02020603050405020304" pitchFamily="18" charset="0"/>
                 <a:cs typeface="Times New Roman" panose="02020603050405020304" pitchFamily="18" charset="0"/>
               </a:rPr>
-              <a:t>分析</a:t>
+              <a:t>Analyze</a:t>
             </a:r>
-            <a:endParaRPr lang="en-US" altLang="zh-TW" sz="5400" kern="1200" dirty="0">
-              <a:solidFill>
-                <a:schemeClr val="tx1"/>
-              </a:solidFill>
-              <a:latin typeface="標楷體" panose="03000509000000000000" pitchFamily="65" charset="-120"/>
-              <a:ea typeface="標楷體" panose="03000509000000000000" pitchFamily="65" charset="-120"/>
-              <a:cs typeface="Times New Roman" panose="02020603050405020304" pitchFamily="18" charset="0"/>
-            </a:endParaRPr>
           </a:p>
         </p:txBody>
       </p:sp>
@@ -19509,8 +18219,8 @@
         </p:nvSpPr>
         <p:spPr>
           <a:xfrm>
-            <a:off x="4239205" y="253218"/>
-            <a:ext cx="6807073" cy="2137937"/>
+            <a:off x="4562761" y="127399"/>
+            <a:ext cx="7629239" cy="2108052"/>
           </a:xfrm>
         </p:spPr>
         <p:txBody>
@@ -19519,49 +18229,42 @@
           </a:bodyPr>
           <a:lstStyle/>
           <a:p>
-            <a:pPr marL="285750" indent="0" algn="ctr">
+            <a:pPr marL="57150" indent="0" algn="ctr">
               <a:buNone/>
             </a:pPr>
             <a:r>
-              <a:rPr lang="zh-TW" altLang="en-US" b="1" dirty="0">
-                <a:latin typeface="標楷體" panose="03000509000000000000" pitchFamily="65" charset="-120"/>
-                <a:ea typeface="標楷體" panose="03000509000000000000" pitchFamily="65" charset="-120"/>
+              <a:rPr lang="en-US" altLang="zh-TW" b="1" dirty="0">
+                <a:latin typeface="Times New Roman" panose="02020603050405020304" pitchFamily="18" charset="0"/>
                 <a:cs typeface="Times New Roman" panose="02020603050405020304" pitchFamily="18" charset="0"/>
               </a:rPr>
-              <a:t>分析摘要</a:t>
+              <a:t>Summary analysis</a:t>
             </a:r>
-            <a:endParaRPr lang="en-US" altLang="zh-TW" b="1" dirty="0">
-              <a:latin typeface="標楷體" panose="03000509000000000000" pitchFamily="65" charset="-120"/>
-              <a:ea typeface="標楷體" panose="03000509000000000000" pitchFamily="65" charset="-120"/>
-              <a:cs typeface="Times New Roman" panose="02020603050405020304" pitchFamily="18" charset="0"/>
-            </a:endParaRPr>
-          </a:p>
-          <a:p>
-            <a:pPr marL="285750" indent="0" algn="ctr">
-              <a:buNone/>
-            </a:pPr>
-            <a:endParaRPr lang="en-US" altLang="zh-TW" sz="1000" b="1" dirty="0">
-              <a:latin typeface="標楷體" panose="03000509000000000000" pitchFamily="65" charset="-120"/>
-              <a:ea typeface="標楷體" panose="03000509000000000000" pitchFamily="65" charset="-120"/>
-              <a:cs typeface="Times New Roman" panose="02020603050405020304" pitchFamily="18" charset="0"/>
-            </a:endParaRPr>
           </a:p>
           <a:p>
             <a:r>
-              <a:rPr lang="zh-TW" altLang="en-US" sz="2600" dirty="0">
+              <a:rPr lang="en-US" altLang="zh-TW" sz="2400" dirty="0">
                 <a:solidFill>
                   <a:srgbClr val="242424"/>
                 </a:solidFill>
-                <a:latin typeface="標楷體" panose="03000509000000000000" pitchFamily="65" charset="-120"/>
-                <a:ea typeface="標楷體" panose="03000509000000000000" pitchFamily="65" charset="-120"/>
+                <a:latin typeface="Times New Roman" panose="02020603050405020304" pitchFamily="18" charset="0"/>
                 <a:cs typeface="Times New Roman" panose="02020603050405020304" pitchFamily="18" charset="0"/>
               </a:rPr>
-              <a:t>使用者的步數與消耗的卡路里之間的相關性。可以從下圖中看到一種正相關關係：使用者越活躍，消耗的卡路里就越多。</a:t>
+              <a:t>C</a:t>
             </a:r>
-            <a:endParaRPr lang="en-US" altLang="zh-TW" sz="3500" b="0" i="0" dirty="0">
+            <a:r>
+              <a:rPr lang="en-US" altLang="zh-TW" sz="2400" b="0" i="0" dirty="0">
+                <a:solidFill>
+                  <a:srgbClr val="242424"/>
+                </a:solidFill>
+                <a:effectLst/>
+                <a:latin typeface="Times New Roman" panose="02020603050405020304" pitchFamily="18" charset="0"/>
+                <a:cs typeface="Times New Roman" panose="02020603050405020304" pitchFamily="18" charset="0"/>
+              </a:rPr>
+              <a:t>orrelation between the number of steps and the calories burned by the users. We can see on the graph below a positive correlation: the more active the user is, the more significant the number of burned calories is.</a:t>
+            </a:r>
+            <a:endParaRPr lang="en-US" altLang="zh-TW" sz="3200" b="0" i="0" dirty="0">
               <a:effectLst/>
-              <a:latin typeface="標楷體" panose="03000509000000000000" pitchFamily="65" charset="-120"/>
-              <a:ea typeface="標楷體" panose="03000509000000000000" pitchFamily="65" charset="-120"/>
+              <a:latin typeface="Times New Roman" panose="02020603050405020304" pitchFamily="18" charset="0"/>
               <a:cs typeface="Times New Roman" panose="02020603050405020304" pitchFamily="18" charset="0"/>
             </a:endParaRPr>
           </a:p>

--- a/Fitabase/健康科技公司如何智能化.pptx
+++ b/Fitabase/健康科技公司如何智能化.pptx
@@ -1837,7 +1837,7 @@
 <dgm:dataModel xmlns:dgm="http://schemas.openxmlformats.org/drawingml/2006/diagram" xmlns:a="http://schemas.openxmlformats.org/drawingml/2006/main">
   <dgm:ptLst>
     <dgm:pt modelId="{76BA49E5-E3C0-4ECA-972B-18F35FD0F410}" type="doc">
-      <dgm:prSet loTypeId="urn:microsoft.com/office/officeart/2016/7/layout/RepeatingBendingProcessNew" loCatId="process" qsTypeId="urn:microsoft.com/office/officeart/2005/8/quickstyle/simple1" qsCatId="simple" csTypeId="urn:microsoft.com/office/officeart/2005/8/colors/colorful5" csCatId="colorful"/>
+      <dgm:prSet loTypeId="urn:microsoft.com/office/officeart/2016/7/layout/RepeatingBendingProcessNew" loCatId="process" qsTypeId="urn:microsoft.com/office/officeart/2005/8/quickstyle/simple1" qsCatId="simple" csTypeId="urn:microsoft.com/office/officeart/2005/8/colors/colorful5" csCatId="colorful" phldr="1"/>
       <dgm:spPr/>
       <dgm:t>
         <a:bodyPr/>
@@ -1855,12 +1855,26 @@
         <a:lstStyle/>
         <a:p>
           <a:r>
-            <a:rPr lang="en-US" dirty="0">
-              <a:latin typeface="Times New Roman" panose="02020603050405020304" pitchFamily="18" charset="0"/>
+            <a:rPr lang="en-US" altLang="zh-TW" dirty="0">
+              <a:latin typeface="標楷體" panose="03000509000000000000" pitchFamily="65" charset="-120"/>
+              <a:ea typeface="標楷體" panose="03000509000000000000" pitchFamily="65" charset="-120"/>
               <a:cs typeface="Times New Roman" panose="02020603050405020304" pitchFamily="18" charset="0"/>
             </a:rPr>
-            <a:t>1. A clear statement of the business task </a:t>
+            <a:t>1</a:t>
           </a:r>
+          <a:r>
+            <a:rPr lang="zh-TW" altLang="en-US" dirty="0">
+              <a:latin typeface="標楷體" panose="03000509000000000000" pitchFamily="65" charset="-120"/>
+              <a:ea typeface="標楷體" panose="03000509000000000000" pitchFamily="65" charset="-120"/>
+              <a:cs typeface="Times New Roman" panose="02020603050405020304" pitchFamily="18" charset="0"/>
+            </a:rPr>
+            <a:t>：明確業務任務</a:t>
+          </a:r>
+          <a:endParaRPr lang="en-US" dirty="0">
+            <a:latin typeface="標楷體" panose="03000509000000000000" pitchFamily="65" charset="-120"/>
+            <a:ea typeface="標楷體" panose="03000509000000000000" pitchFamily="65" charset="-120"/>
+            <a:cs typeface="Times New Roman" panose="02020603050405020304" pitchFamily="18" charset="0"/>
+          </a:endParaRPr>
         </a:p>
       </dgm:t>
     </dgm:pt>
@@ -1886,7 +1900,7 @@
         </a:p>
       </dgm:t>
     </dgm:pt>
-    <dgm:pt modelId="{449BE7DF-827C-4EDC-AE34-B2EF056F311D}">
+    <dgm:pt modelId="{76C89A1D-ADA0-4BF0-B565-24DAECCBD751}">
       <dgm:prSet/>
       <dgm:spPr/>
       <dgm:t>
@@ -1894,38 +1908,47 @@
         <a:lstStyle/>
         <a:p>
           <a:r>
-            <a:rPr lang="en-US" dirty="0">
-              <a:latin typeface="Times New Roman" panose="02020603050405020304" pitchFamily="18" charset="0"/>
+            <a:rPr lang="en-US" altLang="zh-TW" dirty="0">
+              <a:latin typeface="標楷體" panose="03000509000000000000" pitchFamily="65" charset="-120"/>
+              <a:ea typeface="標楷體" panose="03000509000000000000" pitchFamily="65" charset="-120"/>
               <a:cs typeface="Times New Roman" panose="02020603050405020304" pitchFamily="18" charset="0"/>
             </a:rPr>
-            <a:t>2. A description of all data sources used </a:t>
+            <a:t>2</a:t>
+          </a:r>
+          <a:r>
+            <a:rPr lang="zh-TW" altLang="en-US" dirty="0">
+              <a:latin typeface="標楷體" panose="03000509000000000000" pitchFamily="65" charset="-120"/>
+              <a:ea typeface="標楷體" panose="03000509000000000000" pitchFamily="65" charset="-120"/>
+              <a:cs typeface="Times New Roman" panose="02020603050405020304" pitchFamily="18" charset="0"/>
+            </a:rPr>
+            <a:t>：所有資料來源的說明</a:t>
           </a:r>
         </a:p>
       </dgm:t>
     </dgm:pt>
-    <dgm:pt modelId="{D657C7B9-E331-41AA-9260-1A8F8C36F818}" type="parTrans" cxnId="{FC3EC48F-9326-4E5B-A429-D6FD4E507343}">
+    <dgm:pt modelId="{271D6A63-0D9D-4BF9-9E96-28FD0956C860}" type="parTrans" cxnId="{1063C1D3-8DA6-4600-A1E7-CDB0439F30B2}">
       <dgm:prSet/>
       <dgm:spPr/>
       <dgm:t>
         <a:bodyPr/>
         <a:lstStyle/>
         <a:p>
-          <a:endParaRPr lang="en-US"/>
+          <a:endParaRPr lang="zh-TW" altLang="en-US"/>
         </a:p>
       </dgm:t>
     </dgm:pt>
-    <dgm:pt modelId="{5E658F17-C9B9-4AB3-B45B-12A68A4CD39A}" type="sibTrans" cxnId="{FC3EC48F-9326-4E5B-A429-D6FD4E507343}">
+    <dgm:pt modelId="{75538F3E-3338-42E9-8440-08F0558DCDB7}" type="sibTrans" cxnId="{1063C1D3-8DA6-4600-A1E7-CDB0439F30B2}">
       <dgm:prSet/>
       <dgm:spPr/>
       <dgm:t>
         <a:bodyPr/>
         <a:lstStyle/>
         <a:p>
-          <a:endParaRPr lang="en-US"/>
+          <a:endParaRPr lang="zh-TW" altLang="en-US"/>
         </a:p>
       </dgm:t>
     </dgm:pt>
-    <dgm:pt modelId="{721910DE-4264-4A76-8332-48EAA7B14069}">
+    <dgm:pt modelId="{F3FD5FC8-A8EE-4DE3-84C1-A80A4F2EA895}">
       <dgm:prSet/>
       <dgm:spPr/>
       <dgm:t>
@@ -1933,38 +1956,47 @@
         <a:lstStyle/>
         <a:p>
           <a:r>
-            <a:rPr lang="en-US" dirty="0">
-              <a:latin typeface="Times New Roman" panose="02020603050405020304" pitchFamily="18" charset="0"/>
+            <a:rPr lang="en-US" altLang="zh-TW" dirty="0">
+              <a:latin typeface="標楷體" panose="03000509000000000000" pitchFamily="65" charset="-120"/>
+              <a:ea typeface="標楷體" panose="03000509000000000000" pitchFamily="65" charset="-120"/>
               <a:cs typeface="Times New Roman" panose="02020603050405020304" pitchFamily="18" charset="0"/>
             </a:rPr>
-            <a:t>3. Documentation of any cleaning or manipulation of data </a:t>
+            <a:t>3</a:t>
+          </a:r>
+          <a:r>
+            <a:rPr lang="zh-TW" altLang="en-US" dirty="0">
+              <a:latin typeface="標楷體" panose="03000509000000000000" pitchFamily="65" charset="-120"/>
+              <a:ea typeface="標楷體" panose="03000509000000000000" pitchFamily="65" charset="-120"/>
+              <a:cs typeface="Times New Roman" panose="02020603050405020304" pitchFamily="18" charset="0"/>
+            </a:rPr>
+            <a:t>：任何資料清理或處理的記錄</a:t>
           </a:r>
         </a:p>
       </dgm:t>
     </dgm:pt>
-    <dgm:pt modelId="{F52F8107-4282-4B3A-A420-5A652E928594}" type="parTrans" cxnId="{B3B0D453-F5F8-4433-98CC-12CF28DF9469}">
+    <dgm:pt modelId="{7FFF86FF-34C6-4D5A-9EED-D8C7E5E0CF11}" type="parTrans" cxnId="{AC2334BA-E313-4F3B-926E-A823FB1A6EE3}">
       <dgm:prSet/>
       <dgm:spPr/>
       <dgm:t>
         <a:bodyPr/>
         <a:lstStyle/>
         <a:p>
-          <a:endParaRPr lang="en-US"/>
+          <a:endParaRPr lang="zh-TW" altLang="en-US"/>
         </a:p>
       </dgm:t>
     </dgm:pt>
-    <dgm:pt modelId="{D4C8E82F-6BC2-4879-8389-3277B007B95E}" type="sibTrans" cxnId="{B3B0D453-F5F8-4433-98CC-12CF28DF9469}">
+    <dgm:pt modelId="{5BF4A444-E39D-4D33-B49F-27FD8DEED9EB}" type="sibTrans" cxnId="{AC2334BA-E313-4F3B-926E-A823FB1A6EE3}">
       <dgm:prSet/>
       <dgm:spPr/>
       <dgm:t>
         <a:bodyPr/>
         <a:lstStyle/>
         <a:p>
-          <a:endParaRPr lang="en-US"/>
+          <a:endParaRPr lang="zh-TW" altLang="en-US"/>
         </a:p>
       </dgm:t>
     </dgm:pt>
-    <dgm:pt modelId="{24D36206-6E1B-49FC-9375-BFE4467AA6A1}">
+    <dgm:pt modelId="{5B5FADCE-7FE1-43F8-937C-1B007E99E722}">
       <dgm:prSet/>
       <dgm:spPr/>
       <dgm:t>
@@ -1972,38 +2004,47 @@
         <a:lstStyle/>
         <a:p>
           <a:r>
-            <a:rPr lang="en-US" dirty="0">
-              <a:latin typeface="Times New Roman" panose="02020603050405020304" pitchFamily="18" charset="0"/>
+            <a:rPr lang="en-US" altLang="zh-TW" dirty="0">
+              <a:latin typeface="標楷體" panose="03000509000000000000" pitchFamily="65" charset="-120"/>
+              <a:ea typeface="標楷體" panose="03000509000000000000" pitchFamily="65" charset="-120"/>
               <a:cs typeface="Times New Roman" panose="02020603050405020304" pitchFamily="18" charset="0"/>
             </a:rPr>
-            <a:t>4. A summary of my analysis </a:t>
+            <a:t>4</a:t>
+          </a:r>
+          <a:r>
+            <a:rPr lang="zh-TW" altLang="en-US" dirty="0">
+              <a:latin typeface="標楷體" panose="03000509000000000000" pitchFamily="65" charset="-120"/>
+              <a:ea typeface="標楷體" panose="03000509000000000000" pitchFamily="65" charset="-120"/>
+              <a:cs typeface="Times New Roman" panose="02020603050405020304" pitchFamily="18" charset="0"/>
+            </a:rPr>
+            <a:t>：我的分析摘要</a:t>
           </a:r>
         </a:p>
       </dgm:t>
     </dgm:pt>
-    <dgm:pt modelId="{B13EF978-5FA6-46AB-9BCC-716390E39373}" type="parTrans" cxnId="{3BB5DDD7-3915-4791-A6A6-EE421471F373}">
+    <dgm:pt modelId="{E92B47E7-1546-4CFA-A5EB-FB0C73C795B2}" type="parTrans" cxnId="{90213CDE-EDB9-4530-BEAA-B112516DDD95}">
       <dgm:prSet/>
       <dgm:spPr/>
       <dgm:t>
         <a:bodyPr/>
         <a:lstStyle/>
         <a:p>
-          <a:endParaRPr lang="en-US"/>
+          <a:endParaRPr lang="zh-TW" altLang="en-US"/>
         </a:p>
       </dgm:t>
     </dgm:pt>
-    <dgm:pt modelId="{B51B5982-7D1F-4AC4-89FC-1391816C1E5D}" type="sibTrans" cxnId="{3BB5DDD7-3915-4791-A6A6-EE421471F373}">
+    <dgm:pt modelId="{4F9EB313-3C37-43F7-9943-FAC5A5E925FB}" type="sibTrans" cxnId="{90213CDE-EDB9-4530-BEAA-B112516DDD95}">
       <dgm:prSet/>
       <dgm:spPr/>
       <dgm:t>
         <a:bodyPr/>
         <a:lstStyle/>
         <a:p>
-          <a:endParaRPr lang="en-US"/>
+          <a:endParaRPr lang="zh-TW" altLang="en-US"/>
         </a:p>
       </dgm:t>
     </dgm:pt>
-    <dgm:pt modelId="{A1B62600-826A-440D-A075-70E1215E11FF}">
+    <dgm:pt modelId="{4237F8CC-367A-4EBD-BBAF-CA4B43079BE1}">
       <dgm:prSet/>
       <dgm:spPr/>
       <dgm:t>
@@ -2011,38 +2052,47 @@
         <a:lstStyle/>
         <a:p>
           <a:r>
-            <a:rPr lang="en-US" dirty="0">
-              <a:latin typeface="Times New Roman" panose="02020603050405020304" pitchFamily="18" charset="0"/>
+            <a:rPr lang="en-US" altLang="zh-TW" dirty="0">
+              <a:latin typeface="標楷體" panose="03000509000000000000" pitchFamily="65" charset="-120"/>
+              <a:ea typeface="標楷體" panose="03000509000000000000" pitchFamily="65" charset="-120"/>
               <a:cs typeface="Times New Roman" panose="02020603050405020304" pitchFamily="18" charset="0"/>
             </a:rPr>
-            <a:t>5. Supporting visualizations and key findings </a:t>
+            <a:t>5</a:t>
+          </a:r>
+          <a:r>
+            <a:rPr lang="zh-TW" altLang="en-US" dirty="0">
+              <a:latin typeface="標楷體" panose="03000509000000000000" pitchFamily="65" charset="-120"/>
+              <a:ea typeface="標楷體" panose="03000509000000000000" pitchFamily="65" charset="-120"/>
+              <a:cs typeface="Times New Roman" panose="02020603050405020304" pitchFamily="18" charset="0"/>
+            </a:rPr>
+            <a:t>：可視化支持和發現主要</a:t>
           </a:r>
         </a:p>
       </dgm:t>
     </dgm:pt>
-    <dgm:pt modelId="{7F9A5DA9-0F6C-44DB-9997-9E550C17788B}" type="parTrans" cxnId="{8AFC7E78-303D-4D2E-918C-3A12A9D0E942}">
+    <dgm:pt modelId="{CFB4B474-2B2B-4D5E-8339-0748C3697584}" type="parTrans" cxnId="{E49AF6B4-0E3F-424D-B8AF-9E3C5ED63CBB}">
       <dgm:prSet/>
       <dgm:spPr/>
       <dgm:t>
         <a:bodyPr/>
         <a:lstStyle/>
         <a:p>
-          <a:endParaRPr lang="en-US"/>
+          <a:endParaRPr lang="zh-TW" altLang="en-US"/>
         </a:p>
       </dgm:t>
     </dgm:pt>
-    <dgm:pt modelId="{3CBA9A2E-704E-44C8-A269-4D99025109DC}" type="sibTrans" cxnId="{8AFC7E78-303D-4D2E-918C-3A12A9D0E942}">
+    <dgm:pt modelId="{1254EEE5-A015-4419-BD5C-6A81AFC3AF24}" type="sibTrans" cxnId="{E49AF6B4-0E3F-424D-B8AF-9E3C5ED63CBB}">
       <dgm:prSet/>
       <dgm:spPr/>
       <dgm:t>
         <a:bodyPr/>
         <a:lstStyle/>
         <a:p>
-          <a:endParaRPr lang="en-US"/>
+          <a:endParaRPr lang="zh-TW" altLang="en-US"/>
         </a:p>
       </dgm:t>
     </dgm:pt>
-    <dgm:pt modelId="{7065CFB7-E024-448C-8724-AC4AC1DD254F}">
+    <dgm:pt modelId="{E3B5CC6D-14CD-4E42-B1F6-CCD4EB5C9D33}">
       <dgm:prSet/>
       <dgm:spPr/>
       <dgm:t>
@@ -2050,34 +2100,43 @@
         <a:lstStyle/>
         <a:p>
           <a:r>
-            <a:rPr lang="en-US" dirty="0">
-              <a:latin typeface="Times New Roman" panose="02020603050405020304" pitchFamily="18" charset="0"/>
+            <a:rPr lang="en-US" altLang="zh-TW" dirty="0">
+              <a:latin typeface="標楷體" panose="03000509000000000000" pitchFamily="65" charset="-120"/>
+              <a:ea typeface="標楷體" panose="03000509000000000000" pitchFamily="65" charset="-120"/>
               <a:cs typeface="Times New Roman" panose="02020603050405020304" pitchFamily="18" charset="0"/>
             </a:rPr>
-            <a:t>6. My top three recommendations based on analysis</a:t>
+            <a:t>6</a:t>
+          </a:r>
+          <a:r>
+            <a:rPr lang="zh-TW" altLang="en-US" dirty="0">
+              <a:latin typeface="標楷體" panose="03000509000000000000" pitchFamily="65" charset="-120"/>
+              <a:ea typeface="標楷體" panose="03000509000000000000" pitchFamily="65" charset="-120"/>
+              <a:cs typeface="Times New Roman" panose="02020603050405020304" pitchFamily="18" charset="0"/>
+            </a:rPr>
+            <a:t>：我根據分析提出的三大建議</a:t>
           </a:r>
         </a:p>
       </dgm:t>
     </dgm:pt>
-    <dgm:pt modelId="{4BAAACB1-D202-42FA-90F6-87672DA92334}" type="parTrans" cxnId="{7F3D4D5F-DFF8-4263-B459-27E6DDE792B9}">
+    <dgm:pt modelId="{058D3EA9-35A2-4F12-983B-702572702DF7}" type="parTrans" cxnId="{95E5AFEF-9CD1-44CA-A595-9365149097DC}">
       <dgm:prSet/>
       <dgm:spPr/>
       <dgm:t>
         <a:bodyPr/>
         <a:lstStyle/>
         <a:p>
-          <a:endParaRPr lang="en-US"/>
+          <a:endParaRPr lang="zh-TW" altLang="en-US"/>
         </a:p>
       </dgm:t>
     </dgm:pt>
-    <dgm:pt modelId="{D7E8A34B-9EAA-45A8-97B0-0EE296A5591E}" type="sibTrans" cxnId="{7F3D4D5F-DFF8-4263-B459-27E6DDE792B9}">
+    <dgm:pt modelId="{27EBC806-22A5-40F1-BBE8-E6C215A9A3CB}" type="sibTrans" cxnId="{95E5AFEF-9CD1-44CA-A595-9365149097DC}">
       <dgm:prSet/>
       <dgm:spPr/>
       <dgm:t>
         <a:bodyPr/>
         <a:lstStyle/>
         <a:p>
-          <a:endParaRPr lang="en-US"/>
+          <a:endParaRPr lang="zh-TW" altLang="en-US"/>
         </a:p>
       </dgm:t>
     </dgm:pt>
@@ -2091,7 +2150,7 @@
       <dgm:spPr/>
     </dgm:pt>
     <dgm:pt modelId="{DB690B9B-032E-4C2D-B5A3-D07905AE2240}" type="pres">
-      <dgm:prSet presAssocID="{3DBEC265-EC9C-4408-80A0-5F2E46D60421}" presName="node" presStyleLbl="node1" presStyleIdx="0" presStyleCnt="6">
+      <dgm:prSet presAssocID="{3DBEC265-EC9C-4408-80A0-5F2E46D60421}" presName="node" presStyleLbl="node1" presStyleIdx="0" presStyleCnt="6" custLinFactNeighborX="2832">
         <dgm:presLayoutVars>
           <dgm:bulletEnabled val="1"/>
         </dgm:presLayoutVars>
@@ -2106,72 +2165,72 @@
       <dgm:prSet presAssocID="{5373E0B2-4C19-4E29-AE73-86FFB771607F}" presName="connectorText" presStyleLbl="sibTrans1D1" presStyleIdx="0" presStyleCnt="5"/>
       <dgm:spPr/>
     </dgm:pt>
-    <dgm:pt modelId="{D2695415-87B3-4A73-AC95-789DFFDFC4EC}" type="pres">
-      <dgm:prSet presAssocID="{449BE7DF-827C-4EDC-AE34-B2EF056F311D}" presName="node" presStyleLbl="node1" presStyleIdx="1" presStyleCnt="6" custLinFactNeighborX="-1300">
+    <dgm:pt modelId="{CFBE963E-CD8B-4756-A9F2-6520EBA17D27}" type="pres">
+      <dgm:prSet presAssocID="{76C89A1D-ADA0-4BF0-B565-24DAECCBD751}" presName="node" presStyleLbl="node1" presStyleIdx="1" presStyleCnt="6">
         <dgm:presLayoutVars>
           <dgm:bulletEnabled val="1"/>
         </dgm:presLayoutVars>
       </dgm:prSet>
       <dgm:spPr/>
     </dgm:pt>
-    <dgm:pt modelId="{CC71B7E5-0426-49DF-8328-E8EE08BE682B}" type="pres">
-      <dgm:prSet presAssocID="{5E658F17-C9B9-4AB3-B45B-12A68A4CD39A}" presName="sibTrans" presStyleLbl="sibTrans1D1" presStyleIdx="1" presStyleCnt="5"/>
+    <dgm:pt modelId="{A2BDE073-509F-4675-BA3E-9AC1B87F4EF1}" type="pres">
+      <dgm:prSet presAssocID="{75538F3E-3338-42E9-8440-08F0558DCDB7}" presName="sibTrans" presStyleLbl="sibTrans1D1" presStyleIdx="1" presStyleCnt="5"/>
       <dgm:spPr/>
     </dgm:pt>
-    <dgm:pt modelId="{F1245A25-C2E7-42B0-83A0-C481F4014485}" type="pres">
-      <dgm:prSet presAssocID="{5E658F17-C9B9-4AB3-B45B-12A68A4CD39A}" presName="connectorText" presStyleLbl="sibTrans1D1" presStyleIdx="1" presStyleCnt="5"/>
+    <dgm:pt modelId="{E814A58E-D8E1-4475-94E2-1C6BECF6E874}" type="pres">
+      <dgm:prSet presAssocID="{75538F3E-3338-42E9-8440-08F0558DCDB7}" presName="connectorText" presStyleLbl="sibTrans1D1" presStyleIdx="1" presStyleCnt="5"/>
       <dgm:spPr/>
     </dgm:pt>
-    <dgm:pt modelId="{08A8D615-2696-400F-8203-0B1EFC92E853}" type="pres">
-      <dgm:prSet presAssocID="{721910DE-4264-4A76-8332-48EAA7B14069}" presName="node" presStyleLbl="node1" presStyleIdx="2" presStyleCnt="6">
+    <dgm:pt modelId="{C0B541B7-299D-44F2-B7D9-7668727F3147}" type="pres">
+      <dgm:prSet presAssocID="{F3FD5FC8-A8EE-4DE3-84C1-A80A4F2EA895}" presName="node" presStyleLbl="node1" presStyleIdx="2" presStyleCnt="6">
         <dgm:presLayoutVars>
           <dgm:bulletEnabled val="1"/>
         </dgm:presLayoutVars>
       </dgm:prSet>
       <dgm:spPr/>
     </dgm:pt>
-    <dgm:pt modelId="{87B68683-8656-4C52-B5D8-8F225D13EDB1}" type="pres">
-      <dgm:prSet presAssocID="{D4C8E82F-6BC2-4879-8389-3277B007B95E}" presName="sibTrans" presStyleLbl="sibTrans1D1" presStyleIdx="2" presStyleCnt="5"/>
+    <dgm:pt modelId="{C02DBDBF-E285-4C0F-B3F3-FAB3967739E6}" type="pres">
+      <dgm:prSet presAssocID="{5BF4A444-E39D-4D33-B49F-27FD8DEED9EB}" presName="sibTrans" presStyleLbl="sibTrans1D1" presStyleIdx="2" presStyleCnt="5"/>
       <dgm:spPr/>
     </dgm:pt>
-    <dgm:pt modelId="{200E8ADA-0AF3-4D64-A243-EDFC4CE19AA2}" type="pres">
-      <dgm:prSet presAssocID="{D4C8E82F-6BC2-4879-8389-3277B007B95E}" presName="connectorText" presStyleLbl="sibTrans1D1" presStyleIdx="2" presStyleCnt="5"/>
+    <dgm:pt modelId="{D2BA4408-D6BD-4F5D-AEA9-E36E1CAA588E}" type="pres">
+      <dgm:prSet presAssocID="{5BF4A444-E39D-4D33-B49F-27FD8DEED9EB}" presName="connectorText" presStyleLbl="sibTrans1D1" presStyleIdx="2" presStyleCnt="5"/>
       <dgm:spPr/>
     </dgm:pt>
-    <dgm:pt modelId="{1AC5F153-AD69-423A-9CA9-2B5913B2AFE6}" type="pres">
-      <dgm:prSet presAssocID="{24D36206-6E1B-49FC-9375-BFE4467AA6A1}" presName="node" presStyleLbl="node1" presStyleIdx="3" presStyleCnt="6">
+    <dgm:pt modelId="{765620C9-DC33-4AA4-97F1-8C42D39B2762}" type="pres">
+      <dgm:prSet presAssocID="{5B5FADCE-7FE1-43F8-937C-1B007E99E722}" presName="node" presStyleLbl="node1" presStyleIdx="3" presStyleCnt="6">
         <dgm:presLayoutVars>
           <dgm:bulletEnabled val="1"/>
         </dgm:presLayoutVars>
       </dgm:prSet>
       <dgm:spPr/>
     </dgm:pt>
-    <dgm:pt modelId="{DA45CA35-409C-4E07-A290-A76329E1A77F}" type="pres">
-      <dgm:prSet presAssocID="{B51B5982-7D1F-4AC4-89FC-1391816C1E5D}" presName="sibTrans" presStyleLbl="sibTrans1D1" presStyleIdx="3" presStyleCnt="5"/>
+    <dgm:pt modelId="{60FCE320-4C75-48EE-B835-DF480D394678}" type="pres">
+      <dgm:prSet presAssocID="{4F9EB313-3C37-43F7-9943-FAC5A5E925FB}" presName="sibTrans" presStyleLbl="sibTrans1D1" presStyleIdx="3" presStyleCnt="5"/>
       <dgm:spPr/>
     </dgm:pt>
-    <dgm:pt modelId="{8329F06F-B2B5-4A5B-A2A8-B8D14F8B54E4}" type="pres">
-      <dgm:prSet presAssocID="{B51B5982-7D1F-4AC4-89FC-1391816C1E5D}" presName="connectorText" presStyleLbl="sibTrans1D1" presStyleIdx="3" presStyleCnt="5"/>
+    <dgm:pt modelId="{06F21FD1-5786-4DB5-8F90-D40274AECEB1}" type="pres">
+      <dgm:prSet presAssocID="{4F9EB313-3C37-43F7-9943-FAC5A5E925FB}" presName="connectorText" presStyleLbl="sibTrans1D1" presStyleIdx="3" presStyleCnt="5"/>
       <dgm:spPr/>
     </dgm:pt>
-    <dgm:pt modelId="{BB192C63-6B77-4BF8-9F5C-CB51DDC88E91}" type="pres">
-      <dgm:prSet presAssocID="{A1B62600-826A-440D-A075-70E1215E11FF}" presName="node" presStyleLbl="node1" presStyleIdx="4" presStyleCnt="6">
+    <dgm:pt modelId="{6180FE7E-B879-4484-89EA-B18898031433}" type="pres">
+      <dgm:prSet presAssocID="{4237F8CC-367A-4EBD-BBAF-CA4B43079BE1}" presName="node" presStyleLbl="node1" presStyleIdx="4" presStyleCnt="6">
         <dgm:presLayoutVars>
           <dgm:bulletEnabled val="1"/>
         </dgm:presLayoutVars>
       </dgm:prSet>
       <dgm:spPr/>
     </dgm:pt>
-    <dgm:pt modelId="{FD2B853B-4A08-4987-B43D-66E0EF37FB83}" type="pres">
-      <dgm:prSet presAssocID="{3CBA9A2E-704E-44C8-A269-4D99025109DC}" presName="sibTrans" presStyleLbl="sibTrans1D1" presStyleIdx="4" presStyleCnt="5"/>
+    <dgm:pt modelId="{291F733B-E617-4426-A28B-2327B59C1156}" type="pres">
+      <dgm:prSet presAssocID="{1254EEE5-A015-4419-BD5C-6A81AFC3AF24}" presName="sibTrans" presStyleLbl="sibTrans1D1" presStyleIdx="4" presStyleCnt="5"/>
       <dgm:spPr/>
     </dgm:pt>
-    <dgm:pt modelId="{1205E956-FF94-4894-AC25-DA8DCC21C5DE}" type="pres">
-      <dgm:prSet presAssocID="{3CBA9A2E-704E-44C8-A269-4D99025109DC}" presName="connectorText" presStyleLbl="sibTrans1D1" presStyleIdx="4" presStyleCnt="5"/>
+    <dgm:pt modelId="{EA224EE2-963F-4853-B92E-F441D63000D0}" type="pres">
+      <dgm:prSet presAssocID="{1254EEE5-A015-4419-BD5C-6A81AFC3AF24}" presName="connectorText" presStyleLbl="sibTrans1D1" presStyleIdx="4" presStyleCnt="5"/>
       <dgm:spPr/>
     </dgm:pt>
-    <dgm:pt modelId="{23B1CC88-A996-4ADB-A5CA-2A252EBBCD4C}" type="pres">
-      <dgm:prSet presAssocID="{7065CFB7-E024-448C-8724-AC4AC1DD254F}" presName="node" presStyleLbl="node1" presStyleIdx="5" presStyleCnt="6">
+    <dgm:pt modelId="{EAA5DE16-DDEB-45D5-BE56-578B1281E264}" type="pres">
+      <dgm:prSet presAssocID="{E3B5CC6D-14CD-4E42-B1F6-CCD4EB5C9D33}" presName="node" presStyleLbl="node1" presStyleIdx="5" presStyleCnt="6">
         <dgm:presLayoutVars>
           <dgm:bulletEnabled val="1"/>
         </dgm:presLayoutVars>
@@ -2180,45 +2239,45 @@
     </dgm:pt>
   </dgm:ptLst>
   <dgm:cxnLst>
+    <dgm:cxn modelId="{E6A0490C-D6A9-4E2B-9462-4A8E97D632A8}" type="presOf" srcId="{4F9EB313-3C37-43F7-9943-FAC5A5E925FB}" destId="{06F21FD1-5786-4DB5-8F90-D40274AECEB1}" srcOrd="1" destOrd="0" presId="urn:microsoft.com/office/officeart/2016/7/layout/RepeatingBendingProcessNew"/>
     <dgm:cxn modelId="{EC509420-EE79-4177-ACB3-696F665FD4B3}" type="presOf" srcId="{3DBEC265-EC9C-4408-80A0-5F2E46D60421}" destId="{DB690B9B-032E-4C2D-B5A3-D07905AE2240}" srcOrd="0" destOrd="0" presId="urn:microsoft.com/office/officeart/2016/7/layout/RepeatingBendingProcessNew"/>
-    <dgm:cxn modelId="{257AA82D-175B-47BA-880F-09D227F4D279}" type="presOf" srcId="{3CBA9A2E-704E-44C8-A269-4D99025109DC}" destId="{1205E956-FF94-4894-AC25-DA8DCC21C5DE}" srcOrd="1" destOrd="0" presId="urn:microsoft.com/office/officeart/2016/7/layout/RepeatingBendingProcessNew"/>
-    <dgm:cxn modelId="{C91D3D35-529C-4F34-A17E-45C931AABA46}" type="presOf" srcId="{5E658F17-C9B9-4AB3-B45B-12A68A4CD39A}" destId="{F1245A25-C2E7-42B0-83A0-C481F4014485}" srcOrd="1" destOrd="0" presId="urn:microsoft.com/office/officeart/2016/7/layout/RepeatingBendingProcessNew"/>
-    <dgm:cxn modelId="{2E476C3A-0872-480E-9E02-737FF7BBC081}" type="presOf" srcId="{B51B5982-7D1F-4AC4-89FC-1391816C1E5D}" destId="{8329F06F-B2B5-4A5B-A2A8-B8D14F8B54E4}" srcOrd="1" destOrd="0" presId="urn:microsoft.com/office/officeart/2016/7/layout/RepeatingBendingProcessNew"/>
+    <dgm:cxn modelId="{9AFF9F32-6CC7-4641-AC8A-4CD23BBBB072}" type="presOf" srcId="{F3FD5FC8-A8EE-4DE3-84C1-A80A4F2EA895}" destId="{C0B541B7-299D-44F2-B7D9-7668727F3147}" srcOrd="0" destOrd="0" presId="urn:microsoft.com/office/officeart/2016/7/layout/RepeatingBendingProcessNew"/>
     <dgm:cxn modelId="{2AA2DF5C-E463-42B0-AF16-13749262080B}" type="presOf" srcId="{5373E0B2-4C19-4E29-AE73-86FFB771607F}" destId="{7412B727-77A6-4CC2-AB36-000FBE705304}" srcOrd="0" destOrd="0" presId="urn:microsoft.com/office/officeart/2016/7/layout/RepeatingBendingProcessNew"/>
-    <dgm:cxn modelId="{7F3D4D5F-DFF8-4263-B459-27E6DDE792B9}" srcId="{76BA49E5-E3C0-4ECA-972B-18F35FD0F410}" destId="{7065CFB7-E024-448C-8724-AC4AC1DD254F}" srcOrd="5" destOrd="0" parTransId="{4BAAACB1-D202-42FA-90F6-87672DA92334}" sibTransId="{D7E8A34B-9EAA-45A8-97B0-0EE296A5591E}"/>
-    <dgm:cxn modelId="{5E03B860-7CE5-417D-894B-C83786197412}" type="presOf" srcId="{B51B5982-7D1F-4AC4-89FC-1391816C1E5D}" destId="{DA45CA35-409C-4E07-A290-A76329E1A77F}" srcOrd="0" destOrd="0" presId="urn:microsoft.com/office/officeart/2016/7/layout/RepeatingBendingProcessNew"/>
-    <dgm:cxn modelId="{D83F6661-2EC7-4CEA-85B0-AC32E12259E4}" type="presOf" srcId="{449BE7DF-827C-4EDC-AE34-B2EF056F311D}" destId="{D2695415-87B3-4A73-AC95-789DFFDFC4EC}" srcOrd="0" destOrd="0" presId="urn:microsoft.com/office/officeart/2016/7/layout/RepeatingBendingProcessNew"/>
-    <dgm:cxn modelId="{72CCF763-B1EB-4864-A886-65CDA4A1E118}" type="presOf" srcId="{3CBA9A2E-704E-44C8-A269-4D99025109DC}" destId="{FD2B853B-4A08-4987-B43D-66E0EF37FB83}" srcOrd="0" destOrd="0" presId="urn:microsoft.com/office/officeart/2016/7/layout/RepeatingBendingProcessNew"/>
-    <dgm:cxn modelId="{C1B62370-F4D6-4214-B0EC-CEA70DE47AD9}" type="presOf" srcId="{D4C8E82F-6BC2-4879-8389-3277B007B95E}" destId="{87B68683-8656-4C52-B5D8-8F225D13EDB1}" srcOrd="0" destOrd="0" presId="urn:microsoft.com/office/officeart/2016/7/layout/RepeatingBendingProcessNew"/>
-    <dgm:cxn modelId="{B3B0D453-F5F8-4433-98CC-12CF28DF9469}" srcId="{76BA49E5-E3C0-4ECA-972B-18F35FD0F410}" destId="{721910DE-4264-4A76-8332-48EAA7B14069}" srcOrd="2" destOrd="0" parTransId="{F52F8107-4282-4B3A-A420-5A652E928594}" sibTransId="{D4C8E82F-6BC2-4879-8389-3277B007B95E}"/>
-    <dgm:cxn modelId="{A2568D55-E110-480B-B5FD-7D78BAC3D08E}" type="presOf" srcId="{721910DE-4264-4A76-8332-48EAA7B14069}" destId="{08A8D615-2696-400F-8203-0B1EFC92E853}" srcOrd="0" destOrd="0" presId="urn:microsoft.com/office/officeart/2016/7/layout/RepeatingBendingProcessNew"/>
-    <dgm:cxn modelId="{8AFC7E78-303D-4D2E-918C-3A12A9D0E942}" srcId="{76BA49E5-E3C0-4ECA-972B-18F35FD0F410}" destId="{A1B62600-826A-440D-A075-70E1215E11FF}" srcOrd="4" destOrd="0" parTransId="{7F9A5DA9-0F6C-44DB-9997-9E550C17788B}" sibTransId="{3CBA9A2E-704E-44C8-A269-4D99025109DC}"/>
+    <dgm:cxn modelId="{DB57F05C-65C7-459D-AF2E-7259DAB6D65B}" type="presOf" srcId="{1254EEE5-A015-4419-BD5C-6A81AFC3AF24}" destId="{EA224EE2-963F-4853-B92E-F441D63000D0}" srcOrd="1" destOrd="0" presId="urn:microsoft.com/office/officeart/2016/7/layout/RepeatingBendingProcessNew"/>
+    <dgm:cxn modelId="{6509505E-B592-486D-AF5E-5D23DBC1A971}" type="presOf" srcId="{4F9EB313-3C37-43F7-9943-FAC5A5E925FB}" destId="{60FCE320-4C75-48EE-B835-DF480D394678}" srcOrd="0" destOrd="0" presId="urn:microsoft.com/office/officeart/2016/7/layout/RepeatingBendingProcessNew"/>
+    <dgm:cxn modelId="{5F7EA441-C68B-45BE-AC33-668C88B641D0}" type="presOf" srcId="{75538F3E-3338-42E9-8440-08F0558DCDB7}" destId="{A2BDE073-509F-4675-BA3E-9AC1B87F4EF1}" srcOrd="0" destOrd="0" presId="urn:microsoft.com/office/officeart/2016/7/layout/RepeatingBendingProcessNew"/>
+    <dgm:cxn modelId="{6BB7BE4B-CC0C-4E2C-B432-C9905C4B7F1C}" type="presOf" srcId="{4237F8CC-367A-4EBD-BBAF-CA4B43079BE1}" destId="{6180FE7E-B879-4484-89EA-B18898031433}" srcOrd="0" destOrd="0" presId="urn:microsoft.com/office/officeart/2016/7/layout/RepeatingBendingProcessNew"/>
+    <dgm:cxn modelId="{D6A03E4F-BF00-47A6-9019-51DC2871852A}" type="presOf" srcId="{5BF4A444-E39D-4D33-B49F-27FD8DEED9EB}" destId="{C02DBDBF-E285-4C0F-B3F3-FAB3967739E6}" srcOrd="0" destOrd="0" presId="urn:microsoft.com/office/officeart/2016/7/layout/RepeatingBendingProcessNew"/>
+    <dgm:cxn modelId="{17080955-52B0-47BC-B263-2B6DC4C7E0A6}" type="presOf" srcId="{1254EEE5-A015-4419-BD5C-6A81AFC3AF24}" destId="{291F733B-E617-4426-A28B-2327B59C1156}" srcOrd="0" destOrd="0" presId="urn:microsoft.com/office/officeart/2016/7/layout/RepeatingBendingProcessNew"/>
+    <dgm:cxn modelId="{FC295076-4E5F-4824-A20F-1EFA05A87108}" type="presOf" srcId="{76C89A1D-ADA0-4BF0-B565-24DAECCBD751}" destId="{CFBE963E-CD8B-4756-A9F2-6520EBA17D27}" srcOrd="0" destOrd="0" presId="urn:microsoft.com/office/officeart/2016/7/layout/RepeatingBendingProcessNew"/>
     <dgm:cxn modelId="{D1E1A38B-8607-443A-B75B-3B204DE064E2}" type="presOf" srcId="{76BA49E5-E3C0-4ECA-972B-18F35FD0F410}" destId="{CE9D4750-766C-4AAF-9A50-CA37A5016AA7}" srcOrd="0" destOrd="0" presId="urn:microsoft.com/office/officeart/2016/7/layout/RepeatingBendingProcessNew"/>
-    <dgm:cxn modelId="{FC3EC48F-9326-4E5B-A429-D6FD4E507343}" srcId="{76BA49E5-E3C0-4ECA-972B-18F35FD0F410}" destId="{449BE7DF-827C-4EDC-AE34-B2EF056F311D}" srcOrd="1" destOrd="0" parTransId="{D657C7B9-E331-41AA-9260-1A8F8C36F818}" sibTransId="{5E658F17-C9B9-4AB3-B45B-12A68A4CD39A}"/>
+    <dgm:cxn modelId="{0219D38B-1C6F-4A80-A036-7BF90338BDCF}" type="presOf" srcId="{5B5FADCE-7FE1-43F8-937C-1B007E99E722}" destId="{765620C9-DC33-4AA4-97F1-8C42D39B2762}" srcOrd="0" destOrd="0" presId="urn:microsoft.com/office/officeart/2016/7/layout/RepeatingBendingProcessNew"/>
     <dgm:cxn modelId="{03EF8294-9D25-4B08-BEF3-D099E4AC4F29}" type="presOf" srcId="{5373E0B2-4C19-4E29-AE73-86FFB771607F}" destId="{1ACCB9CA-48AB-42D1-8BFB-5A0D83DC52BA}" srcOrd="1" destOrd="0" presId="urn:microsoft.com/office/officeart/2016/7/layout/RepeatingBendingProcessNew"/>
-    <dgm:cxn modelId="{9E2A75A3-E608-43CC-8F06-355F93BB64FC}" type="presOf" srcId="{D4C8E82F-6BC2-4879-8389-3277B007B95E}" destId="{200E8ADA-0AF3-4D64-A243-EDFC4CE19AA2}" srcOrd="1" destOrd="0" presId="urn:microsoft.com/office/officeart/2016/7/layout/RepeatingBendingProcessNew"/>
+    <dgm:cxn modelId="{34B7E3A1-9AE7-4FB7-8502-B3C8A52090F5}" type="presOf" srcId="{E3B5CC6D-14CD-4E42-B1F6-CCD4EB5C9D33}" destId="{EAA5DE16-DDEB-45D5-BE56-578B1281E264}" srcOrd="0" destOrd="0" presId="urn:microsoft.com/office/officeart/2016/7/layout/RepeatingBendingProcessNew"/>
     <dgm:cxn modelId="{45014BA9-3871-4C00-B89C-7EA8B4630480}" srcId="{76BA49E5-E3C0-4ECA-972B-18F35FD0F410}" destId="{3DBEC265-EC9C-4408-80A0-5F2E46D60421}" srcOrd="0" destOrd="0" parTransId="{6D9064B4-C9D3-4711-BFBE-DFD032493C01}" sibTransId="{5373E0B2-4C19-4E29-AE73-86FFB771607F}"/>
-    <dgm:cxn modelId="{C5A815C4-CF29-4FDA-82B7-35D694EB9DDE}" type="presOf" srcId="{24D36206-6E1B-49FC-9375-BFE4467AA6A1}" destId="{1AC5F153-AD69-423A-9CA9-2B5913B2AFE6}" srcOrd="0" destOrd="0" presId="urn:microsoft.com/office/officeart/2016/7/layout/RepeatingBendingProcessNew"/>
-    <dgm:cxn modelId="{0804C4C9-0244-4A34-8A73-37C49665AFF4}" type="presOf" srcId="{7065CFB7-E024-448C-8724-AC4AC1DD254F}" destId="{23B1CC88-A996-4ADB-A5CA-2A252EBBCD4C}" srcOrd="0" destOrd="0" presId="urn:microsoft.com/office/officeart/2016/7/layout/RepeatingBendingProcessNew"/>
-    <dgm:cxn modelId="{3BB5DDD7-3915-4791-A6A6-EE421471F373}" srcId="{76BA49E5-E3C0-4ECA-972B-18F35FD0F410}" destId="{24D36206-6E1B-49FC-9375-BFE4467AA6A1}" srcOrd="3" destOrd="0" parTransId="{B13EF978-5FA6-46AB-9BCC-716390E39373}" sibTransId="{B51B5982-7D1F-4AC4-89FC-1391816C1E5D}"/>
-    <dgm:cxn modelId="{ACCFEADD-85E5-4520-8279-614A6630E731}" type="presOf" srcId="{A1B62600-826A-440D-A075-70E1215E11FF}" destId="{BB192C63-6B77-4BF8-9F5C-CB51DDC88E91}" srcOrd="0" destOrd="0" presId="urn:microsoft.com/office/officeart/2016/7/layout/RepeatingBendingProcessNew"/>
-    <dgm:cxn modelId="{8763D8E6-B993-4349-A6E3-D15B3885A5FA}" type="presOf" srcId="{5E658F17-C9B9-4AB3-B45B-12A68A4CD39A}" destId="{CC71B7E5-0426-49DF-8328-E8EE08BE682B}" srcOrd="0" destOrd="0" presId="urn:microsoft.com/office/officeart/2016/7/layout/RepeatingBendingProcessNew"/>
+    <dgm:cxn modelId="{E49AF6B4-0E3F-424D-B8AF-9E3C5ED63CBB}" srcId="{76BA49E5-E3C0-4ECA-972B-18F35FD0F410}" destId="{4237F8CC-367A-4EBD-BBAF-CA4B43079BE1}" srcOrd="4" destOrd="0" parTransId="{CFB4B474-2B2B-4D5E-8339-0748C3697584}" sibTransId="{1254EEE5-A015-4419-BD5C-6A81AFC3AF24}"/>
+    <dgm:cxn modelId="{38EE53B6-DB1C-453C-A052-6E9B5B06B9E7}" type="presOf" srcId="{5BF4A444-E39D-4D33-B49F-27FD8DEED9EB}" destId="{D2BA4408-D6BD-4F5D-AEA9-E36E1CAA588E}" srcOrd="1" destOrd="0" presId="urn:microsoft.com/office/officeart/2016/7/layout/RepeatingBendingProcessNew"/>
+    <dgm:cxn modelId="{AC2334BA-E313-4F3B-926E-A823FB1A6EE3}" srcId="{76BA49E5-E3C0-4ECA-972B-18F35FD0F410}" destId="{F3FD5FC8-A8EE-4DE3-84C1-A80A4F2EA895}" srcOrd="2" destOrd="0" parTransId="{7FFF86FF-34C6-4D5A-9EED-D8C7E5E0CF11}" sibTransId="{5BF4A444-E39D-4D33-B49F-27FD8DEED9EB}"/>
+    <dgm:cxn modelId="{1063C1D3-8DA6-4600-A1E7-CDB0439F30B2}" srcId="{76BA49E5-E3C0-4ECA-972B-18F35FD0F410}" destId="{76C89A1D-ADA0-4BF0-B565-24DAECCBD751}" srcOrd="1" destOrd="0" parTransId="{271D6A63-0D9D-4BF9-9E96-28FD0956C860}" sibTransId="{75538F3E-3338-42E9-8440-08F0558DCDB7}"/>
+    <dgm:cxn modelId="{D47CD9D6-3D6C-49B5-85BA-C5C8A7066454}" type="presOf" srcId="{75538F3E-3338-42E9-8440-08F0558DCDB7}" destId="{E814A58E-D8E1-4475-94E2-1C6BECF6E874}" srcOrd="1" destOrd="0" presId="urn:microsoft.com/office/officeart/2016/7/layout/RepeatingBendingProcessNew"/>
+    <dgm:cxn modelId="{90213CDE-EDB9-4530-BEAA-B112516DDD95}" srcId="{76BA49E5-E3C0-4ECA-972B-18F35FD0F410}" destId="{5B5FADCE-7FE1-43F8-937C-1B007E99E722}" srcOrd="3" destOrd="0" parTransId="{E92B47E7-1546-4CFA-A5EB-FB0C73C795B2}" sibTransId="{4F9EB313-3C37-43F7-9943-FAC5A5E925FB}"/>
+    <dgm:cxn modelId="{95E5AFEF-9CD1-44CA-A595-9365149097DC}" srcId="{76BA49E5-E3C0-4ECA-972B-18F35FD0F410}" destId="{E3B5CC6D-14CD-4E42-B1F6-CCD4EB5C9D33}" srcOrd="5" destOrd="0" parTransId="{058D3EA9-35A2-4F12-983B-702572702DF7}" sibTransId="{27EBC806-22A5-40F1-BBE8-E6C215A9A3CB}"/>
     <dgm:cxn modelId="{F1DE2AF4-7603-45B3-B767-974F3BBC1FD7}" type="presParOf" srcId="{CE9D4750-766C-4AAF-9A50-CA37A5016AA7}" destId="{DB690B9B-032E-4C2D-B5A3-D07905AE2240}" srcOrd="0" destOrd="0" presId="urn:microsoft.com/office/officeart/2016/7/layout/RepeatingBendingProcessNew"/>
     <dgm:cxn modelId="{841DB0E5-1206-4AA5-9D1B-7D297A7D7F05}" type="presParOf" srcId="{CE9D4750-766C-4AAF-9A50-CA37A5016AA7}" destId="{7412B727-77A6-4CC2-AB36-000FBE705304}" srcOrd="1" destOrd="0" presId="urn:microsoft.com/office/officeart/2016/7/layout/RepeatingBendingProcessNew"/>
     <dgm:cxn modelId="{5E6286C4-ACF3-4819-820A-74EE1C392603}" type="presParOf" srcId="{7412B727-77A6-4CC2-AB36-000FBE705304}" destId="{1ACCB9CA-48AB-42D1-8BFB-5A0D83DC52BA}" srcOrd="0" destOrd="0" presId="urn:microsoft.com/office/officeart/2016/7/layout/RepeatingBendingProcessNew"/>
-    <dgm:cxn modelId="{5A561519-9746-44EA-A7F2-029853844B3F}" type="presParOf" srcId="{CE9D4750-766C-4AAF-9A50-CA37A5016AA7}" destId="{D2695415-87B3-4A73-AC95-789DFFDFC4EC}" srcOrd="2" destOrd="0" presId="urn:microsoft.com/office/officeart/2016/7/layout/RepeatingBendingProcessNew"/>
-    <dgm:cxn modelId="{E3DBB1FB-3F9B-4AA8-8B21-101977303AD9}" type="presParOf" srcId="{CE9D4750-766C-4AAF-9A50-CA37A5016AA7}" destId="{CC71B7E5-0426-49DF-8328-E8EE08BE682B}" srcOrd="3" destOrd="0" presId="urn:microsoft.com/office/officeart/2016/7/layout/RepeatingBendingProcessNew"/>
-    <dgm:cxn modelId="{D8E6C8F1-9836-4C1A-9C72-10379AE3D2D6}" type="presParOf" srcId="{CC71B7E5-0426-49DF-8328-E8EE08BE682B}" destId="{F1245A25-C2E7-42B0-83A0-C481F4014485}" srcOrd="0" destOrd="0" presId="urn:microsoft.com/office/officeart/2016/7/layout/RepeatingBendingProcessNew"/>
-    <dgm:cxn modelId="{86076C35-A5B9-463B-9E10-C6310527FBDB}" type="presParOf" srcId="{CE9D4750-766C-4AAF-9A50-CA37A5016AA7}" destId="{08A8D615-2696-400F-8203-0B1EFC92E853}" srcOrd="4" destOrd="0" presId="urn:microsoft.com/office/officeart/2016/7/layout/RepeatingBendingProcessNew"/>
-    <dgm:cxn modelId="{144AD360-7533-4393-BA71-751B8AFAAAA5}" type="presParOf" srcId="{CE9D4750-766C-4AAF-9A50-CA37A5016AA7}" destId="{87B68683-8656-4C52-B5D8-8F225D13EDB1}" srcOrd="5" destOrd="0" presId="urn:microsoft.com/office/officeart/2016/7/layout/RepeatingBendingProcessNew"/>
-    <dgm:cxn modelId="{9463B9DC-0393-4F96-A432-670365AB9729}" type="presParOf" srcId="{87B68683-8656-4C52-B5D8-8F225D13EDB1}" destId="{200E8ADA-0AF3-4D64-A243-EDFC4CE19AA2}" srcOrd="0" destOrd="0" presId="urn:microsoft.com/office/officeart/2016/7/layout/RepeatingBendingProcessNew"/>
-    <dgm:cxn modelId="{A1B34321-5637-4D89-9212-9C33CE2BA56E}" type="presParOf" srcId="{CE9D4750-766C-4AAF-9A50-CA37A5016AA7}" destId="{1AC5F153-AD69-423A-9CA9-2B5913B2AFE6}" srcOrd="6" destOrd="0" presId="urn:microsoft.com/office/officeart/2016/7/layout/RepeatingBendingProcessNew"/>
-    <dgm:cxn modelId="{70F7FC0C-CC22-40A8-ABBD-B4B6EA453A99}" type="presParOf" srcId="{CE9D4750-766C-4AAF-9A50-CA37A5016AA7}" destId="{DA45CA35-409C-4E07-A290-A76329E1A77F}" srcOrd="7" destOrd="0" presId="urn:microsoft.com/office/officeart/2016/7/layout/RepeatingBendingProcessNew"/>
-    <dgm:cxn modelId="{5C2D30C0-680E-4AB5-B064-BF2A50A5C9B9}" type="presParOf" srcId="{DA45CA35-409C-4E07-A290-A76329E1A77F}" destId="{8329F06F-B2B5-4A5B-A2A8-B8D14F8B54E4}" srcOrd="0" destOrd="0" presId="urn:microsoft.com/office/officeart/2016/7/layout/RepeatingBendingProcessNew"/>
-    <dgm:cxn modelId="{B5F5C543-253A-4FBF-9649-97EBC0E1256B}" type="presParOf" srcId="{CE9D4750-766C-4AAF-9A50-CA37A5016AA7}" destId="{BB192C63-6B77-4BF8-9F5C-CB51DDC88E91}" srcOrd="8" destOrd="0" presId="urn:microsoft.com/office/officeart/2016/7/layout/RepeatingBendingProcessNew"/>
-    <dgm:cxn modelId="{20090672-9FA6-4488-935B-22AEED7E6BEC}" type="presParOf" srcId="{CE9D4750-766C-4AAF-9A50-CA37A5016AA7}" destId="{FD2B853B-4A08-4987-B43D-66E0EF37FB83}" srcOrd="9" destOrd="0" presId="urn:microsoft.com/office/officeart/2016/7/layout/RepeatingBendingProcessNew"/>
-    <dgm:cxn modelId="{918C71A1-034A-4773-9C69-0C4CF4ED5CB9}" type="presParOf" srcId="{FD2B853B-4A08-4987-B43D-66E0EF37FB83}" destId="{1205E956-FF94-4894-AC25-DA8DCC21C5DE}" srcOrd="0" destOrd="0" presId="urn:microsoft.com/office/officeart/2016/7/layout/RepeatingBendingProcessNew"/>
-    <dgm:cxn modelId="{76F01839-C02A-4D1E-BD0D-D0C5C7C059F2}" type="presParOf" srcId="{CE9D4750-766C-4AAF-9A50-CA37A5016AA7}" destId="{23B1CC88-A996-4ADB-A5CA-2A252EBBCD4C}" srcOrd="10" destOrd="0" presId="urn:microsoft.com/office/officeart/2016/7/layout/RepeatingBendingProcessNew"/>
+    <dgm:cxn modelId="{3C51C09F-5A31-4F54-B51D-3C09A0346ADF}" type="presParOf" srcId="{CE9D4750-766C-4AAF-9A50-CA37A5016AA7}" destId="{CFBE963E-CD8B-4756-A9F2-6520EBA17D27}" srcOrd="2" destOrd="0" presId="urn:microsoft.com/office/officeart/2016/7/layout/RepeatingBendingProcessNew"/>
+    <dgm:cxn modelId="{0784E1E7-5A9D-46BF-B2F3-3D54CCCBC91C}" type="presParOf" srcId="{CE9D4750-766C-4AAF-9A50-CA37A5016AA7}" destId="{A2BDE073-509F-4675-BA3E-9AC1B87F4EF1}" srcOrd="3" destOrd="0" presId="urn:microsoft.com/office/officeart/2016/7/layout/RepeatingBendingProcessNew"/>
+    <dgm:cxn modelId="{DD9784C1-C928-435F-A624-9FAC54BB00B6}" type="presParOf" srcId="{A2BDE073-509F-4675-BA3E-9AC1B87F4EF1}" destId="{E814A58E-D8E1-4475-94E2-1C6BECF6E874}" srcOrd="0" destOrd="0" presId="urn:microsoft.com/office/officeart/2016/7/layout/RepeatingBendingProcessNew"/>
+    <dgm:cxn modelId="{85409539-434A-48C4-8C12-E57BE2875D06}" type="presParOf" srcId="{CE9D4750-766C-4AAF-9A50-CA37A5016AA7}" destId="{C0B541B7-299D-44F2-B7D9-7668727F3147}" srcOrd="4" destOrd="0" presId="urn:microsoft.com/office/officeart/2016/7/layout/RepeatingBendingProcessNew"/>
+    <dgm:cxn modelId="{0AB16358-D89E-431C-8630-7BC807BB1E0C}" type="presParOf" srcId="{CE9D4750-766C-4AAF-9A50-CA37A5016AA7}" destId="{C02DBDBF-E285-4C0F-B3F3-FAB3967739E6}" srcOrd="5" destOrd="0" presId="urn:microsoft.com/office/officeart/2016/7/layout/RepeatingBendingProcessNew"/>
+    <dgm:cxn modelId="{3F691C2E-53B6-429F-B9F3-547B77267BD4}" type="presParOf" srcId="{C02DBDBF-E285-4C0F-B3F3-FAB3967739E6}" destId="{D2BA4408-D6BD-4F5D-AEA9-E36E1CAA588E}" srcOrd="0" destOrd="0" presId="urn:microsoft.com/office/officeart/2016/7/layout/RepeatingBendingProcessNew"/>
+    <dgm:cxn modelId="{1F1875C6-6485-4C25-8FCD-5E731BE56C71}" type="presParOf" srcId="{CE9D4750-766C-4AAF-9A50-CA37A5016AA7}" destId="{765620C9-DC33-4AA4-97F1-8C42D39B2762}" srcOrd="6" destOrd="0" presId="urn:microsoft.com/office/officeart/2016/7/layout/RepeatingBendingProcessNew"/>
+    <dgm:cxn modelId="{69C518F5-9F14-4DC1-9624-1A893C88E76C}" type="presParOf" srcId="{CE9D4750-766C-4AAF-9A50-CA37A5016AA7}" destId="{60FCE320-4C75-48EE-B835-DF480D394678}" srcOrd="7" destOrd="0" presId="urn:microsoft.com/office/officeart/2016/7/layout/RepeatingBendingProcessNew"/>
+    <dgm:cxn modelId="{AC162621-6486-49B1-9861-78D1756BEB2F}" type="presParOf" srcId="{60FCE320-4C75-48EE-B835-DF480D394678}" destId="{06F21FD1-5786-4DB5-8F90-D40274AECEB1}" srcOrd="0" destOrd="0" presId="urn:microsoft.com/office/officeart/2016/7/layout/RepeatingBendingProcessNew"/>
+    <dgm:cxn modelId="{E35D0AD0-DC74-479C-94DD-7DE0039BE146}" type="presParOf" srcId="{CE9D4750-766C-4AAF-9A50-CA37A5016AA7}" destId="{6180FE7E-B879-4484-89EA-B18898031433}" srcOrd="8" destOrd="0" presId="urn:microsoft.com/office/officeart/2016/7/layout/RepeatingBendingProcessNew"/>
+    <dgm:cxn modelId="{C92019F6-3610-4A5B-BF77-456AF47FAF58}" type="presParOf" srcId="{CE9D4750-766C-4AAF-9A50-CA37A5016AA7}" destId="{291F733B-E617-4426-A28B-2327B59C1156}" srcOrd="9" destOrd="0" presId="urn:microsoft.com/office/officeart/2016/7/layout/RepeatingBendingProcessNew"/>
+    <dgm:cxn modelId="{57B003AF-9BFD-4B42-BD53-8C642B6FA6A7}" type="presParOf" srcId="{291F733B-E617-4426-A28B-2327B59C1156}" destId="{EA224EE2-963F-4853-B92E-F441D63000D0}" srcOrd="0" destOrd="0" presId="urn:microsoft.com/office/officeart/2016/7/layout/RepeatingBendingProcessNew"/>
+    <dgm:cxn modelId="{6BCB67E1-CF80-49BF-BFDB-101FCB1CB763}" type="presParOf" srcId="{CE9D4750-766C-4AAF-9A50-CA37A5016AA7}" destId="{EAA5DE16-DDEB-45D5-BE56-578B1281E264}" srcOrd="10" destOrd="0" presId="urn:microsoft.com/office/officeart/2016/7/layout/RepeatingBendingProcessNew"/>
   </dgm:cxnLst>
   <dgm:bg/>
   <dgm:whole/>
@@ -2245,7 +2304,7 @@
       </dgm:t>
     </dgm:pt>
     <dgm:pt modelId="{6269A14A-2525-4E4F-AB23-9C6DDB1382A4}">
-      <dgm:prSet custT="1"/>
+      <dgm:prSet/>
       <dgm:spPr/>
       <dgm:t>
         <a:bodyPr/>
@@ -2255,12 +2314,16 @@
             <a:defRPr cap="all"/>
           </a:pPr>
           <a:r>
-            <a:rPr lang="en-US" sz="2400" dirty="0">
-              <a:latin typeface="Times New Roman" panose="02020603050405020304" pitchFamily="18" charset="0"/>
-              <a:cs typeface="Times New Roman" panose="02020603050405020304" pitchFamily="18" charset="0"/>
+            <a:rPr lang="zh-TW" altLang="en-US" dirty="0">
+              <a:latin typeface="標楷體" panose="03000509000000000000" pitchFamily="65" charset="-120"/>
+              <a:ea typeface="標楷體" panose="03000509000000000000" pitchFamily="65" charset="-120"/>
             </a:rPr>
-            <a:t>Thanks for listening</a:t>
+            <a:t>感謝聆聽</a:t>
           </a:r>
+          <a:endParaRPr lang="en-US" dirty="0">
+            <a:latin typeface="標楷體" panose="03000509000000000000" pitchFamily="65" charset="-120"/>
+            <a:ea typeface="標楷體" panose="03000509000000000000" pitchFamily="65" charset="-120"/>
+          </a:endParaRPr>
         </a:p>
       </dgm:t>
     </dgm:pt>
@@ -2287,7 +2350,7 @@
       </dgm:t>
     </dgm:pt>
     <dgm:pt modelId="{A80C09FC-30F6-41E2-9A93-979C38CAB5BC}">
-      <dgm:prSet custT="1"/>
+      <dgm:prSet/>
       <dgm:spPr/>
       <dgm:t>
         <a:bodyPr/>
@@ -2297,15 +2360,15 @@
             <a:defRPr cap="all"/>
           </a:pPr>
           <a:r>
-            <a:rPr lang="en-US" altLang="zh-TW" sz="2400" dirty="0">
-              <a:latin typeface="Times New Roman" panose="02020603050405020304" pitchFamily="18" charset="0"/>
-              <a:cs typeface="Times New Roman" panose="02020603050405020304" pitchFamily="18" charset="0"/>
+            <a:rPr lang="zh-TW" altLang="en-US" dirty="0">
+              <a:latin typeface="標楷體" panose="03000509000000000000" pitchFamily="65" charset="-120"/>
+              <a:ea typeface="標楷體" panose="03000509000000000000" pitchFamily="65" charset="-120"/>
             </a:rPr>
-            <a:t>Welcome to ask questions</a:t>
+            <a:t>歡迎提問</a:t>
           </a:r>
-          <a:endParaRPr lang="en-US" sz="2400" dirty="0">
-            <a:latin typeface="Times New Roman" panose="02020603050405020304" pitchFamily="18" charset="0"/>
-            <a:cs typeface="Times New Roman" panose="02020603050405020304" pitchFamily="18" charset="0"/>
+          <a:endParaRPr lang="en-US" dirty="0">
+            <a:latin typeface="標楷體" panose="03000509000000000000" pitchFamily="65" charset="-120"/>
+            <a:ea typeface="標楷體" panose="03000509000000000000" pitchFamily="65" charset="-120"/>
           </a:endParaRPr>
         </a:p>
       </dgm:t>
@@ -2333,7 +2396,7 @@
       </dgm:t>
     </dgm:pt>
     <dgm:pt modelId="{116E1105-B867-4515-8215-50D5AD6DB750}">
-      <dgm:prSet custT="1"/>
+      <dgm:prSet/>
       <dgm:spPr/>
       <dgm:t>
         <a:bodyPr/>
@@ -2343,15 +2406,15 @@
             <a:defRPr cap="all"/>
           </a:pPr>
           <a:r>
-            <a:rPr lang="en-US" altLang="zh-TW" sz="2400" dirty="0">
-              <a:latin typeface="Times New Roman" panose="02020603050405020304" pitchFamily="18" charset="0"/>
-              <a:cs typeface="Times New Roman" panose="02020603050405020304" pitchFamily="18" charset="0"/>
+            <a:rPr lang="zh-TW" altLang="en-US" dirty="0">
+              <a:latin typeface="標楷體" panose="03000509000000000000" pitchFamily="65" charset="-120"/>
+              <a:ea typeface="標楷體" panose="03000509000000000000" pitchFamily="65" charset="-120"/>
             </a:rPr>
-            <a:t>If the answer to this question is incomplete, please let me know.</a:t>
+            <a:t>若問題回答不完整，還請告知</a:t>
           </a:r>
-          <a:endParaRPr lang="en-US" sz="2400" dirty="0">
-            <a:latin typeface="Times New Roman" panose="02020603050405020304" pitchFamily="18" charset="0"/>
-            <a:cs typeface="Times New Roman" panose="02020603050405020304" pitchFamily="18" charset="0"/>
+          <a:endParaRPr lang="en-US" dirty="0">
+            <a:latin typeface="標楷體" panose="03000509000000000000" pitchFamily="65" charset="-120"/>
+            <a:ea typeface="標楷體" panose="03000509000000000000" pitchFamily="65" charset="-120"/>
           </a:endParaRPr>
         </a:p>
       </dgm:t>
@@ -2428,7 +2491,7 @@
       <dgm:spPr/>
     </dgm:pt>
     <dgm:pt modelId="{F1E1E894-D8D8-40FE-9118-4EC989685A29}" type="pres">
-      <dgm:prSet presAssocID="{6269A14A-2525-4E4F-AB23-9C6DDB1382A4}" presName="textRect" presStyleLbl="revTx" presStyleIdx="0" presStyleCnt="3" custScaleY="67522">
+      <dgm:prSet presAssocID="{6269A14A-2525-4E4F-AB23-9C6DDB1382A4}" presName="textRect" presStyleLbl="revTx" presStyleIdx="0" presStyleCnt="3">
         <dgm:presLayoutVars>
           <dgm:chMax val="1"/>
           <dgm:chPref val="1"/>
@@ -2534,7 +2597,7 @@
       <dgm:spPr/>
     </dgm:pt>
     <dgm:pt modelId="{1F820FB1-E2D1-48FE-A645-D9EE27D1247E}" type="pres">
-      <dgm:prSet presAssocID="{116E1105-B867-4515-8215-50D5AD6DB750}" presName="textRect" presStyleLbl="revTx" presStyleIdx="2" presStyleCnt="3" custScaleX="134691">
+      <dgm:prSet presAssocID="{116E1105-B867-4515-8215-50D5AD6DB750}" presName="textRect" presStyleLbl="revTx" presStyleIdx="2" presStyleCnt="3">
         <dgm:presLayoutVars>
           <dgm:chMax val="1"/>
           <dgm:chPref val="1"/>
@@ -2594,8 +2657,8 @@
       </dsp:nvSpPr>
       <dsp:spPr>
         <a:xfrm>
-          <a:off x="2614981" y="709129"/>
-          <a:ext cx="514320" cy="91440"/>
+          <a:off x="2686096" y="709129"/>
+          <a:ext cx="475850" cy="91440"/>
         </a:xfrm>
         <a:custGeom>
           <a:avLst/>
@@ -2609,7 +2672,7 @@
                 <a:pt x="0" y="45720"/>
               </a:moveTo>
               <a:lnTo>
-                <a:pt x="514320" y="45720"/>
+                <a:pt x="475850" y="45720"/>
               </a:lnTo>
             </a:path>
           </a:pathLst>
@@ -2664,8 +2727,8 @@
         </a:p>
       </dsp:txBody>
       <dsp:txXfrm>
-        <a:off x="2858518" y="751961"/>
-        <a:ext cx="27246" cy="5775"/>
+        <a:off x="2911360" y="751961"/>
+        <a:ext cx="25322" cy="5775"/>
       </dsp:txXfrm>
     </dsp:sp>
     <dsp:sp modelId="{DB690B9B-032E-4C2D-B5A3-D07905AE2240}">
@@ -2675,7 +2738,7 @@
       </dsp:nvSpPr>
       <dsp:spPr>
         <a:xfrm>
-          <a:off x="105624" y="1502"/>
+          <a:off x="176740" y="1502"/>
           <a:ext cx="2511156" cy="1506693"/>
         </a:xfrm>
         <a:prstGeom prst="rect">
@@ -2723,7 +2786,7 @@
         </a:bodyPr>
         <a:lstStyle/>
         <a:p>
-          <a:pPr marL="0" lvl="0" indent="0" algn="ctr" defTabSz="1022350">
+          <a:pPr marL="0" lvl="0" indent="0" algn="ctr" defTabSz="1200150">
             <a:lnSpc>
               <a:spcPct val="90000"/>
             </a:lnSpc>
@@ -2736,20 +2799,34 @@
             <a:buNone/>
           </a:pPr>
           <a:r>
-            <a:rPr lang="en-US" sz="2300" kern="1200" dirty="0">
-              <a:latin typeface="Times New Roman" panose="02020603050405020304" pitchFamily="18" charset="0"/>
+            <a:rPr lang="en-US" altLang="zh-TW" sz="2700" kern="1200" dirty="0">
+              <a:latin typeface="標楷體" panose="03000509000000000000" pitchFamily="65" charset="-120"/>
+              <a:ea typeface="標楷體" panose="03000509000000000000" pitchFamily="65" charset="-120"/>
               <a:cs typeface="Times New Roman" panose="02020603050405020304" pitchFamily="18" charset="0"/>
             </a:rPr>
-            <a:t>1. A clear statement of the business task </a:t>
+            <a:t>1</a:t>
           </a:r>
+          <a:r>
+            <a:rPr lang="zh-TW" altLang="en-US" sz="2700" kern="1200" dirty="0">
+              <a:latin typeface="標楷體" panose="03000509000000000000" pitchFamily="65" charset="-120"/>
+              <a:ea typeface="標楷體" panose="03000509000000000000" pitchFamily="65" charset="-120"/>
+              <a:cs typeface="Times New Roman" panose="02020603050405020304" pitchFamily="18" charset="0"/>
+            </a:rPr>
+            <a:t>：明確業務任務</a:t>
+          </a:r>
+          <a:endParaRPr lang="en-US" sz="2700" kern="1200" dirty="0">
+            <a:latin typeface="標楷體" panose="03000509000000000000" pitchFamily="65" charset="-120"/>
+            <a:ea typeface="標楷體" panose="03000509000000000000" pitchFamily="65" charset="-120"/>
+            <a:cs typeface="Times New Roman" panose="02020603050405020304" pitchFamily="18" charset="0"/>
+          </a:endParaRPr>
         </a:p>
       </dsp:txBody>
       <dsp:txXfrm>
-        <a:off x="105624" y="1502"/>
+        <a:off x="176740" y="1502"/>
         <a:ext cx="2511156" cy="1506693"/>
       </dsp:txXfrm>
     </dsp:sp>
-    <dsp:sp modelId="{CC71B7E5-0426-49DF-8328-E8EE08BE682B}">
+    <dsp:sp modelId="{A2BDE073-509F-4675-BA3E-9AC1B87F4EF1}">
       <dsp:nvSpPr>
         <dsp:cNvPr id="0" name=""/>
         <dsp:cNvSpPr/>
@@ -2757,7 +2834,7 @@
       <dsp:spPr>
         <a:xfrm>
           <a:off x="1361202" y="1506396"/>
-          <a:ext cx="3056077" cy="546965"/>
+          <a:ext cx="3088722" cy="546965"/>
         </a:xfrm>
         <a:custGeom>
           <a:avLst/>
@@ -2768,10 +2845,10 @@
           <a:pathLst>
             <a:path>
               <a:moveTo>
-                <a:pt x="3056077" y="0"/>
+                <a:pt x="3088722" y="0"/>
               </a:moveTo>
               <a:lnTo>
-                <a:pt x="3056077" y="290582"/>
+                <a:pt x="3088722" y="290582"/>
               </a:lnTo>
               <a:lnTo>
                 <a:pt x="0" y="290582"/>
@@ -2828,22 +2905,22 @@
             </a:spcAft>
             <a:buNone/>
           </a:pPr>
-          <a:endParaRPr lang="en-US" sz="500" kern="1200"/>
+          <a:endParaRPr lang="zh-TW" altLang="en-US" sz="500" kern="1200"/>
         </a:p>
       </dsp:txBody>
       <dsp:txXfrm>
-        <a:off x="2811487" y="1776991"/>
-        <a:ext cx="155508" cy="5775"/>
+        <a:off x="2827007" y="1776991"/>
+        <a:ext cx="157112" cy="5775"/>
       </dsp:txXfrm>
     </dsp:sp>
-    <dsp:sp modelId="{D2695415-87B3-4A73-AC95-789DFFDFC4EC}">
+    <dsp:sp modelId="{CFBE963E-CD8B-4756-A9F2-6520EBA17D27}">
       <dsp:nvSpPr>
         <dsp:cNvPr id="0" name=""/>
         <dsp:cNvSpPr/>
       </dsp:nvSpPr>
       <dsp:spPr>
         <a:xfrm>
-          <a:off x="3161701" y="1502"/>
+          <a:off x="3194346" y="1502"/>
           <a:ext cx="2511156" cy="1506693"/>
         </a:xfrm>
         <a:prstGeom prst="rect">
@@ -2891,7 +2968,7 @@
         </a:bodyPr>
         <a:lstStyle/>
         <a:p>
-          <a:pPr marL="0" lvl="0" indent="0" algn="ctr" defTabSz="1022350">
+          <a:pPr marL="0" lvl="0" indent="0" algn="ctr" defTabSz="1200150">
             <a:lnSpc>
               <a:spcPct val="90000"/>
             </a:lnSpc>
@@ -2904,20 +2981,29 @@
             <a:buNone/>
           </a:pPr>
           <a:r>
-            <a:rPr lang="en-US" sz="2300" kern="1200" dirty="0">
-              <a:latin typeface="Times New Roman" panose="02020603050405020304" pitchFamily="18" charset="0"/>
+            <a:rPr lang="en-US" altLang="zh-TW" sz="2700" kern="1200" dirty="0">
+              <a:latin typeface="標楷體" panose="03000509000000000000" pitchFamily="65" charset="-120"/>
+              <a:ea typeface="標楷體" panose="03000509000000000000" pitchFamily="65" charset="-120"/>
               <a:cs typeface="Times New Roman" panose="02020603050405020304" pitchFamily="18" charset="0"/>
             </a:rPr>
-            <a:t>2. A description of all data sources used </a:t>
+            <a:t>2</a:t>
+          </a:r>
+          <a:r>
+            <a:rPr lang="zh-TW" altLang="en-US" sz="2700" kern="1200" dirty="0">
+              <a:latin typeface="標楷體" panose="03000509000000000000" pitchFamily="65" charset="-120"/>
+              <a:ea typeface="標楷體" panose="03000509000000000000" pitchFamily="65" charset="-120"/>
+              <a:cs typeface="Times New Roman" panose="02020603050405020304" pitchFamily="18" charset="0"/>
+            </a:rPr>
+            <a:t>：所有資料來源的說明</a:t>
           </a:r>
         </a:p>
       </dsp:txBody>
       <dsp:txXfrm>
-        <a:off x="3161701" y="1502"/>
+        <a:off x="3194346" y="1502"/>
         <a:ext cx="2511156" cy="1506693"/>
       </dsp:txXfrm>
     </dsp:sp>
-    <dsp:sp modelId="{87B68683-8656-4C52-B5D8-8F225D13EDB1}">
+    <dsp:sp modelId="{C02DBDBF-E285-4C0F-B3F3-FAB3967739E6}">
       <dsp:nvSpPr>
         <dsp:cNvPr id="0" name=""/>
         <dsp:cNvSpPr/>
@@ -2990,7 +3076,7 @@
             </a:spcAft>
             <a:buNone/>
           </a:pPr>
-          <a:endParaRPr lang="en-US" sz="500" kern="1200"/>
+          <a:endParaRPr lang="zh-TW" altLang="en-US" sz="500" kern="1200"/>
         </a:p>
       </dsp:txBody>
       <dsp:txXfrm>
@@ -2998,7 +3084,7 @@
         <a:ext cx="28878" cy="5775"/>
       </dsp:txXfrm>
     </dsp:sp>
-    <dsp:sp modelId="{08A8D615-2696-400F-8203-0B1EFC92E853}">
+    <dsp:sp modelId="{C0B541B7-299D-44F2-B7D9-7668727F3147}">
       <dsp:nvSpPr>
         <dsp:cNvPr id="0" name=""/>
         <dsp:cNvSpPr/>
@@ -3053,7 +3139,7 @@
         </a:bodyPr>
         <a:lstStyle/>
         <a:p>
-          <a:pPr marL="0" lvl="0" indent="0" algn="ctr" defTabSz="1022350">
+          <a:pPr marL="0" lvl="0" indent="0" algn="ctr" defTabSz="1200150">
             <a:lnSpc>
               <a:spcPct val="90000"/>
             </a:lnSpc>
@@ -3066,11 +3152,20 @@
             <a:buNone/>
           </a:pPr>
           <a:r>
-            <a:rPr lang="en-US" sz="2300" kern="1200" dirty="0">
-              <a:latin typeface="Times New Roman" panose="02020603050405020304" pitchFamily="18" charset="0"/>
+            <a:rPr lang="en-US" altLang="zh-TW" sz="2700" kern="1200" dirty="0">
+              <a:latin typeface="標楷體" panose="03000509000000000000" pitchFamily="65" charset="-120"/>
+              <a:ea typeface="標楷體" panose="03000509000000000000" pitchFamily="65" charset="-120"/>
               <a:cs typeface="Times New Roman" panose="02020603050405020304" pitchFamily="18" charset="0"/>
             </a:rPr>
-            <a:t>3. Documentation of any cleaning or manipulation of data </a:t>
+            <a:t>3</a:t>
+          </a:r>
+          <a:r>
+            <a:rPr lang="zh-TW" altLang="en-US" sz="2700" kern="1200" dirty="0">
+              <a:latin typeface="標楷體" panose="03000509000000000000" pitchFamily="65" charset="-120"/>
+              <a:ea typeface="標楷體" panose="03000509000000000000" pitchFamily="65" charset="-120"/>
+              <a:cs typeface="Times New Roman" panose="02020603050405020304" pitchFamily="18" charset="0"/>
+            </a:rPr>
+            <a:t>：任何資料清理或處理的記錄</a:t>
           </a:r>
         </a:p>
       </dsp:txBody>
@@ -3079,7 +3174,7 @@
         <a:ext cx="2511156" cy="1506693"/>
       </dsp:txXfrm>
     </dsp:sp>
-    <dsp:sp modelId="{DA45CA35-409C-4E07-A290-A76329E1A77F}">
+    <dsp:sp modelId="{60FCE320-4C75-48EE-B835-DF480D394678}">
       <dsp:nvSpPr>
         <dsp:cNvPr id="0" name=""/>
         <dsp:cNvSpPr/>
@@ -3158,7 +3253,7 @@
             </a:spcAft>
             <a:buNone/>
           </a:pPr>
-          <a:endParaRPr lang="en-US" sz="500" kern="1200"/>
+          <a:endParaRPr lang="zh-TW" altLang="en-US" sz="500" kern="1200"/>
         </a:p>
       </dsp:txBody>
       <dsp:txXfrm>
@@ -3166,7 +3261,7 @@
         <a:ext cx="157112" cy="5775"/>
       </dsp:txXfrm>
     </dsp:sp>
-    <dsp:sp modelId="{1AC5F153-AD69-423A-9CA9-2B5913B2AFE6}">
+    <dsp:sp modelId="{765620C9-DC33-4AA4-97F1-8C42D39B2762}">
       <dsp:nvSpPr>
         <dsp:cNvPr id="0" name=""/>
         <dsp:cNvSpPr/>
@@ -3221,7 +3316,7 @@
         </a:bodyPr>
         <a:lstStyle/>
         <a:p>
-          <a:pPr marL="0" lvl="0" indent="0" algn="ctr" defTabSz="1022350">
+          <a:pPr marL="0" lvl="0" indent="0" algn="ctr" defTabSz="1200150">
             <a:lnSpc>
               <a:spcPct val="90000"/>
             </a:lnSpc>
@@ -3234,11 +3329,20 @@
             <a:buNone/>
           </a:pPr>
           <a:r>
-            <a:rPr lang="en-US" sz="2300" kern="1200" dirty="0">
-              <a:latin typeface="Times New Roman" panose="02020603050405020304" pitchFamily="18" charset="0"/>
+            <a:rPr lang="en-US" altLang="zh-TW" sz="2700" kern="1200" dirty="0">
+              <a:latin typeface="標楷體" panose="03000509000000000000" pitchFamily="65" charset="-120"/>
+              <a:ea typeface="標楷體" panose="03000509000000000000" pitchFamily="65" charset="-120"/>
               <a:cs typeface="Times New Roman" panose="02020603050405020304" pitchFamily="18" charset="0"/>
             </a:rPr>
-            <a:t>4. A summary of my analysis </a:t>
+            <a:t>4</a:t>
+          </a:r>
+          <a:r>
+            <a:rPr lang="zh-TW" altLang="en-US" sz="2700" kern="1200" dirty="0">
+              <a:latin typeface="標楷體" panose="03000509000000000000" pitchFamily="65" charset="-120"/>
+              <a:ea typeface="標楷體" panose="03000509000000000000" pitchFamily="65" charset="-120"/>
+              <a:cs typeface="Times New Roman" panose="02020603050405020304" pitchFamily="18" charset="0"/>
+            </a:rPr>
+            <a:t>：我的分析摘要</a:t>
           </a:r>
         </a:p>
       </dsp:txBody>
@@ -3247,7 +3351,7 @@
         <a:ext cx="2511156" cy="1506693"/>
       </dsp:txXfrm>
     </dsp:sp>
-    <dsp:sp modelId="{FD2B853B-4A08-4987-B43D-66E0EF37FB83}">
+    <dsp:sp modelId="{291F733B-E617-4426-A28B-2327B59C1156}">
       <dsp:nvSpPr>
         <dsp:cNvPr id="0" name=""/>
         <dsp:cNvSpPr/>
@@ -3320,7 +3424,7 @@
             </a:spcAft>
             <a:buNone/>
           </a:pPr>
-          <a:endParaRPr lang="en-US" sz="500" kern="1200"/>
+          <a:endParaRPr lang="zh-TW" altLang="en-US" sz="500" kern="1200"/>
         </a:p>
       </dsp:txBody>
       <dsp:txXfrm>
@@ -3328,7 +3432,7 @@
         <a:ext cx="28878" cy="5775"/>
       </dsp:txXfrm>
     </dsp:sp>
-    <dsp:sp modelId="{BB192C63-6B77-4BF8-9F5C-CB51DDC88E91}">
+    <dsp:sp modelId="{6180FE7E-B879-4484-89EA-B18898031433}">
       <dsp:nvSpPr>
         <dsp:cNvPr id="0" name=""/>
         <dsp:cNvSpPr/>
@@ -3383,7 +3487,7 @@
         </a:bodyPr>
         <a:lstStyle/>
         <a:p>
-          <a:pPr marL="0" lvl="0" indent="0" algn="ctr" defTabSz="1022350">
+          <a:pPr marL="0" lvl="0" indent="0" algn="ctr" defTabSz="1200150">
             <a:lnSpc>
               <a:spcPct val="90000"/>
             </a:lnSpc>
@@ -3396,11 +3500,20 @@
             <a:buNone/>
           </a:pPr>
           <a:r>
-            <a:rPr lang="en-US" sz="2300" kern="1200" dirty="0">
-              <a:latin typeface="Times New Roman" panose="02020603050405020304" pitchFamily="18" charset="0"/>
+            <a:rPr lang="en-US" altLang="zh-TW" sz="2700" kern="1200" dirty="0">
+              <a:latin typeface="標楷體" panose="03000509000000000000" pitchFamily="65" charset="-120"/>
+              <a:ea typeface="標楷體" panose="03000509000000000000" pitchFamily="65" charset="-120"/>
               <a:cs typeface="Times New Roman" panose="02020603050405020304" pitchFamily="18" charset="0"/>
             </a:rPr>
-            <a:t>5. Supporting visualizations and key findings </a:t>
+            <a:t>5</a:t>
+          </a:r>
+          <a:r>
+            <a:rPr lang="zh-TW" altLang="en-US" sz="2700" kern="1200" dirty="0">
+              <a:latin typeface="標楷體" panose="03000509000000000000" pitchFamily="65" charset="-120"/>
+              <a:ea typeface="標楷體" panose="03000509000000000000" pitchFamily="65" charset="-120"/>
+              <a:cs typeface="Times New Roman" panose="02020603050405020304" pitchFamily="18" charset="0"/>
+            </a:rPr>
+            <a:t>：可視化支持和發現主要</a:t>
           </a:r>
         </a:p>
       </dsp:txBody>
@@ -3409,7 +3522,7 @@
         <a:ext cx="2511156" cy="1506693"/>
       </dsp:txXfrm>
     </dsp:sp>
-    <dsp:sp modelId="{23B1CC88-A996-4ADB-A5CA-2A252EBBCD4C}">
+    <dsp:sp modelId="{EAA5DE16-DDEB-45D5-BE56-578B1281E264}">
       <dsp:nvSpPr>
         <dsp:cNvPr id="0" name=""/>
         <dsp:cNvSpPr/>
@@ -3464,7 +3577,7 @@
         </a:bodyPr>
         <a:lstStyle/>
         <a:p>
-          <a:pPr marL="0" lvl="0" indent="0" algn="ctr" defTabSz="1022350">
+          <a:pPr marL="0" lvl="0" indent="0" algn="ctr" defTabSz="1200150">
             <a:lnSpc>
               <a:spcPct val="90000"/>
             </a:lnSpc>
@@ -3477,11 +3590,20 @@
             <a:buNone/>
           </a:pPr>
           <a:r>
-            <a:rPr lang="en-US" sz="2300" kern="1200" dirty="0">
-              <a:latin typeface="Times New Roman" panose="02020603050405020304" pitchFamily="18" charset="0"/>
+            <a:rPr lang="en-US" altLang="zh-TW" sz="2700" kern="1200" dirty="0">
+              <a:latin typeface="標楷體" panose="03000509000000000000" pitchFamily="65" charset="-120"/>
+              <a:ea typeface="標楷體" panose="03000509000000000000" pitchFamily="65" charset="-120"/>
               <a:cs typeface="Times New Roman" panose="02020603050405020304" pitchFamily="18" charset="0"/>
             </a:rPr>
-            <a:t>6. My top three recommendations based on analysis</a:t>
+            <a:t>6</a:t>
+          </a:r>
+          <a:r>
+            <a:rPr lang="zh-TW" altLang="en-US" sz="2700" kern="1200" dirty="0">
+              <a:latin typeface="標楷體" panose="03000509000000000000" pitchFamily="65" charset="-120"/>
+              <a:ea typeface="標楷體" panose="03000509000000000000" pitchFamily="65" charset="-120"/>
+              <a:cs typeface="Times New Roman" panose="02020603050405020304" pitchFamily="18" charset="0"/>
+            </a:rPr>
+            <a:t>：我根據分析提出的三大建議</a:t>
           </a:r>
         </a:p>
       </dsp:txBody>
@@ -3509,8 +3631,8 @@
       </dsp:nvSpPr>
       <dsp:spPr>
         <a:xfrm>
-          <a:off x="701603" y="1134748"/>
-          <a:ext cx="1990125" cy="1990125"/>
+          <a:off x="718664" y="453902"/>
+          <a:ext cx="1955812" cy="1955812"/>
         </a:xfrm>
         <a:prstGeom prst="ellipse">
           <a:avLst/>
@@ -3548,8 +3670,8 @@
       </dsp:nvSpPr>
       <dsp:spPr>
         <a:xfrm>
-          <a:off x="1125728" y="1558873"/>
-          <a:ext cx="1141875" cy="1141875"/>
+          <a:off x="1135476" y="870714"/>
+          <a:ext cx="1122187" cy="1122187"/>
         </a:xfrm>
         <a:prstGeom prst="rect">
           <a:avLst/>
@@ -3598,8 +3720,8 @@
       </dsp:nvSpPr>
       <dsp:spPr>
         <a:xfrm>
-          <a:off x="65415" y="3822791"/>
-          <a:ext cx="3262500" cy="324504"/>
+          <a:off x="93445" y="3018902"/>
+          <a:ext cx="3206250" cy="720000"/>
         </a:xfrm>
         <a:prstGeom prst="rect">
           <a:avLst/>
@@ -3628,7 +3750,7 @@
         </a:bodyPr>
         <a:lstStyle/>
         <a:p>
-          <a:pPr marL="0" lvl="0" indent="0" algn="ctr" defTabSz="1066800">
+          <a:pPr marL="0" lvl="0" indent="0" algn="ctr" defTabSz="1022350">
             <a:lnSpc>
               <a:spcPct val="90000"/>
             </a:lnSpc>
@@ -3642,17 +3764,21 @@
             <a:defRPr cap="all"/>
           </a:pPr>
           <a:r>
-            <a:rPr lang="en-US" sz="2400" kern="1200" dirty="0">
-              <a:latin typeface="Times New Roman" panose="02020603050405020304" pitchFamily="18" charset="0"/>
-              <a:cs typeface="Times New Roman" panose="02020603050405020304" pitchFamily="18" charset="0"/>
+            <a:rPr lang="zh-TW" altLang="en-US" sz="2300" kern="1200" dirty="0">
+              <a:latin typeface="標楷體" panose="03000509000000000000" pitchFamily="65" charset="-120"/>
+              <a:ea typeface="標楷體" panose="03000509000000000000" pitchFamily="65" charset="-120"/>
             </a:rPr>
-            <a:t>Thanks for listening</a:t>
+            <a:t>感謝聆聽</a:t>
           </a:r>
+          <a:endParaRPr lang="en-US" sz="2300" kern="1200" dirty="0">
+            <a:latin typeface="標楷體" panose="03000509000000000000" pitchFamily="65" charset="-120"/>
+            <a:ea typeface="標楷體" panose="03000509000000000000" pitchFamily="65" charset="-120"/>
+          </a:endParaRPr>
         </a:p>
       </dsp:txBody>
       <dsp:txXfrm>
-        <a:off x="65415" y="3822791"/>
-        <a:ext cx="3262500" cy="324504"/>
+        <a:off x="93445" y="3018902"/>
+        <a:ext cx="3206250" cy="720000"/>
       </dsp:txXfrm>
     </dsp:sp>
     <dsp:sp modelId="{E25D46DA-3CCC-4690-B645-92B8158A50C4}">
@@ -3662,8 +3788,8 @@
       </dsp:nvSpPr>
       <dsp:spPr>
         <a:xfrm>
-          <a:off x="4535040" y="1095727"/>
-          <a:ext cx="1990125" cy="1990125"/>
+          <a:off x="4486008" y="453902"/>
+          <a:ext cx="1955812" cy="1955812"/>
         </a:xfrm>
         <a:prstGeom prst="ellipse">
           <a:avLst/>
@@ -3701,8 +3827,8 @@
       </dsp:nvSpPr>
       <dsp:spPr>
         <a:xfrm>
-          <a:off x="4959165" y="1519852"/>
-          <a:ext cx="1141875" cy="1141875"/>
+          <a:off x="4902820" y="870714"/>
+          <a:ext cx="1122187" cy="1122187"/>
         </a:xfrm>
         <a:prstGeom prst="rect">
           <a:avLst/>
@@ -3751,8 +3877,8 @@
       </dsp:nvSpPr>
       <dsp:spPr>
         <a:xfrm>
-          <a:off x="3898853" y="3705727"/>
-          <a:ext cx="3262500" cy="480590"/>
+          <a:off x="3860789" y="3018902"/>
+          <a:ext cx="3206250" cy="720000"/>
         </a:xfrm>
         <a:prstGeom prst="rect">
           <a:avLst/>
@@ -3781,7 +3907,7 @@
         </a:bodyPr>
         <a:lstStyle/>
         <a:p>
-          <a:pPr marL="0" lvl="0" indent="0" algn="ctr" defTabSz="1066800">
+          <a:pPr marL="0" lvl="0" indent="0" algn="ctr" defTabSz="1022350">
             <a:lnSpc>
               <a:spcPct val="90000"/>
             </a:lnSpc>
@@ -3795,21 +3921,21 @@
             <a:defRPr cap="all"/>
           </a:pPr>
           <a:r>
-            <a:rPr lang="en-US" altLang="zh-TW" sz="2400" kern="1200" dirty="0">
-              <a:latin typeface="Times New Roman" panose="02020603050405020304" pitchFamily="18" charset="0"/>
-              <a:cs typeface="Times New Roman" panose="02020603050405020304" pitchFamily="18" charset="0"/>
+            <a:rPr lang="zh-TW" altLang="en-US" sz="2300" kern="1200" dirty="0">
+              <a:latin typeface="標楷體" panose="03000509000000000000" pitchFamily="65" charset="-120"/>
+              <a:ea typeface="標楷體" panose="03000509000000000000" pitchFamily="65" charset="-120"/>
             </a:rPr>
-            <a:t>Welcome to ask questions</a:t>
+            <a:t>歡迎提問</a:t>
           </a:r>
-          <a:endParaRPr lang="en-US" sz="2400" kern="1200" dirty="0">
-            <a:latin typeface="Times New Roman" panose="02020603050405020304" pitchFamily="18" charset="0"/>
-            <a:cs typeface="Times New Roman" panose="02020603050405020304" pitchFamily="18" charset="0"/>
+          <a:endParaRPr lang="en-US" sz="2300" kern="1200" dirty="0">
+            <a:latin typeface="標楷體" panose="03000509000000000000" pitchFamily="65" charset="-120"/>
+            <a:ea typeface="標楷體" panose="03000509000000000000" pitchFamily="65" charset="-120"/>
           </a:endParaRPr>
         </a:p>
       </dsp:txBody>
       <dsp:txXfrm>
-        <a:off x="3898853" y="3705727"/>
-        <a:ext cx="3262500" cy="480590"/>
+        <a:off x="3860789" y="3018902"/>
+        <a:ext cx="3206250" cy="720000"/>
       </dsp:txXfrm>
     </dsp:sp>
     <dsp:sp modelId="{172B5539-CDB8-4AAF-88C5-F1BFC720604B}">
@@ -3819,8 +3945,8 @@
       </dsp:nvSpPr>
       <dsp:spPr>
         <a:xfrm>
-          <a:off x="8934375" y="1095727"/>
-          <a:ext cx="1990125" cy="1990125"/>
+          <a:off x="8253352" y="453902"/>
+          <a:ext cx="1955812" cy="1955812"/>
         </a:xfrm>
         <a:prstGeom prst="ellipse">
           <a:avLst/>
@@ -3858,8 +3984,8 @@
       </dsp:nvSpPr>
       <dsp:spPr>
         <a:xfrm>
-          <a:off x="9358500" y="1519852"/>
-          <a:ext cx="1141875" cy="1141875"/>
+          <a:off x="8670164" y="870714"/>
+          <a:ext cx="1122187" cy="1122187"/>
         </a:xfrm>
         <a:prstGeom prst="rect">
           <a:avLst/>
@@ -3908,8 +4034,8 @@
       </dsp:nvSpPr>
       <dsp:spPr>
         <a:xfrm>
-          <a:off x="7732290" y="3705727"/>
-          <a:ext cx="4394293" cy="480590"/>
+          <a:off x="7628133" y="3018902"/>
+          <a:ext cx="3206250" cy="720000"/>
         </a:xfrm>
         <a:prstGeom prst="rect">
           <a:avLst/>
@@ -3938,7 +4064,7 @@
         </a:bodyPr>
         <a:lstStyle/>
         <a:p>
-          <a:pPr marL="0" lvl="0" indent="0" algn="ctr" defTabSz="1066800">
+          <a:pPr marL="0" lvl="0" indent="0" algn="ctr" defTabSz="1022350">
             <a:lnSpc>
               <a:spcPct val="90000"/>
             </a:lnSpc>
@@ -3952,21 +4078,21 @@
             <a:defRPr cap="all"/>
           </a:pPr>
           <a:r>
-            <a:rPr lang="en-US" altLang="zh-TW" sz="2400" kern="1200" dirty="0">
-              <a:latin typeface="Times New Roman" panose="02020603050405020304" pitchFamily="18" charset="0"/>
-              <a:cs typeface="Times New Roman" panose="02020603050405020304" pitchFamily="18" charset="0"/>
+            <a:rPr lang="zh-TW" altLang="en-US" sz="2300" kern="1200" dirty="0">
+              <a:latin typeface="標楷體" panose="03000509000000000000" pitchFamily="65" charset="-120"/>
+              <a:ea typeface="標楷體" panose="03000509000000000000" pitchFamily="65" charset="-120"/>
             </a:rPr>
-            <a:t>If the answer to this question is incomplete, please let me know.</a:t>
+            <a:t>若問題回答不完整，還請告知</a:t>
           </a:r>
-          <a:endParaRPr lang="en-US" sz="2400" kern="1200" dirty="0">
-            <a:latin typeface="Times New Roman" panose="02020603050405020304" pitchFamily="18" charset="0"/>
-            <a:cs typeface="Times New Roman" panose="02020603050405020304" pitchFamily="18" charset="0"/>
+          <a:endParaRPr lang="en-US" sz="2300" kern="1200" dirty="0">
+            <a:latin typeface="標楷體" panose="03000509000000000000" pitchFamily="65" charset="-120"/>
+            <a:ea typeface="標楷體" panose="03000509000000000000" pitchFamily="65" charset="-120"/>
           </a:endParaRPr>
         </a:p>
       </dsp:txBody>
       <dsp:txXfrm>
-        <a:off x="7732290" y="3705727"/>
-        <a:ext cx="4394293" cy="480590"/>
+        <a:off x="7628133" y="3018902"/>
+        <a:ext cx="3206250" cy="720000"/>
       </dsp:txXfrm>
     </dsp:sp>
   </dsp:spTree>
@@ -10894,16 +11020,22 @@
           <a:p>
             <a:pPr algn="ctr"/>
             <a:r>
-              <a:rPr lang="en-US" altLang="zh-TW" sz="6100" kern="1200">
+              <a:rPr lang="zh-TW" altLang="en-US" sz="6100" kern="1200" dirty="0">
                 <a:solidFill>
                   <a:schemeClr val="tx1"/>
                 </a:solidFill>
-                <a:latin typeface="+mj-lt"/>
-                <a:ea typeface="+mj-ea"/>
-                <a:cs typeface="+mj-cs"/>
+                <a:latin typeface="標楷體" panose="03000509000000000000" pitchFamily="65" charset="-120"/>
+                <a:ea typeface="標楷體" panose="03000509000000000000" pitchFamily="65" charset="-120"/>
               </a:rPr>
-              <a:t>How can a wellness technology company play it smart</a:t>
-            </a:r>
+              <a:t>健康科技公司如何智能化</a:t>
+            </a:r>
+            <a:endParaRPr lang="en-US" altLang="zh-TW" sz="6100" kern="1200" dirty="0">
+              <a:solidFill>
+                <a:schemeClr val="tx1"/>
+              </a:solidFill>
+              <a:latin typeface="標楷體" panose="03000509000000000000" pitchFamily="65" charset="-120"/>
+              <a:ea typeface="標楷體" panose="03000509000000000000" pitchFamily="65" charset="-120"/>
+            </a:endParaRPr>
           </a:p>
         </p:txBody>
       </p:sp>
@@ -11132,15 +11264,24 @@
           <a:lstStyle/>
           <a:p>
             <a:r>
-              <a:rPr lang="en-US" altLang="zh-TW" kern="1200" dirty="0">
+              <a:rPr lang="zh-TW" altLang="en-US" sz="3600" kern="1200" dirty="0">
                 <a:solidFill>
                   <a:schemeClr val="tx1"/>
                 </a:solidFill>
-                <a:latin typeface="Times New Roman" panose="02020603050405020304" pitchFamily="18" charset="0"/>
+                <a:latin typeface="標楷體" panose="03000509000000000000" pitchFamily="65" charset="-120"/>
+                <a:ea typeface="標楷體" panose="03000509000000000000" pitchFamily="65" charset="-120"/>
                 <a:cs typeface="Times New Roman" panose="02020603050405020304" pitchFamily="18" charset="0"/>
               </a:rPr>
-              <a:t>Analyze</a:t>
-            </a:r>
+              <a:t>分析</a:t>
+            </a:r>
+            <a:endParaRPr lang="en-US" altLang="zh-TW" sz="3600" kern="1200" dirty="0">
+              <a:solidFill>
+                <a:schemeClr val="tx1"/>
+              </a:solidFill>
+              <a:latin typeface="標楷體" panose="03000509000000000000" pitchFamily="65" charset="-120"/>
+              <a:ea typeface="標楷體" panose="03000509000000000000" pitchFamily="65" charset="-120"/>
+              <a:cs typeface="Times New Roman" panose="02020603050405020304" pitchFamily="18" charset="0"/>
+            </a:endParaRPr>
           </a:p>
         </p:txBody>
       </p:sp>
@@ -11231,37 +11372,52 @@
         </p:spPr>
         <p:txBody>
           <a:bodyPr vert="horz" lIns="91440" tIns="45720" rIns="91440" bIns="45720" rtlCol="0" anchor="ctr">
-            <a:normAutofit fontScale="92500" lnSpcReduction="10000"/>
+            <a:normAutofit/>
           </a:bodyPr>
           <a:lstStyle/>
           <a:p>
-            <a:pPr marL="57150" indent="0" algn="ctr">
+            <a:pPr marL="285750" indent="0" algn="ctr">
               <a:buNone/>
             </a:pPr>
             <a:r>
-              <a:rPr lang="en-US" altLang="zh-TW" b="1" dirty="0">
-                <a:latin typeface="Times New Roman" panose="02020603050405020304" pitchFamily="18" charset="0"/>
+              <a:rPr lang="zh-TW" altLang="en-US" b="1" dirty="0">
+                <a:latin typeface="標楷體" panose="03000509000000000000" pitchFamily="65" charset="-120"/>
+                <a:ea typeface="標楷體" panose="03000509000000000000" pitchFamily="65" charset="-120"/>
                 <a:cs typeface="Times New Roman" panose="02020603050405020304" pitchFamily="18" charset="0"/>
               </a:rPr>
-              <a:t>Summary analysis</a:t>
-            </a:r>
-          </a:p>
-          <a:p>
-            <a:endParaRPr lang="en-US" altLang="zh-TW" sz="1800" b="0" i="0" dirty="0">
-              <a:effectLst/>
-              <a:latin typeface="Times New Roman" panose="02020603050405020304" pitchFamily="18" charset="0"/>
+              <a:t>分析摘要</a:t>
+            </a:r>
+            <a:endParaRPr lang="en-US" altLang="zh-TW" b="1" dirty="0">
+              <a:latin typeface="標楷體" panose="03000509000000000000" pitchFamily="65" charset="-120"/>
+              <a:ea typeface="標楷體" panose="03000509000000000000" pitchFamily="65" charset="-120"/>
               <a:cs typeface="Times New Roman" panose="02020603050405020304" pitchFamily="18" charset="0"/>
             </a:endParaRPr>
           </a:p>
           <a:p>
-            <a:r>
-              <a:rPr lang="en-US" altLang="zh-TW" sz="2600" b="0" i="0" dirty="0">
+            <a:pPr marL="571500" indent="-285750" algn="ctr"/>
+            <a:endParaRPr lang="en-US" altLang="zh-TW" sz="2400" b="0" i="0" dirty="0">
+              <a:effectLst/>
+              <a:latin typeface="標楷體" panose="03000509000000000000" pitchFamily="65" charset="-120"/>
+              <a:ea typeface="標楷體" panose="03000509000000000000" pitchFamily="65" charset="-120"/>
+              <a:cs typeface="Times New Roman" panose="02020603050405020304" pitchFamily="18" charset="0"/>
+            </a:endParaRPr>
+          </a:p>
+          <a:p>
+            <a:r>
+              <a:rPr lang="zh-TW" altLang="en-US" sz="2400" b="0" i="0" dirty="0">
                 <a:effectLst/>
-                <a:latin typeface="Times New Roman" panose="02020603050405020304" pitchFamily="18" charset="0"/>
+                <a:latin typeface="標楷體" panose="03000509000000000000" pitchFamily="65" charset="-120"/>
+                <a:ea typeface="標楷體" panose="03000509000000000000" pitchFamily="65" charset="-120"/>
                 <a:cs typeface="Times New Roman" panose="02020603050405020304" pitchFamily="18" charset="0"/>
               </a:rPr>
-              <a:t>Correlation between the number of hours slept and the number of hours spent in bed. The data points are very close, and the correlation is equally strong. If users want to enhance their well-being, it is evident that the time spent in bed must be increased.</a:t>
-            </a:r>
+              <a:t>睡眠時數與臥床時數之間的相關性。數據點非常接近，相關性同樣很強。如果使用者想要提高身心健康，顯然必須增加在床上的時間。</a:t>
+            </a:r>
+            <a:endParaRPr lang="en-US" altLang="zh-TW" sz="2400" b="0" i="0" dirty="0">
+              <a:effectLst/>
+              <a:latin typeface="標楷體" panose="03000509000000000000" pitchFamily="65" charset="-120"/>
+              <a:ea typeface="標楷體" panose="03000509000000000000" pitchFamily="65" charset="-120"/>
+              <a:cs typeface="Times New Roman" panose="02020603050405020304" pitchFamily="18" charset="0"/>
+            </a:endParaRPr>
           </a:p>
         </p:txBody>
       </p:sp>
@@ -11613,8 +11769,8 @@
         </p:nvSpPr>
         <p:spPr>
           <a:xfrm>
-            <a:off x="630936" y="1385668"/>
-            <a:ext cx="2154467" cy="972924"/>
+            <a:off x="630936" y="639520"/>
+            <a:ext cx="3429000" cy="1719072"/>
           </a:xfrm>
         </p:spPr>
         <p:txBody>
@@ -11624,16 +11780,22 @@
           <a:lstStyle/>
           <a:p>
             <a:r>
-              <a:rPr lang="en-US" altLang="zh-TW" kern="1200" dirty="0">
+              <a:rPr lang="zh-TW" altLang="en-US" sz="5400" kern="1200" dirty="0">
                 <a:solidFill>
                   <a:schemeClr val="tx1"/>
                 </a:solidFill>
-                <a:latin typeface="+mj-lt"/>
-                <a:ea typeface="+mj-ea"/>
-                <a:cs typeface="+mj-cs"/>
+                <a:latin typeface="標楷體" panose="03000509000000000000" pitchFamily="65" charset="-120"/>
+                <a:ea typeface="標楷體" panose="03000509000000000000" pitchFamily="65" charset="-120"/>
               </a:rPr>
-              <a:t>Analyze</a:t>
-            </a:r>
+              <a:t>分析</a:t>
+            </a:r>
+            <a:endParaRPr lang="en-US" altLang="zh-TW" sz="5400" kern="1200" dirty="0">
+              <a:solidFill>
+                <a:schemeClr val="tx1"/>
+              </a:solidFill>
+              <a:latin typeface="標楷體" panose="03000509000000000000" pitchFamily="65" charset="-120"/>
+              <a:ea typeface="標楷體" panose="03000509000000000000" pitchFamily="65" charset="-120"/>
+            </a:endParaRPr>
           </a:p>
         </p:txBody>
       </p:sp>
@@ -11928,46 +12090,60 @@
         </p:nvSpPr>
         <p:spPr>
           <a:xfrm>
-            <a:off x="0" y="2807207"/>
-            <a:ext cx="3616779" cy="3740549"/>
+            <a:off x="95932" y="2807208"/>
+            <a:ext cx="3488189" cy="3410712"/>
           </a:xfrm>
         </p:spPr>
         <p:txBody>
           <a:bodyPr vert="horz" lIns="91440" tIns="45720" rIns="91440" bIns="45720" rtlCol="0" anchor="t">
-            <a:normAutofit lnSpcReduction="10000"/>
+            <a:normAutofit/>
           </a:bodyPr>
           <a:lstStyle/>
           <a:p>
-            <a:pPr marL="57150" indent="0" algn="ctr">
+            <a:pPr marL="285750" indent="0" algn="ctr">
               <a:buNone/>
             </a:pPr>
             <a:r>
-              <a:rPr lang="en-US" altLang="zh-TW" b="1" dirty="0">
-                <a:latin typeface="Times New Roman" panose="02020603050405020304" pitchFamily="18" charset="0"/>
+              <a:rPr lang="zh-TW" altLang="en-US" b="1" dirty="0">
+                <a:latin typeface="標楷體" panose="03000509000000000000" pitchFamily="65" charset="-120"/>
+                <a:ea typeface="標楷體" panose="03000509000000000000" pitchFamily="65" charset="-120"/>
                 <a:cs typeface="Times New Roman" panose="02020603050405020304" pitchFamily="18" charset="0"/>
               </a:rPr>
-              <a:t>Summary analysis</a:t>
-            </a:r>
+              <a:t>分析摘要</a:t>
+            </a:r>
+            <a:endParaRPr lang="en-US" altLang="zh-TW" b="1" dirty="0">
+              <a:latin typeface="標楷體" panose="03000509000000000000" pitchFamily="65" charset="-120"/>
+              <a:ea typeface="標楷體" panose="03000509000000000000" pitchFamily="65" charset="-120"/>
+              <a:cs typeface="Times New Roman" panose="02020603050405020304" pitchFamily="18" charset="0"/>
+            </a:endParaRPr>
           </a:p>
           <a:p>
             <a:pPr marL="285750" indent="0">
               <a:buNone/>
             </a:pPr>
             <a:endParaRPr lang="en-US" altLang="zh-TW" sz="2200" dirty="0">
-              <a:latin typeface="Times New Roman" panose="02020603050405020304" pitchFamily="18" charset="0"/>
+              <a:latin typeface="標楷體" panose="03000509000000000000" pitchFamily="65" charset="-120"/>
+              <a:ea typeface="標楷體" panose="03000509000000000000" pitchFamily="65" charset="-120"/>
               <a:cs typeface="Times New Roman" panose="02020603050405020304" pitchFamily="18" charset="0"/>
             </a:endParaRPr>
           </a:p>
           <a:p>
             <a:pPr marL="628650" indent="-342900"/>
             <a:r>
-              <a:rPr lang="en-US" altLang="zh-TW" sz="2400" b="0" i="0" dirty="0">
+              <a:rPr lang="zh-TW" altLang="en-US" sz="2400" b="0" i="0" dirty="0">
                 <a:effectLst/>
-                <a:latin typeface="Times New Roman" panose="02020603050405020304" pitchFamily="18" charset="0"/>
+                <a:latin typeface="標楷體" panose="03000509000000000000" pitchFamily="65" charset="-120"/>
+                <a:ea typeface="標楷體" panose="03000509000000000000" pitchFamily="65" charset="-120"/>
                 <a:cs typeface="Times New Roman" panose="02020603050405020304" pitchFamily="18" charset="0"/>
               </a:rPr>
-              <a:t>While the average sedentary activity clearly dominates, it appears that there are no differences in activity levels based on the days of the week, regardless of the type of activity.</a:t>
-            </a:r>
+              <a:t>雖然平均久坐活動明顯占主導地位，但一周中不同天數的活動量似乎沒有差異，無論活動類型如何。</a:t>
+            </a:r>
+            <a:endParaRPr lang="en-US" altLang="zh-TW" sz="2400" b="0" i="0" dirty="0">
+              <a:effectLst/>
+              <a:latin typeface="標楷體" panose="03000509000000000000" pitchFamily="65" charset="-120"/>
+              <a:ea typeface="標楷體" panose="03000509000000000000" pitchFamily="65" charset="-120"/>
+              <a:cs typeface="Times New Roman" panose="02020603050405020304" pitchFamily="18" charset="0"/>
+            </a:endParaRPr>
           </a:p>
         </p:txBody>
       </p:sp>
@@ -12318,7 +12494,7 @@
         <p:spPr>
           <a:xfrm>
             <a:off x="5894962" y="480224"/>
-            <a:ext cx="5458838" cy="1325563"/>
+            <a:ext cx="1403909" cy="1325563"/>
           </a:xfrm>
         </p:spPr>
         <p:txBody>
@@ -12328,15 +12504,24 @@
           <a:lstStyle/>
           <a:p>
             <a:r>
-              <a:rPr lang="en-US" altLang="zh-TW" kern="1200" dirty="0">
+              <a:rPr lang="zh-TW" altLang="en-US" kern="1200" dirty="0">
                 <a:solidFill>
                   <a:schemeClr val="tx1"/>
                 </a:solidFill>
-                <a:latin typeface="Times New Roman" panose="02020603050405020304" pitchFamily="18" charset="0"/>
+                <a:latin typeface="標楷體" panose="03000509000000000000" pitchFamily="65" charset="-120"/>
+                <a:ea typeface="標楷體" panose="03000509000000000000" pitchFamily="65" charset="-120"/>
                 <a:cs typeface="Times New Roman" panose="02020603050405020304" pitchFamily="18" charset="0"/>
               </a:rPr>
-              <a:t>Analyze</a:t>
-            </a:r>
+              <a:t>分析</a:t>
+            </a:r>
+            <a:endParaRPr lang="en-US" altLang="zh-TW" kern="1200" dirty="0">
+              <a:solidFill>
+                <a:schemeClr val="tx1"/>
+              </a:solidFill>
+              <a:latin typeface="標楷體" panose="03000509000000000000" pitchFamily="65" charset="-120"/>
+              <a:ea typeface="標楷體" panose="03000509000000000000" pitchFamily="65" charset="-120"/>
+              <a:cs typeface="Times New Roman" panose="02020603050405020304" pitchFamily="18" charset="0"/>
+            </a:endParaRPr>
           </a:p>
         </p:txBody>
       </p:sp>
@@ -12584,57 +12769,47 @@
           </a:bodyPr>
           <a:lstStyle/>
           <a:p>
-            <a:pPr marL="57150" indent="0" algn="ctr">
+            <a:pPr marL="285750" indent="0" algn="ctr">
               <a:buNone/>
             </a:pPr>
             <a:r>
-              <a:rPr lang="en-US" altLang="zh-TW" b="1" dirty="0">
-                <a:latin typeface="Times New Roman" panose="02020603050405020304" pitchFamily="18" charset="0"/>
+              <a:rPr lang="zh-TW" altLang="en-US" b="1" dirty="0">
+                <a:latin typeface="標楷體" panose="03000509000000000000" pitchFamily="65" charset="-120"/>
+                <a:ea typeface="標楷體" panose="03000509000000000000" pitchFamily="65" charset="-120"/>
                 <a:cs typeface="Times New Roman" panose="02020603050405020304" pitchFamily="18" charset="0"/>
               </a:rPr>
-              <a:t>Summary analysis</a:t>
-            </a:r>
+              <a:t>分析摘要</a:t>
+            </a:r>
+            <a:endParaRPr lang="en-US" altLang="zh-TW" b="1" dirty="0">
+              <a:latin typeface="標楷體" panose="03000509000000000000" pitchFamily="65" charset="-120"/>
+              <a:ea typeface="標楷體" panose="03000509000000000000" pitchFamily="65" charset="-120"/>
+              <a:cs typeface="Times New Roman" panose="02020603050405020304" pitchFamily="18" charset="0"/>
+            </a:endParaRPr>
           </a:p>
           <a:p>
             <a:pPr marL="285750"/>
             <a:endParaRPr lang="en-US" altLang="zh-TW" dirty="0">
-              <a:latin typeface="Times New Roman" panose="02020603050405020304" pitchFamily="18" charset="0"/>
+              <a:latin typeface="標楷體" panose="03000509000000000000" pitchFamily="65" charset="-120"/>
+              <a:ea typeface="標楷體" panose="03000509000000000000" pitchFamily="65" charset="-120"/>
               <a:cs typeface="Times New Roman" panose="02020603050405020304" pitchFamily="18" charset="0"/>
             </a:endParaRPr>
           </a:p>
           <a:p>
             <a:pPr marL="514350"/>
             <a:r>
-              <a:rPr lang="en-US" altLang="zh-TW" sz="2400" dirty="0">
-                <a:latin typeface="Times New Roman" panose="02020603050405020304" pitchFamily="18" charset="0"/>
+              <a:rPr lang="zh-TW" altLang="en-US" sz="2400" dirty="0">
+                <a:latin typeface="標楷體" panose="03000509000000000000" pitchFamily="65" charset="-120"/>
+                <a:ea typeface="標楷體" panose="03000509000000000000" pitchFamily="65" charset="-120"/>
                 <a:cs typeface="Times New Roman" panose="02020603050405020304" pitchFamily="18" charset="0"/>
               </a:rPr>
-              <a:t>T</a:t>
-            </a:r>
-            <a:r>
-              <a:rPr lang="en-US" altLang="zh-TW" sz="2400" b="0" i="0" dirty="0">
-                <a:effectLst/>
-                <a:latin typeface="Times New Roman" panose="02020603050405020304" pitchFamily="18" charset="0"/>
-                <a:cs typeface="Times New Roman" panose="02020603050405020304" pitchFamily="18" charset="0"/>
-              </a:rPr>
-              <a:t>he Saturday </a:t>
-            </a:r>
-            <a:r>
-              <a:rPr lang="en-US" altLang="zh-TW" sz="2400" b="0" i="0">
-                <a:effectLst/>
-                <a:latin typeface="Times New Roman" panose="02020603050405020304" pitchFamily="18" charset="0"/>
-                <a:cs typeface="Times New Roman" panose="02020603050405020304" pitchFamily="18" charset="0"/>
-              </a:rPr>
-              <a:t>and Tuesday </a:t>
-            </a:r>
-            <a:r>
-              <a:rPr lang="en-US" altLang="zh-TW" sz="2400" b="0" i="0" dirty="0">
-                <a:effectLst/>
-                <a:latin typeface="Times New Roman" panose="02020603050405020304" pitchFamily="18" charset="0"/>
-                <a:cs typeface="Times New Roman" panose="02020603050405020304" pitchFamily="18" charset="0"/>
-              </a:rPr>
-              <a:t>show a slight increase compared to the other days of the week, which could be explained by non-working days.</a:t>
-            </a:r>
+              <a:t>週六和週二與一周中的其他日子相比略有增加，原因可能是非工作日。</a:t>
+            </a:r>
+            <a:endParaRPr lang="en-US" altLang="zh-TW" sz="2400" b="0" i="0" dirty="0">
+              <a:effectLst/>
+              <a:latin typeface="標楷體" panose="03000509000000000000" pitchFamily="65" charset="-120"/>
+              <a:ea typeface="標楷體" panose="03000509000000000000" pitchFamily="65" charset="-120"/>
+              <a:cs typeface="Times New Roman" panose="02020603050405020304" pitchFamily="18" charset="0"/>
+            </a:endParaRPr>
           </a:p>
         </p:txBody>
       </p:sp>
@@ -12700,26 +12875,35 @@
         </p:nvSpPr>
         <p:spPr>
           <a:xfrm>
-            <a:off x="633047" y="816428"/>
-            <a:ext cx="2250830" cy="1058486"/>
+            <a:off x="1178771" y="816428"/>
+            <a:ext cx="1033749" cy="634930"/>
           </a:xfrm>
         </p:spPr>
         <p:txBody>
           <a:bodyPr vert="horz" lIns="91440" tIns="45720" rIns="91440" bIns="45720" rtlCol="0" anchor="b">
-            <a:noAutofit/>
+            <a:normAutofit/>
           </a:bodyPr>
           <a:lstStyle/>
           <a:p>
             <a:r>
-              <a:rPr lang="en-US" altLang="zh-TW" kern="1200" dirty="0">
+              <a:rPr lang="zh-TW" altLang="en-US" sz="3200" kern="1200" dirty="0">
                 <a:solidFill>
                   <a:schemeClr val="tx1"/>
                 </a:solidFill>
-                <a:latin typeface="Times New Roman" panose="02020603050405020304" pitchFamily="18" charset="0"/>
+                <a:latin typeface="標楷體" panose="03000509000000000000" pitchFamily="65" charset="-120"/>
+                <a:ea typeface="標楷體" panose="03000509000000000000" pitchFamily="65" charset="-120"/>
                 <a:cs typeface="Times New Roman" panose="02020603050405020304" pitchFamily="18" charset="0"/>
               </a:rPr>
-              <a:t>Analyze</a:t>
-            </a:r>
+              <a:t>分析</a:t>
+            </a:r>
+            <a:endParaRPr lang="en-US" altLang="zh-TW" sz="3200" kern="1200" dirty="0">
+              <a:solidFill>
+                <a:schemeClr val="tx1"/>
+              </a:solidFill>
+              <a:latin typeface="標楷體" panose="03000509000000000000" pitchFamily="65" charset="-120"/>
+              <a:ea typeface="標楷體" panose="03000509000000000000" pitchFamily="65" charset="-120"/>
+              <a:cs typeface="Times New Roman" panose="02020603050405020304" pitchFamily="18" charset="0"/>
+            </a:endParaRPr>
           </a:p>
         </p:txBody>
       </p:sp>
@@ -12751,42 +12935,96 @@
           </a:bodyPr>
           <a:lstStyle/>
           <a:p>
-            <a:pPr marL="57150" indent="0" algn="ctr">
+            <a:pPr marL="285750" indent="0" algn="ctr">
               <a:buNone/>
             </a:pPr>
             <a:r>
-              <a:rPr lang="en-US" altLang="zh-TW" b="1" dirty="0">
-                <a:latin typeface="Times New Roman" panose="02020603050405020304" pitchFamily="18" charset="0"/>
+              <a:rPr lang="zh-TW" altLang="en-US" b="1" dirty="0">
+                <a:latin typeface="標楷體" panose="03000509000000000000" pitchFamily="65" charset="-120"/>
+                <a:ea typeface="標楷體" panose="03000509000000000000" pitchFamily="65" charset="-120"/>
                 <a:cs typeface="Times New Roman" panose="02020603050405020304" pitchFamily="18" charset="0"/>
               </a:rPr>
-              <a:t>Summary analysis</a:t>
-            </a:r>
-          </a:p>
-          <a:p>
-            <a:pPr marL="57150" indent="0" algn="ctr">
+              <a:t>分析摘要</a:t>
+            </a:r>
+            <a:endParaRPr lang="en-US" altLang="zh-TW" b="1" dirty="0">
+              <a:latin typeface="標楷體" panose="03000509000000000000" pitchFamily="65" charset="-120"/>
+              <a:ea typeface="標楷體" panose="03000509000000000000" pitchFamily="65" charset="-120"/>
+              <a:cs typeface="Times New Roman" panose="02020603050405020304" pitchFamily="18" charset="0"/>
+            </a:endParaRPr>
+          </a:p>
+          <a:p>
+            <a:pPr marL="285750" indent="0" algn="ctr">
               <a:buNone/>
             </a:pPr>
-            <a:endParaRPr lang="en-US" altLang="zh-TW" sz="2000" b="1" dirty="0">
-              <a:latin typeface="Times New Roman" panose="02020603050405020304" pitchFamily="18" charset="0"/>
+            <a:endParaRPr lang="en-US" altLang="zh-TW" sz="2000" dirty="0">
+              <a:latin typeface="標楷體" panose="03000509000000000000" pitchFamily="65" charset="-120"/>
+              <a:ea typeface="標楷體" panose="03000509000000000000" pitchFamily="65" charset="-120"/>
               <a:cs typeface="Times New Roman" panose="02020603050405020304" pitchFamily="18" charset="0"/>
             </a:endParaRPr>
           </a:p>
           <a:p>
             <a:r>
-              <a:rPr lang="en-US" altLang="zh-TW" sz="2400" dirty="0">
-                <a:latin typeface="Times New Roman" panose="02020603050405020304" pitchFamily="18" charset="0"/>
+              <a:rPr lang="zh-TW" altLang="en-US" sz="2400" dirty="0">
+                <a:latin typeface="標楷體" panose="03000509000000000000" pitchFamily="65" charset="-120"/>
+                <a:ea typeface="標楷體" panose="03000509000000000000" pitchFamily="65" charset="-120"/>
                 <a:cs typeface="Times New Roman" panose="02020603050405020304" pitchFamily="18" charset="0"/>
               </a:rPr>
-              <a:t>M</a:t>
-            </a:r>
-            <a:r>
-              <a:rPr lang="en-US" altLang="zh-TW" sz="2400" b="0" i="0" dirty="0">
-                <a:effectLst/>
-                <a:latin typeface="Times New Roman" panose="02020603050405020304" pitchFamily="18" charset="0"/>
+              <a:t>最活躍的時間是下午 </a:t>
+            </a:r>
+            <a:r>
+              <a:rPr lang="en-US" altLang="zh-TW" sz="2400" dirty="0">
+                <a:latin typeface="標楷體" panose="03000509000000000000" pitchFamily="65" charset="-120"/>
+                <a:ea typeface="標楷體" panose="03000509000000000000" pitchFamily="65" charset="-120"/>
                 <a:cs typeface="Times New Roman" panose="02020603050405020304" pitchFamily="18" charset="0"/>
               </a:rPr>
-              <a:t>ost active hours are after work from 5 to 7 PM, as well as the break hours starting from 12 PM.</a:t>
-            </a:r>
+              <a:t>5 </a:t>
+            </a:r>
+            <a:r>
+              <a:rPr lang="zh-TW" altLang="en-US" sz="2400" dirty="0">
+                <a:latin typeface="標楷體" panose="03000509000000000000" pitchFamily="65" charset="-120"/>
+                <a:ea typeface="標楷體" panose="03000509000000000000" pitchFamily="65" charset="-120"/>
+                <a:cs typeface="Times New Roman" panose="02020603050405020304" pitchFamily="18" charset="0"/>
+              </a:rPr>
+              <a:t>點到 </a:t>
+            </a:r>
+            <a:r>
+              <a:rPr lang="en-US" altLang="zh-TW" sz="2400" dirty="0">
+                <a:latin typeface="標楷體" panose="03000509000000000000" pitchFamily="65" charset="-120"/>
+                <a:ea typeface="標楷體" panose="03000509000000000000" pitchFamily="65" charset="-120"/>
+                <a:cs typeface="Times New Roman" panose="02020603050405020304" pitchFamily="18" charset="0"/>
+              </a:rPr>
+              <a:t>7 </a:t>
+            </a:r>
+            <a:r>
+              <a:rPr lang="zh-TW" altLang="en-US" sz="2400" dirty="0">
+                <a:latin typeface="標楷體" panose="03000509000000000000" pitchFamily="65" charset="-120"/>
+                <a:ea typeface="標楷體" panose="03000509000000000000" pitchFamily="65" charset="-120"/>
+                <a:cs typeface="Times New Roman" panose="02020603050405020304" pitchFamily="18" charset="0"/>
+              </a:rPr>
+              <a:t>點下班後，以及從中午 </a:t>
+            </a:r>
+            <a:r>
+              <a:rPr lang="en-US" altLang="zh-TW" sz="2400" dirty="0">
+                <a:latin typeface="標楷體" panose="03000509000000000000" pitchFamily="65" charset="-120"/>
+                <a:ea typeface="標楷體" panose="03000509000000000000" pitchFamily="65" charset="-120"/>
+                <a:cs typeface="Times New Roman" panose="02020603050405020304" pitchFamily="18" charset="0"/>
+              </a:rPr>
+              <a:t>12 </a:t>
+            </a:r>
+            <a:r>
+              <a:rPr lang="zh-TW" altLang="en-US" sz="2400" dirty="0">
+                <a:latin typeface="標楷體" panose="03000509000000000000" pitchFamily="65" charset="-120"/>
+                <a:ea typeface="標楷體" panose="03000509000000000000" pitchFamily="65" charset="-120"/>
+                <a:cs typeface="Times New Roman" panose="02020603050405020304" pitchFamily="18" charset="0"/>
+              </a:rPr>
+              <a:t>點開始的休息時間。</a:t>
+            </a:r>
+            <a:endParaRPr lang="en-US" altLang="zh-TW" sz="2400" b="0" i="0" dirty="0">
+              <a:effectLst/>
+              <a:latin typeface="標楷體" panose="03000509000000000000" pitchFamily="65" charset="-120"/>
+              <a:ea typeface="標楷體" panose="03000509000000000000" pitchFamily="65" charset="-120"/>
+              <a:cs typeface="Times New Roman" panose="02020603050405020304" pitchFamily="18" charset="0"/>
+            </a:endParaRPr>
           </a:p>
         </p:txBody>
       </p:sp>
@@ -13264,15 +13502,24 @@
           <a:lstStyle/>
           <a:p>
             <a:r>
-              <a:rPr lang="en-US" altLang="zh-TW" kern="1200" dirty="0">
+              <a:rPr lang="zh-TW" altLang="en-US" kern="1200" dirty="0">
                 <a:solidFill>
                   <a:srgbClr val="FFFFFF"/>
                 </a:solidFill>
-                <a:latin typeface="Times New Roman" panose="02020603050405020304" pitchFamily="18" charset="0"/>
+                <a:latin typeface="標楷體" panose="03000509000000000000" pitchFamily="65" charset="-120"/>
+                <a:ea typeface="標楷體" panose="03000509000000000000" pitchFamily="65" charset="-120"/>
                 <a:cs typeface="Times New Roman" panose="02020603050405020304" pitchFamily="18" charset="0"/>
               </a:rPr>
-              <a:t>Share</a:t>
-            </a:r>
+              <a:t>分享</a:t>
+            </a:r>
+            <a:endParaRPr lang="en-US" altLang="zh-TW" kern="1200" dirty="0">
+              <a:solidFill>
+                <a:srgbClr val="FFFFFF"/>
+              </a:solidFill>
+              <a:latin typeface="標楷體" panose="03000509000000000000" pitchFamily="65" charset="-120"/>
+              <a:ea typeface="標楷體" panose="03000509000000000000" pitchFamily="65" charset="-120"/>
+              <a:cs typeface="Times New Roman" panose="02020603050405020304" pitchFamily="18" charset="0"/>
+            </a:endParaRPr>
           </a:p>
         </p:txBody>
       </p:sp>
@@ -13356,7 +13603,7 @@
         <p:spPr>
           <a:xfrm>
             <a:off x="4447308" y="138793"/>
-            <a:ext cx="7510230" cy="6719207"/>
+            <a:ext cx="6906491" cy="6719207"/>
           </a:xfrm>
         </p:spPr>
         <p:txBody>
@@ -13369,51 +13616,13 @@
               <a:buNone/>
             </a:pPr>
             <a:r>
-              <a:rPr lang="en-US" altLang="zh-TW" b="1" dirty="0">
-                <a:latin typeface="Times New Roman" panose="02020603050405020304" pitchFamily="18" charset="0"/>
+              <a:rPr lang="zh-TW" altLang="en-US" b="1" dirty="0">
+                <a:latin typeface="標楷體" panose="03000509000000000000" pitchFamily="65" charset="-120"/>
+                <a:ea typeface="標楷體" panose="03000509000000000000" pitchFamily="65" charset="-120"/>
                 <a:cs typeface="Times New Roman" panose="02020603050405020304" pitchFamily="18" charset="0"/>
               </a:rPr>
-              <a:t>Questions:</a:t>
-            </a:r>
-          </a:p>
-          <a:p>
-            <a:pPr marL="0"/>
-            <a:r>
-              <a:rPr lang="en-US" altLang="zh-TW" sz="2200" dirty="0">
-                <a:latin typeface="Times New Roman" panose="02020603050405020304" pitchFamily="18" charset="0"/>
-                <a:cs typeface="Times New Roman" panose="02020603050405020304" pitchFamily="18" charset="0"/>
-              </a:rPr>
-              <a:t>1. What are some trends in smart device usage to apply to customers?</a:t>
-            </a:r>
-          </a:p>
-          <a:p>
-            <a:pPr marL="0"/>
-            <a:r>
-              <a:rPr lang="en-US" altLang="zh-TW" sz="2200" dirty="0">
-                <a:latin typeface="Times New Roman" panose="02020603050405020304" pitchFamily="18" charset="0"/>
-                <a:cs typeface="Times New Roman" panose="02020603050405020304" pitchFamily="18" charset="0"/>
-              </a:rPr>
-              <a:t>2. How could these trends help influence Bx marketing strategy?</a:t>
-            </a:r>
-          </a:p>
-          <a:p>
-            <a:pPr marL="285750" indent="0" algn="ctr">
-              <a:buNone/>
-            </a:pPr>
-            <a:r>
-              <a:rPr lang="en-US" altLang="zh-TW" b="1" dirty="0">
-                <a:latin typeface="Times New Roman" panose="02020603050405020304" pitchFamily="18" charset="0"/>
-                <a:cs typeface="Times New Roman" panose="02020603050405020304" pitchFamily="18" charset="0"/>
-              </a:rPr>
-              <a:t>Answer:</a:t>
-            </a:r>
-            <a:endParaRPr lang="en-US" altLang="zh-TW" b="1" dirty="0">
-              <a:solidFill>
-                <a:srgbClr val="1F1F1F"/>
-              </a:solidFill>
-              <a:latin typeface="Times New Roman" panose="02020603050405020304" pitchFamily="18" charset="0"/>
-              <a:cs typeface="Times New Roman" panose="02020603050405020304" pitchFamily="18" charset="0"/>
-            </a:endParaRPr>
+              <a:t>問題：</a:t>
+            </a:r>
           </a:p>
           <a:p>
             <a:pPr marL="0" indent="0">
@@ -13421,13 +13630,19 @@
             </a:pPr>
             <a:r>
               <a:rPr lang="en-US" altLang="zh-TW" sz="2400" dirty="0">
-                <a:solidFill>
-                  <a:srgbClr val="1F1F1F"/>
-                </a:solidFill>
-                <a:latin typeface="Times New Roman" panose="02020603050405020304" pitchFamily="18" charset="0"/>
+                <a:latin typeface="標楷體" panose="03000509000000000000" pitchFamily="65" charset="-120"/>
+                <a:ea typeface="標楷體" panose="03000509000000000000" pitchFamily="65" charset="-120"/>
                 <a:cs typeface="Times New Roman" panose="02020603050405020304" pitchFamily="18" charset="0"/>
               </a:rPr>
-              <a:t>1. Smart Device Usage Trends:</a:t>
+              <a:t>1.</a:t>
+            </a:r>
+            <a:r>
+              <a:rPr lang="zh-TW" altLang="en-US" sz="2400" dirty="0">
+                <a:latin typeface="標楷體" panose="03000509000000000000" pitchFamily="65" charset="-120"/>
+                <a:ea typeface="標楷體" panose="03000509000000000000" pitchFamily="65" charset="-120"/>
+                <a:cs typeface="Times New Roman" panose="02020603050405020304" pitchFamily="18" charset="0"/>
+              </a:rPr>
+              <a:t>客戶使用智慧型設備的趨勢有哪些？</a:t>
             </a:r>
           </a:p>
           <a:p>
@@ -13436,29 +13651,69 @@
             </a:pPr>
             <a:r>
               <a:rPr lang="en-US" altLang="zh-TW" sz="2400" dirty="0">
-                <a:solidFill>
-                  <a:srgbClr val="1F1F1F"/>
-                </a:solidFill>
-                <a:latin typeface="Times New Roman" panose="02020603050405020304" pitchFamily="18" charset="0"/>
+                <a:latin typeface="標楷體" panose="03000509000000000000" pitchFamily="65" charset="-120"/>
+                <a:ea typeface="標楷體" panose="03000509000000000000" pitchFamily="65" charset="-120"/>
                 <a:cs typeface="Times New Roman" panose="02020603050405020304" pitchFamily="18" charset="0"/>
               </a:rPr>
-              <a:t>   - Peak activity hours: 5 to 7 PM and 12 PM.</a:t>
-            </a:r>
+              <a:t>2.</a:t>
+            </a:r>
+            <a:r>
+              <a:rPr lang="zh-TW" altLang="en-US" sz="2400" dirty="0">
+                <a:latin typeface="標楷體" panose="03000509000000000000" pitchFamily="65" charset="-120"/>
+                <a:ea typeface="標楷體" panose="03000509000000000000" pitchFamily="65" charset="-120"/>
+                <a:cs typeface="Times New Roman" panose="02020603050405020304" pitchFamily="18" charset="0"/>
+              </a:rPr>
+              <a:t>這些趨勢如何影響 </a:t>
+            </a:r>
+            <a:r>
+              <a:rPr lang="en-US" altLang="zh-TW" sz="2400" dirty="0">
+                <a:latin typeface="標楷體" panose="03000509000000000000" pitchFamily="65" charset="-120"/>
+                <a:ea typeface="標楷體" panose="03000509000000000000" pitchFamily="65" charset="-120"/>
+                <a:cs typeface="Times New Roman" panose="02020603050405020304" pitchFamily="18" charset="0"/>
+              </a:rPr>
+              <a:t>Bx </a:t>
+            </a:r>
+            <a:r>
+              <a:rPr lang="zh-TW" altLang="en-US" sz="2400" dirty="0">
+                <a:latin typeface="標楷體" panose="03000509000000000000" pitchFamily="65" charset="-120"/>
+                <a:ea typeface="標楷體" panose="03000509000000000000" pitchFamily="65" charset="-120"/>
+                <a:cs typeface="Times New Roman" panose="02020603050405020304" pitchFamily="18" charset="0"/>
+              </a:rPr>
+              <a:t>的行銷策略？</a:t>
+            </a:r>
+            <a:endParaRPr lang="en-US" altLang="zh-TW" sz="2400" dirty="0">
+              <a:latin typeface="標楷體" panose="03000509000000000000" pitchFamily="65" charset="-120"/>
+              <a:ea typeface="標楷體" panose="03000509000000000000" pitchFamily="65" charset="-120"/>
+              <a:cs typeface="Times New Roman" panose="02020603050405020304" pitchFamily="18" charset="0"/>
+            </a:endParaRPr>
           </a:p>
           <a:p>
             <a:pPr marL="0" indent="0">
               <a:buNone/>
             </a:pPr>
-            <a:r>
-              <a:rPr lang="en-US" altLang="zh-TW" sz="2400" dirty="0">
-                <a:solidFill>
-                  <a:srgbClr val="1F1F1F"/>
-                </a:solidFill>
-                <a:latin typeface="Times New Roman" panose="02020603050405020304" pitchFamily="18" charset="0"/>
+            <a:endParaRPr lang="zh-TW" altLang="en-US" sz="2400" dirty="0">
+              <a:latin typeface="標楷體" panose="03000509000000000000" pitchFamily="65" charset="-120"/>
+              <a:ea typeface="標楷體" panose="03000509000000000000" pitchFamily="65" charset="-120"/>
+              <a:cs typeface="Times New Roman" panose="02020603050405020304" pitchFamily="18" charset="0"/>
+            </a:endParaRPr>
+          </a:p>
+          <a:p>
+            <a:pPr marL="0" indent="0" algn="ctr">
+              <a:buNone/>
+            </a:pPr>
+            <a:r>
+              <a:rPr lang="zh-TW" altLang="en-US" b="1" dirty="0">
+                <a:latin typeface="標楷體" panose="03000509000000000000" pitchFamily="65" charset="-120"/>
+                <a:ea typeface="標楷體" panose="03000509000000000000" pitchFamily="65" charset="-120"/>
                 <a:cs typeface="Times New Roman" panose="02020603050405020304" pitchFamily="18" charset="0"/>
               </a:rPr>
-              <a:t>   - Slight increase on weekends and Wednesdays.</a:t>
-            </a:r>
+              <a:t>答案：</a:t>
+            </a:r>
+            <a:endParaRPr lang="en-US" altLang="zh-TW" b="1" dirty="0">
+              <a:latin typeface="標楷體" panose="03000509000000000000" pitchFamily="65" charset="-120"/>
+              <a:ea typeface="標楷體" panose="03000509000000000000" pitchFamily="65" charset="-120"/>
+              <a:cs typeface="Times New Roman" panose="02020603050405020304" pitchFamily="18" charset="0"/>
+            </a:endParaRPr>
           </a:p>
           <a:p>
             <a:pPr marL="0" indent="0">
@@ -13466,86 +13721,169 @@
             </a:pPr>
             <a:r>
               <a:rPr lang="en-US" altLang="zh-TW" sz="2400" dirty="0">
-                <a:solidFill>
-                  <a:srgbClr val="1F1F1F"/>
-                </a:solidFill>
-                <a:latin typeface="Times New Roman" panose="02020603050405020304" pitchFamily="18" charset="0"/>
+                <a:latin typeface="標楷體" panose="03000509000000000000" pitchFamily="65" charset="-120"/>
+                <a:ea typeface="標楷體" panose="03000509000000000000" pitchFamily="65" charset="-120"/>
                 <a:cs typeface="Times New Roman" panose="02020603050405020304" pitchFamily="18" charset="0"/>
               </a:rPr>
-              <a:t>   - No significant differences in activity levels on weekdays.</a:t>
-            </a:r>
+              <a:t>1.</a:t>
+            </a:r>
+            <a:r>
+              <a:rPr lang="zh-TW" altLang="en-US" sz="2400" dirty="0">
+                <a:latin typeface="標楷體" panose="03000509000000000000" pitchFamily="65" charset="-120"/>
+                <a:ea typeface="標楷體" panose="03000509000000000000" pitchFamily="65" charset="-120"/>
+                <a:cs typeface="Times New Roman" panose="02020603050405020304" pitchFamily="18" charset="0"/>
+              </a:rPr>
+              <a:t>智慧型設備使用趨勢：</a:t>
+            </a:r>
+          </a:p>
+          <a:p>
+            <a:r>
+              <a:rPr lang="zh-TW" altLang="en-US" sz="2400" dirty="0">
+                <a:latin typeface="標楷體" panose="03000509000000000000" pitchFamily="65" charset="-120"/>
+                <a:ea typeface="標楷體" panose="03000509000000000000" pitchFamily="65" charset="-120"/>
+                <a:cs typeface="Times New Roman" panose="02020603050405020304" pitchFamily="18" charset="0"/>
+              </a:rPr>
+              <a:t>尖峰活動時間：下午 </a:t>
+            </a:r>
+            <a:r>
+              <a:rPr lang="en-US" altLang="zh-TW" sz="2400" dirty="0">
+                <a:latin typeface="標楷體" panose="03000509000000000000" pitchFamily="65" charset="-120"/>
+                <a:ea typeface="標楷體" panose="03000509000000000000" pitchFamily="65" charset="-120"/>
+                <a:cs typeface="Times New Roman" panose="02020603050405020304" pitchFamily="18" charset="0"/>
+              </a:rPr>
+              <a:t>5 </a:t>
+            </a:r>
+            <a:r>
+              <a:rPr lang="zh-TW" altLang="en-US" sz="2400" dirty="0">
+                <a:latin typeface="標楷體" panose="03000509000000000000" pitchFamily="65" charset="-120"/>
+                <a:ea typeface="標楷體" panose="03000509000000000000" pitchFamily="65" charset="-120"/>
+                <a:cs typeface="Times New Roman" panose="02020603050405020304" pitchFamily="18" charset="0"/>
+              </a:rPr>
+              <a:t>點至 </a:t>
+            </a:r>
+            <a:r>
+              <a:rPr lang="en-US" altLang="zh-TW" sz="2400" dirty="0">
+                <a:latin typeface="標楷體" panose="03000509000000000000" pitchFamily="65" charset="-120"/>
+                <a:ea typeface="標楷體" panose="03000509000000000000" pitchFamily="65" charset="-120"/>
+                <a:cs typeface="Times New Roman" panose="02020603050405020304" pitchFamily="18" charset="0"/>
+              </a:rPr>
+              <a:t>7 </a:t>
+            </a:r>
+            <a:r>
+              <a:rPr lang="zh-TW" altLang="en-US" sz="2400" dirty="0">
+                <a:latin typeface="標楷體" panose="03000509000000000000" pitchFamily="65" charset="-120"/>
+                <a:ea typeface="標楷體" panose="03000509000000000000" pitchFamily="65" charset="-120"/>
+                <a:cs typeface="Times New Roman" panose="02020603050405020304" pitchFamily="18" charset="0"/>
+              </a:rPr>
+              <a:t>點和晚上 </a:t>
+            </a:r>
+            <a:r>
+              <a:rPr lang="en-US" altLang="zh-TW" sz="2400" dirty="0">
+                <a:latin typeface="標楷體" panose="03000509000000000000" pitchFamily="65" charset="-120"/>
+                <a:ea typeface="標楷體" panose="03000509000000000000" pitchFamily="65" charset="-120"/>
+                <a:cs typeface="Times New Roman" panose="02020603050405020304" pitchFamily="18" charset="0"/>
+              </a:rPr>
+              <a:t>12 </a:t>
+            </a:r>
+            <a:r>
+              <a:rPr lang="zh-TW" altLang="en-US" sz="2400" dirty="0">
+                <a:latin typeface="標楷體" panose="03000509000000000000" pitchFamily="65" charset="-120"/>
+                <a:ea typeface="標楷體" panose="03000509000000000000" pitchFamily="65" charset="-120"/>
+                <a:cs typeface="Times New Roman" panose="02020603050405020304" pitchFamily="18" charset="0"/>
+              </a:rPr>
+              <a:t>點。</a:t>
+            </a:r>
+          </a:p>
+          <a:p>
+            <a:r>
+              <a:rPr lang="zh-TW" altLang="en-US" sz="2400" dirty="0">
+                <a:latin typeface="標楷體" panose="03000509000000000000" pitchFamily="65" charset="-120"/>
+                <a:ea typeface="標楷體" panose="03000509000000000000" pitchFamily="65" charset="-120"/>
+                <a:cs typeface="Times New Roman" panose="02020603050405020304" pitchFamily="18" charset="0"/>
+              </a:rPr>
+              <a:t>週末和週三略有增加。</a:t>
+            </a:r>
+          </a:p>
+          <a:p>
+            <a:r>
+              <a:rPr lang="zh-TW" altLang="en-US" sz="2400" dirty="0">
+                <a:latin typeface="標楷體" panose="03000509000000000000" pitchFamily="65" charset="-120"/>
+                <a:ea typeface="標楷體" panose="03000509000000000000" pitchFamily="65" charset="-120"/>
+                <a:cs typeface="Times New Roman" panose="02020603050405020304" pitchFamily="18" charset="0"/>
+              </a:rPr>
+              <a:t>平日活動量無明顯差異。</a:t>
+            </a:r>
+            <a:endParaRPr lang="en-US" altLang="zh-TW" sz="2400" dirty="0">
+              <a:latin typeface="標楷體" panose="03000509000000000000" pitchFamily="65" charset="-120"/>
+              <a:ea typeface="標楷體" panose="03000509000000000000" pitchFamily="65" charset="-120"/>
+              <a:cs typeface="Times New Roman" panose="02020603050405020304" pitchFamily="18" charset="0"/>
+            </a:endParaRPr>
+          </a:p>
+          <a:p>
+            <a:endParaRPr lang="zh-TW" altLang="en-US" sz="2400" dirty="0">
+              <a:latin typeface="標楷體" panose="03000509000000000000" pitchFamily="65" charset="-120"/>
+              <a:ea typeface="標楷體" panose="03000509000000000000" pitchFamily="65" charset="-120"/>
+              <a:cs typeface="Times New Roman" panose="02020603050405020304" pitchFamily="18" charset="0"/>
+            </a:endParaRPr>
           </a:p>
           <a:p>
             <a:pPr marL="0" indent="0">
               <a:buNone/>
             </a:pPr>
+            <a:r>
+              <a:rPr lang="en-US" altLang="zh-TW" sz="2400" dirty="0">
+                <a:latin typeface="標楷體" panose="03000509000000000000" pitchFamily="65" charset="-120"/>
+                <a:ea typeface="標楷體" panose="03000509000000000000" pitchFamily="65" charset="-120"/>
+                <a:cs typeface="Times New Roman" panose="02020603050405020304" pitchFamily="18" charset="0"/>
+              </a:rPr>
+              <a:t>2.</a:t>
+            </a:r>
+            <a:r>
+              <a:rPr lang="zh-TW" altLang="en-US" sz="2400" dirty="0">
+                <a:latin typeface="標楷體" panose="03000509000000000000" pitchFamily="65" charset="-120"/>
+                <a:ea typeface="標楷體" panose="03000509000000000000" pitchFamily="65" charset="-120"/>
+                <a:cs typeface="Times New Roman" panose="02020603050405020304" pitchFamily="18" charset="0"/>
+              </a:rPr>
+              <a:t>行銷策略：</a:t>
+            </a:r>
+          </a:p>
+          <a:p>
+            <a:r>
+              <a:rPr lang="zh-TW" altLang="en-US" sz="2400" dirty="0">
+                <a:latin typeface="標楷體" panose="03000509000000000000" pitchFamily="65" charset="-120"/>
+                <a:ea typeface="標楷體" panose="03000509000000000000" pitchFamily="65" charset="-120"/>
+                <a:cs typeface="Times New Roman" panose="02020603050405020304" pitchFamily="18" charset="0"/>
+              </a:rPr>
+              <a:t>針對活動高峰時段進行行銷。</a:t>
+            </a:r>
+          </a:p>
+          <a:p>
+            <a:r>
+              <a:rPr lang="zh-TW" altLang="en-US" sz="2400" dirty="0">
+                <a:latin typeface="標楷體" panose="03000509000000000000" pitchFamily="65" charset="-120"/>
+                <a:ea typeface="標楷體" panose="03000509000000000000" pitchFamily="65" charset="-120"/>
+                <a:cs typeface="Times New Roman" panose="02020603050405020304" pitchFamily="18" charset="0"/>
+              </a:rPr>
+              <a:t>考慮非工作日的促銷活動。</a:t>
+            </a:r>
+          </a:p>
+          <a:p>
+            <a:r>
+              <a:rPr lang="zh-TW" altLang="en-US" sz="2400" dirty="0">
+                <a:latin typeface="標楷體" panose="03000509000000000000" pitchFamily="65" charset="-120"/>
+                <a:ea typeface="標楷體" panose="03000509000000000000" pitchFamily="65" charset="-120"/>
+                <a:cs typeface="Times New Roman" panose="02020603050405020304" pitchFamily="18" charset="0"/>
+              </a:rPr>
+              <a:t>根據使用趨勢優化策略。</a:t>
+            </a:r>
             <a:endParaRPr lang="en-US" altLang="zh-TW" sz="2400" dirty="0">
               <a:solidFill>
                 <a:srgbClr val="1F1F1F"/>
               </a:solidFill>
-              <a:latin typeface="Times New Roman" panose="02020603050405020304" pitchFamily="18" charset="0"/>
+              <a:latin typeface="標楷體" panose="03000509000000000000" pitchFamily="65" charset="-120"/>
+              <a:ea typeface="標楷體" panose="03000509000000000000" pitchFamily="65" charset="-120"/>
               <a:cs typeface="Times New Roman" panose="02020603050405020304" pitchFamily="18" charset="0"/>
             </a:endParaRPr>
-          </a:p>
-          <a:p>
-            <a:pPr marL="0" indent="0">
-              <a:buNone/>
-            </a:pPr>
-            <a:r>
-              <a:rPr lang="en-US" altLang="zh-TW" sz="2400" dirty="0">
-                <a:solidFill>
-                  <a:srgbClr val="1F1F1F"/>
-                </a:solidFill>
-                <a:latin typeface="Times New Roman" panose="02020603050405020304" pitchFamily="18" charset="0"/>
-                <a:cs typeface="Times New Roman" panose="02020603050405020304" pitchFamily="18" charset="0"/>
-              </a:rPr>
-              <a:t>2. Marketing Strategy:</a:t>
-            </a:r>
-          </a:p>
-          <a:p>
-            <a:pPr marL="0" indent="0">
-              <a:buNone/>
-            </a:pPr>
-            <a:r>
-              <a:rPr lang="en-US" altLang="zh-TW" sz="2400" dirty="0">
-                <a:solidFill>
-                  <a:srgbClr val="1F1F1F"/>
-                </a:solidFill>
-                <a:latin typeface="Times New Roman" panose="02020603050405020304" pitchFamily="18" charset="0"/>
-                <a:cs typeface="Times New Roman" panose="02020603050405020304" pitchFamily="18" charset="0"/>
-              </a:rPr>
-              <a:t>   - Tailor marketing to peak activity hours.</a:t>
-            </a:r>
-          </a:p>
-          <a:p>
-            <a:pPr marL="0" indent="0">
-              <a:buNone/>
-            </a:pPr>
-            <a:r>
-              <a:rPr lang="en-US" altLang="zh-TW" sz="2400" dirty="0">
-                <a:solidFill>
-                  <a:srgbClr val="1F1F1F"/>
-                </a:solidFill>
-                <a:latin typeface="Times New Roman" panose="02020603050405020304" pitchFamily="18" charset="0"/>
-                <a:cs typeface="Times New Roman" panose="02020603050405020304" pitchFamily="18" charset="0"/>
-              </a:rPr>
-              <a:t>   - Consider non-working day promotions.</a:t>
-            </a:r>
-          </a:p>
-          <a:p>
-            <a:pPr marL="0" indent="0">
-              <a:buNone/>
-            </a:pPr>
-            <a:r>
-              <a:rPr lang="en-US" altLang="zh-TW" sz="2400" dirty="0">
-                <a:solidFill>
-                  <a:srgbClr val="1F1F1F"/>
-                </a:solidFill>
-                <a:latin typeface="Times New Roman" panose="02020603050405020304" pitchFamily="18" charset="0"/>
-                <a:cs typeface="Times New Roman" panose="02020603050405020304" pitchFamily="18" charset="0"/>
-              </a:rPr>
-              <a:t>   - Optimize strategies based on usage trends.</a:t>
-            </a:r>
           </a:p>
         </p:txBody>
       </p:sp>
@@ -13810,15 +14148,23 @@
           <a:lstStyle/>
           <a:p>
             <a:r>
-              <a:rPr lang="en-US" altLang="zh-TW" kern="1200" dirty="0">
+              <a:rPr lang="zh-TW" altLang="en-US" sz="4400" dirty="0">
                 <a:solidFill>
-                  <a:srgbClr val="FFFFFF"/>
+                  <a:schemeClr val="bg1"/>
                 </a:solidFill>
-                <a:latin typeface="Times New Roman" panose="02020603050405020304" pitchFamily="18" charset="0"/>
+                <a:latin typeface="標楷體" panose="03000509000000000000" pitchFamily="65" charset="-120"/>
+                <a:ea typeface="標楷體" panose="03000509000000000000" pitchFamily="65" charset="-120"/>
                 <a:cs typeface="Times New Roman" panose="02020603050405020304" pitchFamily="18" charset="0"/>
               </a:rPr>
-              <a:t>Act</a:t>
-            </a:r>
+              <a:t>行動</a:t>
+            </a:r>
+            <a:endParaRPr lang="en-US" altLang="zh-TW" kern="1200" dirty="0">
+              <a:solidFill>
+                <a:srgbClr val="FFFFFF"/>
+              </a:solidFill>
+              <a:latin typeface="Times New Roman" panose="02020603050405020304" pitchFamily="18" charset="0"/>
+              <a:cs typeface="Times New Roman" panose="02020603050405020304" pitchFamily="18" charset="0"/>
+            </a:endParaRPr>
           </a:p>
         </p:txBody>
       </p:sp>
@@ -13915,17 +14261,19 @@
               <a:buNone/>
             </a:pPr>
             <a:r>
-              <a:rPr lang="en-US" altLang="zh-TW" b="1" dirty="0">
-                <a:latin typeface="Times New Roman" panose="02020603050405020304" pitchFamily="18" charset="0"/>
+              <a:rPr lang="zh-TW" altLang="en-US" dirty="0">
+                <a:latin typeface="標楷體" panose="03000509000000000000" pitchFamily="65" charset="-120"/>
+                <a:ea typeface="標楷體" panose="03000509000000000000" pitchFamily="65" charset="-120"/>
                 <a:cs typeface="Times New Roman" panose="02020603050405020304" pitchFamily="18" charset="0"/>
               </a:rPr>
-              <a:t>Top recommendations</a:t>
+              <a:t>五大建議</a:t>
             </a:r>
           </a:p>
           <a:p>
             <a:pPr marL="514350"/>
             <a:endParaRPr lang="en-US" altLang="zh-TW" sz="2800" dirty="0">
-              <a:latin typeface="Times New Roman" panose="02020603050405020304" pitchFamily="18" charset="0"/>
+              <a:latin typeface="標楷體" panose="03000509000000000000" pitchFamily="65" charset="-120"/>
+              <a:ea typeface="標楷體" panose="03000509000000000000" pitchFamily="65" charset="-120"/>
               <a:cs typeface="Times New Roman" panose="02020603050405020304" pitchFamily="18" charset="0"/>
             </a:endParaRPr>
           </a:p>
@@ -13935,15 +14283,16 @@
               <a:buChar char="•"/>
             </a:pPr>
             <a:r>
-              <a:rPr lang="en-US" altLang="zh-TW" sz="2400" dirty="0">
+              <a:rPr lang="zh-TW" altLang="en-US" sz="2400" dirty="0">
                 <a:solidFill>
                   <a:srgbClr val="1F1F1F"/>
                 </a:solidFill>
                 <a:effectLst/>
-                <a:latin typeface="Times New Roman" panose="02020603050405020304" pitchFamily="18" charset="0"/>
+                <a:latin typeface="標楷體" panose="03000509000000000000" pitchFamily="65" charset="-120"/>
+                <a:ea typeface="標楷體" panose="03000509000000000000" pitchFamily="65" charset="-120"/>
                 <a:cs typeface="Times New Roman" panose="02020603050405020304" pitchFamily="18" charset="0"/>
               </a:rPr>
-              <a:t>Set reminders during peak activity hours to engage users in physical exercise if calorie goals are unmet.</a:t>
+              <a:t>在活動高峰時段設定提醒，以便在未達到卡路里目標時讓使用者進行體能訓練。</a:t>
             </a:r>
           </a:p>
           <a:p>
@@ -13952,15 +14301,16 @@
               <a:buChar char="•"/>
             </a:pPr>
             <a:r>
-              <a:rPr lang="en-US" altLang="zh-TW" sz="2400" dirty="0">
+              <a:rPr lang="zh-TW" altLang="en-US" sz="2400" dirty="0">
                 <a:solidFill>
                   <a:srgbClr val="1F1F1F"/>
                 </a:solidFill>
                 <a:effectLst/>
-                <a:latin typeface="Times New Roman" panose="02020603050405020304" pitchFamily="18" charset="0"/>
+                <a:latin typeface="標楷體" panose="03000509000000000000" pitchFamily="65" charset="-120"/>
+                <a:ea typeface="標楷體" panose="03000509000000000000" pitchFamily="65" charset="-120"/>
                 <a:cs typeface="Times New Roman" panose="02020603050405020304" pitchFamily="18" charset="0"/>
               </a:rPr>
-              <a:t>Record average wake-up times to recommend optimal bedtimes for better rest.</a:t>
+              <a:t>記錄平均起床時間，建議最佳就寢時間，以便更好地休息。</a:t>
             </a:r>
           </a:p>
           <a:p>
@@ -13969,15 +14319,16 @@
               <a:buChar char="•"/>
             </a:pPr>
             <a:r>
-              <a:rPr lang="en-US" altLang="zh-TW" sz="2400" dirty="0">
+              <a:rPr lang="zh-TW" altLang="en-US" sz="2400" dirty="0">
                 <a:solidFill>
                   <a:srgbClr val="1F1F1F"/>
                 </a:solidFill>
                 <a:effectLst/>
-                <a:latin typeface="Times New Roman" panose="02020603050405020304" pitchFamily="18" charset="0"/>
+                <a:latin typeface="標楷體" panose="03000509000000000000" pitchFamily="65" charset="-120"/>
+                <a:ea typeface="標楷體" panose="03000509000000000000" pitchFamily="65" charset="-120"/>
                 <a:cs typeface="Times New Roman" panose="02020603050405020304" pitchFamily="18" charset="0"/>
               </a:rPr>
-              <a:t>Create varied activity programs to suit different schedules and preferences.</a:t>
+              <a:t>創建各種活動計劃，以適應不同的日程安排和偏好。</a:t>
             </a:r>
           </a:p>
           <a:p>
@@ -13986,15 +14337,16 @@
               <a:buChar char="•"/>
             </a:pPr>
             <a:r>
-              <a:rPr lang="en-US" altLang="zh-TW" sz="2400" dirty="0">
+              <a:rPr lang="zh-TW" altLang="en-US" sz="2400" dirty="0">
                 <a:solidFill>
                   <a:srgbClr val="1F1F1F"/>
                 </a:solidFill>
                 <a:effectLst/>
-                <a:latin typeface="Times New Roman" panose="02020603050405020304" pitchFamily="18" charset="0"/>
+                <a:latin typeface="標楷體" panose="03000509000000000000" pitchFamily="65" charset="-120"/>
+                <a:ea typeface="標楷體" panose="03000509000000000000" pitchFamily="65" charset="-120"/>
                 <a:cs typeface="Times New Roman" panose="02020603050405020304" pitchFamily="18" charset="0"/>
               </a:rPr>
-              <a:t>Gamify usage to incentivize goal achievement and promote engagement.</a:t>
+              <a:t>將使用遊戲化，以激勵用戶實現目標並提高參與度。</a:t>
             </a:r>
           </a:p>
           <a:p>
@@ -14003,16 +14355,26 @@
               <a:buChar char="•"/>
             </a:pPr>
             <a:r>
-              <a:rPr lang="en-US" altLang="zh-TW" sz="2400" dirty="0">
+              <a:rPr lang="zh-TW" altLang="en-US" sz="2400" dirty="0">
                 <a:solidFill>
                   <a:srgbClr val="1F1F1F"/>
                 </a:solidFill>
                 <a:effectLst/>
-                <a:latin typeface="Times New Roman" panose="02020603050405020304" pitchFamily="18" charset="0"/>
+                <a:latin typeface="標楷體" panose="03000509000000000000" pitchFamily="65" charset="-120"/>
+                <a:ea typeface="標楷體" panose="03000509000000000000" pitchFamily="65" charset="-120"/>
                 <a:cs typeface="Times New Roman" panose="02020603050405020304" pitchFamily="18" charset="0"/>
               </a:rPr>
-              <a:t>Use data-driven insights to continuously optimize marketing initiatives.</a:t>
-            </a:r>
+              <a:t>利用數據驅動的洞察力，不斷優化行銷活動。</a:t>
+            </a:r>
+            <a:endParaRPr lang="en-US" altLang="zh-TW" sz="2400" dirty="0">
+              <a:solidFill>
+                <a:srgbClr val="1F1F1F"/>
+              </a:solidFill>
+              <a:effectLst/>
+              <a:latin typeface="標楷體" panose="03000509000000000000" pitchFamily="65" charset="-120"/>
+              <a:ea typeface="標楷體" panose="03000509000000000000" pitchFamily="65" charset="-120"/>
+              <a:cs typeface="Times New Roman" panose="02020603050405020304" pitchFamily="18" charset="0"/>
+            </a:endParaRPr>
           </a:p>
         </p:txBody>
       </p:sp>
@@ -14364,10 +14726,10 @@
       </p:sp>
       <p:graphicFrame>
         <p:nvGraphicFramePr>
-          <p:cNvPr id="14" name="文字版面配置區 2">
+          <p:cNvPr id="2" name="文字版面配置區 2">
             <a:extLst>
               <a:ext uri="{FF2B5EF4-FFF2-40B4-BE49-F238E27FC236}">
-                <a16:creationId xmlns:a16="http://schemas.microsoft.com/office/drawing/2014/main" id="{AC1FD95F-B3A1-2A16-9A30-57DF2DA14B18}"/>
+                <a16:creationId xmlns:a16="http://schemas.microsoft.com/office/drawing/2014/main" id="{B552BFDB-3CEF-0395-371E-0C07891270CE}"/>
               </a:ext>
             </a:extLst>
           </p:cNvPr>
@@ -14375,14 +14737,14 @@
           <p:nvPr>
             <p:extLst>
               <p:ext uri="{D42A27DB-BD31-4B8C-83A1-F6EECF244321}">
-                <p14:modId xmlns:p14="http://schemas.microsoft.com/office/powerpoint/2010/main" val="1169467173"/>
+                <p14:modId xmlns:p14="http://schemas.microsoft.com/office/powerpoint/2010/main" val="2433235385"/>
               </p:ext>
             </p:extLst>
           </p:nvPr>
         </p:nvGraphicFramePr>
         <p:xfrm>
-          <a:off x="0" y="1575955"/>
-          <a:ext cx="12192000" cy="5282045"/>
+          <a:off x="627727" y="2112579"/>
+          <a:ext cx="10927829" cy="4192805"/>
         </p:xfrm>
         <a:graphic>
           <a:graphicData uri="http://schemas.openxmlformats.org/drawingml/2006/diagram">
@@ -14657,20 +15019,22 @@
           <a:lstStyle/>
           <a:p>
             <a:r>
-              <a:rPr lang="en-US" altLang="zh-TW" sz="4400" kern="1200" dirty="0">
+              <a:rPr lang="zh-TW" altLang="en-US" sz="4400" kern="1200" dirty="0">
                 <a:solidFill>
                   <a:srgbClr val="FFFFFF"/>
                 </a:solidFill>
-                <a:latin typeface="Times New Roman" panose="02020603050405020304" pitchFamily="18" charset="0"/>
+                <a:latin typeface="標楷體" panose="03000509000000000000" pitchFamily="65" charset="-120"/>
+                <a:ea typeface="標楷體" panose="03000509000000000000" pitchFamily="65" charset="-120"/>
                 <a:cs typeface="Times New Roman" panose="02020603050405020304" pitchFamily="18" charset="0"/>
               </a:rPr>
-              <a:t>How can a wellness technology company play it smart</a:t>
+              <a:t>健康科技公司如何智能化</a:t>
             </a:r>
             <a:endParaRPr lang="en-US" altLang="zh-TW" kern="1200" dirty="0">
               <a:solidFill>
                 <a:srgbClr val="FFFFFF"/>
               </a:solidFill>
-              <a:latin typeface="Times New Roman" panose="02020603050405020304" pitchFamily="18" charset="0"/>
+              <a:latin typeface="標楷體" panose="03000509000000000000" pitchFamily="65" charset="-120"/>
+              <a:ea typeface="標楷體" panose="03000509000000000000" pitchFamily="65" charset="-120"/>
               <a:cs typeface="Times New Roman" panose="02020603050405020304" pitchFamily="18" charset="0"/>
             </a:endParaRPr>
           </a:p>
@@ -14769,25 +15133,31 @@
               <a:buNone/>
             </a:pPr>
             <a:r>
-              <a:rPr lang="en-US" altLang="zh-TW" b="1" dirty="0">
-                <a:latin typeface="Times New Roman" panose="02020603050405020304" pitchFamily="18" charset="0"/>
+              <a:rPr lang="zh-TW" altLang="en-US" b="1" dirty="0">
+                <a:latin typeface="標楷體" panose="03000509000000000000" pitchFamily="65" charset="-120"/>
+                <a:ea typeface="標楷體" panose="03000509000000000000" pitchFamily="65" charset="-120"/>
                 <a:cs typeface="Times New Roman" panose="02020603050405020304" pitchFamily="18" charset="0"/>
               </a:rPr>
-              <a:t>Introduction: </a:t>
-            </a:r>
-          </a:p>
-          <a:p>
-            <a:r>
-              <a:rPr lang="en-US" altLang="zh-TW" sz="2200" dirty="0">
-                <a:latin typeface="Times New Roman" panose="02020603050405020304" pitchFamily="18" charset="0"/>
+              <a:t>導言：</a:t>
+            </a:r>
+          </a:p>
+          <a:p>
+            <a:r>
+              <a:rPr lang="zh-TW" altLang="en-US" sz="2400" dirty="0">
+                <a:latin typeface="標楷體" panose="03000509000000000000" pitchFamily="65" charset="-120"/>
+                <a:ea typeface="標楷體" panose="03000509000000000000" pitchFamily="65" charset="-120"/>
                 <a:cs typeface="Times New Roman" panose="02020603050405020304" pitchFamily="18" charset="0"/>
               </a:rPr>
-              <a:t>follow the steps of the data analysis process: ask, prepare, process, analyze, share, and act. </a:t>
-            </a:r>
-          </a:p>
-          <a:p>
-            <a:endParaRPr lang="en-US" altLang="zh-TW" sz="2200" dirty="0">
-              <a:latin typeface="Times New Roman" panose="02020603050405020304" pitchFamily="18" charset="0"/>
+              <a:t>遵循資料分析流程的步驟：詢問、準備、處理、分析、分享和行動。</a:t>
+            </a:r>
+          </a:p>
+          <a:p>
+            <a:pPr marL="0" indent="0">
+              <a:buNone/>
+            </a:pPr>
+            <a:endParaRPr lang="en-US" altLang="zh-TW" sz="2400" dirty="0">
+              <a:latin typeface="標楷體" panose="03000509000000000000" pitchFamily="65" charset="-120"/>
+              <a:ea typeface="標楷體" panose="03000509000000000000" pitchFamily="65" charset="-120"/>
               <a:cs typeface="Times New Roman" panose="02020603050405020304" pitchFamily="18" charset="0"/>
             </a:endParaRPr>
           </a:p>
@@ -14796,39 +15166,48 @@
               <a:buNone/>
             </a:pPr>
             <a:r>
-              <a:rPr lang="en-US" altLang="zh-TW" b="1" dirty="0">
-                <a:latin typeface="Times New Roman" panose="02020603050405020304" pitchFamily="18" charset="0"/>
+              <a:rPr lang="zh-TW" altLang="en-US" dirty="0">
+                <a:latin typeface="標楷體" panose="03000509000000000000" pitchFamily="65" charset="-120"/>
+                <a:ea typeface="標楷體" panose="03000509000000000000" pitchFamily="65" charset="-120"/>
                 <a:cs typeface="Times New Roman" panose="02020603050405020304" pitchFamily="18" charset="0"/>
               </a:rPr>
-              <a:t>Scenario: </a:t>
-            </a:r>
-          </a:p>
-          <a:p>
-            <a:r>
-              <a:rPr lang="en-US" altLang="zh-TW" sz="2200" dirty="0">
-                <a:latin typeface="Times New Roman" panose="02020603050405020304" pitchFamily="18" charset="0"/>
+              <a:t>情境：</a:t>
+            </a:r>
+          </a:p>
+          <a:p>
+            <a:r>
+              <a:rPr lang="zh-TW" altLang="en-US" sz="2400" dirty="0">
+                <a:latin typeface="標楷體" panose="03000509000000000000" pitchFamily="65" charset="-120"/>
+                <a:ea typeface="標楷體" panose="03000509000000000000" pitchFamily="65" charset="-120"/>
                 <a:cs typeface="Times New Roman" panose="02020603050405020304" pitchFamily="18" charset="0"/>
               </a:rPr>
-              <a:t>Data analyst working at leading manufacturer of health-focused products for women, tasked with analyzing smart device data to unearth growth opportunities.</a:t>
-            </a:r>
-          </a:p>
-          <a:p>
-            <a:r>
-              <a:rPr lang="en-US" altLang="zh-TW" sz="2200" dirty="0">
-                <a:latin typeface="Times New Roman" panose="02020603050405020304" pitchFamily="18" charset="0"/>
+              <a:t>數據分析師就職於領先的女性健康產品製造商，任務是分析智慧設備數據，發掘成長機會。</a:t>
+            </a:r>
+          </a:p>
+          <a:p>
+            <a:r>
+              <a:rPr lang="zh-TW" altLang="en-US" sz="2400" dirty="0">
+                <a:latin typeface="標楷體" panose="03000509000000000000" pitchFamily="65" charset="-120"/>
+                <a:ea typeface="標楷體" panose="03000509000000000000" pitchFamily="65" charset="-120"/>
                 <a:cs typeface="Times New Roman" panose="02020603050405020304" pitchFamily="18" charset="0"/>
               </a:rPr>
-              <a:t>Company's co-founder and Chief Creative Officer, leveraging smart device fitness data can drive this growth.</a:t>
-            </a:r>
-          </a:p>
-          <a:p>
-            <a:r>
-              <a:rPr lang="en-US" altLang="zh-TW" sz="2200" dirty="0">
-                <a:latin typeface="Times New Roman" panose="02020603050405020304" pitchFamily="18" charset="0"/>
+              <a:t>公司聯合創辦人兼首席創意官，利用智慧型裝置健身數據推動成長。</a:t>
+            </a:r>
+          </a:p>
+          <a:p>
+            <a:r>
+              <a:rPr lang="zh-TW" altLang="en-US" sz="2400" dirty="0">
+                <a:latin typeface="標楷體" panose="03000509000000000000" pitchFamily="65" charset="-120"/>
+                <a:ea typeface="標楷體" panose="03000509000000000000" pitchFamily="65" charset="-120"/>
                 <a:cs typeface="Times New Roman" panose="02020603050405020304" pitchFamily="18" charset="0"/>
               </a:rPr>
-              <a:t>Examining consumer usage patterns and deriving insights to shape the company's marketing strategy.</a:t>
-            </a:r>
+              <a:t>研究消費者的使用模式，並透過洞察力來制定公司的行銷策略。</a:t>
+            </a:r>
+            <a:endParaRPr lang="en-US" altLang="zh-TW" sz="2200" dirty="0">
+              <a:latin typeface="標楷體" panose="03000509000000000000" pitchFamily="65" charset="-120"/>
+              <a:ea typeface="標楷體" panose="03000509000000000000" pitchFamily="65" charset="-120"/>
+              <a:cs typeface="Times New Roman" panose="02020603050405020304" pitchFamily="18" charset="0"/>
+            </a:endParaRPr>
           </a:p>
         </p:txBody>
       </p:sp>
@@ -15099,15 +15478,24 @@
           <a:lstStyle/>
           <a:p>
             <a:r>
-              <a:rPr lang="en-US" altLang="zh-TW" kern="1200" dirty="0">
+              <a:rPr lang="zh-TW" altLang="en-US" kern="1200" dirty="0">
                 <a:solidFill>
                   <a:srgbClr val="FFFFFF"/>
                 </a:solidFill>
-                <a:latin typeface="Times New Roman" panose="02020603050405020304" pitchFamily="18" charset="0"/>
+                <a:latin typeface="標楷體" panose="03000509000000000000" pitchFamily="65" charset="-120"/>
+                <a:ea typeface="標楷體" panose="03000509000000000000" pitchFamily="65" charset="-120"/>
                 <a:cs typeface="Times New Roman" panose="02020603050405020304" pitchFamily="18" charset="0"/>
               </a:rPr>
-              <a:t>Characters and teams </a:t>
-            </a:r>
+              <a:t>角色和團隊</a:t>
+            </a:r>
+            <a:endParaRPr lang="en-US" altLang="zh-TW" kern="1200" dirty="0">
+              <a:solidFill>
+                <a:srgbClr val="FFFFFF"/>
+              </a:solidFill>
+              <a:latin typeface="標楷體" panose="03000509000000000000" pitchFamily="65" charset="-120"/>
+              <a:ea typeface="標楷體" panose="03000509000000000000" pitchFamily="65" charset="-120"/>
+              <a:cs typeface="Times New Roman" panose="02020603050405020304" pitchFamily="18" charset="0"/>
+            </a:endParaRPr>
           </a:p>
         </p:txBody>
       </p:sp>
@@ -15190,13 +15578,13 @@
         </p:nvSpPr>
         <p:spPr>
           <a:xfrm>
-            <a:off x="4447308" y="-73480"/>
-            <a:ext cx="7744692" cy="7135461"/>
+            <a:off x="4098472" y="73479"/>
+            <a:ext cx="7984672" cy="6711042"/>
           </a:xfrm>
         </p:spPr>
         <p:txBody>
           <a:bodyPr vert="horz" lIns="91440" tIns="45720" rIns="91440" bIns="45720" rtlCol="0" anchor="ctr">
-            <a:normAutofit fontScale="47500" lnSpcReduction="20000"/>
+            <a:normAutofit fontScale="40000" lnSpcReduction="20000"/>
           </a:bodyPr>
           <a:lstStyle/>
           <a:p>
@@ -15204,43 +15592,149 @@
               <a:buNone/>
             </a:pPr>
             <a:r>
-              <a:rPr lang="en-US" altLang="zh-TW" sz="5900" b="1" dirty="0">
-                <a:latin typeface="Times New Roman" panose="02020603050405020304" pitchFamily="18" charset="0"/>
+              <a:rPr lang="zh-TW" altLang="en-US" sz="5900" b="1" dirty="0">
+                <a:latin typeface="標楷體" panose="03000509000000000000" pitchFamily="65" charset="-120"/>
+                <a:ea typeface="標楷體" panose="03000509000000000000" pitchFamily="65" charset="-120"/>
                 <a:cs typeface="Times New Roman" panose="02020603050405020304" pitchFamily="18" charset="0"/>
               </a:rPr>
-              <a:t>Characters:</a:t>
-            </a:r>
-          </a:p>
-          <a:p>
-            <a:r>
-              <a:rPr lang="en-US" altLang="zh-TW" sz="5100" dirty="0">
-                <a:latin typeface="Times New Roman" panose="02020603050405020304" pitchFamily="18" charset="0"/>
+              <a:t>人物</a:t>
+            </a:r>
+            <a:r>
+              <a:rPr lang="zh-TW" altLang="en-US" sz="5900" dirty="0">
+                <a:latin typeface="標楷體" panose="03000509000000000000" pitchFamily="65" charset="-120"/>
+                <a:ea typeface="標楷體" panose="03000509000000000000" pitchFamily="65" charset="-120"/>
                 <a:cs typeface="Times New Roman" panose="02020603050405020304" pitchFamily="18" charset="0"/>
               </a:rPr>
-              <a:t>Ur : Co-founder and Chief Creative Officer of Bx.</a:t>
+              <a:t>：</a:t>
             </a:r>
           </a:p>
           <a:p>
             <a:r>
               <a:rPr lang="en-US" altLang="zh-TW" sz="5100" dirty="0">
-                <a:latin typeface="Times New Roman" panose="02020603050405020304" pitchFamily="18" charset="0"/>
+                <a:latin typeface="標楷體" panose="03000509000000000000" pitchFamily="65" charset="-120"/>
+                <a:ea typeface="標楷體" panose="03000509000000000000" pitchFamily="65" charset="-120"/>
                 <a:cs typeface="Times New Roman" panose="02020603050405020304" pitchFamily="18" charset="0"/>
               </a:rPr>
-              <a:t>Mur: Co-founder and mathematician, a key member of the Bx executive team.</a:t>
-            </a:r>
-          </a:p>
-          <a:p>
-            <a:r>
-              <a:rPr lang="en-US" altLang="zh-TW" sz="5100" dirty="0">
-                <a:latin typeface="Times New Roman" panose="02020603050405020304" pitchFamily="18" charset="0"/>
+              <a:t>Ur</a:t>
+            </a:r>
+            <a:r>
+              <a:rPr lang="zh-TW" altLang="en-US" sz="5100" dirty="0">
+                <a:latin typeface="標楷體" panose="03000509000000000000" pitchFamily="65" charset="-120"/>
+                <a:ea typeface="標楷體" panose="03000509000000000000" pitchFamily="65" charset="-120"/>
                 <a:cs typeface="Times New Roman" panose="02020603050405020304" pitchFamily="18" charset="0"/>
               </a:rPr>
-              <a:t>-Bx marketing analytics team: A group of data analysts responsible for collecting, analyzing, and reporting data to guide Bx’s marketing strategy.</a:t>
-            </a:r>
-          </a:p>
-          <a:p>
+              <a:t>：</a:t>
+            </a:r>
+            <a:r>
+              <a:rPr lang="en-US" altLang="zh-TW" sz="5100" dirty="0">
+                <a:latin typeface="標楷體" panose="03000509000000000000" pitchFamily="65" charset="-120"/>
+                <a:ea typeface="標楷體" panose="03000509000000000000" pitchFamily="65" charset="-120"/>
+                <a:cs typeface="Times New Roman" panose="02020603050405020304" pitchFamily="18" charset="0"/>
+              </a:rPr>
+              <a:t>Bx</a:t>
+            </a:r>
+            <a:r>
+              <a:rPr lang="zh-TW" altLang="en-US" sz="5100" dirty="0">
+                <a:latin typeface="標楷體" panose="03000509000000000000" pitchFamily="65" charset="-120"/>
+                <a:ea typeface="標楷體" panose="03000509000000000000" pitchFamily="65" charset="-120"/>
+                <a:cs typeface="Times New Roman" panose="02020603050405020304" pitchFamily="18" charset="0"/>
+              </a:rPr>
+              <a:t>的共同創辦人兼首席創意長。</a:t>
+            </a:r>
+          </a:p>
+          <a:p>
+            <a:r>
+              <a:rPr lang="en-US" altLang="zh-TW" sz="5100" dirty="0">
+                <a:latin typeface="標楷體" panose="03000509000000000000" pitchFamily="65" charset="-120"/>
+                <a:ea typeface="標楷體" panose="03000509000000000000" pitchFamily="65" charset="-120"/>
+                <a:cs typeface="Times New Roman" panose="02020603050405020304" pitchFamily="18" charset="0"/>
+              </a:rPr>
+              <a:t>Mur</a:t>
+            </a:r>
+            <a:r>
+              <a:rPr lang="zh-TW" altLang="en-US" sz="5100" dirty="0">
+                <a:latin typeface="標楷體" panose="03000509000000000000" pitchFamily="65" charset="-120"/>
+                <a:ea typeface="標楷體" panose="03000509000000000000" pitchFamily="65" charset="-120"/>
+                <a:cs typeface="Times New Roman" panose="02020603050405020304" pitchFamily="18" charset="0"/>
+              </a:rPr>
+              <a:t>：</a:t>
+            </a:r>
+            <a:r>
+              <a:rPr lang="en-US" altLang="zh-TW" sz="5100" dirty="0">
+                <a:latin typeface="標楷體" panose="03000509000000000000" pitchFamily="65" charset="-120"/>
+                <a:ea typeface="標楷體" panose="03000509000000000000" pitchFamily="65" charset="-120"/>
+                <a:cs typeface="Times New Roman" panose="02020603050405020304" pitchFamily="18" charset="0"/>
+              </a:rPr>
+              <a:t>Bx</a:t>
+            </a:r>
+            <a:r>
+              <a:rPr lang="zh-TW" altLang="en-US" sz="5100" dirty="0">
+                <a:latin typeface="標楷體" panose="03000509000000000000" pitchFamily="65" charset="-120"/>
+                <a:ea typeface="標楷體" panose="03000509000000000000" pitchFamily="65" charset="-120"/>
+                <a:cs typeface="Times New Roman" panose="02020603050405020304" pitchFamily="18" charset="0"/>
+              </a:rPr>
+              <a:t>共同創辦人兼數學家，</a:t>
+            </a:r>
+            <a:r>
+              <a:rPr lang="en-US" altLang="zh-TW" sz="5100" dirty="0">
+                <a:latin typeface="標楷體" panose="03000509000000000000" pitchFamily="65" charset="-120"/>
+                <a:ea typeface="標楷體" panose="03000509000000000000" pitchFamily="65" charset="-120"/>
+                <a:cs typeface="Times New Roman" panose="02020603050405020304" pitchFamily="18" charset="0"/>
+              </a:rPr>
+              <a:t>Bx</a:t>
+            </a:r>
+            <a:r>
+              <a:rPr lang="zh-TW" altLang="en-US" sz="5100" dirty="0">
+                <a:latin typeface="標楷體" panose="03000509000000000000" pitchFamily="65" charset="-120"/>
+                <a:ea typeface="標楷體" panose="03000509000000000000" pitchFamily="65" charset="-120"/>
+                <a:cs typeface="Times New Roman" panose="02020603050405020304" pitchFamily="18" charset="0"/>
+              </a:rPr>
+              <a:t>管理團隊的重要成員。</a:t>
+            </a:r>
+          </a:p>
+          <a:p>
+            <a:r>
+              <a:rPr lang="en-US" altLang="zh-TW" sz="5100" dirty="0">
+                <a:latin typeface="標楷體" panose="03000509000000000000" pitchFamily="65" charset="-120"/>
+                <a:ea typeface="標楷體" panose="03000509000000000000" pitchFamily="65" charset="-120"/>
+                <a:cs typeface="Times New Roman" panose="02020603050405020304" pitchFamily="18" charset="0"/>
+              </a:rPr>
+              <a:t>Bx </a:t>
+            </a:r>
+            <a:r>
+              <a:rPr lang="zh-TW" altLang="en-US" sz="5100" dirty="0">
+                <a:latin typeface="標楷體" panose="03000509000000000000" pitchFamily="65" charset="-120"/>
+                <a:ea typeface="標楷體" panose="03000509000000000000" pitchFamily="65" charset="-120"/>
+                <a:cs typeface="Times New Roman" panose="02020603050405020304" pitchFamily="18" charset="0"/>
+              </a:rPr>
+              <a:t>行銷分析團隊： 一組數據分析師，負責收集、分析和報告數據，為 </a:t>
+            </a:r>
+            <a:r>
+              <a:rPr lang="en-US" altLang="zh-TW" sz="5100" dirty="0">
+                <a:latin typeface="標楷體" panose="03000509000000000000" pitchFamily="65" charset="-120"/>
+                <a:ea typeface="標楷體" panose="03000509000000000000" pitchFamily="65" charset="-120"/>
+                <a:cs typeface="Times New Roman" panose="02020603050405020304" pitchFamily="18" charset="0"/>
+              </a:rPr>
+              <a:t>Bx </a:t>
+            </a:r>
+            <a:r>
+              <a:rPr lang="zh-TW" altLang="en-US" sz="5100" dirty="0">
+                <a:latin typeface="標楷體" panose="03000509000000000000" pitchFamily="65" charset="-120"/>
+                <a:ea typeface="標楷體" panose="03000509000000000000" pitchFamily="65" charset="-120"/>
+                <a:cs typeface="Times New Roman" panose="02020603050405020304" pitchFamily="18" charset="0"/>
+              </a:rPr>
+              <a:t>的行銷策略提供指導。</a:t>
+            </a:r>
             <a:endParaRPr lang="en-US" altLang="zh-TW" sz="5100" dirty="0">
-              <a:latin typeface="Times New Roman" panose="02020603050405020304" pitchFamily="18" charset="0"/>
+              <a:latin typeface="標楷體" panose="03000509000000000000" pitchFamily="65" charset="-120"/>
+              <a:ea typeface="標楷體" panose="03000509000000000000" pitchFamily="65" charset="-120"/>
+              <a:cs typeface="Times New Roman" panose="02020603050405020304" pitchFamily="18" charset="0"/>
+            </a:endParaRPr>
+          </a:p>
+          <a:p>
+            <a:endParaRPr lang="en-US" altLang="zh-TW" sz="3800" dirty="0">
+              <a:latin typeface="標楷體" panose="03000509000000000000" pitchFamily="65" charset="-120"/>
+              <a:ea typeface="標楷體" panose="03000509000000000000" pitchFamily="65" charset="-120"/>
               <a:cs typeface="Times New Roman" panose="02020603050405020304" pitchFamily="18" charset="0"/>
             </a:endParaRPr>
           </a:p>
@@ -15249,57 +15743,197 @@
               <a:buNone/>
             </a:pPr>
             <a:r>
-              <a:rPr lang="en-US" altLang="zh-TW" sz="5900" b="1" dirty="0">
-                <a:latin typeface="Times New Roman" panose="02020603050405020304" pitchFamily="18" charset="0"/>
+              <a:rPr lang="zh-TW" altLang="en-US" sz="5900" b="1" dirty="0">
+                <a:latin typeface="標楷體" panose="03000509000000000000" pitchFamily="65" charset="-120"/>
+                <a:ea typeface="標楷體" panose="03000509000000000000" pitchFamily="65" charset="-120"/>
                 <a:cs typeface="Times New Roman" panose="02020603050405020304" pitchFamily="18" charset="0"/>
               </a:rPr>
-              <a:t>Products:</a:t>
-            </a:r>
-          </a:p>
-          <a:p>
-            <a:r>
-              <a:rPr lang="en-US" altLang="zh-TW" sz="4500" dirty="0">
-                <a:latin typeface="Times New Roman" panose="02020603050405020304" pitchFamily="18" charset="0"/>
+              <a:t>產品：</a:t>
+            </a:r>
+          </a:p>
+          <a:p>
+            <a:pPr>
+              <a:lnSpc>
+                <a:spcPct val="120000"/>
+              </a:lnSpc>
+            </a:pPr>
+            <a:r>
+              <a:rPr lang="en-US" altLang="zh-TW" sz="5100" dirty="0">
+                <a:latin typeface="標楷體" panose="03000509000000000000" pitchFamily="65" charset="-120"/>
+                <a:ea typeface="標楷體" panose="03000509000000000000" pitchFamily="65" charset="-120"/>
                 <a:cs typeface="Times New Roman" panose="02020603050405020304" pitchFamily="18" charset="0"/>
               </a:rPr>
-              <a:t>Bx app: Provides users with health data on activity, sleep, stress, menstrual cycle, and mindfulness habits. It connects to Bx's smart wellness products.</a:t>
-            </a:r>
-          </a:p>
-          <a:p>
-            <a:r>
-              <a:rPr lang="en-US" altLang="zh-TW" sz="4500" dirty="0">
-                <a:latin typeface="Times New Roman" panose="02020603050405020304" pitchFamily="18" charset="0"/>
+              <a:t>Bx</a:t>
+            </a:r>
+            <a:r>
+              <a:rPr lang="zh-TW" altLang="en-US" sz="5100" dirty="0">
+                <a:latin typeface="標楷體" panose="03000509000000000000" pitchFamily="65" charset="-120"/>
+                <a:ea typeface="標楷體" panose="03000509000000000000" pitchFamily="65" charset="-120"/>
                 <a:cs typeface="Times New Roman" panose="02020603050405020304" pitchFamily="18" charset="0"/>
               </a:rPr>
-              <a:t>Leaf: Bx’s classic wellness tracker worn as a bracelet, necklace, or clip, tracks activity, sleep, and stress.</a:t>
-            </a:r>
-          </a:p>
-          <a:p>
-            <a:r>
-              <a:rPr lang="en-US" altLang="zh-TW" sz="4500" dirty="0">
-                <a:latin typeface="Times New Roman" panose="02020603050405020304" pitchFamily="18" charset="0"/>
+              <a:t>應用程式： 提供使用者有關活動、睡眠、壓力、月經週期和注意習慣的健康數據。它可與 </a:t>
+            </a:r>
+            <a:r>
+              <a:rPr lang="en-US" altLang="zh-TW" sz="5100" dirty="0">
+                <a:latin typeface="標楷體" panose="03000509000000000000" pitchFamily="65" charset="-120"/>
+                <a:ea typeface="標楷體" panose="03000509000000000000" pitchFamily="65" charset="-120"/>
                 <a:cs typeface="Times New Roman" panose="02020603050405020304" pitchFamily="18" charset="0"/>
               </a:rPr>
-              <a:t>Time: A wellness watch combining a classic timepiece with smart technology to track activity, sleep, and stress. It connects to the Bx app.</a:t>
-            </a:r>
-          </a:p>
-          <a:p>
-            <a:r>
-              <a:rPr lang="en-US" altLang="zh-TW" sz="4500" dirty="0">
-                <a:latin typeface="Times New Roman" panose="02020603050405020304" pitchFamily="18" charset="0"/>
+              <a:t>Bx </a:t>
+            </a:r>
+            <a:r>
+              <a:rPr lang="zh-TW" altLang="en-US" sz="5100" dirty="0">
+                <a:latin typeface="標楷體" panose="03000509000000000000" pitchFamily="65" charset="-120"/>
+                <a:ea typeface="標楷體" panose="03000509000000000000" pitchFamily="65" charset="-120"/>
                 <a:cs typeface="Times New Roman" panose="02020603050405020304" pitchFamily="18" charset="0"/>
               </a:rPr>
-              <a:t>Spring: A water bottle that tracks daily water intake using smart technology, connects to the Bx app to monitor hydration levels.</a:t>
-            </a:r>
-          </a:p>
-          <a:p>
-            <a:r>
-              <a:rPr lang="en-US" altLang="zh-TW" sz="4500" dirty="0">
-                <a:latin typeface="Times New Roman" panose="02020603050405020304" pitchFamily="18" charset="0"/>
+              <a:t>的智慧健康產品連接。</a:t>
+            </a:r>
+          </a:p>
+          <a:p>
+            <a:pPr>
+              <a:lnSpc>
+                <a:spcPct val="120000"/>
+              </a:lnSpc>
+            </a:pPr>
+            <a:r>
+              <a:rPr lang="en-US" altLang="zh-TW" sz="5100" dirty="0">
+                <a:latin typeface="標楷體" panose="03000509000000000000" pitchFamily="65" charset="-120"/>
+                <a:ea typeface="標楷體" panose="03000509000000000000" pitchFamily="65" charset="-120"/>
                 <a:cs typeface="Times New Roman" panose="02020603050405020304" pitchFamily="18" charset="0"/>
               </a:rPr>
-              <a:t>Bx membership: A subscription-based program providing users with personalized guidance on nutrition, activity, sleep, health and beauty, and mindfulness, tailored to their lifestyle and goals.</a:t>
-            </a:r>
+              <a:t>Leaf</a:t>
+            </a:r>
+            <a:r>
+              <a:rPr lang="zh-TW" altLang="en-US" sz="5100" dirty="0">
+                <a:latin typeface="標楷體" panose="03000509000000000000" pitchFamily="65" charset="-120"/>
+                <a:ea typeface="標楷體" panose="03000509000000000000" pitchFamily="65" charset="-120"/>
+                <a:cs typeface="Times New Roman" panose="02020603050405020304" pitchFamily="18" charset="0"/>
+              </a:rPr>
+              <a:t>：</a:t>
+            </a:r>
+            <a:r>
+              <a:rPr lang="en-US" altLang="zh-TW" sz="5100" dirty="0">
+                <a:latin typeface="標楷體" panose="03000509000000000000" pitchFamily="65" charset="-120"/>
+                <a:ea typeface="標楷體" panose="03000509000000000000" pitchFamily="65" charset="-120"/>
+                <a:cs typeface="Times New Roman" panose="02020603050405020304" pitchFamily="18" charset="0"/>
+              </a:rPr>
+              <a:t>Bx</a:t>
+            </a:r>
+            <a:r>
+              <a:rPr lang="zh-TW" altLang="en-US" sz="5100" dirty="0">
+                <a:latin typeface="標楷體" panose="03000509000000000000" pitchFamily="65" charset="-120"/>
+                <a:ea typeface="標楷體" panose="03000509000000000000" pitchFamily="65" charset="-120"/>
+                <a:cs typeface="Times New Roman" panose="02020603050405020304" pitchFamily="18" charset="0"/>
+              </a:rPr>
+              <a:t>的經典健康追蹤器，可作為手鐲、項鍊或夾子佩戴，追蹤活動、睡眠和壓力。</a:t>
+            </a:r>
+          </a:p>
+          <a:p>
+            <a:pPr>
+              <a:lnSpc>
+                <a:spcPct val="120000"/>
+              </a:lnSpc>
+            </a:pPr>
+            <a:r>
+              <a:rPr lang="en-US" altLang="zh-TW" sz="5100" dirty="0">
+                <a:latin typeface="標楷體" panose="03000509000000000000" pitchFamily="65" charset="-120"/>
+                <a:ea typeface="標楷體" panose="03000509000000000000" pitchFamily="65" charset="-120"/>
+                <a:cs typeface="Times New Roman" panose="02020603050405020304" pitchFamily="18" charset="0"/>
+              </a:rPr>
+              <a:t>Time</a:t>
+            </a:r>
+            <a:r>
+              <a:rPr lang="zh-TW" altLang="en-US" sz="5100" dirty="0">
+                <a:latin typeface="標楷體" panose="03000509000000000000" pitchFamily="65" charset="-120"/>
+                <a:ea typeface="標楷體" panose="03000509000000000000" pitchFamily="65" charset="-120"/>
+                <a:cs typeface="Times New Roman" panose="02020603050405020304" pitchFamily="18" charset="0"/>
+              </a:rPr>
+              <a:t>：一款將經典計時器與智慧科技結合的健康手錶，可追蹤活動、睡眠和壓力。它可與 </a:t>
+            </a:r>
+            <a:r>
+              <a:rPr lang="en-US" altLang="zh-TW" sz="5100" dirty="0">
+                <a:latin typeface="標楷體" panose="03000509000000000000" pitchFamily="65" charset="-120"/>
+                <a:ea typeface="標楷體" panose="03000509000000000000" pitchFamily="65" charset="-120"/>
+                <a:cs typeface="Times New Roman" panose="02020603050405020304" pitchFamily="18" charset="0"/>
+              </a:rPr>
+              <a:t>Bx </a:t>
+            </a:r>
+            <a:r>
+              <a:rPr lang="zh-TW" altLang="en-US" sz="5100" dirty="0">
+                <a:latin typeface="標楷體" panose="03000509000000000000" pitchFamily="65" charset="-120"/>
+                <a:ea typeface="標楷體" panose="03000509000000000000" pitchFamily="65" charset="-120"/>
+                <a:cs typeface="Times New Roman" panose="02020603050405020304" pitchFamily="18" charset="0"/>
+              </a:rPr>
+              <a:t>應用程式連接。</a:t>
+            </a:r>
+          </a:p>
+          <a:p>
+            <a:pPr>
+              <a:lnSpc>
+                <a:spcPct val="120000"/>
+              </a:lnSpc>
+            </a:pPr>
+            <a:r>
+              <a:rPr lang="en-US" altLang="zh-TW" sz="5100" dirty="0">
+                <a:latin typeface="標楷體" panose="03000509000000000000" pitchFamily="65" charset="-120"/>
+                <a:ea typeface="標楷體" panose="03000509000000000000" pitchFamily="65" charset="-120"/>
+                <a:cs typeface="Times New Roman" panose="02020603050405020304" pitchFamily="18" charset="0"/>
+              </a:rPr>
+              <a:t>Spring</a:t>
+            </a:r>
+            <a:r>
+              <a:rPr lang="zh-TW" altLang="en-US" sz="5100" dirty="0">
+                <a:latin typeface="標楷體" panose="03000509000000000000" pitchFamily="65" charset="-120"/>
+                <a:ea typeface="標楷體" panose="03000509000000000000" pitchFamily="65" charset="-120"/>
+                <a:cs typeface="Times New Roman" panose="02020603050405020304" pitchFamily="18" charset="0"/>
+              </a:rPr>
+              <a:t>：一款利用智慧技術追蹤每日水攝取量的水瓶，可與</a:t>
+            </a:r>
+            <a:r>
+              <a:rPr lang="en-US" altLang="zh-TW" sz="5100" dirty="0">
+                <a:latin typeface="標楷體" panose="03000509000000000000" pitchFamily="65" charset="-120"/>
+                <a:ea typeface="標楷體" panose="03000509000000000000" pitchFamily="65" charset="-120"/>
+                <a:cs typeface="Times New Roman" panose="02020603050405020304" pitchFamily="18" charset="0"/>
+              </a:rPr>
+              <a:t>Bx</a:t>
+            </a:r>
+            <a:r>
+              <a:rPr lang="zh-TW" altLang="en-US" sz="5100" dirty="0">
+                <a:latin typeface="標楷體" panose="03000509000000000000" pitchFamily="65" charset="-120"/>
+                <a:ea typeface="標楷體" panose="03000509000000000000" pitchFamily="65" charset="-120"/>
+                <a:cs typeface="Times New Roman" panose="02020603050405020304" pitchFamily="18" charset="0"/>
+              </a:rPr>
+              <a:t>應用程式連接，監測水合程度。</a:t>
+            </a:r>
+          </a:p>
+          <a:p>
+            <a:pPr>
+              <a:lnSpc>
+                <a:spcPct val="120000"/>
+              </a:lnSpc>
+            </a:pPr>
+            <a:r>
+              <a:rPr lang="en-US" altLang="zh-TW" sz="5100" dirty="0">
+                <a:latin typeface="標楷體" panose="03000509000000000000" pitchFamily="65" charset="-120"/>
+                <a:ea typeface="標楷體" panose="03000509000000000000" pitchFamily="65" charset="-120"/>
+                <a:cs typeface="Times New Roman" panose="02020603050405020304" pitchFamily="18" charset="0"/>
+              </a:rPr>
+              <a:t>Bx</a:t>
+            </a:r>
+            <a:r>
+              <a:rPr lang="zh-TW" altLang="en-US" sz="5100" dirty="0">
+                <a:latin typeface="標楷體" panose="03000509000000000000" pitchFamily="65" charset="-120"/>
+                <a:ea typeface="標楷體" panose="03000509000000000000" pitchFamily="65" charset="-120"/>
+                <a:cs typeface="Times New Roman" panose="02020603050405020304" pitchFamily="18" charset="0"/>
+              </a:rPr>
+              <a:t>會員：基於訂閱的計劃，為用戶提供個人化的營養、活動、睡眠、健康與美容以及心態方面的指導，根據用戶的生活方式和目標量身定制。</a:t>
+            </a:r>
+            <a:endParaRPr lang="en-US" altLang="zh-TW" sz="4200" dirty="0">
+              <a:latin typeface="標楷體" panose="03000509000000000000" pitchFamily="65" charset="-120"/>
+              <a:ea typeface="標楷體" panose="03000509000000000000" pitchFamily="65" charset="-120"/>
+              <a:cs typeface="Times New Roman" panose="02020603050405020304" pitchFamily="18" charset="0"/>
+            </a:endParaRPr>
           </a:p>
         </p:txBody>
       </p:sp>
@@ -15564,15 +16198,24 @@
           <a:lstStyle/>
           <a:p>
             <a:r>
-              <a:rPr lang="en-US" altLang="zh-TW" kern="1200" dirty="0">
+              <a:rPr lang="zh-TW" altLang="en-US" kern="1200" dirty="0">
                 <a:solidFill>
                   <a:srgbClr val="FFFFFF"/>
                 </a:solidFill>
-                <a:latin typeface="Times New Roman" panose="02020603050405020304" pitchFamily="18" charset="0"/>
+                <a:latin typeface="標楷體" panose="03000509000000000000" pitchFamily="65" charset="-120"/>
+                <a:ea typeface="標楷體" panose="03000509000000000000" pitchFamily="65" charset="-120"/>
                 <a:cs typeface="Times New Roman" panose="02020603050405020304" pitchFamily="18" charset="0"/>
               </a:rPr>
-              <a:t>About Company</a:t>
-            </a:r>
+              <a:t>公司介紹</a:t>
+            </a:r>
+            <a:endParaRPr lang="en-US" altLang="zh-TW" kern="1200" dirty="0">
+              <a:solidFill>
+                <a:srgbClr val="FFFFFF"/>
+              </a:solidFill>
+              <a:latin typeface="標楷體" panose="03000509000000000000" pitchFamily="65" charset="-120"/>
+              <a:ea typeface="標楷體" panose="03000509000000000000" pitchFamily="65" charset="-120"/>
+              <a:cs typeface="Times New Roman" panose="02020603050405020304" pitchFamily="18" charset="0"/>
+            </a:endParaRPr>
           </a:p>
         </p:txBody>
       </p:sp>
@@ -15661,74 +16304,317 @@
         </p:spPr>
         <p:txBody>
           <a:bodyPr vert="horz" lIns="91440" tIns="45720" rIns="91440" bIns="45720" rtlCol="0" anchor="ctr">
-            <a:normAutofit fontScale="92500" lnSpcReduction="20000"/>
+            <a:normAutofit lnSpcReduction="10000"/>
           </a:bodyPr>
           <a:lstStyle/>
           <a:p>
             <a:r>
+              <a:rPr lang="zh-TW" altLang="en-US" sz="2400" dirty="0">
+                <a:effectLst/>
+                <a:latin typeface="標楷體" panose="03000509000000000000" pitchFamily="65" charset="-120"/>
+                <a:ea typeface="標楷體" panose="03000509000000000000" pitchFamily="65" charset="-120"/>
+                <a:cs typeface="Times New Roman" panose="02020603050405020304" pitchFamily="18" charset="0"/>
+              </a:rPr>
+              <a:t>由</a:t>
+            </a:r>
+            <a:r>
               <a:rPr lang="en-US" altLang="zh-TW" sz="2400" dirty="0">
                 <a:effectLst/>
-                <a:latin typeface="Times New Roman" panose="02020603050405020304" pitchFamily="18" charset="0"/>
-                <a:cs typeface="Times New Roman" panose="02020603050405020304" pitchFamily="18" charset="0"/>
-              </a:rPr>
-              <a:t>Bx, founded by Ur and Mur, is a </a:t>
-            </a:r>
-            <a:r>
-              <a:rPr lang="en-US" altLang="zh-TW" sz="2400" b="1" dirty="0">
-                <a:effectLst/>
-                <a:latin typeface="Times New Roman" panose="02020603050405020304" pitchFamily="18" charset="0"/>
-                <a:cs typeface="Times New Roman" panose="02020603050405020304" pitchFamily="18" charset="0"/>
-              </a:rPr>
-              <a:t>prominent high-tech company specializing in health-focused smart products</a:t>
-            </a:r>
-            <a:r>
-              <a:rPr lang="en-US" altLang="zh-TW" sz="2400" dirty="0">
-                <a:effectLst/>
-                <a:latin typeface="Times New Roman" panose="02020603050405020304" pitchFamily="18" charset="0"/>
-                <a:cs typeface="Times New Roman" panose="02020603050405020304" pitchFamily="18" charset="0"/>
-              </a:rPr>
-              <a:t>. Leveraging </a:t>
-            </a:r>
-            <a:r>
-              <a:rPr lang="en-US" altLang="zh-TW" sz="2400" dirty="0">
-                <a:latin typeface="Times New Roman" panose="02020603050405020304" pitchFamily="18" charset="0"/>
+                <a:latin typeface="標楷體" panose="03000509000000000000" pitchFamily="65" charset="-120"/>
+                <a:ea typeface="標楷體" panose="03000509000000000000" pitchFamily="65" charset="-120"/>
                 <a:cs typeface="Times New Roman" panose="02020603050405020304" pitchFamily="18" charset="0"/>
               </a:rPr>
               <a:t>Ur</a:t>
             </a:r>
             <a:r>
+              <a:rPr lang="zh-TW" altLang="en-US" sz="2400" dirty="0">
+                <a:effectLst/>
+                <a:latin typeface="標楷體" panose="03000509000000000000" pitchFamily="65" charset="-120"/>
+                <a:ea typeface="標楷體" panose="03000509000000000000" pitchFamily="65" charset="-120"/>
+                <a:cs typeface="Times New Roman" panose="02020603050405020304" pitchFamily="18" charset="0"/>
+              </a:rPr>
+              <a:t>和</a:t>
+            </a:r>
+            <a:r>
               <a:rPr lang="en-US" altLang="zh-TW" sz="2400" dirty="0">
                 <a:effectLst/>
-                <a:latin typeface="Times New Roman" panose="02020603050405020304" pitchFamily="18" charset="0"/>
+                <a:latin typeface="標楷體" panose="03000509000000000000" pitchFamily="65" charset="-120"/>
+                <a:ea typeface="標楷體" panose="03000509000000000000" pitchFamily="65" charset="-120"/>
                 <a:cs typeface="Times New Roman" panose="02020603050405020304" pitchFamily="18" charset="0"/>
               </a:rPr>
-              <a:t> artistic background, Bx crafts beautifully designed technology aimed at informing and inspiring women worldwide. Through data collection on activity, sleep, stress, and reproductive health, Bx empowers women with insights into their health and habits. Since its establishment in 2XXX, Bx has experienced rapid growth, </a:t>
-            </a:r>
-            <a:r>
-              <a:rPr lang="en-US" altLang="zh-TW" sz="2400" b="1" dirty="0">
+              <a:t>Mur</a:t>
+            </a:r>
+            <a:r>
+              <a:rPr lang="zh-TW" altLang="en-US" sz="2400" dirty="0">
                 <a:effectLst/>
-                <a:latin typeface="Times New Roman" panose="02020603050405020304" pitchFamily="18" charset="0"/>
+                <a:latin typeface="標楷體" panose="03000509000000000000" pitchFamily="65" charset="-120"/>
+                <a:ea typeface="標楷體" panose="03000509000000000000" pitchFamily="65" charset="-120"/>
                 <a:cs typeface="Times New Roman" panose="02020603050405020304" pitchFamily="18" charset="0"/>
               </a:rPr>
-              <a:t>establishing itself as a tech-driven wellness leader for women.</a:t>
-            </a:r>
-          </a:p>
-          <a:p>
+              <a:t>創立的 </a:t>
+            </a:r>
+            <a:r>
+              <a:rPr lang="en-US" altLang="zh-TW" sz="2400" dirty="0">
+                <a:effectLst/>
+                <a:latin typeface="標楷體" panose="03000509000000000000" pitchFamily="65" charset="-120"/>
+                <a:ea typeface="標楷體" panose="03000509000000000000" pitchFamily="65" charset="-120"/>
+                <a:cs typeface="Times New Roman" panose="02020603050405020304" pitchFamily="18" charset="0"/>
+              </a:rPr>
+              <a:t>Bx </a:t>
+            </a:r>
+            <a:r>
+              <a:rPr lang="zh-TW" altLang="en-US" sz="2400" dirty="0">
+                <a:effectLst/>
+                <a:latin typeface="標楷體" panose="03000509000000000000" pitchFamily="65" charset="-120"/>
+                <a:ea typeface="標楷體" panose="03000509000000000000" pitchFamily="65" charset="-120"/>
+                <a:cs typeface="Times New Roman" panose="02020603050405020304" pitchFamily="18" charset="0"/>
+              </a:rPr>
+              <a:t>是一家著名的高科技公司，專門生產以健康為重點的智慧產品。</a:t>
+            </a:r>
+            <a:r>
+              <a:rPr lang="en-US" altLang="zh-TW" sz="2400" dirty="0">
+                <a:effectLst/>
+                <a:latin typeface="標楷體" panose="03000509000000000000" pitchFamily="65" charset="-120"/>
+                <a:ea typeface="標楷體" panose="03000509000000000000" pitchFamily="65" charset="-120"/>
+                <a:cs typeface="Times New Roman" panose="02020603050405020304" pitchFamily="18" charset="0"/>
+              </a:rPr>
+              <a:t>Bx</a:t>
+            </a:r>
+            <a:r>
+              <a:rPr lang="zh-TW" altLang="en-US" sz="2400" dirty="0">
+                <a:effectLst/>
+                <a:latin typeface="標楷體" panose="03000509000000000000" pitchFamily="65" charset="-120"/>
+                <a:ea typeface="標楷體" panose="03000509000000000000" pitchFamily="65" charset="-120"/>
+                <a:cs typeface="Times New Roman" panose="02020603050405020304" pitchFamily="18" charset="0"/>
+              </a:rPr>
+              <a:t>利用烏爾的藝術背景，精心設計了精美的技術，旨在為全球女性提供資訊和靈感。透過收集有關活動、睡眠、壓力和生殖健康的數據，</a:t>
+            </a:r>
+            <a:r>
+              <a:rPr lang="en-US" altLang="zh-TW" sz="2400" dirty="0">
+                <a:effectLst/>
+                <a:latin typeface="標楷體" panose="03000509000000000000" pitchFamily="65" charset="-120"/>
+                <a:ea typeface="標楷體" panose="03000509000000000000" pitchFamily="65" charset="-120"/>
+                <a:cs typeface="Times New Roman" panose="02020603050405020304" pitchFamily="18" charset="0"/>
+              </a:rPr>
+              <a:t>Bx</a:t>
+            </a:r>
+            <a:r>
+              <a:rPr lang="zh-TW" altLang="en-US" sz="2400" dirty="0">
+                <a:effectLst/>
+                <a:latin typeface="標楷體" panose="03000509000000000000" pitchFamily="65" charset="-120"/>
+                <a:ea typeface="標楷體" panose="03000509000000000000" pitchFamily="65" charset="-120"/>
+                <a:cs typeface="Times New Roman" panose="02020603050405020304" pitchFamily="18" charset="0"/>
+              </a:rPr>
+              <a:t>讓女性了解自己的健康狀況和生活習慣。自 </a:t>
+            </a:r>
+            <a:r>
+              <a:rPr lang="en-US" altLang="zh-TW" sz="2400" dirty="0">
+                <a:effectLst/>
+                <a:latin typeface="標楷體" panose="03000509000000000000" pitchFamily="65" charset="-120"/>
+                <a:ea typeface="標楷體" panose="03000509000000000000" pitchFamily="65" charset="-120"/>
+                <a:cs typeface="Times New Roman" panose="02020603050405020304" pitchFamily="18" charset="0"/>
+              </a:rPr>
+              <a:t>2XXX</a:t>
+            </a:r>
+            <a:r>
+              <a:rPr lang="zh-TW" altLang="en-US" sz="2400" dirty="0">
+                <a:effectLst/>
+                <a:latin typeface="標楷體" panose="03000509000000000000" pitchFamily="65" charset="-120"/>
+                <a:ea typeface="標楷體" panose="03000509000000000000" pitchFamily="65" charset="-120"/>
+                <a:cs typeface="Times New Roman" panose="02020603050405020304" pitchFamily="18" charset="0"/>
+              </a:rPr>
+              <a:t>年成立以來，</a:t>
+            </a:r>
+            <a:r>
+              <a:rPr lang="en-US" altLang="zh-TW" sz="2400" dirty="0">
+                <a:effectLst/>
+                <a:latin typeface="標楷體" panose="03000509000000000000" pitchFamily="65" charset="-120"/>
+                <a:ea typeface="標楷體" panose="03000509000000000000" pitchFamily="65" charset="-120"/>
+                <a:cs typeface="Times New Roman" panose="02020603050405020304" pitchFamily="18" charset="0"/>
+              </a:rPr>
+              <a:t>Bx</a:t>
+            </a:r>
+            <a:r>
+              <a:rPr lang="zh-TW" altLang="en-US" sz="2400" dirty="0">
+                <a:effectLst/>
+                <a:latin typeface="標楷體" panose="03000509000000000000" pitchFamily="65" charset="-120"/>
+                <a:ea typeface="標楷體" panose="03000509000000000000" pitchFamily="65" charset="-120"/>
+                <a:cs typeface="Times New Roman" panose="02020603050405020304" pitchFamily="18" charset="0"/>
+              </a:rPr>
+              <a:t>已經歷了快速發展，成為以科技為驅動的女性健康領導者。</a:t>
+            </a:r>
+          </a:p>
+          <a:p>
+            <a:pPr marL="0" indent="0">
+              <a:buNone/>
+            </a:pPr>
             <a:endParaRPr lang="en-US" altLang="zh-TW" sz="2400" dirty="0">
               <a:effectLst/>
-              <a:latin typeface="Times New Roman" panose="02020603050405020304" pitchFamily="18" charset="0"/>
+              <a:latin typeface="標楷體" panose="03000509000000000000" pitchFamily="65" charset="-120"/>
+              <a:ea typeface="標楷體" panose="03000509000000000000" pitchFamily="65" charset="-120"/>
               <a:cs typeface="Times New Roman" panose="02020603050405020304" pitchFamily="18" charset="0"/>
             </a:endParaRPr>
           </a:p>
           <a:p>
             <a:r>
+              <a:rPr lang="zh-TW" altLang="en-US" sz="2400" dirty="0">
+                <a:effectLst/>
+                <a:latin typeface="標楷體" panose="03000509000000000000" pitchFamily="65" charset="-120"/>
+                <a:ea typeface="標楷體" panose="03000509000000000000" pitchFamily="65" charset="-120"/>
+                <a:cs typeface="Times New Roman" panose="02020603050405020304" pitchFamily="18" charset="0"/>
+              </a:rPr>
+              <a:t>到 </a:t>
+            </a:r>
+            <a:r>
               <a:rPr lang="en-US" altLang="zh-TW" sz="2400" dirty="0">
                 <a:effectLst/>
-                <a:latin typeface="Times New Roman" panose="02020603050405020304" pitchFamily="18" charset="0"/>
+                <a:latin typeface="標楷體" panose="03000509000000000000" pitchFamily="65" charset="-120"/>
+                <a:ea typeface="標楷體" panose="03000509000000000000" pitchFamily="65" charset="-120"/>
                 <a:cs typeface="Times New Roman" panose="02020603050405020304" pitchFamily="18" charset="0"/>
               </a:rPr>
-              <a:t>By 2XXX, Bx expanded globally, launching various products and making them available through numerous online retailers and its own e-commerce platform. The company employs a diverse marketing strategy, investing in traditional media like radio, billboards, print, and television, while focusing extensively on digital marketing channels. Bx maintains an active presence on platforms like Google Search, Facebook, Instagram, and Twitter, complemented by video ads on YouTube and display ads on the Network.</a:t>
-            </a:r>
+              <a:t>2XXX</a:t>
+            </a:r>
+            <a:r>
+              <a:rPr lang="zh-TW" altLang="en-US" sz="2400" dirty="0">
+                <a:effectLst/>
+                <a:latin typeface="標楷體" panose="03000509000000000000" pitchFamily="65" charset="-120"/>
+                <a:ea typeface="標楷體" panose="03000509000000000000" pitchFamily="65" charset="-120"/>
+                <a:cs typeface="Times New Roman" panose="02020603050405020304" pitchFamily="18" charset="0"/>
+              </a:rPr>
+              <a:t>年，</a:t>
+            </a:r>
+            <a:r>
+              <a:rPr lang="en-US" altLang="zh-TW" sz="2400" dirty="0">
+                <a:effectLst/>
+                <a:latin typeface="標楷體" panose="03000509000000000000" pitchFamily="65" charset="-120"/>
+                <a:ea typeface="標楷體" panose="03000509000000000000" pitchFamily="65" charset="-120"/>
+                <a:cs typeface="Times New Roman" panose="02020603050405020304" pitchFamily="18" charset="0"/>
+              </a:rPr>
+              <a:t>Bx </a:t>
+            </a:r>
+            <a:r>
+              <a:rPr lang="zh-TW" altLang="en-US" sz="2400" dirty="0">
+                <a:effectLst/>
+                <a:latin typeface="標楷體" panose="03000509000000000000" pitchFamily="65" charset="-120"/>
+                <a:ea typeface="標楷體" panose="03000509000000000000" pitchFamily="65" charset="-120"/>
+                <a:cs typeface="Times New Roman" panose="02020603050405020304" pitchFamily="18" charset="0"/>
+              </a:rPr>
+              <a:t>向全球擴張，推出了各種產品，並透過許多線上零售商和自己的電子商務平台進行銷售。公司採用多元化的行銷策略，投資於廣播、廣告看板、印刷品和電視等傳統媒體，同時廣泛關注數位行銷管道。 </a:t>
+            </a:r>
+            <a:r>
+              <a:rPr lang="en-US" altLang="zh-TW" sz="2400" dirty="0">
+                <a:effectLst/>
+                <a:latin typeface="標楷體" panose="03000509000000000000" pitchFamily="65" charset="-120"/>
+                <a:ea typeface="標楷體" panose="03000509000000000000" pitchFamily="65" charset="-120"/>
+                <a:cs typeface="Times New Roman" panose="02020603050405020304" pitchFamily="18" charset="0"/>
+              </a:rPr>
+              <a:t>Bx</a:t>
+            </a:r>
+            <a:r>
+              <a:rPr lang="zh-TW" altLang="en-US" sz="2400" dirty="0">
+                <a:effectLst/>
+                <a:latin typeface="標楷體" panose="03000509000000000000" pitchFamily="65" charset="-120"/>
+                <a:ea typeface="標楷體" panose="03000509000000000000" pitchFamily="65" charset="-120"/>
+                <a:cs typeface="Times New Roman" panose="02020603050405020304" pitchFamily="18" charset="0"/>
+              </a:rPr>
+              <a:t>在</a:t>
+            </a:r>
+            <a:r>
+              <a:rPr lang="en-US" altLang="zh-TW" sz="2400" dirty="0">
+                <a:effectLst/>
+                <a:latin typeface="標楷體" panose="03000509000000000000" pitchFamily="65" charset="-120"/>
+                <a:ea typeface="標楷體" panose="03000509000000000000" pitchFamily="65" charset="-120"/>
+                <a:cs typeface="Times New Roman" panose="02020603050405020304" pitchFamily="18" charset="0"/>
+              </a:rPr>
+              <a:t>Google</a:t>
+            </a:r>
+            <a:r>
+              <a:rPr lang="zh-TW" altLang="en-US" sz="2400" dirty="0">
+                <a:effectLst/>
+                <a:latin typeface="標楷體" panose="03000509000000000000" pitchFamily="65" charset="-120"/>
+                <a:ea typeface="標楷體" panose="03000509000000000000" pitchFamily="65" charset="-120"/>
+                <a:cs typeface="Times New Roman" panose="02020603050405020304" pitchFamily="18" charset="0"/>
+              </a:rPr>
+              <a:t>搜尋、</a:t>
+            </a:r>
+            <a:r>
+              <a:rPr lang="en-US" altLang="zh-TW" sz="2400" dirty="0">
+                <a:effectLst/>
+                <a:latin typeface="標楷體" panose="03000509000000000000" pitchFamily="65" charset="-120"/>
+                <a:ea typeface="標楷體" panose="03000509000000000000" pitchFamily="65" charset="-120"/>
+                <a:cs typeface="Times New Roman" panose="02020603050405020304" pitchFamily="18" charset="0"/>
+              </a:rPr>
+              <a:t>Facebook</a:t>
+            </a:r>
+            <a:r>
+              <a:rPr lang="zh-TW" altLang="en-US" sz="2400" dirty="0">
+                <a:effectLst/>
+                <a:latin typeface="標楷體" panose="03000509000000000000" pitchFamily="65" charset="-120"/>
+                <a:ea typeface="標楷體" panose="03000509000000000000" pitchFamily="65" charset="-120"/>
+                <a:cs typeface="Times New Roman" panose="02020603050405020304" pitchFamily="18" charset="0"/>
+              </a:rPr>
+              <a:t>、</a:t>
+            </a:r>
+            <a:r>
+              <a:rPr lang="en-US" altLang="zh-TW" sz="2400" dirty="0">
+                <a:effectLst/>
+                <a:latin typeface="標楷體" panose="03000509000000000000" pitchFamily="65" charset="-120"/>
+                <a:ea typeface="標楷體" panose="03000509000000000000" pitchFamily="65" charset="-120"/>
+                <a:cs typeface="Times New Roman" panose="02020603050405020304" pitchFamily="18" charset="0"/>
+              </a:rPr>
+              <a:t>Instagram </a:t>
+            </a:r>
+            <a:r>
+              <a:rPr lang="zh-TW" altLang="en-US" sz="2400" dirty="0">
+                <a:effectLst/>
+                <a:latin typeface="標楷體" panose="03000509000000000000" pitchFamily="65" charset="-120"/>
+                <a:ea typeface="標楷體" panose="03000509000000000000" pitchFamily="65" charset="-120"/>
+                <a:cs typeface="Times New Roman" panose="02020603050405020304" pitchFamily="18" charset="0"/>
+              </a:rPr>
+              <a:t>和 </a:t>
+            </a:r>
+            <a:r>
+              <a:rPr lang="en-US" altLang="zh-TW" sz="2400" dirty="0">
+                <a:effectLst/>
+                <a:latin typeface="標楷體" panose="03000509000000000000" pitchFamily="65" charset="-120"/>
+                <a:ea typeface="標楷體" panose="03000509000000000000" pitchFamily="65" charset="-120"/>
+                <a:cs typeface="Times New Roman" panose="02020603050405020304" pitchFamily="18" charset="0"/>
+              </a:rPr>
+              <a:t>Twitter </a:t>
+            </a:r>
+            <a:r>
+              <a:rPr lang="zh-TW" altLang="en-US" sz="2400" dirty="0">
+                <a:effectLst/>
+                <a:latin typeface="標楷體" panose="03000509000000000000" pitchFamily="65" charset="-120"/>
+                <a:ea typeface="標楷體" panose="03000509000000000000" pitchFamily="65" charset="-120"/>
+                <a:cs typeface="Times New Roman" panose="02020603050405020304" pitchFamily="18" charset="0"/>
+              </a:rPr>
+              <a:t>等平台上保持活躍，並在 </a:t>
+            </a:r>
+            <a:r>
+              <a:rPr lang="en-US" altLang="zh-TW" sz="2400" dirty="0">
+                <a:effectLst/>
+                <a:latin typeface="標楷體" panose="03000509000000000000" pitchFamily="65" charset="-120"/>
+                <a:ea typeface="標楷體" panose="03000509000000000000" pitchFamily="65" charset="-120"/>
+                <a:cs typeface="Times New Roman" panose="02020603050405020304" pitchFamily="18" charset="0"/>
+              </a:rPr>
+              <a:t>YouTube </a:t>
+            </a:r>
+            <a:r>
+              <a:rPr lang="zh-TW" altLang="en-US" sz="2400" dirty="0">
+                <a:effectLst/>
+                <a:latin typeface="標楷體" panose="03000509000000000000" pitchFamily="65" charset="-120"/>
+                <a:ea typeface="標楷體" panose="03000509000000000000" pitchFamily="65" charset="-120"/>
+                <a:cs typeface="Times New Roman" panose="02020603050405020304" pitchFamily="18" charset="0"/>
+              </a:rPr>
+              <a:t>上投放影片廣告，在網路上投放展示廣告。</a:t>
+            </a:r>
+            <a:endParaRPr lang="en-US" altLang="zh-TW" sz="2400" dirty="0">
+              <a:effectLst/>
+              <a:latin typeface="標楷體" panose="03000509000000000000" pitchFamily="65" charset="-120"/>
+              <a:ea typeface="標楷體" panose="03000509000000000000" pitchFamily="65" charset="-120"/>
+              <a:cs typeface="Times New Roman" panose="02020603050405020304" pitchFamily="18" charset="0"/>
+            </a:endParaRPr>
           </a:p>
         </p:txBody>
       </p:sp>
@@ -16233,51 +17119,79 @@
       </p:sp>
       <p:sp>
         <p:nvSpPr>
-          <p:cNvPr id="2" name="標題 1">
+          <p:cNvPr id="3" name="標題 1">
             <a:extLst>
               <a:ext uri="{FF2B5EF4-FFF2-40B4-BE49-F238E27FC236}">
-                <a16:creationId xmlns:a16="http://schemas.microsoft.com/office/drawing/2014/main" id="{5451B8BF-1309-B656-3A9B-A11432C43945}"/>
+                <a16:creationId xmlns:a16="http://schemas.microsoft.com/office/drawing/2014/main" id="{FACB380F-2F84-08E5-5504-4BA458F6EDC1}"/>
               </a:ext>
             </a:extLst>
           </p:cNvPr>
-          <p:cNvSpPr>
-            <a:spLocks noGrp="1"/>
+          <p:cNvSpPr txBox="1">
+            <a:spLocks/>
           </p:cNvSpPr>
-          <p:nvPr>
-            <p:ph type="title"/>
-          </p:nvPr>
+          <p:nvPr/>
         </p:nvSpPr>
         <p:spPr>
           <a:xfrm>
-            <a:off x="838200" y="673770"/>
-            <a:ext cx="3220329" cy="2027227"/>
+            <a:off x="990600" y="826171"/>
+            <a:ext cx="3548743" cy="823016"/>
           </a:xfrm>
+          <a:prstGeom prst="rect">
+            <a:avLst/>
+          </a:prstGeom>
         </p:spPr>
         <p:txBody>
           <a:bodyPr vert="horz" lIns="91440" tIns="45720" rIns="91440" bIns="45720" rtlCol="0" anchor="t">
-            <a:normAutofit/>
+            <a:noAutofit/>
           </a:bodyPr>
-          <a:lstStyle/>
-          <a:p>
-            <a:r>
-              <a:rPr lang="en-US" altLang="zh-TW" sz="3800" kern="1200" dirty="0">
+          <a:lstStyle>
+            <a:lvl1pPr algn="l" defTabSz="914400" rtl="0" eaLnBrk="1" latinLnBrk="0" hangingPunct="1">
+              <a:lnSpc>
+                <a:spcPct val="90000"/>
+              </a:lnSpc>
+              <a:spcBef>
+                <a:spcPct val="0"/>
+              </a:spcBef>
+              <a:buNone/>
+              <a:defRPr sz="4400" kern="1200">
+                <a:solidFill>
+                  <a:schemeClr val="tx1"/>
+                </a:solidFill>
+                <a:latin typeface="+mj-lt"/>
+                <a:ea typeface="+mj-ea"/>
+                <a:cs typeface="+mj-cs"/>
+              </a:defRPr>
+            </a:lvl1pPr>
+          </a:lstStyle>
+          <a:p>
+            <a:r>
+              <a:rPr lang="zh-TW" altLang="en-US" dirty="0">
                 <a:solidFill>
                   <a:srgbClr val="FFFFFF"/>
                 </a:solidFill>
-                <a:latin typeface="Times New Roman" panose="02020603050405020304" pitchFamily="18" charset="0"/>
+                <a:latin typeface="標楷體" panose="03000509000000000000" pitchFamily="65" charset="-120"/>
+                <a:ea typeface="標楷體" panose="03000509000000000000" pitchFamily="65" charset="-120"/>
                 <a:cs typeface="Times New Roman" panose="02020603050405020304" pitchFamily="18" charset="0"/>
               </a:rPr>
-              <a:t>Produce a report with the deliverables</a:t>
-            </a:r>
+              <a:t>產生成果報告</a:t>
+            </a:r>
+            <a:endParaRPr lang="en-US" altLang="zh-TW" dirty="0">
+              <a:solidFill>
+                <a:srgbClr val="FFFFFF"/>
+              </a:solidFill>
+              <a:latin typeface="標楷體" panose="03000509000000000000" pitchFamily="65" charset="-120"/>
+              <a:ea typeface="標楷體" panose="03000509000000000000" pitchFamily="65" charset="-120"/>
+              <a:cs typeface="Times New Roman" panose="02020603050405020304" pitchFamily="18" charset="0"/>
+            </a:endParaRPr>
           </a:p>
         </p:txBody>
       </p:sp>
       <p:graphicFrame>
         <p:nvGraphicFramePr>
-          <p:cNvPr id="5" name="文字版面配置區 2">
+          <p:cNvPr id="4" name="文字版面配置區 2">
             <a:extLst>
               <a:ext uri="{FF2B5EF4-FFF2-40B4-BE49-F238E27FC236}">
-                <a16:creationId xmlns:a16="http://schemas.microsoft.com/office/drawing/2014/main" id="{4D3A5AD3-8C6C-5A40-0FCA-E2DBF6621EBF}"/>
+                <a16:creationId xmlns:a16="http://schemas.microsoft.com/office/drawing/2014/main" id="{7BD7BDB3-2EB9-08F9-645E-9626D9C08F9B}"/>
               </a:ext>
             </a:extLst>
           </p:cNvPr>
@@ -16285,13 +17199,13 @@
           <p:nvPr>
             <p:extLst>
               <p:ext uri="{D42A27DB-BD31-4B8C-83A1-F6EECF244321}">
-                <p14:modId xmlns:p14="http://schemas.microsoft.com/office/powerpoint/2010/main" val="3460303384"/>
+                <p14:modId xmlns:p14="http://schemas.microsoft.com/office/powerpoint/2010/main" val="2693839720"/>
               </p:ext>
             </p:extLst>
           </p:nvPr>
         </p:nvGraphicFramePr>
         <p:xfrm>
-          <a:off x="5542672" y="541606"/>
+          <a:off x="5695072" y="694006"/>
           <a:ext cx="5811128" cy="5678219"/>
         </p:xfrm>
         <a:graphic>
@@ -16561,15 +17475,24 @@
           <a:lstStyle/>
           <a:p>
             <a:r>
-              <a:rPr lang="en-US" altLang="zh-TW" kern="1200">
+              <a:rPr lang="zh-TW" altLang="en-US" sz="4400" dirty="0">
                 <a:solidFill>
-                  <a:srgbClr val="FFFFFF"/>
+                  <a:schemeClr val="bg1"/>
                 </a:solidFill>
-                <a:latin typeface="Times New Roman" panose="02020603050405020304" pitchFamily="18" charset="0"/>
+                <a:latin typeface="標楷體" panose="03000509000000000000" pitchFamily="65" charset="-120"/>
+                <a:ea typeface="標楷體" panose="03000509000000000000" pitchFamily="65" charset="-120"/>
                 <a:cs typeface="Times New Roman" panose="02020603050405020304" pitchFamily="18" charset="0"/>
               </a:rPr>
-              <a:t>ASK</a:t>
-            </a:r>
+              <a:t>詢問</a:t>
+            </a:r>
+            <a:endParaRPr lang="en-US" altLang="zh-TW" kern="1200" dirty="0">
+              <a:solidFill>
+                <a:schemeClr val="bg1"/>
+              </a:solidFill>
+              <a:latin typeface="標楷體" panose="03000509000000000000" pitchFamily="65" charset="-120"/>
+              <a:ea typeface="標楷體" panose="03000509000000000000" pitchFamily="65" charset="-120"/>
+              <a:cs typeface="Times New Roman" panose="02020603050405020304" pitchFamily="18" charset="0"/>
+            </a:endParaRPr>
           </a:p>
         </p:txBody>
       </p:sp>
@@ -16666,79 +17589,141 @@
               <a:buNone/>
             </a:pPr>
             <a:r>
-              <a:rPr lang="en-US" altLang="zh-TW" b="1" dirty="0">
-                <a:latin typeface="Times New Roman" panose="02020603050405020304" pitchFamily="18" charset="0"/>
+              <a:rPr lang="zh-TW" altLang="en-US" dirty="0">
+                <a:latin typeface="標楷體" panose="03000509000000000000" pitchFamily="65" charset="-120"/>
+                <a:ea typeface="標楷體" panose="03000509000000000000" pitchFamily="65" charset="-120"/>
                 <a:cs typeface="Times New Roman" panose="02020603050405020304" pitchFamily="18" charset="0"/>
               </a:rPr>
-              <a:t>Questions: </a:t>
-            </a:r>
-          </a:p>
-          <a:p>
-            <a:pPr marL="0" algn="ctr"/>
-            <a:r>
-              <a:rPr lang="en-US" altLang="zh-TW" sz="2200" i="0" dirty="0">
-                <a:solidFill>
-                  <a:srgbClr val="3C4043"/>
-                </a:solidFill>
-                <a:effectLst/>
-                <a:latin typeface="Times New Roman" panose="02020603050405020304" pitchFamily="18" charset="0"/>
+              <a:t>問：</a:t>
+            </a:r>
+          </a:p>
+          <a:p>
+            <a:pPr algn="ctr"/>
+            <a:r>
+              <a:rPr lang="zh-TW" altLang="en-US" sz="2400" dirty="0">
+                <a:latin typeface="標楷體" panose="03000509000000000000" pitchFamily="65" charset="-120"/>
+                <a:ea typeface="標楷體" panose="03000509000000000000" pitchFamily="65" charset="-120"/>
                 <a:cs typeface="Times New Roman" panose="02020603050405020304" pitchFamily="18" charset="0"/>
               </a:rPr>
-              <a:t> Identify the business task</a:t>
-            </a:r>
-            <a:endParaRPr lang="en-US" altLang="zh-TW" sz="2200" dirty="0">
-              <a:latin typeface="Times New Roman" panose="02020603050405020304" pitchFamily="18" charset="0"/>
-              <a:cs typeface="Times New Roman" panose="02020603050405020304" pitchFamily="18" charset="0"/>
-            </a:endParaRPr>
-          </a:p>
-          <a:p>
-            <a:pPr marL="0"/>
-            <a:endParaRPr lang="en-US" altLang="zh-TW" sz="2200" dirty="0">
-              <a:latin typeface="Times New Roman" panose="02020603050405020304" pitchFamily="18" charset="0"/>
-              <a:cs typeface="Times New Roman" panose="02020603050405020304" pitchFamily="18" charset="0"/>
-            </a:endParaRPr>
+              <a:t>確定業務任務</a:t>
+            </a:r>
           </a:p>
           <a:p>
             <a:pPr marL="0" indent="0" algn="ctr">
               <a:buNone/>
             </a:pPr>
-            <a:r>
-              <a:rPr lang="en-US" altLang="zh-TW" b="1" dirty="0">
-                <a:latin typeface="Times New Roman" panose="02020603050405020304" pitchFamily="18" charset="0"/>
+            <a:endParaRPr lang="en-US" altLang="zh-TW" sz="2400" dirty="0">
+              <a:latin typeface="標楷體" panose="03000509000000000000" pitchFamily="65" charset="-120"/>
+              <a:ea typeface="標楷體" panose="03000509000000000000" pitchFamily="65" charset="-120"/>
+              <a:cs typeface="Times New Roman" panose="02020603050405020304" pitchFamily="18" charset="0"/>
+            </a:endParaRPr>
+          </a:p>
+          <a:p>
+            <a:pPr marL="0" indent="0" algn="ctr">
+              <a:buNone/>
+            </a:pPr>
+            <a:r>
+              <a:rPr lang="zh-TW" altLang="en-US" dirty="0">
+                <a:latin typeface="標楷體" panose="03000509000000000000" pitchFamily="65" charset="-120"/>
+                <a:ea typeface="標楷體" panose="03000509000000000000" pitchFamily="65" charset="-120"/>
                 <a:cs typeface="Times New Roman" panose="02020603050405020304" pitchFamily="18" charset="0"/>
               </a:rPr>
-              <a:t>Answer:</a:t>
+              <a:t>答：</a:t>
             </a:r>
           </a:p>
           <a:p>
             <a:pPr marL="0"/>
             <a:r>
               <a:rPr lang="en-US" altLang="zh-TW" sz="2200" dirty="0">
-                <a:latin typeface="Times New Roman" panose="02020603050405020304" pitchFamily="18" charset="0"/>
+                <a:latin typeface="標楷體" panose="03000509000000000000" pitchFamily="65" charset="-120"/>
+                <a:ea typeface="標楷體" panose="03000509000000000000" pitchFamily="65" charset="-120"/>
                 <a:cs typeface="Times New Roman" panose="02020603050405020304" pitchFamily="18" charset="0"/>
               </a:rPr>
-              <a:t>1. What are some trends in smart device usage?</a:t>
-            </a:r>
-          </a:p>
-          <a:p>
-            <a:pPr marL="0"/>
-            <a:r>
-              <a:rPr lang="en-US" altLang="zh-TW" sz="2200" dirty="0">
-                <a:latin typeface="Times New Roman" panose="02020603050405020304" pitchFamily="18" charset="0"/>
+              <a:t>1. </a:t>
+            </a:r>
+            <a:r>
+              <a:rPr lang="zh-TW" altLang="en-US" sz="2200" dirty="0">
+                <a:latin typeface="標楷體" panose="03000509000000000000" pitchFamily="65" charset="-120"/>
+                <a:ea typeface="標楷體" panose="03000509000000000000" pitchFamily="65" charset="-120"/>
                 <a:cs typeface="Times New Roman" panose="02020603050405020304" pitchFamily="18" charset="0"/>
               </a:rPr>
-              <a:t>2. How could these trends apply to Bx customers?</a:t>
+              <a:t>智慧型設備的使用有哪些趨勢？</a:t>
             </a:r>
           </a:p>
           <a:p>
             <a:pPr marL="0"/>
             <a:r>
               <a:rPr lang="en-US" altLang="zh-TW" sz="2200" dirty="0">
-                <a:latin typeface="Times New Roman" panose="02020603050405020304" pitchFamily="18" charset="0"/>
+                <a:latin typeface="標楷體" panose="03000509000000000000" pitchFamily="65" charset="-120"/>
+                <a:ea typeface="標楷體" panose="03000509000000000000" pitchFamily="65" charset="-120"/>
                 <a:cs typeface="Times New Roman" panose="02020603050405020304" pitchFamily="18" charset="0"/>
               </a:rPr>
-              <a:t>3. How could these trends help influence Bx marketing strategy?</a:t>
-            </a:r>
+              <a:t>2. </a:t>
+            </a:r>
+            <a:r>
+              <a:rPr lang="zh-TW" altLang="en-US" sz="2200" dirty="0">
+                <a:latin typeface="標楷體" panose="03000509000000000000" pitchFamily="65" charset="-120"/>
+                <a:ea typeface="標楷體" panose="03000509000000000000" pitchFamily="65" charset="-120"/>
+                <a:cs typeface="Times New Roman" panose="02020603050405020304" pitchFamily="18" charset="0"/>
+              </a:rPr>
+              <a:t>這些趨勢如何適用於 </a:t>
+            </a:r>
+            <a:r>
+              <a:rPr lang="en-US" altLang="zh-TW" sz="2200" dirty="0">
+                <a:latin typeface="標楷體" panose="03000509000000000000" pitchFamily="65" charset="-120"/>
+                <a:ea typeface="標楷體" panose="03000509000000000000" pitchFamily="65" charset="-120"/>
+                <a:cs typeface="Times New Roman" panose="02020603050405020304" pitchFamily="18" charset="0"/>
+              </a:rPr>
+              <a:t>Bx </a:t>
+            </a:r>
+            <a:r>
+              <a:rPr lang="zh-TW" altLang="en-US" sz="2200" dirty="0">
+                <a:latin typeface="標楷體" panose="03000509000000000000" pitchFamily="65" charset="-120"/>
+                <a:ea typeface="標楷體" panose="03000509000000000000" pitchFamily="65" charset="-120"/>
+                <a:cs typeface="Times New Roman" panose="02020603050405020304" pitchFamily="18" charset="0"/>
+              </a:rPr>
+              <a:t>客戶？</a:t>
+            </a:r>
+          </a:p>
+          <a:p>
+            <a:pPr marL="0"/>
+            <a:r>
+              <a:rPr lang="en-US" altLang="zh-TW" sz="2200" dirty="0">
+                <a:latin typeface="標楷體" panose="03000509000000000000" pitchFamily="65" charset="-120"/>
+                <a:ea typeface="標楷體" panose="03000509000000000000" pitchFamily="65" charset="-120"/>
+                <a:cs typeface="Times New Roman" panose="02020603050405020304" pitchFamily="18" charset="0"/>
+              </a:rPr>
+              <a:t>3. </a:t>
+            </a:r>
+            <a:r>
+              <a:rPr lang="zh-TW" altLang="en-US" sz="2200" dirty="0">
+                <a:latin typeface="標楷體" panose="03000509000000000000" pitchFamily="65" charset="-120"/>
+                <a:ea typeface="標楷體" panose="03000509000000000000" pitchFamily="65" charset="-120"/>
+                <a:cs typeface="Times New Roman" panose="02020603050405020304" pitchFamily="18" charset="0"/>
+              </a:rPr>
+              <a:t>這些趨勢如何影響 </a:t>
+            </a:r>
+            <a:r>
+              <a:rPr lang="en-US" altLang="zh-TW" sz="2200" dirty="0">
+                <a:latin typeface="標楷體" panose="03000509000000000000" pitchFamily="65" charset="-120"/>
+                <a:ea typeface="標楷體" panose="03000509000000000000" pitchFamily="65" charset="-120"/>
+                <a:cs typeface="Times New Roman" panose="02020603050405020304" pitchFamily="18" charset="0"/>
+              </a:rPr>
+              <a:t>Bx</a:t>
+            </a:r>
+            <a:r>
+              <a:rPr lang="zh-TW" altLang="en-US" sz="2200" dirty="0">
+                <a:latin typeface="標楷體" panose="03000509000000000000" pitchFamily="65" charset="-120"/>
+                <a:ea typeface="標楷體" panose="03000509000000000000" pitchFamily="65" charset="-120"/>
+                <a:cs typeface="Times New Roman" panose="02020603050405020304" pitchFamily="18" charset="0"/>
+              </a:rPr>
+              <a:t>的行銷策略？</a:t>
+            </a:r>
+            <a:endParaRPr lang="en-US" altLang="zh-TW" sz="2200" dirty="0">
+              <a:latin typeface="標楷體" panose="03000509000000000000" pitchFamily="65" charset="-120"/>
+              <a:ea typeface="標楷體" panose="03000509000000000000" pitchFamily="65" charset="-120"/>
+              <a:cs typeface="Times New Roman" panose="02020603050405020304" pitchFamily="18" charset="0"/>
+            </a:endParaRPr>
           </a:p>
         </p:txBody>
       </p:sp>
@@ -17003,15 +17988,23 @@
           <a:lstStyle/>
           <a:p>
             <a:r>
-              <a:rPr lang="en-US" altLang="zh-TW" kern="1200">
+              <a:rPr lang="zh-TW" altLang="en-US" sz="4400" dirty="0">
                 <a:solidFill>
-                  <a:srgbClr val="FFFFFF"/>
+                  <a:schemeClr val="bg1"/>
                 </a:solidFill>
-                <a:latin typeface="Times New Roman" panose="02020603050405020304" pitchFamily="18" charset="0"/>
+                <a:latin typeface="標楷體" panose="03000509000000000000" pitchFamily="65" charset="-120"/>
+                <a:ea typeface="標楷體" panose="03000509000000000000" pitchFamily="65" charset="-120"/>
                 <a:cs typeface="Times New Roman" panose="02020603050405020304" pitchFamily="18" charset="0"/>
               </a:rPr>
-              <a:t>Prepare</a:t>
-            </a:r>
+              <a:t>準備</a:t>
+            </a:r>
+            <a:endParaRPr lang="en-US" altLang="zh-TW" kern="1200" dirty="0">
+              <a:solidFill>
+                <a:srgbClr val="FFFFFF"/>
+              </a:solidFill>
+              <a:latin typeface="Times New Roman" panose="02020603050405020304" pitchFamily="18" charset="0"/>
+              <a:cs typeface="Times New Roman" panose="02020603050405020304" pitchFamily="18" charset="0"/>
+            </a:endParaRPr>
           </a:p>
         </p:txBody>
       </p:sp>
@@ -17094,13 +18087,13 @@
         </p:nvSpPr>
         <p:spPr>
           <a:xfrm>
-            <a:off x="4167272" y="0"/>
-            <a:ext cx="8021680" cy="6858000"/>
+            <a:off x="4447308" y="146958"/>
+            <a:ext cx="6906491" cy="6030006"/>
           </a:xfrm>
         </p:spPr>
         <p:txBody>
           <a:bodyPr vert="horz" lIns="91440" tIns="45720" rIns="91440" bIns="45720" rtlCol="0" anchor="ctr">
-            <a:normAutofit fontScale="92500" lnSpcReduction="10000"/>
+            <a:normAutofit fontScale="85000" lnSpcReduction="10000"/>
           </a:bodyPr>
           <a:lstStyle/>
           <a:p>
@@ -17108,69 +18101,117 @@
               <a:buNone/>
             </a:pPr>
             <a:r>
-              <a:rPr lang="en-US" altLang="zh-TW" b="1" dirty="0">
-                <a:latin typeface="Times New Roman" panose="02020603050405020304" pitchFamily="18" charset="0"/>
+              <a:rPr lang="zh-TW" altLang="en-US" sz="3300" dirty="0">
+                <a:latin typeface="標楷體" panose="03000509000000000000" pitchFamily="65" charset="-120"/>
+                <a:ea typeface="標楷體" panose="03000509000000000000" pitchFamily="65" charset="-120"/>
                 <a:cs typeface="Times New Roman" panose="02020603050405020304" pitchFamily="18" charset="0"/>
               </a:rPr>
-              <a:t>Questions: </a:t>
-            </a:r>
-          </a:p>
-          <a:p>
-            <a:pPr algn="ctr"/>
-            <a:r>
-              <a:rPr lang="en-US" altLang="zh-TW" sz="2200" dirty="0">
-                <a:latin typeface="Times New Roman" panose="02020603050405020304" pitchFamily="18" charset="0"/>
+              <a:t>問</a:t>
+            </a:r>
+            <a:r>
+              <a:rPr lang="en-US" altLang="zh-TW" sz="3300" dirty="0">
+                <a:latin typeface="標楷體" panose="03000509000000000000" pitchFamily="65" charset="-120"/>
+                <a:ea typeface="標楷體" panose="03000509000000000000" pitchFamily="65" charset="-120"/>
                 <a:cs typeface="Times New Roman" panose="02020603050405020304" pitchFamily="18" charset="0"/>
               </a:rPr>
-              <a:t>A description of all data sources used </a:t>
-            </a:r>
-            <a:endParaRPr lang="zh-TW" altLang="en-US" sz="2200" dirty="0">
-              <a:latin typeface="Times New Roman" panose="02020603050405020304" pitchFamily="18" charset="0"/>
+              <a:t>: </a:t>
+            </a:r>
+          </a:p>
+          <a:p>
+            <a:pPr algn="ctr"/>
+            <a:r>
+              <a:rPr lang="zh-TW" altLang="en-US" sz="2400" dirty="0">
+                <a:latin typeface="標楷體" panose="03000509000000000000" pitchFamily="65" charset="-120"/>
+                <a:ea typeface="標楷體" panose="03000509000000000000" pitchFamily="65" charset="-120"/>
+                <a:cs typeface="Times New Roman" panose="02020603050405020304" pitchFamily="18" charset="0"/>
+              </a:rPr>
+              <a:t>所有資料來源的說明</a:t>
+            </a:r>
+            <a:endParaRPr lang="en-US" altLang="zh-TW" sz="2400" dirty="0">
+              <a:latin typeface="標楷體" panose="03000509000000000000" pitchFamily="65" charset="-120"/>
+              <a:ea typeface="標楷體" panose="03000509000000000000" pitchFamily="65" charset="-120"/>
               <a:cs typeface="Times New Roman" panose="02020603050405020304" pitchFamily="18" charset="0"/>
             </a:endParaRPr>
           </a:p>
           <a:p>
-            <a:pPr marL="514350"/>
-            <a:endParaRPr lang="en-US" altLang="zh-TW" sz="2200" dirty="0">
-              <a:latin typeface="Times New Roman" panose="02020603050405020304" pitchFamily="18" charset="0"/>
+            <a:pPr marL="0" indent="0" algn="ctr">
+              <a:buNone/>
+            </a:pPr>
+            <a:endParaRPr lang="en-US" altLang="zh-TW" sz="2400" dirty="0">
+              <a:latin typeface="標楷體" panose="03000509000000000000" pitchFamily="65" charset="-120"/>
+              <a:ea typeface="標楷體" panose="03000509000000000000" pitchFamily="65" charset="-120"/>
               <a:cs typeface="Times New Roman" panose="02020603050405020304" pitchFamily="18" charset="0"/>
             </a:endParaRPr>
           </a:p>
           <a:p>
-            <a:pPr marL="285750" indent="0" algn="ctr">
+            <a:pPr marL="0" indent="0" algn="ctr">
               <a:buNone/>
             </a:pPr>
             <a:r>
-              <a:rPr lang="en-US" altLang="zh-TW" b="1" dirty="0">
-                <a:latin typeface="Times New Roman" panose="02020603050405020304" pitchFamily="18" charset="0"/>
+              <a:rPr lang="zh-TW" altLang="en-US" sz="3300" dirty="0">
+                <a:latin typeface="標楷體" panose="03000509000000000000" pitchFamily="65" charset="-120"/>
+                <a:ea typeface="標楷體" panose="03000509000000000000" pitchFamily="65" charset="-120"/>
                 <a:cs typeface="Times New Roman" panose="02020603050405020304" pitchFamily="18" charset="0"/>
               </a:rPr>
-              <a:t>Answer:</a:t>
-            </a:r>
-          </a:p>
-          <a:p>
-            <a:pPr marL="628650" indent="-342900"/>
+              <a:t>答</a:t>
+            </a:r>
+            <a:r>
+              <a:rPr lang="en-US" altLang="zh-TW" sz="3300" dirty="0">
+                <a:latin typeface="標楷體" panose="03000509000000000000" pitchFamily="65" charset="-120"/>
+                <a:ea typeface="標楷體" panose="03000509000000000000" pitchFamily="65" charset="-120"/>
+                <a:cs typeface="Times New Roman" panose="02020603050405020304" pitchFamily="18" charset="0"/>
+              </a:rPr>
+              <a:t>:</a:t>
+            </a:r>
+          </a:p>
+          <a:p>
+            <a:r>
+              <a:rPr lang="zh-TW" altLang="en-US" sz="2200" b="0" i="0" dirty="0">
+                <a:solidFill>
+                  <a:srgbClr val="3C4043"/>
+                </a:solidFill>
+                <a:effectLst/>
+                <a:latin typeface="標楷體" panose="03000509000000000000" pitchFamily="65" charset="-120"/>
+                <a:ea typeface="標楷體" panose="03000509000000000000" pitchFamily="65" charset="-120"/>
+                <a:cs typeface="Times New Roman" panose="02020603050405020304" pitchFamily="18" charset="0"/>
+              </a:rPr>
+              <a:t>用於分析的主要數據來源是 </a:t>
+            </a:r>
+            <a:r>
+              <a:rPr lang="en-US" altLang="zh-TW" sz="2200" b="0" i="0" dirty="0" err="1">
+                <a:solidFill>
+                  <a:srgbClr val="3C4043"/>
+                </a:solidFill>
+                <a:effectLst/>
+                <a:latin typeface="標楷體" panose="03000509000000000000" pitchFamily="65" charset="-120"/>
+                <a:ea typeface="標楷體" panose="03000509000000000000" pitchFamily="65" charset="-120"/>
+                <a:cs typeface="Times New Roman" panose="02020603050405020304" pitchFamily="18" charset="0"/>
+              </a:rPr>
+              <a:t>FitBit</a:t>
+            </a:r>
             <a:r>
               <a:rPr lang="en-US" altLang="zh-TW" sz="2200" b="0" i="0" dirty="0">
                 <a:solidFill>
                   <a:srgbClr val="3C4043"/>
                 </a:solidFill>
                 <a:effectLst/>
-                <a:latin typeface="Times New Roman" panose="02020603050405020304" pitchFamily="18" charset="0"/>
+                <a:latin typeface="標楷體" panose="03000509000000000000" pitchFamily="65" charset="-120"/>
+                <a:ea typeface="標楷體" panose="03000509000000000000" pitchFamily="65" charset="-120"/>
                 <a:cs typeface="Times New Roman" panose="02020603050405020304" pitchFamily="18" charset="0"/>
               </a:rPr>
-              <a:t>The primary data source utilized for analysis is the </a:t>
-            </a:r>
-            <a:r>
-              <a:rPr lang="en-US" altLang="zh-TW" sz="2200" b="0" i="0" dirty="0" err="1">
+              <a:t> </a:t>
+            </a:r>
+            <a:r>
+              <a:rPr lang="zh-TW" altLang="en-US" sz="2200" b="0" i="0" dirty="0">
                 <a:solidFill>
                   <a:srgbClr val="3C4043"/>
                 </a:solidFill>
                 <a:effectLst/>
-                <a:latin typeface="Times New Roman" panose="02020603050405020304" pitchFamily="18" charset="0"/>
+                <a:latin typeface="標楷體" panose="03000509000000000000" pitchFamily="65" charset="-120"/>
+                <a:ea typeface="標楷體" panose="03000509000000000000" pitchFamily="65" charset="-120"/>
                 <a:cs typeface="Times New Roman" panose="02020603050405020304" pitchFamily="18" charset="0"/>
               </a:rPr>
-              <a:t>FitBit</a:t>
+              <a:t>健身追蹤器數據，根據 </a:t>
             </a:r>
             <a:r>
               <a:rPr lang="en-US" altLang="zh-TW" sz="2200" b="0" i="0" dirty="0">
@@ -17178,174 +18219,358 @@
                   <a:srgbClr val="3C4043"/>
                 </a:solidFill>
                 <a:effectLst/>
-                <a:latin typeface="Times New Roman" panose="02020603050405020304" pitchFamily="18" charset="0"/>
+                <a:latin typeface="標楷體" panose="03000509000000000000" pitchFamily="65" charset="-120"/>
+                <a:ea typeface="標楷體" panose="03000509000000000000" pitchFamily="65" charset="-120"/>
                 <a:cs typeface="Times New Roman" panose="02020603050405020304" pitchFamily="18" charset="0"/>
               </a:rPr>
-              <a:t> Fitness Tracker Data, which is available under the CC0: Public Domain license and made accessible through Mobius. This dataset encompasses personal fitness tracker information from thirty Fitbit users who provided consent for the submission of their data. </a:t>
-            </a:r>
-          </a:p>
-          <a:p>
-            <a:pPr marL="628650" indent="-342900"/>
-            <a:r>
-              <a:rPr lang="en-US" altLang="zh-TW" sz="2200" dirty="0">
+              <a:t>CC0</a:t>
+            </a:r>
+            <a:r>
+              <a:rPr lang="zh-TW" altLang="en-US" sz="2200" b="0" i="0" dirty="0">
                 <a:solidFill>
                   <a:srgbClr val="3C4043"/>
                 </a:solidFill>
-                <a:latin typeface="Times New Roman" panose="02020603050405020304" pitchFamily="18" charset="0"/>
+                <a:effectLst/>
+                <a:latin typeface="標楷體" panose="03000509000000000000" pitchFamily="65" charset="-120"/>
+                <a:ea typeface="標楷體" panose="03000509000000000000" pitchFamily="65" charset="-120"/>
                 <a:cs typeface="Times New Roman" panose="02020603050405020304" pitchFamily="18" charset="0"/>
               </a:rPr>
-              <a:t>Fit into the guideline of ROCCC: </a:t>
-            </a:r>
-          </a:p>
-          <a:p>
-            <a:pPr marL="457200" indent="-457200" fontAlgn="auto">
+              <a:t>：公共領域授權提供，可透過 </a:t>
+            </a:r>
+            <a:r>
+              <a:rPr lang="en-US" altLang="zh-TW" sz="2200" b="0" i="0" dirty="0">
+                <a:solidFill>
+                  <a:srgbClr val="3C4043"/>
+                </a:solidFill>
+                <a:effectLst/>
+                <a:latin typeface="標楷體" panose="03000509000000000000" pitchFamily="65" charset="-120"/>
+                <a:ea typeface="標楷體" panose="03000509000000000000" pitchFamily="65" charset="-120"/>
+                <a:cs typeface="Times New Roman" panose="02020603050405020304" pitchFamily="18" charset="0"/>
+              </a:rPr>
+              <a:t>Mobius </a:t>
+            </a:r>
+            <a:r>
+              <a:rPr lang="zh-TW" altLang="en-US" sz="2200" b="0" i="0" dirty="0">
+                <a:solidFill>
+                  <a:srgbClr val="3C4043"/>
+                </a:solidFill>
+                <a:effectLst/>
+                <a:latin typeface="標楷體" panose="03000509000000000000" pitchFamily="65" charset="-120"/>
+                <a:ea typeface="標楷體" panose="03000509000000000000" pitchFamily="65" charset="-120"/>
+                <a:cs typeface="Times New Roman" panose="02020603050405020304" pitchFamily="18" charset="0"/>
+              </a:rPr>
+              <a:t>存取。此資料集包含 </a:t>
+            </a:r>
+            <a:r>
+              <a:rPr lang="en-US" altLang="zh-TW" sz="2200" b="0" i="0" dirty="0">
+                <a:solidFill>
+                  <a:srgbClr val="3C4043"/>
+                </a:solidFill>
+                <a:effectLst/>
+                <a:latin typeface="標楷體" panose="03000509000000000000" pitchFamily="65" charset="-120"/>
+                <a:ea typeface="標楷體" panose="03000509000000000000" pitchFamily="65" charset="-120"/>
+                <a:cs typeface="Times New Roman" panose="02020603050405020304" pitchFamily="18" charset="0"/>
+              </a:rPr>
+              <a:t>30 </a:t>
+            </a:r>
+            <a:r>
+              <a:rPr lang="zh-TW" altLang="en-US" sz="2200" b="0" i="0" dirty="0">
+                <a:solidFill>
+                  <a:srgbClr val="3C4043"/>
+                </a:solidFill>
+                <a:effectLst/>
+                <a:latin typeface="標楷體" panose="03000509000000000000" pitchFamily="65" charset="-120"/>
+                <a:ea typeface="標楷體" panose="03000509000000000000" pitchFamily="65" charset="-120"/>
+                <a:cs typeface="Times New Roman" panose="02020603050405020304" pitchFamily="18" charset="0"/>
+              </a:rPr>
+              <a:t>位同意提交資料的 </a:t>
+            </a:r>
+            <a:r>
+              <a:rPr lang="en-US" altLang="zh-TW" sz="2200" b="0" i="0" dirty="0">
+                <a:solidFill>
+                  <a:srgbClr val="3C4043"/>
+                </a:solidFill>
+                <a:effectLst/>
+                <a:latin typeface="標楷體" panose="03000509000000000000" pitchFamily="65" charset="-120"/>
+                <a:ea typeface="標楷體" panose="03000509000000000000" pitchFamily="65" charset="-120"/>
+                <a:cs typeface="Times New Roman" panose="02020603050405020304" pitchFamily="18" charset="0"/>
+              </a:rPr>
+              <a:t>Fitbit </a:t>
+            </a:r>
+            <a:r>
+              <a:rPr lang="zh-TW" altLang="en-US" sz="2200" b="0" i="0" dirty="0">
+                <a:solidFill>
+                  <a:srgbClr val="3C4043"/>
+                </a:solidFill>
+                <a:effectLst/>
+                <a:latin typeface="標楷體" panose="03000509000000000000" pitchFamily="65" charset="-120"/>
+                <a:ea typeface="標楷體" panose="03000509000000000000" pitchFamily="65" charset="-120"/>
+                <a:cs typeface="Times New Roman" panose="02020603050405020304" pitchFamily="18" charset="0"/>
+              </a:rPr>
+              <a:t>使用者的個人健身追蹤器資訊。</a:t>
+            </a:r>
+            <a:endParaRPr lang="en-US" altLang="zh-TW" sz="2200" b="0" i="0" dirty="0">
+              <a:solidFill>
+                <a:srgbClr val="3C4043"/>
+              </a:solidFill>
+              <a:effectLst/>
+              <a:latin typeface="標楷體" panose="03000509000000000000" pitchFamily="65" charset="-120"/>
+              <a:ea typeface="標楷體" panose="03000509000000000000" pitchFamily="65" charset="-120"/>
+              <a:cs typeface="Times New Roman" panose="02020603050405020304" pitchFamily="18" charset="0"/>
+            </a:endParaRPr>
+          </a:p>
+          <a:p>
+            <a:r>
+              <a:rPr lang="zh-TW" altLang="en-US" sz="2200" b="0" i="0" dirty="0">
+                <a:solidFill>
+                  <a:srgbClr val="3C4043"/>
+                </a:solidFill>
+                <a:effectLst/>
+                <a:latin typeface="標楷體" panose="03000509000000000000" pitchFamily="65" charset="-120"/>
+                <a:ea typeface="標楷體" panose="03000509000000000000" pitchFamily="65" charset="-120"/>
+                <a:cs typeface="Times New Roman" panose="02020603050405020304" pitchFamily="18" charset="0"/>
+              </a:rPr>
+              <a:t>符合 </a:t>
+            </a:r>
+            <a:r>
+              <a:rPr lang="en-US" altLang="zh-TW" sz="2200" b="0" i="0" dirty="0">
+                <a:solidFill>
+                  <a:srgbClr val="3C4043"/>
+                </a:solidFill>
+                <a:effectLst/>
+                <a:latin typeface="標楷體" panose="03000509000000000000" pitchFamily="65" charset="-120"/>
+                <a:ea typeface="標楷體" panose="03000509000000000000" pitchFamily="65" charset="-120"/>
+                <a:cs typeface="Times New Roman" panose="02020603050405020304" pitchFamily="18" charset="0"/>
+              </a:rPr>
+              <a:t>ROCCC </a:t>
+            </a:r>
+            <a:r>
+              <a:rPr lang="zh-TW" altLang="en-US" sz="2200" b="0" i="0" dirty="0">
+                <a:solidFill>
+                  <a:srgbClr val="3C4043"/>
+                </a:solidFill>
+                <a:effectLst/>
+                <a:latin typeface="標楷體" panose="03000509000000000000" pitchFamily="65" charset="-120"/>
+                <a:ea typeface="標楷體" panose="03000509000000000000" pitchFamily="65" charset="-120"/>
+                <a:cs typeface="Times New Roman" panose="02020603050405020304" pitchFamily="18" charset="0"/>
+              </a:rPr>
+              <a:t>的指導方針：</a:t>
+            </a:r>
+            <a:endParaRPr lang="en-US" altLang="zh-TW" sz="2200" b="0" i="0" dirty="0">
+              <a:solidFill>
+                <a:srgbClr val="3C4043"/>
+              </a:solidFill>
+              <a:effectLst/>
+              <a:latin typeface="標楷體" panose="03000509000000000000" pitchFamily="65" charset="-120"/>
+              <a:ea typeface="標楷體" panose="03000509000000000000" pitchFamily="65" charset="-120"/>
+              <a:cs typeface="Times New Roman" panose="02020603050405020304" pitchFamily="18" charset="0"/>
+            </a:endParaRPr>
+          </a:p>
+          <a:p>
+            <a:pPr marL="457200" indent="-457200">
               <a:buFont typeface="+mj-lt"/>
               <a:buAutoNum type="arabicPeriod"/>
             </a:pPr>
             <a:r>
-              <a:rPr lang="en-US" altLang="zh-TW" sz="2400" dirty="0">
-                <a:effectLst/>
-                <a:latin typeface="Times New Roman" panose="02020603050405020304" pitchFamily="18" charset="0"/>
-                <a:cs typeface="Times New Roman" panose="02020603050405020304" pitchFamily="18" charset="0"/>
+              <a:rPr lang="zh-CN" altLang="en-US" sz="2400" dirty="0">
+                <a:latin typeface="標楷體" panose="03000509000000000000" pitchFamily="65" charset="-120"/>
+                <a:ea typeface="標楷體" panose="03000509000000000000" pitchFamily="65" charset="-120"/>
               </a:rPr>
-              <a:t>Reliability: </a:t>
-            </a:r>
-            <a:r>
-              <a:rPr lang="en-US" altLang="zh-TW" sz="2400" b="1" dirty="0">
-                <a:effectLst/>
-                <a:latin typeface="Times New Roman" panose="02020603050405020304" pitchFamily="18" charset="0"/>
-                <a:cs typeface="Times New Roman" panose="02020603050405020304" pitchFamily="18" charset="0"/>
+              <a:t>可靠性：低</a:t>
+            </a:r>
+            <a:r>
+              <a:rPr lang="en-US" altLang="zh-CN" sz="2400" dirty="0">
+                <a:latin typeface="標楷體" panose="03000509000000000000" pitchFamily="65" charset="-120"/>
+                <a:ea typeface="標楷體" panose="03000509000000000000" pitchFamily="65" charset="-120"/>
               </a:rPr>
-              <a:t>LOW</a:t>
-            </a:r>
-            <a:r>
-              <a:rPr lang="en-US" altLang="zh-TW" sz="2400" dirty="0">
-                <a:effectLst/>
-                <a:latin typeface="Times New Roman" panose="02020603050405020304" pitchFamily="18" charset="0"/>
-                <a:cs typeface="Times New Roman" panose="02020603050405020304" pitchFamily="18" charset="0"/>
+              <a:t>-</a:t>
+            </a:r>
+            <a:r>
+              <a:rPr lang="zh-CN" altLang="en-US" sz="2400" dirty="0">
+                <a:latin typeface="標楷體" panose="03000509000000000000" pitchFamily="65" charset="-120"/>
+                <a:ea typeface="標楷體" panose="03000509000000000000" pitchFamily="65" charset="-120"/>
               </a:rPr>
-              <a:t> — dataset was collected from 30 individuals whose gender is unknown.</a:t>
-            </a:r>
-          </a:p>
-          <a:p>
-            <a:pPr marL="457200" indent="-457200" fontAlgn="auto">
+              <a:t>資料集是從性別未知的 </a:t>
+            </a:r>
+            <a:r>
+              <a:rPr lang="en-US" altLang="zh-CN" sz="2400" dirty="0">
+                <a:latin typeface="標楷體" panose="03000509000000000000" pitchFamily="65" charset="-120"/>
+                <a:ea typeface="標楷體" panose="03000509000000000000" pitchFamily="65" charset="-120"/>
+              </a:rPr>
+              <a:t>30 </a:t>
+            </a:r>
+            <a:r>
+              <a:rPr lang="zh-CN" altLang="en-US" sz="2400" dirty="0">
+                <a:latin typeface="標楷體" panose="03000509000000000000" pitchFamily="65" charset="-120"/>
+                <a:ea typeface="標楷體" panose="03000509000000000000" pitchFamily="65" charset="-120"/>
+              </a:rPr>
+              <a:t>個人中收集的。</a:t>
+            </a:r>
+          </a:p>
+          <a:p>
+            <a:pPr marL="457200" indent="-457200">
               <a:buFont typeface="+mj-lt"/>
               <a:buAutoNum type="arabicPeriod"/>
             </a:pPr>
             <a:r>
-              <a:rPr lang="en-US" altLang="zh-TW" sz="2400" dirty="0">
-                <a:effectLst/>
-                <a:latin typeface="Times New Roman" panose="02020603050405020304" pitchFamily="18" charset="0"/>
-                <a:cs typeface="Times New Roman" panose="02020603050405020304" pitchFamily="18" charset="0"/>
+              <a:rPr lang="zh-CN" altLang="en-US" sz="2400" dirty="0">
+                <a:latin typeface="標楷體" panose="03000509000000000000" pitchFamily="65" charset="-120"/>
+                <a:ea typeface="標楷體" panose="03000509000000000000" pitchFamily="65" charset="-120"/>
               </a:rPr>
-              <a:t>Originality: </a:t>
-            </a:r>
-            <a:r>
-              <a:rPr lang="en-US" altLang="zh-TW" sz="2400" b="1" dirty="0">
-                <a:effectLst/>
-                <a:latin typeface="Times New Roman" panose="02020603050405020304" pitchFamily="18" charset="0"/>
-                <a:cs typeface="Times New Roman" panose="02020603050405020304" pitchFamily="18" charset="0"/>
+              <a:t>原</a:t>
+            </a:r>
+            <a:r>
+              <a:rPr lang="zh-TW" altLang="en-US" sz="2400" dirty="0">
+                <a:latin typeface="標楷體" panose="03000509000000000000" pitchFamily="65" charset="-120"/>
+                <a:ea typeface="標楷體" panose="03000509000000000000" pitchFamily="65" charset="-120"/>
               </a:rPr>
-              <a:t>LOW</a:t>
-            </a:r>
-            <a:r>
-              <a:rPr lang="en-US" altLang="zh-TW" sz="2400" dirty="0">
-                <a:effectLst/>
-                <a:latin typeface="Times New Roman" panose="02020603050405020304" pitchFamily="18" charset="0"/>
-                <a:cs typeface="Times New Roman" panose="02020603050405020304" pitchFamily="18" charset="0"/>
+              <a:t>創</a:t>
+            </a:r>
+            <a:r>
+              <a:rPr lang="zh-CN" altLang="en-US" sz="2400" dirty="0">
+                <a:latin typeface="標楷體" panose="03000509000000000000" pitchFamily="65" charset="-120"/>
+                <a:ea typeface="標楷體" panose="03000509000000000000" pitchFamily="65" charset="-120"/>
               </a:rPr>
-              <a:t> — third-party data collected using Amazon Mechanical Turk.</a:t>
-            </a:r>
-          </a:p>
-          <a:p>
-            <a:pPr marL="457200" indent="-457200" fontAlgn="auto">
+              <a:t>性：低</a:t>
+            </a:r>
+            <a:r>
+              <a:rPr lang="en-US" altLang="zh-CN" sz="2400" dirty="0">
+                <a:latin typeface="標楷體" panose="03000509000000000000" pitchFamily="65" charset="-120"/>
+                <a:ea typeface="標楷體" panose="03000509000000000000" pitchFamily="65" charset="-120"/>
+              </a:rPr>
+              <a:t>-</a:t>
+            </a:r>
+            <a:r>
+              <a:rPr lang="zh-CN" altLang="en-US" sz="2400" dirty="0">
+                <a:latin typeface="標楷體" panose="03000509000000000000" pitchFamily="65" charset="-120"/>
+                <a:ea typeface="標楷體" panose="03000509000000000000" pitchFamily="65" charset="-120"/>
+              </a:rPr>
+              <a:t>使用 </a:t>
+            </a:r>
+            <a:r>
+              <a:rPr lang="en-US" altLang="zh-CN" sz="2400" dirty="0">
+                <a:latin typeface="標楷體" panose="03000509000000000000" pitchFamily="65" charset="-120"/>
+                <a:ea typeface="標楷體" panose="03000509000000000000" pitchFamily="65" charset="-120"/>
+              </a:rPr>
+              <a:t>Amazon Mechanical Turk </a:t>
+            </a:r>
+            <a:r>
+              <a:rPr lang="zh-CN" altLang="en-US" sz="2400" dirty="0">
+                <a:latin typeface="標楷體" panose="03000509000000000000" pitchFamily="65" charset="-120"/>
+                <a:ea typeface="標楷體" panose="03000509000000000000" pitchFamily="65" charset="-120"/>
+              </a:rPr>
+              <a:t>收集的協力廠商資料。</a:t>
+            </a:r>
+          </a:p>
+          <a:p>
+            <a:pPr marL="457200" indent="-457200">
               <a:buFont typeface="+mj-lt"/>
               <a:buAutoNum type="arabicPeriod"/>
             </a:pPr>
             <a:r>
-              <a:rPr lang="en-US" altLang="zh-TW" sz="2400" dirty="0">
-                <a:effectLst/>
-                <a:latin typeface="Times New Roman" panose="02020603050405020304" pitchFamily="18" charset="0"/>
-                <a:cs typeface="Times New Roman" panose="02020603050405020304" pitchFamily="18" charset="0"/>
+              <a:rPr lang="zh-CN" altLang="en-US" sz="2400" dirty="0">
+                <a:latin typeface="標楷體" panose="03000509000000000000" pitchFamily="65" charset="-120"/>
+                <a:ea typeface="標楷體" panose="03000509000000000000" pitchFamily="65" charset="-120"/>
               </a:rPr>
-              <a:t>Comprehensive: </a:t>
-            </a:r>
-            <a:r>
-              <a:rPr lang="en-US" altLang="zh-TW" sz="2400" b="1" dirty="0">
-                <a:effectLst/>
-                <a:latin typeface="Times New Roman" panose="02020603050405020304" pitchFamily="18" charset="0"/>
-                <a:cs typeface="Times New Roman" panose="02020603050405020304" pitchFamily="18" charset="0"/>
+              <a:t>綜合性：中等</a:t>
+            </a:r>
+            <a:r>
+              <a:rPr lang="en-US" altLang="zh-CN" sz="2400" dirty="0">
+                <a:latin typeface="標楷體" panose="03000509000000000000" pitchFamily="65" charset="-120"/>
+                <a:ea typeface="標楷體" panose="03000509000000000000" pitchFamily="65" charset="-120"/>
               </a:rPr>
-              <a:t>MEDIUM</a:t>
-            </a:r>
-            <a:r>
-              <a:rPr lang="en-US" altLang="zh-TW" sz="2400" dirty="0">
-                <a:effectLst/>
-                <a:latin typeface="Times New Roman" panose="02020603050405020304" pitchFamily="18" charset="0"/>
-                <a:cs typeface="Times New Roman" panose="02020603050405020304" pitchFamily="18" charset="0"/>
+              <a:t>-</a:t>
+            </a:r>
+            <a:r>
+              <a:rPr lang="zh-CN" altLang="en-US" sz="2400" dirty="0">
+                <a:latin typeface="標楷體" panose="03000509000000000000" pitchFamily="65" charset="-120"/>
+                <a:ea typeface="標楷體" panose="03000509000000000000" pitchFamily="65" charset="-120"/>
               </a:rPr>
-              <a:t> — dataset contains multiple fields on daily activity intensity, calories used, daily steps taken, daily sleep time, and weight record.</a:t>
-            </a:r>
-          </a:p>
-          <a:p>
-            <a:pPr marL="457200" indent="-457200" fontAlgn="auto">
+              <a:t>資料集包含多個欄位，涉及日常活動強度、消耗的卡路里、每日步數、每日睡眠時間和體重記錄。</a:t>
+            </a:r>
+          </a:p>
+          <a:p>
+            <a:pPr marL="457200" indent="-457200">
               <a:buFont typeface="+mj-lt"/>
               <a:buAutoNum type="arabicPeriod"/>
             </a:pPr>
             <a:r>
-              <a:rPr lang="en-US" altLang="zh-TW" sz="2400" dirty="0">
-                <a:effectLst/>
-                <a:latin typeface="Times New Roman" panose="02020603050405020304" pitchFamily="18" charset="0"/>
-                <a:cs typeface="Times New Roman" panose="02020603050405020304" pitchFamily="18" charset="0"/>
+              <a:rPr lang="zh-TW" altLang="en-US" sz="2400" dirty="0">
+                <a:latin typeface="標楷體" panose="03000509000000000000" pitchFamily="65" charset="-120"/>
+                <a:ea typeface="標楷體" panose="03000509000000000000" pitchFamily="65" charset="-120"/>
               </a:rPr>
-              <a:t>Current: </a:t>
-            </a:r>
-            <a:r>
-              <a:rPr lang="en-US" altLang="zh-TW" sz="2400" b="1" dirty="0">
-                <a:effectLst/>
-                <a:latin typeface="Times New Roman" panose="02020603050405020304" pitchFamily="18" charset="0"/>
-                <a:cs typeface="Times New Roman" panose="02020603050405020304" pitchFamily="18" charset="0"/>
+              <a:t>現時性</a:t>
+            </a:r>
+            <a:r>
+              <a:rPr lang="zh-CN" altLang="en-US" sz="2400" dirty="0">
+                <a:latin typeface="標楷體" panose="03000509000000000000" pitchFamily="65" charset="-120"/>
+                <a:ea typeface="標楷體" panose="03000509000000000000" pitchFamily="65" charset="-120"/>
               </a:rPr>
-              <a:t>MEDIUM</a:t>
-            </a:r>
-            <a:r>
-              <a:rPr lang="en-US" altLang="zh-TW" sz="2400" dirty="0">
-                <a:effectLst/>
-                <a:latin typeface="Times New Roman" panose="02020603050405020304" pitchFamily="18" charset="0"/>
-                <a:cs typeface="Times New Roman" panose="02020603050405020304" pitchFamily="18" charset="0"/>
+              <a:t>：中度</a:t>
+            </a:r>
+            <a:r>
+              <a:rPr lang="en-US" altLang="zh-CN" sz="2400" dirty="0">
+                <a:latin typeface="標楷體" panose="03000509000000000000" pitchFamily="65" charset="-120"/>
+                <a:ea typeface="標楷體" panose="03000509000000000000" pitchFamily="65" charset="-120"/>
               </a:rPr>
-              <a:t> — data is few years old but the habit of how people live does not change over a few years</a:t>
-            </a:r>
-          </a:p>
-          <a:p>
-            <a:pPr marL="457200" indent="-457200" fontAlgn="auto">
+              <a:t>-</a:t>
+            </a:r>
+            <a:r>
+              <a:rPr lang="zh-CN" altLang="en-US" sz="2400" dirty="0">
+                <a:latin typeface="標楷體" panose="03000509000000000000" pitchFamily="65" charset="-120"/>
+                <a:ea typeface="標楷體" panose="03000509000000000000" pitchFamily="65" charset="-120"/>
+              </a:rPr>
+              <a:t>資料是幾年前的，但人們的生活習慣在幾年內不會改變引用：高</a:t>
+            </a:r>
+            <a:r>
+              <a:rPr lang="en-US" altLang="zh-CN" sz="2400" dirty="0">
+                <a:latin typeface="標楷體" panose="03000509000000000000" pitchFamily="65" charset="-120"/>
+                <a:ea typeface="標楷體" panose="03000509000000000000" pitchFamily="65" charset="-120"/>
+              </a:rPr>
+              <a:t>- </a:t>
+            </a:r>
+            <a:r>
+              <a:rPr lang="zh-CN" altLang="en-US" sz="2400" dirty="0">
+                <a:latin typeface="標楷體" panose="03000509000000000000" pitchFamily="65" charset="-120"/>
+                <a:ea typeface="標楷體" panose="03000509000000000000" pitchFamily="65" charset="-120"/>
+              </a:rPr>
+              <a:t>資料收集者和來源有據可查</a:t>
+            </a:r>
+            <a:endParaRPr lang="en-US" altLang="zh-CN" sz="2400" dirty="0">
+              <a:latin typeface="標楷體" panose="03000509000000000000" pitchFamily="65" charset="-120"/>
+              <a:ea typeface="標楷體" panose="03000509000000000000" pitchFamily="65" charset="-120"/>
+            </a:endParaRPr>
+          </a:p>
+          <a:p>
+            <a:pPr marL="457200" indent="-457200">
               <a:buFont typeface="+mj-lt"/>
               <a:buAutoNum type="arabicPeriod"/>
             </a:pPr>
             <a:r>
+              <a:rPr lang="zh-TW" altLang="en-US" sz="2400" dirty="0">
+                <a:latin typeface="標楷體" panose="03000509000000000000" pitchFamily="65" charset="-120"/>
+                <a:ea typeface="標楷體" panose="03000509000000000000" pitchFamily="65" charset="-120"/>
+              </a:rPr>
+              <a:t>引用：高</a:t>
+            </a:r>
+            <a:r>
               <a:rPr lang="en-US" altLang="zh-TW" sz="2400" dirty="0">
-                <a:effectLst/>
-                <a:latin typeface="Times New Roman" panose="02020603050405020304" pitchFamily="18" charset="0"/>
-                <a:cs typeface="Times New Roman" panose="02020603050405020304" pitchFamily="18" charset="0"/>
+                <a:latin typeface="標楷體" panose="03000509000000000000" pitchFamily="65" charset="-120"/>
+                <a:ea typeface="標楷體" panose="03000509000000000000" pitchFamily="65" charset="-120"/>
               </a:rPr>
-              <a:t>Cited: </a:t>
-            </a:r>
-            <a:r>
-              <a:rPr lang="en-US" altLang="zh-TW" sz="2400" b="1" dirty="0">
-                <a:effectLst/>
-                <a:latin typeface="Times New Roman" panose="02020603050405020304" pitchFamily="18" charset="0"/>
-                <a:cs typeface="Times New Roman" panose="02020603050405020304" pitchFamily="18" charset="0"/>
+              <a:t>-</a:t>
+            </a:r>
+            <a:r>
+              <a:rPr lang="zh-TW" altLang="en-US" sz="2400" dirty="0">
+                <a:latin typeface="標楷體" panose="03000509000000000000" pitchFamily="65" charset="-120"/>
+                <a:ea typeface="標楷體" panose="03000509000000000000" pitchFamily="65" charset="-120"/>
               </a:rPr>
-              <a:t>HIGH</a:t>
-            </a:r>
-            <a:r>
-              <a:rPr lang="en-US" altLang="zh-TW" sz="2400" dirty="0">
-                <a:effectLst/>
-                <a:latin typeface="Times New Roman" panose="02020603050405020304" pitchFamily="18" charset="0"/>
-                <a:cs typeface="Times New Roman" panose="02020603050405020304" pitchFamily="18" charset="0"/>
-              </a:rPr>
-              <a:t> — data collector and the source is well documented</a:t>
-            </a:r>
+              <a:t>資料收集者和來源有據可查</a:t>
+            </a:r>
+            <a:endParaRPr lang="zh-CN" altLang="en-US" sz="2400" dirty="0">
+              <a:latin typeface="標楷體" panose="03000509000000000000" pitchFamily="65" charset="-120"/>
+              <a:ea typeface="標楷體" panose="03000509000000000000" pitchFamily="65" charset="-120"/>
+            </a:endParaRPr>
           </a:p>
           <a:p>
             <a:pPr marL="514350"/>
@@ -17354,7 +18579,8 @@
                 <a:srgbClr val="3C4043"/>
               </a:solidFill>
               <a:effectLst/>
-              <a:latin typeface="Times New Roman" panose="02020603050405020304" pitchFamily="18" charset="0"/>
+              <a:latin typeface="標楷體" panose="03000509000000000000" pitchFamily="65" charset="-120"/>
+              <a:ea typeface="標楷體" panose="03000509000000000000" pitchFamily="65" charset="-120"/>
               <a:cs typeface="Times New Roman" panose="02020603050405020304" pitchFamily="18" charset="0"/>
             </a:endParaRPr>
           </a:p>
@@ -17621,15 +18847,23 @@
           <a:lstStyle/>
           <a:p>
             <a:r>
-              <a:rPr lang="en-US" altLang="zh-TW" kern="1200">
+              <a:rPr lang="zh-TW" altLang="en-US" sz="4400" dirty="0">
                 <a:solidFill>
-                  <a:srgbClr val="FFFFFF"/>
+                  <a:schemeClr val="bg1"/>
                 </a:solidFill>
-                <a:latin typeface="Times New Roman" panose="02020603050405020304" pitchFamily="18" charset="0"/>
+                <a:latin typeface="標楷體" panose="03000509000000000000" pitchFamily="65" charset="-120"/>
+                <a:ea typeface="標楷體" panose="03000509000000000000" pitchFamily="65" charset="-120"/>
                 <a:cs typeface="Times New Roman" panose="02020603050405020304" pitchFamily="18" charset="0"/>
               </a:rPr>
-              <a:t>Process</a:t>
-            </a:r>
+              <a:t>處理</a:t>
+            </a:r>
+            <a:endParaRPr lang="en-US" altLang="zh-TW" kern="1200" dirty="0">
+              <a:solidFill>
+                <a:srgbClr val="FFFFFF"/>
+              </a:solidFill>
+              <a:latin typeface="Times New Roman" panose="02020603050405020304" pitchFamily="18" charset="0"/>
+              <a:cs typeface="Times New Roman" panose="02020603050405020304" pitchFamily="18" charset="0"/>
+            </a:endParaRPr>
           </a:p>
         </p:txBody>
       </p:sp>
@@ -17726,60 +18960,107 @@
               <a:buNone/>
             </a:pPr>
             <a:r>
-              <a:rPr lang="en-US" altLang="zh-TW" sz="2400" dirty="0">
-                <a:latin typeface="Times New Roman" panose="02020603050405020304" pitchFamily="18" charset="0"/>
+              <a:rPr lang="zh-TW" altLang="en-US" dirty="0">
+                <a:latin typeface="標楷體" panose="03000509000000000000" pitchFamily="65" charset="-120"/>
+                <a:ea typeface="標楷體" panose="03000509000000000000" pitchFamily="65" charset="-120"/>
                 <a:cs typeface="Times New Roman" panose="02020603050405020304" pitchFamily="18" charset="0"/>
               </a:rPr>
-              <a:t>Questions</a:t>
-            </a:r>
-            <a:r>
-              <a:rPr lang="en-US" altLang="zh-TW" sz="2200" dirty="0">
-                <a:latin typeface="Times New Roman" panose="02020603050405020304" pitchFamily="18" charset="0"/>
+              <a:t>問</a:t>
+            </a:r>
+            <a:r>
+              <a:rPr lang="en-US" altLang="zh-TW" dirty="0">
+                <a:latin typeface="標楷體" panose="03000509000000000000" pitchFamily="65" charset="-120"/>
+                <a:ea typeface="標楷體" panose="03000509000000000000" pitchFamily="65" charset="-120"/>
+                <a:cs typeface="Times New Roman" panose="02020603050405020304" pitchFamily="18" charset="0"/>
+              </a:rPr>
+              <a:t>: </a:t>
+            </a:r>
+          </a:p>
+          <a:p>
+            <a:pPr algn="ctr"/>
+            <a:r>
+              <a:rPr lang="zh-TW" altLang="en-US" sz="2400" dirty="0">
+                <a:latin typeface="標楷體" panose="03000509000000000000" pitchFamily="65" charset="-120"/>
+                <a:ea typeface="標楷體" panose="03000509000000000000" pitchFamily="65" charset="-120"/>
+                <a:cs typeface="Times New Roman" panose="02020603050405020304" pitchFamily="18" charset="0"/>
+              </a:rPr>
+              <a:t>任何資料清理或處理的記錄</a:t>
+            </a:r>
+            <a:endParaRPr lang="en-US" altLang="zh-TW" sz="2400" dirty="0">
+              <a:latin typeface="標楷體" panose="03000509000000000000" pitchFamily="65" charset="-120"/>
+              <a:ea typeface="標楷體" panose="03000509000000000000" pitchFamily="65" charset="-120"/>
+              <a:cs typeface="Times New Roman" panose="02020603050405020304" pitchFamily="18" charset="0"/>
+            </a:endParaRPr>
+          </a:p>
+          <a:p>
+            <a:pPr algn="ctr"/>
+            <a:endParaRPr lang="en-US" altLang="zh-TW" sz="2400" dirty="0">
+              <a:latin typeface="標楷體" panose="03000509000000000000" pitchFamily="65" charset="-120"/>
+              <a:ea typeface="標楷體" panose="03000509000000000000" pitchFamily="65" charset="-120"/>
+              <a:cs typeface="Times New Roman" panose="02020603050405020304" pitchFamily="18" charset="0"/>
+            </a:endParaRPr>
+          </a:p>
+          <a:p>
+            <a:pPr marL="0" indent="0" algn="ctr">
+              <a:buNone/>
+            </a:pPr>
+            <a:r>
+              <a:rPr lang="zh-TW" altLang="en-US" dirty="0">
+                <a:latin typeface="標楷體" panose="03000509000000000000" pitchFamily="65" charset="-120"/>
+                <a:ea typeface="標楷體" panose="03000509000000000000" pitchFamily="65" charset="-120"/>
+                <a:cs typeface="Times New Roman" panose="02020603050405020304" pitchFamily="18" charset="0"/>
+              </a:rPr>
+              <a:t>答</a:t>
+            </a:r>
+            <a:r>
+              <a:rPr lang="en-US" altLang="zh-TW" dirty="0">
+                <a:latin typeface="標楷體" panose="03000509000000000000" pitchFamily="65" charset="-120"/>
+                <a:ea typeface="標楷體" panose="03000509000000000000" pitchFamily="65" charset="-120"/>
                 <a:cs typeface="Times New Roman" panose="02020603050405020304" pitchFamily="18" charset="0"/>
               </a:rPr>
               <a:t>:</a:t>
             </a:r>
           </a:p>
           <a:p>
-            <a:pPr marL="514350"/>
-            <a:r>
-              <a:rPr lang="en-US" altLang="zh-TW" sz="2200" dirty="0">
-                <a:latin typeface="Times New Roman" panose="02020603050405020304" pitchFamily="18" charset="0"/>
-                <a:cs typeface="Times New Roman" panose="02020603050405020304" pitchFamily="18" charset="0"/>
+            <a:r>
+              <a:rPr lang="zh-TW" altLang="en-US" dirty="0">
+                <a:latin typeface="標楷體" panose="03000509000000000000" pitchFamily="65" charset="-120"/>
+                <a:ea typeface="標楷體" panose="03000509000000000000" pitchFamily="65" charset="-120"/>
               </a:rPr>
-              <a:t>Documentation of any cleaning or manipulation of data</a:t>
-            </a:r>
-          </a:p>
-          <a:p>
-            <a:pPr marL="514350" algn="ctr"/>
-            <a:endParaRPr lang="en-US" altLang="zh-TW" sz="2400" b="1" dirty="0">
-              <a:latin typeface="Times New Roman" panose="02020603050405020304" pitchFamily="18" charset="0"/>
-              <a:cs typeface="Times New Roman" panose="02020603050405020304" pitchFamily="18" charset="0"/>
+              <a:t>在</a:t>
+            </a:r>
+            <a:r>
+              <a:rPr lang="en-US" altLang="zh-TW" dirty="0">
+                <a:latin typeface="標楷體" panose="03000509000000000000" pitchFamily="65" charset="-120"/>
+                <a:ea typeface="標楷體" panose="03000509000000000000" pitchFamily="65" charset="-120"/>
+              </a:rPr>
+              <a:t>Visual Studio</a:t>
+            </a:r>
+            <a:r>
+              <a:rPr lang="zh-TW" altLang="en-US" dirty="0">
+                <a:latin typeface="標楷體" panose="03000509000000000000" pitchFamily="65" charset="-120"/>
+                <a:ea typeface="標楷體" panose="03000509000000000000" pitchFamily="65" charset="-120"/>
+              </a:rPr>
+              <a:t>中使用</a:t>
+            </a:r>
+            <a:r>
+              <a:rPr lang="en-US" altLang="zh-TW" dirty="0">
+                <a:latin typeface="標楷體" panose="03000509000000000000" pitchFamily="65" charset="-120"/>
+                <a:ea typeface="標楷體" panose="03000509000000000000" pitchFamily="65" charset="-120"/>
+              </a:rPr>
+              <a:t>R</a:t>
+            </a:r>
+            <a:r>
+              <a:rPr lang="zh-TW" altLang="en-US" dirty="0">
+                <a:latin typeface="標楷體" panose="03000509000000000000" pitchFamily="65" charset="-120"/>
+                <a:ea typeface="標楷體" panose="03000509000000000000" pitchFamily="65" charset="-120"/>
+              </a:rPr>
+              <a:t>語言，將每個程式結果紀錄並存檔，並在該專案完成時，進行完整斷網封存，以便未來使用。</a:t>
+            </a:r>
+            <a:endParaRPr lang="zh-CN" altLang="en-US" dirty="0">
+              <a:latin typeface="標楷體" panose="03000509000000000000" pitchFamily="65" charset="-120"/>
+              <a:ea typeface="標楷體" panose="03000509000000000000" pitchFamily="65" charset="-120"/>
             </a:endParaRPr>
-          </a:p>
-          <a:p>
-            <a:pPr marL="514350" algn="ctr"/>
-            <a:r>
-              <a:rPr lang="en-US" altLang="zh-TW" sz="2400" b="1" dirty="0">
-                <a:latin typeface="Times New Roman" panose="02020603050405020304" pitchFamily="18" charset="0"/>
-                <a:cs typeface="Times New Roman" panose="02020603050405020304" pitchFamily="18" charset="0"/>
-              </a:rPr>
-              <a:t>Answer:</a:t>
-            </a:r>
-            <a:endParaRPr lang="en-US" altLang="zh-TW" sz="2200" dirty="0">
-              <a:latin typeface="Times New Roman" panose="02020603050405020304" pitchFamily="18" charset="0"/>
-              <a:cs typeface="Times New Roman" panose="02020603050405020304" pitchFamily="18" charset="0"/>
-            </a:endParaRPr>
-          </a:p>
-          <a:p>
-            <a:pPr marL="514350"/>
-            <a:r>
-              <a:rPr lang="en-US" altLang="zh-TW" sz="2200" dirty="0">
-                <a:latin typeface="Times New Roman" panose="02020603050405020304" pitchFamily="18" charset="0"/>
-                <a:cs typeface="Times New Roman" panose="02020603050405020304" pitchFamily="18" charset="0"/>
-              </a:rPr>
-              <a:t>Use R in Visual Studio to record and archive the results of each program and perform a complete disconnect and seal at the completion of the project for future use.</a:t>
-            </a:r>
           </a:p>
         </p:txBody>
       </p:sp>
@@ -17906,7 +19187,7 @@
         <p:spPr>
           <a:xfrm>
             <a:off x="630936" y="640080"/>
-            <a:ext cx="4818888" cy="1481328"/>
+            <a:ext cx="1744871" cy="1481328"/>
           </a:xfrm>
         </p:spPr>
         <p:txBody>
@@ -17916,15 +19197,24 @@
           <a:lstStyle/>
           <a:p>
             <a:r>
-              <a:rPr lang="en-US" altLang="zh-TW" kern="1200" dirty="0">
+              <a:rPr lang="zh-TW" altLang="en-US" sz="5400" kern="1200" dirty="0">
                 <a:solidFill>
                   <a:schemeClr val="tx1"/>
                 </a:solidFill>
-                <a:latin typeface="Times New Roman" panose="02020603050405020304" pitchFamily="18" charset="0"/>
+                <a:latin typeface="標楷體" panose="03000509000000000000" pitchFamily="65" charset="-120"/>
+                <a:ea typeface="標楷體" panose="03000509000000000000" pitchFamily="65" charset="-120"/>
                 <a:cs typeface="Times New Roman" panose="02020603050405020304" pitchFamily="18" charset="0"/>
               </a:rPr>
-              <a:t>Analyze</a:t>
-            </a:r>
+              <a:t>分析</a:t>
+            </a:r>
+            <a:endParaRPr lang="en-US" altLang="zh-TW" sz="5400" kern="1200" dirty="0">
+              <a:solidFill>
+                <a:schemeClr val="tx1"/>
+              </a:solidFill>
+              <a:latin typeface="標楷體" panose="03000509000000000000" pitchFamily="65" charset="-120"/>
+              <a:ea typeface="標楷體" panose="03000509000000000000" pitchFamily="65" charset="-120"/>
+              <a:cs typeface="Times New Roman" panose="02020603050405020304" pitchFamily="18" charset="0"/>
+            </a:endParaRPr>
           </a:p>
         </p:txBody>
       </p:sp>
@@ -18219,8 +19509,8 @@
         </p:nvSpPr>
         <p:spPr>
           <a:xfrm>
-            <a:off x="4562761" y="127399"/>
-            <a:ext cx="7629239" cy="2108052"/>
+            <a:off x="4239205" y="253218"/>
+            <a:ext cx="6807073" cy="2137937"/>
           </a:xfrm>
         </p:spPr>
         <p:txBody>
@@ -18229,42 +19519,49 @@
           </a:bodyPr>
           <a:lstStyle/>
           <a:p>
-            <a:pPr marL="57150" indent="0" algn="ctr">
+            <a:pPr marL="285750" indent="0" algn="ctr">
               <a:buNone/>
             </a:pPr>
             <a:r>
-              <a:rPr lang="en-US" altLang="zh-TW" b="1" dirty="0">
-                <a:latin typeface="Times New Roman" panose="02020603050405020304" pitchFamily="18" charset="0"/>
+              <a:rPr lang="zh-TW" altLang="en-US" b="1" dirty="0">
+                <a:latin typeface="標楷體" panose="03000509000000000000" pitchFamily="65" charset="-120"/>
+                <a:ea typeface="標楷體" panose="03000509000000000000" pitchFamily="65" charset="-120"/>
                 <a:cs typeface="Times New Roman" panose="02020603050405020304" pitchFamily="18" charset="0"/>
               </a:rPr>
-              <a:t>Summary analysis</a:t>
-            </a:r>
-          </a:p>
-          <a:p>
-            <a:r>
-              <a:rPr lang="en-US" altLang="zh-TW" sz="2400" dirty="0">
+              <a:t>分析摘要</a:t>
+            </a:r>
+            <a:endParaRPr lang="en-US" altLang="zh-TW" b="1" dirty="0">
+              <a:latin typeface="標楷體" panose="03000509000000000000" pitchFamily="65" charset="-120"/>
+              <a:ea typeface="標楷體" panose="03000509000000000000" pitchFamily="65" charset="-120"/>
+              <a:cs typeface="Times New Roman" panose="02020603050405020304" pitchFamily="18" charset="0"/>
+            </a:endParaRPr>
+          </a:p>
+          <a:p>
+            <a:pPr marL="285750" indent="0" algn="ctr">
+              <a:buNone/>
+            </a:pPr>
+            <a:endParaRPr lang="en-US" altLang="zh-TW" sz="1000" b="1" dirty="0">
+              <a:latin typeface="標楷體" panose="03000509000000000000" pitchFamily="65" charset="-120"/>
+              <a:ea typeface="標楷體" panose="03000509000000000000" pitchFamily="65" charset="-120"/>
+              <a:cs typeface="Times New Roman" panose="02020603050405020304" pitchFamily="18" charset="0"/>
+            </a:endParaRPr>
+          </a:p>
+          <a:p>
+            <a:r>
+              <a:rPr lang="zh-TW" altLang="en-US" sz="2600" dirty="0">
                 <a:solidFill>
                   <a:srgbClr val="242424"/>
                 </a:solidFill>
-                <a:latin typeface="Times New Roman" panose="02020603050405020304" pitchFamily="18" charset="0"/>
+                <a:latin typeface="標楷體" panose="03000509000000000000" pitchFamily="65" charset="-120"/>
+                <a:ea typeface="標楷體" panose="03000509000000000000" pitchFamily="65" charset="-120"/>
                 <a:cs typeface="Times New Roman" panose="02020603050405020304" pitchFamily="18" charset="0"/>
               </a:rPr>
-              <a:t>C</a:t>
-            </a:r>
-            <a:r>
-              <a:rPr lang="en-US" altLang="zh-TW" sz="2400" b="0" i="0" dirty="0">
-                <a:solidFill>
-                  <a:srgbClr val="242424"/>
-                </a:solidFill>
-                <a:effectLst/>
-                <a:latin typeface="Times New Roman" panose="02020603050405020304" pitchFamily="18" charset="0"/>
-                <a:cs typeface="Times New Roman" panose="02020603050405020304" pitchFamily="18" charset="0"/>
-              </a:rPr>
-              <a:t>orrelation between the number of steps and the calories burned by the users. We can see on the graph below a positive correlation: the more active the user is, the more significant the number of burned calories is.</a:t>
-            </a:r>
-            <a:endParaRPr lang="en-US" altLang="zh-TW" sz="3200" b="0" i="0" dirty="0">
+              <a:t>使用者的步數與消耗的卡路里之間的相關性。可以從下圖中看到一種正相關關係：使用者越活躍，消耗的卡路里就越多。</a:t>
+            </a:r>
+            <a:endParaRPr lang="en-US" altLang="zh-TW" sz="3500" b="0" i="0" dirty="0">
               <a:effectLst/>
-              <a:latin typeface="Times New Roman" panose="02020603050405020304" pitchFamily="18" charset="0"/>
+              <a:latin typeface="標楷體" panose="03000509000000000000" pitchFamily="65" charset="-120"/>
+              <a:ea typeface="標楷體" panose="03000509000000000000" pitchFamily="65" charset="-120"/>
               <a:cs typeface="Times New Roman" panose="02020603050405020304" pitchFamily="18" charset="0"/>
             </a:endParaRPr>
           </a:p>
